--- a/プログラミングスタートアップ.pptx
+++ b/プログラミングスタートアップ.pptx
@@ -4670,7 +4670,6 @@
               <a:rPr lang="en-US" altLang="ja-JP" sz="1800" dirty="0" smtClean="0"/>
               <a:t>Paint</a:t>
             </a:r>
-            <a:endParaRPr lang="en-US" altLang="ja-JP" sz="1800" dirty="0" smtClean="0"/>
           </a:p>
           <a:p>
             <a:pPr marL="0" indent="0">
@@ -5442,11 +5441,7 @@
             </a:r>
             <a:r>
               <a:rPr kumimoji="1" lang="ja-JP" altLang="en-US" sz="1600" dirty="0" smtClean="0"/>
-              <a:t>描画時に呼ばれるイベントハンドラ（</a:t>
-            </a:r>
-            <a:r>
-              <a:rPr kumimoji="1" lang="ja-JP" altLang="en-US" sz="1600" dirty="0" smtClean="0"/>
-              <a:t>大切 </a:t>
+              <a:t>描画時に呼ばれるイベントハンドラ（大切 </a:t>
             </a:r>
             <a:r>
               <a:rPr kumimoji="1" lang="en-US" altLang="ja-JP" sz="1600" dirty="0" smtClean="0"/>
@@ -10332,11 +10327,7 @@
             </a:pPr>
             <a:r>
               <a:rPr lang="ja-JP" altLang="en-US" sz="2000" dirty="0" smtClean="0"/>
-              <a:t>通常ひとクラスは一つの役割のみを持たせる</a:t>
-            </a:r>
-            <a:r>
-              <a:rPr lang="ja-JP" altLang="en-US" sz="2000" dirty="0" smtClean="0"/>
-              <a:t>べき</a:t>
+              <a:t>通常ひとクラスは一つの役割のみを持たせるべき</a:t>
             </a:r>
             <a:endParaRPr lang="en-US" altLang="ja-JP" sz="2000" dirty="0"/>
           </a:p>
@@ -10367,11 +10358,7 @@
             </a:r>
             <a:r>
               <a:rPr kumimoji="1" lang="ja-JP" altLang="en-US" sz="2400" dirty="0" smtClean="0"/>
-              <a:t>クラスを作成し，描画とマウスイベントハンドラの実装をそちらに</a:t>
-            </a:r>
-            <a:r>
-              <a:rPr kumimoji="1" lang="ja-JP" altLang="en-US" sz="2400" dirty="0" smtClean="0"/>
-              <a:t>任せる</a:t>
+              <a:t>クラスを作成し，描画とマウスイベントハンドラの実装をそちらに任せる</a:t>
             </a:r>
             <a:endParaRPr kumimoji="1" lang="en-US" altLang="ja-JP" sz="2400" dirty="0" smtClean="0"/>
           </a:p>
@@ -10476,55 +10463,49 @@
               <a:rPr lang="ja-JP" altLang="en-US" sz="2400" dirty="0" smtClean="0">
                 <a:sym typeface="Wingdings" panose="05000000000000000000" pitchFamily="2" charset="2"/>
               </a:rPr>
-              <a:t>ここ</a:t>
+              <a:t>ここまでやったものを 研究室</a:t>
+            </a:r>
+            <a:r>
+              <a:rPr lang="en-US" altLang="ja-JP" sz="2400" dirty="0" err="1" smtClean="0">
+                <a:sym typeface="Wingdings" panose="05000000000000000000" pitchFamily="2" charset="2"/>
+              </a:rPr>
+              <a:t>Github</a:t>
             </a:r>
             <a:r>
               <a:rPr lang="ja-JP" altLang="en-US" sz="2400" dirty="0" smtClean="0">
                 <a:sym typeface="Wingdings" panose="05000000000000000000" pitchFamily="2" charset="2"/>
               </a:rPr>
-              <a:t>までやったものを 研究室</a:t>
+              <a:t>の</a:t>
             </a:r>
             <a:r>
               <a:rPr lang="en-US" altLang="ja-JP" sz="2400" dirty="0" err="1" smtClean="0">
                 <a:sym typeface="Wingdings" panose="05000000000000000000" pitchFamily="2" charset="2"/>
               </a:rPr>
-              <a:t>Github</a:t>
+              <a:t>IGProgramBootup</a:t>
             </a:r>
             <a:r>
               <a:rPr lang="ja-JP" altLang="en-US" sz="2400" dirty="0" smtClean="0">
                 <a:sym typeface="Wingdings" panose="05000000000000000000" pitchFamily="2" charset="2"/>
               </a:rPr>
+              <a:t>リポジトリ</a:t>
+            </a:r>
+            <a:r>
+              <a:rPr lang="ja-JP" altLang="en-US" sz="2400" dirty="0" smtClean="0">
+                <a:sym typeface="Wingdings" panose="05000000000000000000" pitchFamily="2" charset="2"/>
+              </a:rPr>
               <a:t>の</a:t>
             </a:r>
             <a:r>
               <a:rPr lang="en-US" altLang="ja-JP" sz="2400" dirty="0" err="1" smtClean="0">
                 <a:sym typeface="Wingdings" panose="05000000000000000000" pitchFamily="2" charset="2"/>
               </a:rPr>
-              <a:t>IGProgrammingSrc</a:t>
+              <a:t>CliOglMinimum</a:t>
             </a:r>
             <a:r>
               <a:rPr lang="ja-JP" altLang="en-US" sz="2400" dirty="0" smtClean="0">
                 <a:sym typeface="Wingdings" panose="05000000000000000000" pitchFamily="2" charset="2"/>
               </a:rPr>
-              <a:t>リポジトリの</a:t>
-            </a:r>
-            <a:r>
-              <a:rPr lang="en-US" altLang="ja-JP" sz="2400" dirty="0" err="1" smtClean="0">
-                <a:sym typeface="Wingdings" panose="05000000000000000000" pitchFamily="2" charset="2"/>
-              </a:rPr>
-              <a:t>CliOglMinimum</a:t>
-            </a:r>
-            <a:r>
-              <a:rPr lang="ja-JP" altLang="en-US" sz="2400" dirty="0" smtClean="0">
-                <a:sym typeface="Wingdings" panose="05000000000000000000" pitchFamily="2" charset="2"/>
-              </a:rPr>
-              <a:t>ブランチにおいて</a:t>
-            </a:r>
-            <a:r>
-              <a:rPr lang="ja-JP" altLang="en-US" sz="2400" dirty="0" smtClean="0">
-                <a:sym typeface="Wingdings" panose="05000000000000000000" pitchFamily="2" charset="2"/>
-              </a:rPr>
-              <a:t>おく</a:t>
+              <a:t>ブランチにおいておく</a:t>
             </a:r>
             <a:endParaRPr lang="en-US" altLang="ja-JP" sz="2400" dirty="0"/>
           </a:p>

--- a/プログラミングスタートアップ.pptx
+++ b/プログラミングスタートアップ.pptx
@@ -5,7 +5,7 @@
     <p:sldMasterId id="2147483672" r:id="rId1"/>
   </p:sldMasterIdLst>
   <p:notesMasterIdLst>
-    <p:notesMasterId r:id="rId21"/>
+    <p:notesMasterId r:id="rId25"/>
   </p:notesMasterIdLst>
   <p:sldIdLst>
     <p:sldId id="256" r:id="rId2"/>
@@ -26,7 +26,11 @@
     <p:sldId id="302" r:id="rId17"/>
     <p:sldId id="303" r:id="rId18"/>
     <p:sldId id="300" r:id="rId19"/>
-    <p:sldId id="304" r:id="rId20"/>
+    <p:sldId id="306" r:id="rId20"/>
+    <p:sldId id="307" r:id="rId21"/>
+    <p:sldId id="308" r:id="rId22"/>
+    <p:sldId id="304" r:id="rId23"/>
+    <p:sldId id="305" r:id="rId24"/>
   </p:sldIdLst>
   <p:sldSz cx="12192000" cy="6858000"/>
   <p:notesSz cx="6858000" cy="9144000"/>
@@ -10487,13 +10491,7 @@
               <a:rPr lang="ja-JP" altLang="en-US" sz="2400" dirty="0" smtClean="0">
                 <a:sym typeface="Wingdings" panose="05000000000000000000" pitchFamily="2" charset="2"/>
               </a:rPr>
-              <a:t>リポジトリ</a:t>
-            </a:r>
-            <a:r>
-              <a:rPr lang="ja-JP" altLang="en-US" sz="2400" dirty="0" smtClean="0">
-                <a:sym typeface="Wingdings" panose="05000000000000000000" pitchFamily="2" charset="2"/>
-              </a:rPr>
-              <a:t>の</a:t>
+              <a:t>リポジトリの</a:t>
             </a:r>
             <a:r>
               <a:rPr lang="en-US" altLang="ja-JP" sz="2400" dirty="0" err="1" smtClean="0">
@@ -10591,191 +10589,27 @@
             <p:ph type="title"/>
           </p:nvPr>
         </p:nvSpPr>
-        <p:spPr/>
+        <p:spPr>
+          <a:xfrm>
+            <a:off x="838200" y="780474"/>
+            <a:ext cx="7954926" cy="644968"/>
+          </a:xfrm>
+        </p:spPr>
         <p:txBody>
           <a:bodyPr>
-            <a:normAutofit/>
+            <a:noAutofit/>
           </a:bodyPr>
           <a:lstStyle/>
           <a:p>
             <a:r>
-              <a:rPr kumimoji="1" lang="en-US" altLang="ja-JP" sz="3600" dirty="0" smtClean="0"/>
-              <a:t>Simulator</a:t>
-            </a:r>
-            <a:r>
-              <a:rPr kumimoji="1" lang="ja-JP" altLang="en-US" sz="3600" dirty="0" smtClean="0"/>
-              <a:t>の実装</a:t>
-            </a:r>
-            <a:endParaRPr kumimoji="1" lang="ja-JP" altLang="en-US" sz="3600" dirty="0"/>
-          </a:p>
-        </p:txBody>
-      </p:sp>
-      <p:sp>
-        <p:nvSpPr>
-          <p:cNvPr id="3" name="コンテンツ プレースホルダー 2"/>
-          <p:cNvSpPr>
-            <a:spLocks noGrp="1"/>
-          </p:cNvSpPr>
-          <p:nvPr>
-            <p:ph idx="1"/>
-          </p:nvPr>
-        </p:nvSpPr>
-        <p:spPr/>
-        <p:txBody>
-          <a:bodyPr>
-            <a:normAutofit/>
-          </a:bodyPr>
-          <a:lstStyle/>
-          <a:p>
-            <a:r>
-              <a:rPr lang="ja-JP" altLang="en-US" sz="2000" dirty="0" smtClean="0"/>
-              <a:t>ここまでの</a:t>
-            </a:r>
-            <a:r>
-              <a:rPr lang="ja-JP" altLang="en-US" sz="2000" dirty="0"/>
-              <a:t>話</a:t>
-            </a:r>
-            <a:r>
-              <a:rPr lang="ja-JP" altLang="en-US" sz="2000" dirty="0" smtClean="0"/>
-              <a:t>では，ユーザが</a:t>
-            </a:r>
-            <a:r>
-              <a:rPr lang="en-US" altLang="ja-JP" sz="2000" dirty="0" smtClean="0"/>
-              <a:t>Form</a:t>
-            </a:r>
-            <a:r>
-              <a:rPr lang="ja-JP" altLang="en-US" sz="2000" dirty="0" smtClean="0"/>
-              <a:t>にマウス</a:t>
-            </a:r>
-            <a:r>
-              <a:rPr lang="en-US" altLang="ja-JP" sz="2000" dirty="0" smtClean="0"/>
-              <a:t>/</a:t>
-            </a:r>
-            <a:r>
-              <a:rPr lang="ja-JP" altLang="en-US" sz="2000" dirty="0" smtClean="0"/>
-              <a:t>キーボード入力をすると，そのたびにイベントハンドラが呼ばれるという事だった</a:t>
-            </a:r>
-            <a:endParaRPr lang="en-US" altLang="ja-JP" sz="2000" dirty="0" smtClean="0"/>
-          </a:p>
-          <a:p>
-            <a:r>
-              <a:rPr kumimoji="1" lang="ja-JP" altLang="en-US" sz="2000" dirty="0"/>
-              <a:t>シミュレータ</a:t>
-            </a:r>
-            <a:r>
-              <a:rPr kumimoji="1" lang="ja-JP" altLang="en-US" sz="2000" dirty="0" smtClean="0"/>
-              <a:t>を作るときには，常に逐次計算をまわす必要がある</a:t>
-            </a:r>
-            <a:endParaRPr kumimoji="1" lang="en-US" altLang="ja-JP" sz="2000" dirty="0" smtClean="0"/>
-          </a:p>
-          <a:p>
-            <a:pPr lvl="1">
-              <a:spcBef>
-                <a:spcPts val="600"/>
-              </a:spcBef>
-            </a:pPr>
-            <a:r>
-              <a:rPr lang="en-US" altLang="ja-JP" sz="1800" dirty="0" smtClean="0"/>
-              <a:t>For</a:t>
-            </a:r>
-            <a:r>
-              <a:rPr lang="ja-JP" altLang="en-US" sz="1800" dirty="0" smtClean="0"/>
-              <a:t>文で逐次計算をまわす？？</a:t>
-            </a:r>
-            <a:r>
-              <a:rPr lang="en-US" altLang="ja-JP" sz="1800" dirty="0" smtClean="0">
-                <a:sym typeface="Wingdings" panose="05000000000000000000" pitchFamily="2" charset="2"/>
-              </a:rPr>
-              <a:t> </a:t>
-            </a:r>
-            <a:r>
-              <a:rPr lang="ja-JP" altLang="en-US" sz="1800" dirty="0" smtClean="0">
-                <a:sym typeface="Wingdings" panose="05000000000000000000" pitchFamily="2" charset="2"/>
-              </a:rPr>
-              <a:t>ユーザのイベントが</a:t>
-            </a:r>
-            <a:r>
-              <a:rPr lang="en-US" altLang="ja-JP" sz="1800" dirty="0" smtClean="0">
-                <a:sym typeface="Wingdings" panose="05000000000000000000" pitchFamily="2" charset="2"/>
-              </a:rPr>
-              <a:t>for</a:t>
-            </a:r>
-            <a:r>
-              <a:rPr lang="ja-JP" altLang="en-US" sz="1800" dirty="0" smtClean="0">
-                <a:sym typeface="Wingdings" panose="05000000000000000000" pitchFamily="2" charset="2"/>
-              </a:rPr>
-              <a:t>文に割り込めないので対話不可能</a:t>
-            </a:r>
-            <a:endParaRPr lang="en-US" altLang="ja-JP" sz="1800" dirty="0" smtClean="0">
-              <a:sym typeface="Wingdings" panose="05000000000000000000" pitchFamily="2" charset="2"/>
-            </a:endParaRPr>
-          </a:p>
-          <a:p>
-            <a:pPr lvl="1">
-              <a:spcBef>
-                <a:spcPts val="600"/>
-              </a:spcBef>
-            </a:pPr>
-            <a:r>
-              <a:rPr lang="ja-JP" altLang="en-US" sz="1800" dirty="0" smtClean="0">
-                <a:sym typeface="Wingdings" panose="05000000000000000000" pitchFamily="2" charset="2"/>
-              </a:rPr>
-              <a:t>スレッドを二つ作る？</a:t>
-            </a:r>
-            <a:r>
-              <a:rPr lang="en-US" altLang="ja-JP" sz="1800" dirty="0" smtClean="0">
-                <a:sym typeface="Wingdings" panose="05000000000000000000" pitchFamily="2" charset="2"/>
-              </a:rPr>
-              <a:t> </a:t>
-            </a:r>
-            <a:r>
-              <a:rPr lang="ja-JP" altLang="en-US" sz="1800" dirty="0" smtClean="0">
-                <a:sym typeface="Wingdings" panose="05000000000000000000" pitchFamily="2" charset="2"/>
-              </a:rPr>
-              <a:t>ちょっと管理がめ</a:t>
-            </a:r>
-            <a:r>
-              <a:rPr lang="ja-JP" altLang="en-US" sz="1800" dirty="0" err="1" smtClean="0">
-                <a:sym typeface="Wingdings" panose="05000000000000000000" pitchFamily="2" charset="2"/>
-              </a:rPr>
-              <a:t>んど</a:t>
-            </a:r>
-            <a:r>
-              <a:rPr lang="ja-JP" altLang="en-US" sz="1800" dirty="0" smtClean="0">
-                <a:sym typeface="Wingdings" panose="05000000000000000000" pitchFamily="2" charset="2"/>
-              </a:rPr>
-              <a:t>くさい</a:t>
-            </a:r>
-            <a:endParaRPr lang="en-US" altLang="ja-JP" sz="1800" dirty="0" smtClean="0">
-              <a:sym typeface="Wingdings" panose="05000000000000000000" pitchFamily="2" charset="2"/>
-            </a:endParaRPr>
-          </a:p>
-          <a:p>
-            <a:pPr marL="0" indent="0">
-              <a:spcBef>
-                <a:spcPts val="600"/>
-              </a:spcBef>
-              <a:buNone/>
-            </a:pPr>
-            <a:r>
-              <a:rPr lang="en-US" altLang="ja-JP" sz="2000" dirty="0" smtClean="0">
-                <a:sym typeface="Wingdings" panose="05000000000000000000" pitchFamily="2" charset="2"/>
-              </a:rPr>
-              <a:t> Timer</a:t>
-            </a:r>
-            <a:r>
-              <a:rPr lang="ja-JP" altLang="en-US" sz="2000" dirty="0" smtClean="0">
-                <a:sym typeface="Wingdings" panose="05000000000000000000" pitchFamily="2" charset="2"/>
-              </a:rPr>
-              <a:t>イベントを利用する</a:t>
-            </a:r>
-            <a:endParaRPr lang="en-US" altLang="ja-JP" sz="2400" dirty="0" smtClean="0">
-              <a:sym typeface="Wingdings" panose="05000000000000000000" pitchFamily="2" charset="2"/>
-            </a:endParaRPr>
-          </a:p>
-          <a:p>
-            <a:pPr lvl="1"/>
-            <a:endParaRPr kumimoji="1" lang="ja-JP" altLang="en-US" sz="1800" dirty="0"/>
+              <a:rPr lang="ja-JP" altLang="en-US" sz="4800" b="1" dirty="0" smtClean="0"/>
+              <a:t>剛体</a:t>
+            </a:r>
+            <a:r>
+              <a:rPr lang="ja-JP" altLang="en-US" sz="4800" b="1" dirty="0"/>
+              <a:t>シミュレーション</a:t>
+            </a:r>
+            <a:endParaRPr kumimoji="1" lang="ja-JP" altLang="en-US" sz="4800" b="1" dirty="0"/>
           </a:p>
         </p:txBody>
       </p:sp>
@@ -10806,7 +10640,7 @@
     </p:spTree>
     <p:extLst>
       <p:ext uri="{BB962C8B-B14F-4D97-AF65-F5344CB8AC3E}">
-        <p14:creationId xmlns:p14="http://schemas.microsoft.com/office/powerpoint/2010/main" val="1809055422"/>
+        <p14:creationId xmlns:p14="http://schemas.microsoft.com/office/powerpoint/2010/main" val="4075741947"/>
       </p:ext>
     </p:extLst>
   </p:cSld>
@@ -10893,6 +10727,2861 @@
     <p:extLst>
       <p:ext uri="{BB962C8B-B14F-4D97-AF65-F5344CB8AC3E}">
         <p14:creationId xmlns:p14="http://schemas.microsoft.com/office/powerpoint/2010/main" val="610965606"/>
+      </p:ext>
+    </p:extLst>
+  </p:cSld>
+  <p:clrMapOvr>
+    <a:masterClrMapping/>
+  </p:clrMapOvr>
+</p:sld>
+</file>
+
+<file path=ppt/slides/slide20.xml><?xml version="1.0" encoding="utf-8"?>
+<p:sld xmlns:a="http://schemas.openxmlformats.org/drawingml/2006/main" xmlns:r="http://schemas.openxmlformats.org/officeDocument/2006/relationships" xmlns:p="http://schemas.openxmlformats.org/presentationml/2006/main">
+  <p:cSld>
+    <p:spTree>
+      <p:nvGrpSpPr>
+        <p:cNvPr id="1" name=""/>
+        <p:cNvGrpSpPr/>
+        <p:nvPr/>
+      </p:nvGrpSpPr>
+      <p:grpSpPr>
+        <a:xfrm>
+          <a:off x="0" y="0"/>
+          <a:ext cx="0" cy="0"/>
+          <a:chOff x="0" y="0"/>
+          <a:chExt cx="0" cy="0"/>
+        </a:xfrm>
+      </p:grpSpPr>
+      <p:sp>
+        <p:nvSpPr>
+          <p:cNvPr id="2" name="タイトル 1"/>
+          <p:cNvSpPr>
+            <a:spLocks noGrp="1"/>
+          </p:cNvSpPr>
+          <p:nvPr>
+            <p:ph type="title"/>
+          </p:nvPr>
+        </p:nvSpPr>
+        <p:spPr/>
+        <p:txBody>
+          <a:bodyPr>
+            <a:normAutofit fontScale="90000"/>
+          </a:bodyPr>
+          <a:lstStyle/>
+          <a:p>
+            <a:r>
+              <a:rPr kumimoji="1" lang="ja-JP" altLang="en-US" dirty="0" smtClean="0"/>
+              <a:t>剛体シミュレーション</a:t>
+            </a:r>
+            <a:endParaRPr kumimoji="1" lang="ja-JP" altLang="en-US" dirty="0"/>
+          </a:p>
+        </p:txBody>
+      </p:sp>
+      <p:sp>
+        <p:nvSpPr>
+          <p:cNvPr id="3" name="コンテンツ プレースホルダー 2"/>
+          <p:cNvSpPr>
+            <a:spLocks noGrp="1"/>
+          </p:cNvSpPr>
+          <p:nvPr>
+            <p:ph idx="1"/>
+          </p:nvPr>
+        </p:nvSpPr>
+        <p:spPr/>
+        <p:txBody>
+          <a:bodyPr/>
+          <a:lstStyle/>
+          <a:p>
+            <a:r>
+              <a:rPr kumimoji="1" lang="ja-JP" altLang="en-US" dirty="0" smtClean="0"/>
+              <a:t>つくるものの仕様</a:t>
+            </a:r>
+            <a:endParaRPr kumimoji="1" lang="en-US" altLang="ja-JP" dirty="0" smtClean="0"/>
+          </a:p>
+          <a:p>
+            <a:pPr lvl="1">
+              <a:spcBef>
+                <a:spcPts val="600"/>
+              </a:spcBef>
+            </a:pPr>
+            <a:r>
+              <a:rPr lang="ja-JP" altLang="en-US" sz="2000" dirty="0" smtClean="0"/>
+              <a:t>直方体と床面</a:t>
+            </a:r>
+            <a:r>
+              <a:rPr lang="en-US" altLang="ja-JP" sz="2000" dirty="0" smtClean="0"/>
+              <a:t>(y=0)</a:t>
+            </a:r>
+            <a:r>
+              <a:rPr lang="ja-JP" altLang="en-US" sz="2000" dirty="0" smtClean="0"/>
+              <a:t>のみがある</a:t>
+            </a:r>
+            <a:r>
+              <a:rPr lang="ja-JP" altLang="en-US" sz="2000" dirty="0"/>
+              <a:t>シーン</a:t>
+            </a:r>
+            <a:r>
+              <a:rPr lang="ja-JP" altLang="en-US" sz="2000" dirty="0" smtClean="0"/>
+              <a:t>を想定</a:t>
+            </a:r>
+            <a:endParaRPr lang="en-US" altLang="ja-JP" sz="2000" dirty="0" smtClean="0"/>
+          </a:p>
+          <a:p>
+            <a:pPr lvl="1">
+              <a:spcBef>
+                <a:spcPts val="600"/>
+              </a:spcBef>
+            </a:pPr>
+            <a:r>
+              <a:rPr kumimoji="1" lang="ja-JP" altLang="en-US" sz="2000" dirty="0"/>
+              <a:t>ユーザ</a:t>
+            </a:r>
+            <a:r>
+              <a:rPr kumimoji="1" lang="ja-JP" altLang="en-US" sz="2000" dirty="0" smtClean="0"/>
+              <a:t>は直方体をドラッグする事で外力を加えられる</a:t>
+            </a:r>
+            <a:endParaRPr kumimoji="1" lang="en-US" altLang="ja-JP" sz="2000" dirty="0" smtClean="0"/>
+          </a:p>
+          <a:p>
+            <a:pPr lvl="1">
+              <a:spcBef>
+                <a:spcPts val="600"/>
+              </a:spcBef>
+            </a:pPr>
+            <a:r>
+              <a:rPr kumimoji="1" lang="ja-JP" altLang="en-US" sz="2000" dirty="0" smtClean="0"/>
+              <a:t>直方体の移動・回転を計算する</a:t>
+            </a:r>
+            <a:endParaRPr kumimoji="1" lang="en-US" altLang="ja-JP" sz="2000" dirty="0" smtClean="0"/>
+          </a:p>
+          <a:p>
+            <a:pPr>
+              <a:spcBef>
+                <a:spcPts val="600"/>
+              </a:spcBef>
+            </a:pPr>
+            <a:r>
+              <a:rPr lang="ja-JP" altLang="en-US" dirty="0"/>
+              <a:t>必用</a:t>
+            </a:r>
+            <a:r>
+              <a:rPr lang="ja-JP" altLang="en-US" dirty="0" smtClean="0"/>
+              <a:t>な </a:t>
+            </a:r>
+            <a:r>
+              <a:rPr lang="en-US" altLang="ja-JP" dirty="0" smtClean="0"/>
+              <a:t>field </a:t>
+            </a:r>
+            <a:r>
+              <a:rPr lang="ja-JP" altLang="en-US" dirty="0" smtClean="0"/>
+              <a:t>変数</a:t>
+            </a:r>
+            <a:endParaRPr lang="en-US" altLang="ja-JP" dirty="0"/>
+          </a:p>
+          <a:p>
+            <a:pPr lvl="1">
+              <a:spcBef>
+                <a:spcPts val="600"/>
+              </a:spcBef>
+            </a:pPr>
+            <a:r>
+              <a:rPr lang="ja-JP" altLang="en-US" sz="1800" dirty="0"/>
+              <a:t>床面の座標   </a:t>
+            </a:r>
+            <a:r>
+              <a:rPr lang="en-US" altLang="ja-JP" sz="1800" dirty="0"/>
+              <a:t> </a:t>
+            </a:r>
+            <a:r>
+              <a:rPr lang="en-US" altLang="ja-JP" sz="1800" dirty="0" smtClean="0"/>
+              <a:t>	: </a:t>
+            </a:r>
+            <a:r>
+              <a:rPr lang="en-US" altLang="ja-JP" sz="1800" dirty="0"/>
+              <a:t>float     </a:t>
+            </a:r>
+            <a:r>
+              <a:rPr lang="en-US" altLang="ja-JP" sz="1800" dirty="0" err="1"/>
+              <a:t>m_floorY</a:t>
+            </a:r>
+            <a:r>
+              <a:rPr lang="en-US" altLang="ja-JP" sz="1800" dirty="0" smtClean="0"/>
+              <a:t>;</a:t>
+            </a:r>
+            <a:endParaRPr kumimoji="1" lang="en-US" altLang="ja-JP" sz="1800" dirty="0" smtClean="0"/>
+          </a:p>
+          <a:p>
+            <a:pPr lvl="1">
+              <a:spcBef>
+                <a:spcPts val="600"/>
+              </a:spcBef>
+            </a:pPr>
+            <a:r>
+              <a:rPr kumimoji="1" lang="ja-JP" altLang="en-US" sz="1800" dirty="0" smtClean="0"/>
+              <a:t>直方体の形状 </a:t>
+            </a:r>
+            <a:r>
+              <a:rPr kumimoji="1" lang="en-US" altLang="ja-JP" sz="1800" dirty="0" smtClean="0"/>
+              <a:t>	: EVec3f  </a:t>
+            </a:r>
+            <a:r>
+              <a:rPr kumimoji="1" lang="en-US" altLang="ja-JP" sz="1800" dirty="0" err="1" smtClean="0"/>
+              <a:t>m_verts</a:t>
+            </a:r>
+            <a:r>
+              <a:rPr kumimoji="1" lang="en-US" altLang="ja-JP" sz="1800" dirty="0" smtClean="0"/>
+              <a:t>[8];</a:t>
+            </a:r>
+          </a:p>
+          <a:p>
+            <a:pPr lvl="1">
+              <a:spcBef>
+                <a:spcPts val="600"/>
+              </a:spcBef>
+            </a:pPr>
+            <a:r>
+              <a:rPr kumimoji="1" lang="ja-JP" altLang="en-US" sz="1800" dirty="0" smtClean="0"/>
+              <a:t>直方体重心位置 </a:t>
+            </a:r>
+            <a:r>
+              <a:rPr kumimoji="1" lang="en-US" altLang="ja-JP" sz="1800" dirty="0" smtClean="0"/>
+              <a:t>	: </a:t>
+            </a:r>
+            <a:r>
+              <a:rPr lang="en-US" altLang="ja-JP" sz="1800" dirty="0" smtClean="0"/>
+              <a:t>EVec3f </a:t>
+            </a:r>
+            <a:r>
+              <a:rPr lang="en-US" altLang="ja-JP" sz="1800" dirty="0" err="1" smtClean="0"/>
+              <a:t>m_position</a:t>
+            </a:r>
+            <a:r>
+              <a:rPr lang="en-US" altLang="ja-JP" sz="1800" dirty="0" smtClean="0"/>
+              <a:t> ;</a:t>
+            </a:r>
+            <a:endParaRPr kumimoji="1" lang="en-US" altLang="ja-JP" sz="1800" dirty="0" smtClean="0"/>
+          </a:p>
+          <a:p>
+            <a:pPr lvl="1">
+              <a:spcBef>
+                <a:spcPts val="600"/>
+              </a:spcBef>
+            </a:pPr>
+            <a:r>
+              <a:rPr lang="ja-JP" altLang="en-US" sz="1800" dirty="0" smtClean="0"/>
+              <a:t>直方体姿勢（回転）</a:t>
+            </a:r>
+            <a:r>
+              <a:rPr lang="en-US" altLang="ja-JP" sz="1800" dirty="0" smtClean="0"/>
+              <a:t>: </a:t>
+            </a:r>
+            <a:r>
+              <a:rPr lang="en-US" altLang="ja-JP" sz="1800" dirty="0"/>
+              <a:t>EVec3f </a:t>
+            </a:r>
+            <a:r>
+              <a:rPr lang="en-US" altLang="ja-JP" sz="1800" dirty="0" err="1" smtClean="0"/>
+              <a:t>m_rotation</a:t>
+            </a:r>
+            <a:r>
+              <a:rPr lang="en-US" altLang="ja-JP" sz="1800" dirty="0" smtClean="0"/>
+              <a:t> ;</a:t>
+            </a:r>
+          </a:p>
+          <a:p>
+            <a:pPr lvl="1">
+              <a:spcBef>
+                <a:spcPts val="600"/>
+              </a:spcBef>
+            </a:pPr>
+            <a:r>
+              <a:rPr lang="ja-JP" altLang="en-US" sz="1800" dirty="0"/>
+              <a:t>直方体</a:t>
+            </a:r>
+            <a:r>
+              <a:rPr lang="ja-JP" altLang="en-US" sz="1800" dirty="0" smtClean="0"/>
+              <a:t>重心速度 </a:t>
+            </a:r>
+            <a:r>
+              <a:rPr lang="en-US" altLang="ja-JP" sz="1800" dirty="0"/>
+              <a:t>	: EVec3f </a:t>
+            </a:r>
+            <a:r>
+              <a:rPr lang="en-US" altLang="ja-JP" sz="1800" dirty="0" err="1" smtClean="0"/>
+              <a:t>m_velocity</a:t>
+            </a:r>
+            <a:r>
+              <a:rPr lang="en-US" altLang="ja-JP" sz="1800" dirty="0" smtClean="0"/>
+              <a:t> ;</a:t>
+            </a:r>
+          </a:p>
+          <a:p>
+            <a:pPr lvl="1">
+              <a:spcBef>
+                <a:spcPts val="600"/>
+              </a:spcBef>
+            </a:pPr>
+            <a:r>
+              <a:rPr lang="ja-JP" altLang="en-US" sz="1800" dirty="0" smtClean="0"/>
+              <a:t>直方体回転角</a:t>
+            </a:r>
+            <a:r>
+              <a:rPr lang="ja-JP" altLang="en-US" sz="1800" dirty="0"/>
+              <a:t>速度</a:t>
+            </a:r>
+            <a:r>
+              <a:rPr lang="ja-JP" altLang="en-US" sz="1800" dirty="0" smtClean="0"/>
+              <a:t> </a:t>
+            </a:r>
+            <a:r>
+              <a:rPr lang="en-US" altLang="ja-JP" sz="1800" dirty="0"/>
+              <a:t>	: EVec3f </a:t>
+            </a:r>
+            <a:r>
+              <a:rPr lang="en-US" altLang="ja-JP" sz="1800" dirty="0" err="1" smtClean="0"/>
+              <a:t>m_rotVelocity</a:t>
+            </a:r>
+            <a:r>
+              <a:rPr lang="en-US" altLang="ja-JP" sz="1800" dirty="0" smtClean="0"/>
+              <a:t>;</a:t>
+            </a:r>
+          </a:p>
+          <a:p>
+            <a:pPr marL="457200" lvl="1" indent="0">
+              <a:spcBef>
+                <a:spcPts val="600"/>
+              </a:spcBef>
+              <a:buNone/>
+            </a:pPr>
+            <a:r>
+              <a:rPr lang="ja-JP" altLang="en-US" sz="1800" dirty="0" smtClean="0"/>
+              <a:t>回転と角速度を</a:t>
+            </a:r>
+            <a:r>
+              <a:rPr lang="en-US" altLang="ja-JP" sz="1800" dirty="0" smtClean="0"/>
+              <a:t>3</a:t>
+            </a:r>
+            <a:r>
+              <a:rPr lang="ja-JP" altLang="en-US" sz="1800" dirty="0" smtClean="0"/>
+              <a:t>次元ベクトルで表現する方法については「角速度ベクトル」で</a:t>
+            </a:r>
+            <a:r>
+              <a:rPr lang="en-US" altLang="ja-JP" sz="1800" dirty="0" err="1" smtClean="0"/>
+              <a:t>ggr</a:t>
+            </a:r>
+            <a:endParaRPr lang="en-US" altLang="ja-JP" sz="1800" dirty="0"/>
+          </a:p>
+          <a:p>
+            <a:pPr lvl="1">
+              <a:spcBef>
+                <a:spcPts val="600"/>
+              </a:spcBef>
+            </a:pPr>
+            <a:endParaRPr lang="en-US" altLang="ja-JP" sz="1800" dirty="0" smtClean="0"/>
+          </a:p>
+          <a:p>
+            <a:pPr lvl="1">
+              <a:spcBef>
+                <a:spcPts val="600"/>
+              </a:spcBef>
+            </a:pPr>
+            <a:endParaRPr lang="en-US" altLang="ja-JP" sz="1800" dirty="0"/>
+          </a:p>
+          <a:p>
+            <a:pPr lvl="1">
+              <a:spcBef>
+                <a:spcPts val="600"/>
+              </a:spcBef>
+            </a:pPr>
+            <a:endParaRPr lang="en-US" altLang="ja-JP" sz="1800" dirty="0"/>
+          </a:p>
+          <a:p>
+            <a:pPr lvl="1">
+              <a:spcBef>
+                <a:spcPts val="600"/>
+              </a:spcBef>
+            </a:pPr>
+            <a:endParaRPr kumimoji="1" lang="ja-JP" altLang="en-US" sz="1800" dirty="0"/>
+          </a:p>
+        </p:txBody>
+      </p:sp>
+      <p:sp>
+        <p:nvSpPr>
+          <p:cNvPr id="4" name="スライド番号プレースホルダー 3"/>
+          <p:cNvSpPr>
+            <a:spLocks noGrp="1"/>
+          </p:cNvSpPr>
+          <p:nvPr>
+            <p:ph type="sldNum" sz="quarter" idx="12"/>
+          </p:nvPr>
+        </p:nvSpPr>
+        <p:spPr/>
+        <p:txBody>
+          <a:bodyPr/>
+          <a:lstStyle/>
+          <a:p>
+            <a:fld id="{6908AC80-5682-4C8F-945F-0672FD5979B7}" type="slidenum">
+              <a:rPr lang="ja-JP" altLang="en-US" smtClean="0"/>
+              <a:pPr/>
+              <a:t>20</a:t>
+            </a:fld>
+            <a:endParaRPr lang="ja-JP" altLang="en-US"/>
+          </a:p>
+        </p:txBody>
+      </p:sp>
+    </p:spTree>
+    <p:extLst>
+      <p:ext uri="{BB962C8B-B14F-4D97-AF65-F5344CB8AC3E}">
+        <p14:creationId xmlns:p14="http://schemas.microsoft.com/office/powerpoint/2010/main" val="2605241808"/>
+      </p:ext>
+    </p:extLst>
+  </p:cSld>
+  <p:clrMapOvr>
+    <a:masterClrMapping/>
+  </p:clrMapOvr>
+</p:sld>
+</file>
+
+<file path=ppt/slides/slide21.xml><?xml version="1.0" encoding="utf-8"?>
+<p:sld xmlns:a="http://schemas.openxmlformats.org/drawingml/2006/main" xmlns:r="http://schemas.openxmlformats.org/officeDocument/2006/relationships" xmlns:p="http://schemas.openxmlformats.org/presentationml/2006/main">
+  <p:cSld>
+    <p:spTree>
+      <p:nvGrpSpPr>
+        <p:cNvPr id="1" name=""/>
+        <p:cNvGrpSpPr/>
+        <p:nvPr/>
+      </p:nvGrpSpPr>
+      <p:grpSpPr>
+        <a:xfrm>
+          <a:off x="0" y="0"/>
+          <a:ext cx="0" cy="0"/>
+          <a:chOff x="0" y="0"/>
+          <a:chExt cx="0" cy="0"/>
+        </a:xfrm>
+      </p:grpSpPr>
+      <p:sp>
+        <p:nvSpPr>
+          <p:cNvPr id="2" name="タイトル 1"/>
+          <p:cNvSpPr>
+            <a:spLocks noGrp="1"/>
+          </p:cNvSpPr>
+          <p:nvPr>
+            <p:ph type="title"/>
+          </p:nvPr>
+        </p:nvSpPr>
+        <p:spPr>
+          <a:xfrm>
+            <a:off x="838199" y="216270"/>
+            <a:ext cx="10047051" cy="644968"/>
+          </a:xfrm>
+        </p:spPr>
+        <p:txBody>
+          <a:bodyPr>
+            <a:normAutofit fontScale="90000"/>
+          </a:bodyPr>
+          <a:lstStyle/>
+          <a:p>
+            <a:r>
+              <a:rPr kumimoji="1" lang="ja-JP" altLang="en-US" dirty="0" smtClean="0"/>
+              <a:t>剛体シミュレーション </a:t>
+            </a:r>
+            <a:r>
+              <a:rPr kumimoji="1" lang="en-US" altLang="ja-JP" dirty="0" smtClean="0"/>
+              <a:t>: </a:t>
+            </a:r>
+            <a:r>
+              <a:rPr lang="ja-JP" altLang="en-US" dirty="0"/>
+              <a:t>並進</a:t>
+            </a:r>
+            <a:r>
+              <a:rPr kumimoji="1" lang="en-US" altLang="ja-JP" dirty="0" smtClean="0"/>
+              <a:t> </a:t>
+            </a:r>
+            <a:endParaRPr kumimoji="1" lang="ja-JP" altLang="en-US" dirty="0"/>
+          </a:p>
+        </p:txBody>
+      </p:sp>
+      <mc:AlternateContent xmlns:mc="http://schemas.openxmlformats.org/markup-compatibility/2006">
+        <mc:Choice xmlns:a14="http://schemas.microsoft.com/office/drawing/2010/main" Requires="a14">
+          <p:sp>
+            <p:nvSpPr>
+              <p:cNvPr id="3" name="コンテンツ プレースホルダー 2"/>
+              <p:cNvSpPr>
+                <a:spLocks noGrp="1"/>
+              </p:cNvSpPr>
+              <p:nvPr>
+                <p:ph idx="1"/>
+              </p:nvPr>
+            </p:nvSpPr>
+            <p:spPr>
+              <a:xfrm>
+                <a:off x="954931" y="1117322"/>
+                <a:ext cx="7547043" cy="5422605"/>
+              </a:xfrm>
+            </p:spPr>
+            <p:txBody>
+              <a:bodyPr>
+                <a:normAutofit/>
+              </a:bodyPr>
+              <a:lstStyle/>
+              <a:p>
+                <a:pPr marL="0" indent="0">
+                  <a:buNone/>
+                </a:pPr>
+                <a:r>
+                  <a:rPr lang="ja-JP" altLang="en-US" sz="2000" dirty="0" smtClean="0"/>
+                  <a:t>ある時間におけ</a:t>
+                </a:r>
+                <a:r>
+                  <a:rPr lang="ja-JP" altLang="en-US" sz="2000" dirty="0"/>
+                  <a:t>る</a:t>
+                </a:r>
+                <a:r>
+                  <a:rPr lang="ja-JP" altLang="en-US" sz="2000" dirty="0" smtClean="0"/>
+                  <a:t>重心の位置と速度をそれぞれ，</a:t>
+                </a:r>
+                <a:r>
+                  <a:rPr lang="en-US" altLang="ja-JP" sz="2000" b="1" dirty="0" smtClean="0">
+                    <a:latin typeface="Times New Roman" panose="02020603050405020304" pitchFamily="18" charset="0"/>
+                    <a:cs typeface="Times New Roman" panose="02020603050405020304" pitchFamily="18" charset="0"/>
+                  </a:rPr>
+                  <a:t>x, v</a:t>
+                </a:r>
+                <a:r>
+                  <a:rPr lang="ja-JP" altLang="en-US" sz="2000" b="1" dirty="0">
+                    <a:latin typeface="Times New Roman" panose="02020603050405020304" pitchFamily="18" charset="0"/>
+                    <a:cs typeface="Times New Roman" panose="02020603050405020304" pitchFamily="18" charset="0"/>
+                  </a:rPr>
+                  <a:t> </a:t>
+                </a:r>
+                <a:r>
+                  <a:rPr lang="ja-JP" altLang="en-US" sz="2000" dirty="0" smtClean="0"/>
+                  <a:t>とする．物体にかかる力ベクトルの総和を </a:t>
+                </a:r>
+                <a:r>
+                  <a:rPr lang="en-US" altLang="ja-JP" sz="2000" b="1" dirty="0" smtClean="0">
+                    <a:latin typeface="Times New Roman" panose="02020603050405020304" pitchFamily="18" charset="0"/>
+                    <a:cs typeface="Times New Roman" panose="02020603050405020304" pitchFamily="18" charset="0"/>
+                  </a:rPr>
+                  <a:t>F </a:t>
+                </a:r>
+                <a:r>
+                  <a:rPr lang="ja-JP" altLang="en-US" sz="2000" dirty="0" smtClean="0"/>
+                  <a:t>とする．</a:t>
+                </a:r>
+                <a:endParaRPr lang="en-US" altLang="ja-JP" sz="2000" dirty="0" smtClean="0"/>
+              </a:p>
+              <a:p>
+                <a:r>
+                  <a:rPr lang="ja-JP" altLang="en-US" sz="2000" dirty="0" smtClean="0"/>
+                  <a:t>オイラー法では，以下の通り速度・加速度を更新する</a:t>
+                </a:r>
+                <a:endParaRPr lang="en-US" altLang="ja-JP" sz="2000" dirty="0" smtClean="0"/>
+              </a:p>
+              <a:p>
+                <a:pPr marL="0" indent="0">
+                  <a:buNone/>
+                </a:pPr>
+                <a14:m>
+                  <m:oMathPara xmlns:m="http://schemas.openxmlformats.org/officeDocument/2006/math">
+                    <m:oMathParaPr>
+                      <m:jc m:val="centerGroup"/>
+                    </m:oMathParaPr>
+                    <m:oMath xmlns:m="http://schemas.openxmlformats.org/officeDocument/2006/math">
+                      <m:r>
+                        <a:rPr lang="en-US" altLang="ja-JP" sz="2000" b="1" i="0" smtClean="0">
+                          <a:latin typeface="Cambria Math" panose="02040503050406030204" pitchFamily="18" charset="0"/>
+                        </a:rPr>
+                        <m:t>𝐱</m:t>
+                      </m:r>
+                      <m:r>
+                        <a:rPr lang="en-US" altLang="ja-JP" sz="2000" b="1" i="0" smtClean="0">
+                          <a:latin typeface="Cambria Math" panose="02040503050406030204" pitchFamily="18" charset="0"/>
+                        </a:rPr>
+                        <m:t>(</m:t>
+                      </m:r>
+                      <m:r>
+                        <a:rPr lang="en-US" altLang="ja-JP" sz="2000" b="0" i="1" smtClean="0">
+                          <a:latin typeface="Cambria Math" panose="02040503050406030204" pitchFamily="18" charset="0"/>
+                        </a:rPr>
+                        <m:t>𝑡</m:t>
+                      </m:r>
+                      <m:r>
+                        <a:rPr lang="en-US" altLang="ja-JP" sz="2000" b="0" i="1" smtClean="0">
+                          <a:latin typeface="Cambria Math" panose="02040503050406030204" pitchFamily="18" charset="0"/>
+                        </a:rPr>
+                        <m:t>+∆</m:t>
+                      </m:r>
+                      <m:r>
+                        <a:rPr lang="en-US" altLang="ja-JP" sz="2000" b="0" i="1" smtClean="0">
+                          <a:latin typeface="Cambria Math" panose="02040503050406030204" pitchFamily="18" charset="0"/>
+                          <a:ea typeface="Cambria Math" panose="02040503050406030204" pitchFamily="18" charset="0"/>
+                        </a:rPr>
+                        <m:t>𝑡</m:t>
+                      </m:r>
+                      <m:r>
+                        <a:rPr lang="en-US" altLang="ja-JP" sz="2000" b="1" i="0" smtClean="0">
+                          <a:latin typeface="Cambria Math" panose="02040503050406030204" pitchFamily="18" charset="0"/>
+                        </a:rPr>
+                        <m:t>)</m:t>
+                      </m:r>
+                      <m:r>
+                        <a:rPr lang="en-US" altLang="ja-JP" sz="2000" b="1">
+                          <a:latin typeface="Cambria Math" panose="02040503050406030204" pitchFamily="18" charset="0"/>
+                        </a:rPr>
+                        <m:t>=</m:t>
+                      </m:r>
+                      <m:r>
+                        <a:rPr lang="en-US" altLang="ja-JP" sz="2000" b="1">
+                          <a:latin typeface="Cambria Math" panose="02040503050406030204" pitchFamily="18" charset="0"/>
+                        </a:rPr>
+                        <m:t>𝐱</m:t>
+                      </m:r>
+                      <m:d>
+                        <m:dPr>
+                          <m:ctrlPr>
+                            <a:rPr lang="en-US" altLang="ja-JP" sz="2000" b="1" i="1">
+                              <a:latin typeface="Cambria Math" panose="02040503050406030204" pitchFamily="18" charset="0"/>
+                            </a:rPr>
+                          </m:ctrlPr>
+                        </m:dPr>
+                        <m:e>
+                          <m:r>
+                            <a:rPr lang="en-US" altLang="ja-JP" sz="2000" i="1">
+                              <a:latin typeface="Cambria Math" panose="02040503050406030204" pitchFamily="18" charset="0"/>
+                            </a:rPr>
+                            <m:t>𝑡</m:t>
+                          </m:r>
+                        </m:e>
+                      </m:d>
+                      <m:r>
+                        <a:rPr lang="en-US" altLang="ja-JP" sz="2000" b="1">
+                          <a:latin typeface="Cambria Math" panose="02040503050406030204" pitchFamily="18" charset="0"/>
+                        </a:rPr>
+                        <m:t>+</m:t>
+                      </m:r>
+                      <m:r>
+                        <a:rPr lang="en-US" altLang="ja-JP" sz="2000" b="1">
+                          <a:latin typeface="Cambria Math" panose="02040503050406030204" pitchFamily="18" charset="0"/>
+                        </a:rPr>
+                        <m:t>𝐯</m:t>
+                      </m:r>
+                      <m:d>
+                        <m:dPr>
+                          <m:ctrlPr>
+                            <a:rPr lang="en-US" altLang="ja-JP" sz="2000" b="1" i="0" smtClean="0">
+                              <a:latin typeface="Cambria Math" panose="02040503050406030204" pitchFamily="18" charset="0"/>
+                            </a:rPr>
+                          </m:ctrlPr>
+                        </m:dPr>
+                        <m:e>
+                          <m:r>
+                            <a:rPr lang="en-US" altLang="ja-JP" sz="2000" b="0" i="1" smtClean="0">
+                              <a:latin typeface="Cambria Math" panose="02040503050406030204" pitchFamily="18" charset="0"/>
+                            </a:rPr>
+                            <m:t>𝑡</m:t>
+                          </m:r>
+                        </m:e>
+                      </m:d>
+                      <m:r>
+                        <a:rPr lang="en-US" altLang="ja-JP" sz="2000" i="1">
+                          <a:latin typeface="Cambria Math" panose="02040503050406030204" pitchFamily="18" charset="0"/>
+                          <a:ea typeface="Cambria Math" panose="02040503050406030204" pitchFamily="18" charset="0"/>
+                        </a:rPr>
+                        <m:t>∆</m:t>
+                      </m:r>
+                      <m:r>
+                        <a:rPr lang="en-US" altLang="ja-JP" sz="2000" i="1">
+                          <a:latin typeface="Cambria Math" panose="02040503050406030204" pitchFamily="18" charset="0"/>
+                          <a:ea typeface="Cambria Math" panose="02040503050406030204" pitchFamily="18" charset="0"/>
+                        </a:rPr>
+                        <m:t>𝑡</m:t>
+                      </m:r>
+                    </m:oMath>
+                  </m:oMathPara>
+                </a14:m>
+                <a:endParaRPr lang="en-US" altLang="ja-JP" sz="2000" i="1" dirty="0" smtClean="0">
+                  <a:latin typeface="Cambria Math" panose="02040503050406030204" pitchFamily="18" charset="0"/>
+                </a:endParaRPr>
+              </a:p>
+              <a:p>
+                <a:pPr marL="0" indent="0">
+                  <a:buNone/>
+                </a:pPr>
+                <a14:m>
+                  <m:oMathPara xmlns:m="http://schemas.openxmlformats.org/officeDocument/2006/math">
+                    <m:oMathParaPr>
+                      <m:jc m:val="centerGroup"/>
+                    </m:oMathParaPr>
+                    <m:oMath xmlns:m="http://schemas.openxmlformats.org/officeDocument/2006/math">
+                      <m:r>
+                        <a:rPr lang="en-US" altLang="ja-JP" sz="2000" b="1" i="0" smtClean="0">
+                          <a:latin typeface="Cambria Math" panose="02040503050406030204" pitchFamily="18" charset="0"/>
+                        </a:rPr>
+                        <m:t>𝐯</m:t>
+                      </m:r>
+                      <m:d>
+                        <m:dPr>
+                          <m:ctrlPr>
+                            <a:rPr lang="en-US" altLang="ja-JP" sz="2000" b="1" i="1">
+                              <a:latin typeface="Cambria Math" panose="02040503050406030204" pitchFamily="18" charset="0"/>
+                            </a:rPr>
+                          </m:ctrlPr>
+                        </m:dPr>
+                        <m:e>
+                          <m:r>
+                            <a:rPr lang="en-US" altLang="ja-JP" sz="2000" i="1">
+                              <a:latin typeface="Cambria Math" panose="02040503050406030204" pitchFamily="18" charset="0"/>
+                            </a:rPr>
+                            <m:t>𝑡</m:t>
+                          </m:r>
+                          <m:r>
+                            <a:rPr lang="en-US" altLang="ja-JP" sz="2000" i="1">
+                              <a:latin typeface="Cambria Math" panose="02040503050406030204" pitchFamily="18" charset="0"/>
+                            </a:rPr>
+                            <m:t>+∆</m:t>
+                          </m:r>
+                          <m:r>
+                            <a:rPr lang="en-US" altLang="ja-JP" sz="2000" i="1">
+                              <a:latin typeface="Cambria Math" panose="02040503050406030204" pitchFamily="18" charset="0"/>
+                              <a:ea typeface="Cambria Math" panose="02040503050406030204" pitchFamily="18" charset="0"/>
+                            </a:rPr>
+                            <m:t>𝑡</m:t>
+                          </m:r>
+                        </m:e>
+                      </m:d>
+                      <m:r>
+                        <a:rPr lang="en-US" altLang="ja-JP" sz="2000" b="1">
+                          <a:latin typeface="Cambria Math" panose="02040503050406030204" pitchFamily="18" charset="0"/>
+                        </a:rPr>
+                        <m:t>=</m:t>
+                      </m:r>
+                      <m:r>
+                        <a:rPr lang="en-US" altLang="ja-JP" sz="2000" b="1" i="0" smtClean="0">
+                          <a:latin typeface="Cambria Math" panose="02040503050406030204" pitchFamily="18" charset="0"/>
+                        </a:rPr>
+                        <m:t>𝐯</m:t>
+                      </m:r>
+                      <m:d>
+                        <m:dPr>
+                          <m:ctrlPr>
+                            <a:rPr lang="en-US" altLang="ja-JP" sz="2000" b="1" i="1">
+                              <a:latin typeface="Cambria Math" panose="02040503050406030204" pitchFamily="18" charset="0"/>
+                            </a:rPr>
+                          </m:ctrlPr>
+                        </m:dPr>
+                        <m:e>
+                          <m:r>
+                            <a:rPr lang="en-US" altLang="ja-JP" sz="2000" i="1">
+                              <a:latin typeface="Cambria Math" panose="02040503050406030204" pitchFamily="18" charset="0"/>
+                            </a:rPr>
+                            <m:t>𝑡</m:t>
+                          </m:r>
+                        </m:e>
+                      </m:d>
+                      <m:r>
+                        <a:rPr lang="en-US" altLang="ja-JP" sz="2000" b="1">
+                          <a:latin typeface="Cambria Math" panose="02040503050406030204" pitchFamily="18" charset="0"/>
+                        </a:rPr>
+                        <m:t>+</m:t>
+                      </m:r>
+                      <m:f>
+                        <m:fPr>
+                          <m:ctrlPr>
+                            <a:rPr lang="en-US" altLang="ja-JP" sz="2000" b="1" i="1">
+                              <a:latin typeface="Cambria Math" panose="02040503050406030204" pitchFamily="18" charset="0"/>
+                            </a:rPr>
+                          </m:ctrlPr>
+                        </m:fPr>
+                        <m:num>
+                          <m:r>
+                            <a:rPr lang="en-US" altLang="ja-JP" sz="2000" b="1">
+                              <a:latin typeface="Cambria Math" panose="02040503050406030204" pitchFamily="18" charset="0"/>
+                            </a:rPr>
+                            <m:t>𝐅</m:t>
+                          </m:r>
+                          <m:d>
+                            <m:dPr>
+                              <m:ctrlPr>
+                                <a:rPr lang="en-US" altLang="ja-JP" sz="2000" b="1" i="1">
+                                  <a:latin typeface="Cambria Math" panose="02040503050406030204" pitchFamily="18" charset="0"/>
+                                </a:rPr>
+                              </m:ctrlPr>
+                            </m:dPr>
+                            <m:e>
+                              <m:r>
+                                <a:rPr lang="en-US" altLang="ja-JP" sz="2000" i="1">
+                                  <a:latin typeface="Cambria Math" panose="02040503050406030204" pitchFamily="18" charset="0"/>
+                                </a:rPr>
+                                <m:t>𝑡</m:t>
+                              </m:r>
+                            </m:e>
+                          </m:d>
+                        </m:num>
+                        <m:den>
+                          <m:r>
+                            <a:rPr lang="en-US" altLang="ja-JP" sz="2000" i="1">
+                              <a:latin typeface="Cambria Math" panose="02040503050406030204" pitchFamily="18" charset="0"/>
+                            </a:rPr>
+                            <m:t>𝑀</m:t>
+                          </m:r>
+                        </m:den>
+                      </m:f>
+                      <m:r>
+                        <a:rPr lang="en-US" altLang="ja-JP" sz="2000" i="1">
+                          <a:latin typeface="Cambria Math" panose="02040503050406030204" pitchFamily="18" charset="0"/>
+                          <a:ea typeface="Cambria Math" panose="02040503050406030204" pitchFamily="18" charset="0"/>
+                        </a:rPr>
+                        <m:t>∆</m:t>
+                      </m:r>
+                      <m:r>
+                        <a:rPr lang="en-US" altLang="ja-JP" sz="2000" i="1">
+                          <a:latin typeface="Cambria Math" panose="02040503050406030204" pitchFamily="18" charset="0"/>
+                          <a:ea typeface="Cambria Math" panose="02040503050406030204" pitchFamily="18" charset="0"/>
+                        </a:rPr>
+                        <m:t>𝑡</m:t>
+                      </m:r>
+                    </m:oMath>
+                  </m:oMathPara>
+                </a14:m>
+                <a:endParaRPr lang="en-US" altLang="ja-JP" sz="2000" i="1" dirty="0" smtClean="0"/>
+              </a:p>
+              <a:p>
+                <a:r>
+                  <a:rPr lang="ja-JP" altLang="en-US" sz="2000" dirty="0" smtClean="0"/>
+                  <a:t>修正オイラー法</a:t>
+                </a:r>
+                <a:r>
+                  <a:rPr lang="ja-JP" altLang="en-US" sz="2000" dirty="0"/>
+                  <a:t>では，以下の通り速度・加速度を更新する</a:t>
+                </a:r>
+                <a:endParaRPr lang="en-US" altLang="ja-JP" sz="2000" dirty="0"/>
+              </a:p>
+              <a:p>
+                <a:pPr marL="0" indent="0">
+                  <a:buNone/>
+                </a:pPr>
+                <a14:m>
+                  <m:oMathPara xmlns:m="http://schemas.openxmlformats.org/officeDocument/2006/math">
+                    <m:oMathParaPr>
+                      <m:jc m:val="centerGroup"/>
+                    </m:oMathParaPr>
+                    <m:oMath xmlns:m="http://schemas.openxmlformats.org/officeDocument/2006/math">
+                      <m:r>
+                        <a:rPr lang="en-US" altLang="ja-JP" sz="2000" b="1" smtClean="0">
+                          <a:latin typeface="Cambria Math" panose="02040503050406030204" pitchFamily="18" charset="0"/>
+                        </a:rPr>
+                        <m:t>𝐱</m:t>
+                      </m:r>
+                      <m:d>
+                        <m:dPr>
+                          <m:ctrlPr>
+                            <a:rPr lang="en-US" altLang="ja-JP" sz="2000" b="1" i="1">
+                              <a:latin typeface="Cambria Math" panose="02040503050406030204" pitchFamily="18" charset="0"/>
+                            </a:rPr>
+                          </m:ctrlPr>
+                        </m:dPr>
+                        <m:e>
+                          <m:r>
+                            <a:rPr lang="en-US" altLang="ja-JP" sz="2000" i="1">
+                              <a:latin typeface="Cambria Math" panose="02040503050406030204" pitchFamily="18" charset="0"/>
+                            </a:rPr>
+                            <m:t>𝑡</m:t>
+                          </m:r>
+                          <m:r>
+                            <a:rPr lang="en-US" altLang="ja-JP" sz="2000" i="1">
+                              <a:latin typeface="Cambria Math" panose="02040503050406030204" pitchFamily="18" charset="0"/>
+                            </a:rPr>
+                            <m:t>+∆</m:t>
+                          </m:r>
+                          <m:r>
+                            <a:rPr lang="en-US" altLang="ja-JP" sz="2000" i="1">
+                              <a:latin typeface="Cambria Math" panose="02040503050406030204" pitchFamily="18" charset="0"/>
+                              <a:ea typeface="Cambria Math" panose="02040503050406030204" pitchFamily="18" charset="0"/>
+                            </a:rPr>
+                            <m:t>𝑡</m:t>
+                          </m:r>
+                        </m:e>
+                      </m:d>
+                      <m:r>
+                        <a:rPr lang="en-US" altLang="ja-JP" sz="2000" b="1">
+                          <a:latin typeface="Cambria Math" panose="02040503050406030204" pitchFamily="18" charset="0"/>
+                        </a:rPr>
+                        <m:t>=</m:t>
+                      </m:r>
+                      <m:r>
+                        <a:rPr lang="en-US" altLang="ja-JP" sz="2000" b="1">
+                          <a:latin typeface="Cambria Math" panose="02040503050406030204" pitchFamily="18" charset="0"/>
+                        </a:rPr>
+                        <m:t>𝐱</m:t>
+                      </m:r>
+                      <m:d>
+                        <m:dPr>
+                          <m:ctrlPr>
+                            <a:rPr lang="en-US" altLang="ja-JP" sz="2000" b="1" i="1">
+                              <a:latin typeface="Cambria Math" panose="02040503050406030204" pitchFamily="18" charset="0"/>
+                            </a:rPr>
+                          </m:ctrlPr>
+                        </m:dPr>
+                        <m:e>
+                          <m:r>
+                            <a:rPr lang="en-US" altLang="ja-JP" sz="2000" i="1">
+                              <a:latin typeface="Cambria Math" panose="02040503050406030204" pitchFamily="18" charset="0"/>
+                            </a:rPr>
+                            <m:t>𝑡</m:t>
+                          </m:r>
+                        </m:e>
+                      </m:d>
+                      <m:r>
+                        <a:rPr lang="en-US" altLang="ja-JP" sz="2000" b="1">
+                          <a:latin typeface="Cambria Math" panose="02040503050406030204" pitchFamily="18" charset="0"/>
+                        </a:rPr>
+                        <m:t>+</m:t>
+                      </m:r>
+                      <m:f>
+                        <m:fPr>
+                          <m:ctrlPr>
+                            <a:rPr lang="en-US" altLang="ja-JP" sz="2000" i="0" smtClean="0">
+                              <a:latin typeface="Cambria Math" panose="02040503050406030204" pitchFamily="18" charset="0"/>
+                            </a:rPr>
+                          </m:ctrlPr>
+                        </m:fPr>
+                        <m:num>
+                          <m:r>
+                            <a:rPr lang="en-US" altLang="ja-JP" sz="2000" b="0" i="0" smtClean="0">
+                              <a:latin typeface="Cambria Math" panose="02040503050406030204" pitchFamily="18" charset="0"/>
+                            </a:rPr>
+                            <m:t>1</m:t>
+                          </m:r>
+                        </m:num>
+                        <m:den>
+                          <m:r>
+                            <a:rPr lang="en-US" altLang="ja-JP" sz="2000" b="0" i="0" smtClean="0">
+                              <a:latin typeface="Cambria Math" panose="02040503050406030204" pitchFamily="18" charset="0"/>
+                            </a:rPr>
+                            <m:t>2</m:t>
+                          </m:r>
+                        </m:den>
+                      </m:f>
+                      <m:d>
+                        <m:dPr>
+                          <m:ctrlPr>
+                            <a:rPr lang="en-US" altLang="ja-JP" sz="2000" b="1" i="0" smtClean="0">
+                              <a:latin typeface="Cambria Math" panose="02040503050406030204" pitchFamily="18" charset="0"/>
+                            </a:rPr>
+                          </m:ctrlPr>
+                        </m:dPr>
+                        <m:e>
+                          <m:r>
+                            <a:rPr lang="en-US" altLang="ja-JP" sz="2000" b="1">
+                              <a:latin typeface="Cambria Math" panose="02040503050406030204" pitchFamily="18" charset="0"/>
+                            </a:rPr>
+                            <m:t>𝐯</m:t>
+                          </m:r>
+                          <m:d>
+                            <m:dPr>
+                              <m:ctrlPr>
+                                <a:rPr lang="en-US" altLang="ja-JP" sz="2000" b="1" i="1">
+                                  <a:latin typeface="Cambria Math" panose="02040503050406030204" pitchFamily="18" charset="0"/>
+                                </a:rPr>
+                              </m:ctrlPr>
+                            </m:dPr>
+                            <m:e>
+                              <m:r>
+                                <a:rPr lang="en-US" altLang="ja-JP" sz="2000" i="1">
+                                  <a:latin typeface="Cambria Math" panose="02040503050406030204" pitchFamily="18" charset="0"/>
+                                </a:rPr>
+                                <m:t>𝑡</m:t>
+                              </m:r>
+                            </m:e>
+                          </m:d>
+                          <m:r>
+                            <a:rPr lang="en-US" altLang="ja-JP" sz="2000" b="1" i="1" smtClean="0">
+                              <a:latin typeface="Cambria Math" panose="02040503050406030204" pitchFamily="18" charset="0"/>
+                            </a:rPr>
+                            <m:t>+</m:t>
+                          </m:r>
+                          <m:r>
+                            <a:rPr lang="en-US" altLang="ja-JP" sz="2000" b="1">
+                              <a:latin typeface="Cambria Math" panose="02040503050406030204" pitchFamily="18" charset="0"/>
+                            </a:rPr>
+                            <m:t>𝐯</m:t>
+                          </m:r>
+                          <m:d>
+                            <m:dPr>
+                              <m:ctrlPr>
+                                <a:rPr lang="en-US" altLang="ja-JP" sz="2000" b="1" i="1">
+                                  <a:latin typeface="Cambria Math" panose="02040503050406030204" pitchFamily="18" charset="0"/>
+                                </a:rPr>
+                              </m:ctrlPr>
+                            </m:dPr>
+                            <m:e>
+                              <m:r>
+                                <a:rPr lang="en-US" altLang="ja-JP" sz="2000" i="1">
+                                  <a:latin typeface="Cambria Math" panose="02040503050406030204" pitchFamily="18" charset="0"/>
+                                </a:rPr>
+                                <m:t>𝑡</m:t>
+                              </m:r>
+                              <m:r>
+                                <a:rPr lang="en-US" altLang="ja-JP" sz="2000" b="1" i="1" smtClean="0">
+                                  <a:latin typeface="Cambria Math" panose="02040503050406030204" pitchFamily="18" charset="0"/>
+                                </a:rPr>
+                                <m:t>+</m:t>
+                              </m:r>
+                              <m:r>
+                                <a:rPr lang="en-US" altLang="ja-JP" sz="2000" i="1">
+                                  <a:latin typeface="Cambria Math" panose="02040503050406030204" pitchFamily="18" charset="0"/>
+                                  <a:ea typeface="Cambria Math" panose="02040503050406030204" pitchFamily="18" charset="0"/>
+                                </a:rPr>
+                                <m:t>∆</m:t>
+                              </m:r>
+                              <m:r>
+                                <a:rPr lang="en-US" altLang="ja-JP" sz="2000" i="1">
+                                  <a:latin typeface="Cambria Math" panose="02040503050406030204" pitchFamily="18" charset="0"/>
+                                  <a:ea typeface="Cambria Math" panose="02040503050406030204" pitchFamily="18" charset="0"/>
+                                </a:rPr>
+                                <m:t>𝑡</m:t>
+                              </m:r>
+                            </m:e>
+                          </m:d>
+                        </m:e>
+                      </m:d>
+                      <m:r>
+                        <a:rPr lang="en-US" altLang="ja-JP" sz="2000" i="1">
+                          <a:latin typeface="Cambria Math" panose="02040503050406030204" pitchFamily="18" charset="0"/>
+                          <a:ea typeface="Cambria Math" panose="02040503050406030204" pitchFamily="18" charset="0"/>
+                        </a:rPr>
+                        <m:t>∆</m:t>
+                      </m:r>
+                      <m:r>
+                        <a:rPr lang="en-US" altLang="ja-JP" sz="2000" i="1">
+                          <a:latin typeface="Cambria Math" panose="02040503050406030204" pitchFamily="18" charset="0"/>
+                          <a:ea typeface="Cambria Math" panose="02040503050406030204" pitchFamily="18" charset="0"/>
+                        </a:rPr>
+                        <m:t>𝑡</m:t>
+                      </m:r>
+                    </m:oMath>
+                  </m:oMathPara>
+                </a14:m>
+                <a:endParaRPr lang="en-US" altLang="ja-JP" sz="2000" i="1" dirty="0">
+                  <a:latin typeface="Cambria Math" panose="02040503050406030204" pitchFamily="18" charset="0"/>
+                </a:endParaRPr>
+              </a:p>
+              <a:p>
+                <a:pPr marL="0" indent="0">
+                  <a:buNone/>
+                </a:pPr>
+                <a14:m>
+                  <m:oMathPara xmlns:m="http://schemas.openxmlformats.org/officeDocument/2006/math">
+                    <m:oMathParaPr>
+                      <m:jc m:val="centerGroup"/>
+                    </m:oMathParaPr>
+                    <m:oMath xmlns:m="http://schemas.openxmlformats.org/officeDocument/2006/math">
+                      <m:r>
+                        <a:rPr lang="en-US" altLang="ja-JP" sz="2000" b="1" i="0" smtClean="0">
+                          <a:latin typeface="Cambria Math" panose="02040503050406030204" pitchFamily="18" charset="0"/>
+                        </a:rPr>
+                        <m:t>𝐯</m:t>
+                      </m:r>
+                      <m:d>
+                        <m:dPr>
+                          <m:ctrlPr>
+                            <a:rPr lang="en-US" altLang="ja-JP" sz="2000" b="1" i="1">
+                              <a:latin typeface="Cambria Math" panose="02040503050406030204" pitchFamily="18" charset="0"/>
+                            </a:rPr>
+                          </m:ctrlPr>
+                        </m:dPr>
+                        <m:e>
+                          <m:r>
+                            <a:rPr lang="en-US" altLang="ja-JP" sz="2000" i="1">
+                              <a:latin typeface="Cambria Math" panose="02040503050406030204" pitchFamily="18" charset="0"/>
+                            </a:rPr>
+                            <m:t>𝑡</m:t>
+                          </m:r>
+                          <m:r>
+                            <a:rPr lang="en-US" altLang="ja-JP" sz="2000" i="1">
+                              <a:latin typeface="Cambria Math" panose="02040503050406030204" pitchFamily="18" charset="0"/>
+                            </a:rPr>
+                            <m:t>+∆</m:t>
+                          </m:r>
+                          <m:r>
+                            <a:rPr lang="en-US" altLang="ja-JP" sz="2000" i="1">
+                              <a:latin typeface="Cambria Math" panose="02040503050406030204" pitchFamily="18" charset="0"/>
+                              <a:ea typeface="Cambria Math" panose="02040503050406030204" pitchFamily="18" charset="0"/>
+                            </a:rPr>
+                            <m:t>𝑡</m:t>
+                          </m:r>
+                        </m:e>
+                      </m:d>
+                      <m:r>
+                        <a:rPr lang="en-US" altLang="ja-JP" sz="2000" b="1">
+                          <a:latin typeface="Cambria Math" panose="02040503050406030204" pitchFamily="18" charset="0"/>
+                        </a:rPr>
+                        <m:t>=</m:t>
+                      </m:r>
+                      <m:r>
+                        <a:rPr lang="en-US" altLang="ja-JP" sz="2000" b="1" i="0" smtClean="0">
+                          <a:latin typeface="Cambria Math" panose="02040503050406030204" pitchFamily="18" charset="0"/>
+                        </a:rPr>
+                        <m:t>𝐯</m:t>
+                      </m:r>
+                      <m:d>
+                        <m:dPr>
+                          <m:ctrlPr>
+                            <a:rPr lang="en-US" altLang="ja-JP" sz="2000" b="1" i="1">
+                              <a:latin typeface="Cambria Math" panose="02040503050406030204" pitchFamily="18" charset="0"/>
+                            </a:rPr>
+                          </m:ctrlPr>
+                        </m:dPr>
+                        <m:e>
+                          <m:r>
+                            <a:rPr lang="en-US" altLang="ja-JP" sz="2000" i="1">
+                              <a:latin typeface="Cambria Math" panose="02040503050406030204" pitchFamily="18" charset="0"/>
+                            </a:rPr>
+                            <m:t>𝑡</m:t>
+                          </m:r>
+                        </m:e>
+                      </m:d>
+                      <m:r>
+                        <a:rPr lang="en-US" altLang="ja-JP" sz="2000" b="1">
+                          <a:latin typeface="Cambria Math" panose="02040503050406030204" pitchFamily="18" charset="0"/>
+                        </a:rPr>
+                        <m:t>+</m:t>
+                      </m:r>
+                      <m:f>
+                        <m:fPr>
+                          <m:ctrlPr>
+                            <a:rPr lang="en-US" altLang="ja-JP" sz="2000" i="1">
+                              <a:latin typeface="Cambria Math" panose="02040503050406030204" pitchFamily="18" charset="0"/>
+                            </a:rPr>
+                          </m:ctrlPr>
+                        </m:fPr>
+                        <m:num>
+                          <m:r>
+                            <a:rPr lang="en-US" altLang="ja-JP" sz="2000">
+                              <a:latin typeface="Cambria Math" panose="02040503050406030204" pitchFamily="18" charset="0"/>
+                            </a:rPr>
+                            <m:t>1</m:t>
+                          </m:r>
+                        </m:num>
+                        <m:den>
+                          <m:r>
+                            <a:rPr lang="en-US" altLang="ja-JP" sz="2000">
+                              <a:latin typeface="Cambria Math" panose="02040503050406030204" pitchFamily="18" charset="0"/>
+                            </a:rPr>
+                            <m:t>2</m:t>
+                          </m:r>
+                        </m:den>
+                      </m:f>
+                      <m:d>
+                        <m:dPr>
+                          <m:ctrlPr>
+                            <a:rPr lang="en-US" altLang="ja-JP" sz="2000" b="1" i="1">
+                              <a:latin typeface="Cambria Math" panose="02040503050406030204" pitchFamily="18" charset="0"/>
+                            </a:rPr>
+                          </m:ctrlPr>
+                        </m:dPr>
+                        <m:e>
+                          <m:r>
+                            <a:rPr lang="en-US" altLang="ja-JP" sz="2000" b="1" i="0" smtClean="0">
+                              <a:latin typeface="Cambria Math" panose="02040503050406030204" pitchFamily="18" charset="0"/>
+                            </a:rPr>
+                            <m:t>𝐚</m:t>
+                          </m:r>
+                          <m:d>
+                            <m:dPr>
+                              <m:ctrlPr>
+                                <a:rPr lang="en-US" altLang="ja-JP" sz="2000" b="1" i="1">
+                                  <a:latin typeface="Cambria Math" panose="02040503050406030204" pitchFamily="18" charset="0"/>
+                                </a:rPr>
+                              </m:ctrlPr>
+                            </m:dPr>
+                            <m:e>
+                              <m:r>
+                                <a:rPr lang="en-US" altLang="ja-JP" sz="2000" i="1">
+                                  <a:latin typeface="Cambria Math" panose="02040503050406030204" pitchFamily="18" charset="0"/>
+                                </a:rPr>
+                                <m:t>𝑡</m:t>
+                              </m:r>
+                            </m:e>
+                          </m:d>
+                          <m:r>
+                            <a:rPr lang="en-US" altLang="ja-JP" sz="2000" b="1" i="1">
+                              <a:latin typeface="Cambria Math" panose="02040503050406030204" pitchFamily="18" charset="0"/>
+                            </a:rPr>
+                            <m:t>+</m:t>
+                          </m:r>
+                          <m:r>
+                            <a:rPr lang="en-US" altLang="ja-JP" sz="2000" b="1" i="0" smtClean="0">
+                              <a:latin typeface="Cambria Math" panose="02040503050406030204" pitchFamily="18" charset="0"/>
+                            </a:rPr>
+                            <m:t>𝐚</m:t>
+                          </m:r>
+                          <m:d>
+                            <m:dPr>
+                              <m:ctrlPr>
+                                <a:rPr lang="en-US" altLang="ja-JP" sz="2000" b="1" i="1">
+                                  <a:latin typeface="Cambria Math" panose="02040503050406030204" pitchFamily="18" charset="0"/>
+                                </a:rPr>
+                              </m:ctrlPr>
+                            </m:dPr>
+                            <m:e>
+                              <m:r>
+                                <a:rPr lang="en-US" altLang="ja-JP" sz="2000" i="1">
+                                  <a:latin typeface="Cambria Math" panose="02040503050406030204" pitchFamily="18" charset="0"/>
+                                </a:rPr>
+                                <m:t>𝑡</m:t>
+                              </m:r>
+                              <m:r>
+                                <a:rPr lang="en-US" altLang="ja-JP" sz="2000" b="1" i="1">
+                                  <a:latin typeface="Cambria Math" panose="02040503050406030204" pitchFamily="18" charset="0"/>
+                                </a:rPr>
+                                <m:t>+</m:t>
+                              </m:r>
+                              <m:r>
+                                <a:rPr lang="en-US" altLang="ja-JP" sz="2000" i="1">
+                                  <a:latin typeface="Cambria Math" panose="02040503050406030204" pitchFamily="18" charset="0"/>
+                                  <a:ea typeface="Cambria Math" panose="02040503050406030204" pitchFamily="18" charset="0"/>
+                                </a:rPr>
+                                <m:t>∆</m:t>
+                              </m:r>
+                              <m:r>
+                                <a:rPr lang="en-US" altLang="ja-JP" sz="2000" i="1">
+                                  <a:latin typeface="Cambria Math" panose="02040503050406030204" pitchFamily="18" charset="0"/>
+                                  <a:ea typeface="Cambria Math" panose="02040503050406030204" pitchFamily="18" charset="0"/>
+                                </a:rPr>
+                                <m:t>𝑡</m:t>
+                              </m:r>
+                            </m:e>
+                          </m:d>
+                        </m:e>
+                      </m:d>
+                      <m:r>
+                        <a:rPr lang="en-US" altLang="ja-JP" sz="2000" i="1">
+                          <a:latin typeface="Cambria Math" panose="02040503050406030204" pitchFamily="18" charset="0"/>
+                          <a:ea typeface="Cambria Math" panose="02040503050406030204" pitchFamily="18" charset="0"/>
+                        </a:rPr>
+                        <m:t>∆</m:t>
+                      </m:r>
+                      <m:r>
+                        <a:rPr lang="en-US" altLang="ja-JP" sz="2000" i="1">
+                          <a:latin typeface="Cambria Math" panose="02040503050406030204" pitchFamily="18" charset="0"/>
+                          <a:ea typeface="Cambria Math" panose="02040503050406030204" pitchFamily="18" charset="0"/>
+                        </a:rPr>
+                        <m:t>𝑡</m:t>
+                      </m:r>
+                    </m:oMath>
+                  </m:oMathPara>
+                </a14:m>
+                <a:endParaRPr lang="en-US" altLang="ja-JP" sz="2000" i="1" dirty="0" smtClean="0">
+                  <a:latin typeface="Cambria Math" panose="02040503050406030204" pitchFamily="18" charset="0"/>
+                </a:endParaRPr>
+              </a:p>
+              <a:p>
+                <a:pPr marL="0" indent="0">
+                  <a:buNone/>
+                </a:pPr>
+                <a:r>
+                  <a:rPr lang="en-US" altLang="ja-JP" sz="2000" dirty="0" smtClean="0">
+                    <a:latin typeface="Cambria Math" panose="02040503050406030204" pitchFamily="18" charset="0"/>
+                  </a:rPr>
+                  <a:t>※</a:t>
+                </a:r>
+                <a:r>
+                  <a:rPr lang="ja-JP" altLang="en-US" sz="2000" dirty="0" smtClean="0">
+                    <a:latin typeface="Cambria Math" panose="02040503050406030204" pitchFamily="18" charset="0"/>
+                  </a:rPr>
+                  <a:t>この式は，</a:t>
+                </a:r>
+                <a14:m>
+                  <m:oMath xmlns:m="http://schemas.openxmlformats.org/officeDocument/2006/math">
+                    <m:r>
+                      <a:rPr lang="en-US" altLang="ja-JP" sz="2000" b="1">
+                        <a:latin typeface="Cambria Math" panose="02040503050406030204" pitchFamily="18" charset="0"/>
+                      </a:rPr>
+                      <m:t>𝐯</m:t>
+                    </m:r>
+                    <m:d>
+                      <m:dPr>
+                        <m:ctrlPr>
+                          <a:rPr lang="en-US" altLang="ja-JP" sz="2000" b="1" i="1">
+                            <a:latin typeface="Cambria Math" panose="02040503050406030204" pitchFamily="18" charset="0"/>
+                          </a:rPr>
+                        </m:ctrlPr>
+                      </m:dPr>
+                      <m:e>
+                        <m:r>
+                          <a:rPr lang="en-US" altLang="ja-JP" sz="2000" i="1">
+                            <a:latin typeface="Cambria Math" panose="02040503050406030204" pitchFamily="18" charset="0"/>
+                          </a:rPr>
+                          <m:t>𝑡</m:t>
+                        </m:r>
+                        <m:r>
+                          <a:rPr lang="en-US" altLang="ja-JP" sz="2000" b="1" i="1">
+                            <a:latin typeface="Cambria Math" panose="02040503050406030204" pitchFamily="18" charset="0"/>
+                          </a:rPr>
+                          <m:t>+</m:t>
+                        </m:r>
+                        <m:r>
+                          <a:rPr lang="en-US" altLang="ja-JP" sz="2000" i="1">
+                            <a:latin typeface="Cambria Math" panose="02040503050406030204" pitchFamily="18" charset="0"/>
+                            <a:ea typeface="Cambria Math" panose="02040503050406030204" pitchFamily="18" charset="0"/>
+                          </a:rPr>
+                          <m:t>∆</m:t>
+                        </m:r>
+                        <m:r>
+                          <a:rPr lang="en-US" altLang="ja-JP" sz="2000" i="1">
+                            <a:latin typeface="Cambria Math" panose="02040503050406030204" pitchFamily="18" charset="0"/>
+                            <a:ea typeface="Cambria Math" panose="02040503050406030204" pitchFamily="18" charset="0"/>
+                          </a:rPr>
+                          <m:t>𝑡</m:t>
+                        </m:r>
+                      </m:e>
+                    </m:d>
+                  </m:oMath>
+                </a14:m>
+                <a:r>
+                  <a:rPr lang="ja-JP" altLang="en-US" sz="2000" dirty="0" smtClean="0">
+                    <a:latin typeface="Cambria Math" panose="02040503050406030204" pitchFamily="18" charset="0"/>
+                  </a:rPr>
+                  <a:t>や</a:t>
+                </a:r>
+                <a14:m>
+                  <m:oMath xmlns:m="http://schemas.openxmlformats.org/officeDocument/2006/math">
+                    <m:r>
+                      <a:rPr lang="en-US" altLang="ja-JP" sz="2000" b="1">
+                        <a:latin typeface="Cambria Math" panose="02040503050406030204" pitchFamily="18" charset="0"/>
+                      </a:rPr>
+                      <m:t>𝐚</m:t>
+                    </m:r>
+                    <m:d>
+                      <m:dPr>
+                        <m:ctrlPr>
+                          <a:rPr lang="en-US" altLang="ja-JP" sz="2000" b="1" i="1">
+                            <a:latin typeface="Cambria Math" panose="02040503050406030204" pitchFamily="18" charset="0"/>
+                          </a:rPr>
+                        </m:ctrlPr>
+                      </m:dPr>
+                      <m:e>
+                        <m:r>
+                          <a:rPr lang="en-US" altLang="ja-JP" sz="2000" i="1">
+                            <a:latin typeface="Cambria Math" panose="02040503050406030204" pitchFamily="18" charset="0"/>
+                          </a:rPr>
+                          <m:t>𝑡</m:t>
+                        </m:r>
+                        <m:r>
+                          <a:rPr lang="en-US" altLang="ja-JP" sz="2000" b="1" i="1">
+                            <a:latin typeface="Cambria Math" panose="02040503050406030204" pitchFamily="18" charset="0"/>
+                          </a:rPr>
+                          <m:t>+</m:t>
+                        </m:r>
+                        <m:r>
+                          <a:rPr lang="en-US" altLang="ja-JP" sz="2000" i="1">
+                            <a:latin typeface="Cambria Math" panose="02040503050406030204" pitchFamily="18" charset="0"/>
+                            <a:ea typeface="Cambria Math" panose="02040503050406030204" pitchFamily="18" charset="0"/>
+                          </a:rPr>
+                          <m:t>∆</m:t>
+                        </m:r>
+                        <m:r>
+                          <a:rPr lang="en-US" altLang="ja-JP" sz="2000" i="1">
+                            <a:latin typeface="Cambria Math" panose="02040503050406030204" pitchFamily="18" charset="0"/>
+                            <a:ea typeface="Cambria Math" panose="02040503050406030204" pitchFamily="18" charset="0"/>
+                          </a:rPr>
+                          <m:t>𝑡</m:t>
+                        </m:r>
+                      </m:e>
+                    </m:d>
+                  </m:oMath>
+                </a14:m>
+                <a:r>
+                  <a:rPr lang="ja-JP" altLang="en-US" sz="2000" dirty="0" smtClean="0">
+                    <a:latin typeface="Cambria Math" panose="02040503050406030204" pitchFamily="18" charset="0"/>
+                  </a:rPr>
+                  <a:t>が計算できるときに有用　　　</a:t>
+                </a:r>
+                <a:r>
+                  <a:rPr lang="en-US" altLang="ja-JP" sz="2000" dirty="0" smtClean="0">
+                    <a:latin typeface="Cambria Math" panose="02040503050406030204" pitchFamily="18" charset="0"/>
+                  </a:rPr>
+                  <a:t>(</a:t>
+                </a:r>
+                <a:r>
+                  <a:rPr lang="ja-JP" altLang="en-US" sz="2000" dirty="0" smtClean="0">
+                    <a:latin typeface="Cambria Math" panose="02040503050406030204" pitchFamily="18" charset="0"/>
+                  </a:rPr>
+                  <a:t>物理シミュレーション剛体偏参照）</a:t>
+                </a:r>
+                <a:endParaRPr lang="en-US" altLang="ja-JP" sz="2000" dirty="0" smtClean="0">
+                  <a:latin typeface="Cambria Math" panose="02040503050406030204" pitchFamily="18" charset="0"/>
+                </a:endParaRPr>
+              </a:p>
+              <a:p>
+                <a:pPr marL="0" indent="0">
+                  <a:buNone/>
+                </a:pPr>
+                <a:endParaRPr lang="en-US" altLang="ja-JP" sz="2000" dirty="0">
+                  <a:latin typeface="Cambria Math" panose="02040503050406030204" pitchFamily="18" charset="0"/>
+                </a:endParaRPr>
+              </a:p>
+              <a:p>
+                <a:pPr marL="0" indent="0">
+                  <a:buNone/>
+                </a:pPr>
+                <a:endParaRPr lang="en-US" altLang="ja-JP" sz="2000" i="1" dirty="0"/>
+              </a:p>
+            </p:txBody>
+          </p:sp>
+        </mc:Choice>
+        <mc:Fallback>
+          <p:sp>
+            <p:nvSpPr>
+              <p:cNvPr id="3" name="コンテンツ プレースホルダー 2"/>
+              <p:cNvSpPr>
+                <a:spLocks noGrp="1" noRot="1" noChangeAspect="1" noMove="1" noResize="1" noEditPoints="1" noAdjustHandles="1" noChangeArrowheads="1" noChangeShapeType="1" noTextEdit="1"/>
+              </p:cNvSpPr>
+              <p:nvPr>
+                <p:ph idx="1"/>
+              </p:nvPr>
+            </p:nvSpPr>
+            <p:spPr>
+              <a:xfrm>
+                <a:off x="954931" y="1117322"/>
+                <a:ext cx="7547043" cy="5422605"/>
+              </a:xfrm>
+              <a:blipFill rotWithShape="0">
+                <a:blip r:embed="rId2"/>
+                <a:stretch>
+                  <a:fillRect l="-889" t="-899" r="-162"/>
+                </a:stretch>
+              </a:blipFill>
+            </p:spPr>
+            <p:txBody>
+              <a:bodyPr/>
+              <a:lstStyle/>
+              <a:p>
+                <a:r>
+                  <a:rPr lang="ja-JP" altLang="en-US">
+                    <a:noFill/>
+                  </a:rPr>
+                  <a:t> </a:t>
+                </a:r>
+              </a:p>
+            </p:txBody>
+          </p:sp>
+        </mc:Fallback>
+      </mc:AlternateContent>
+      <p:sp>
+        <p:nvSpPr>
+          <p:cNvPr id="4" name="スライド番号プレースホルダー 3"/>
+          <p:cNvSpPr>
+            <a:spLocks noGrp="1"/>
+          </p:cNvSpPr>
+          <p:nvPr>
+            <p:ph type="sldNum" sz="quarter" idx="12"/>
+          </p:nvPr>
+        </p:nvSpPr>
+        <p:spPr/>
+        <p:txBody>
+          <a:bodyPr/>
+          <a:lstStyle/>
+          <a:p>
+            <a:fld id="{6908AC80-5682-4C8F-945F-0672FD5979B7}" type="slidenum">
+              <a:rPr lang="ja-JP" altLang="en-US" smtClean="0"/>
+              <a:pPr/>
+              <a:t>21</a:t>
+            </a:fld>
+            <a:endParaRPr lang="ja-JP" altLang="en-US"/>
+          </a:p>
+        </p:txBody>
+      </p:sp>
+    </p:spTree>
+    <p:extLst>
+      <p:ext uri="{BB962C8B-B14F-4D97-AF65-F5344CB8AC3E}">
+        <p14:creationId xmlns:p14="http://schemas.microsoft.com/office/powerpoint/2010/main" val="422577796"/>
+      </p:ext>
+    </p:extLst>
+  </p:cSld>
+  <p:clrMapOvr>
+    <a:masterClrMapping/>
+  </p:clrMapOvr>
+</p:sld>
+</file>
+
+<file path=ppt/slides/slide22.xml><?xml version="1.0" encoding="utf-8"?>
+<p:sld xmlns:a="http://schemas.openxmlformats.org/drawingml/2006/main" xmlns:r="http://schemas.openxmlformats.org/officeDocument/2006/relationships" xmlns:p="http://schemas.openxmlformats.org/presentationml/2006/main">
+  <p:cSld>
+    <p:spTree>
+      <p:nvGrpSpPr>
+        <p:cNvPr id="1" name=""/>
+        <p:cNvGrpSpPr/>
+        <p:nvPr/>
+      </p:nvGrpSpPr>
+      <p:grpSpPr>
+        <a:xfrm>
+          <a:off x="0" y="0"/>
+          <a:ext cx="0" cy="0"/>
+          <a:chOff x="0" y="0"/>
+          <a:chExt cx="0" cy="0"/>
+        </a:xfrm>
+      </p:grpSpPr>
+      <p:sp>
+        <p:nvSpPr>
+          <p:cNvPr id="2" name="タイトル 1"/>
+          <p:cNvSpPr>
+            <a:spLocks noGrp="1"/>
+          </p:cNvSpPr>
+          <p:nvPr>
+            <p:ph type="title"/>
+          </p:nvPr>
+        </p:nvSpPr>
+        <p:spPr>
+          <a:xfrm>
+            <a:off x="838200" y="0"/>
+            <a:ext cx="7954926" cy="644968"/>
+          </a:xfrm>
+        </p:spPr>
+        <p:txBody>
+          <a:bodyPr>
+            <a:normAutofit/>
+          </a:bodyPr>
+          <a:lstStyle/>
+          <a:p>
+            <a:r>
+              <a:rPr kumimoji="1" lang="en-US" altLang="ja-JP" sz="3600" dirty="0" smtClean="0"/>
+              <a:t>Simulator</a:t>
+            </a:r>
+            <a:r>
+              <a:rPr kumimoji="1" lang="ja-JP" altLang="en-US" sz="3600" dirty="0" smtClean="0"/>
+              <a:t>の実装</a:t>
+            </a:r>
+            <a:endParaRPr kumimoji="1" lang="ja-JP" altLang="en-US" sz="3600" dirty="0"/>
+          </a:p>
+        </p:txBody>
+      </p:sp>
+      <p:sp>
+        <p:nvSpPr>
+          <p:cNvPr id="3" name="コンテンツ プレースホルダー 2"/>
+          <p:cNvSpPr>
+            <a:spLocks noGrp="1"/>
+          </p:cNvSpPr>
+          <p:nvPr>
+            <p:ph idx="1"/>
+          </p:nvPr>
+        </p:nvSpPr>
+        <p:spPr>
+          <a:xfrm>
+            <a:off x="838200" y="650396"/>
+            <a:ext cx="10515600" cy="2228992"/>
+          </a:xfrm>
+        </p:spPr>
+        <p:txBody>
+          <a:bodyPr>
+            <a:normAutofit lnSpcReduction="10000"/>
+          </a:bodyPr>
+          <a:lstStyle/>
+          <a:p>
+            <a:r>
+              <a:rPr lang="ja-JP" altLang="en-US" sz="2000" dirty="0" smtClean="0"/>
+              <a:t>ここまでの</a:t>
+            </a:r>
+            <a:r>
+              <a:rPr lang="ja-JP" altLang="en-US" sz="2000" dirty="0"/>
+              <a:t>話</a:t>
+            </a:r>
+            <a:r>
+              <a:rPr lang="ja-JP" altLang="en-US" sz="2000" dirty="0" smtClean="0"/>
+              <a:t>では，ユーザが</a:t>
+            </a:r>
+            <a:r>
+              <a:rPr lang="en-US" altLang="ja-JP" sz="2000" dirty="0" smtClean="0"/>
+              <a:t>Form</a:t>
+            </a:r>
+            <a:r>
+              <a:rPr lang="ja-JP" altLang="en-US" sz="2000" dirty="0" smtClean="0"/>
+              <a:t>にマウス</a:t>
+            </a:r>
+            <a:r>
+              <a:rPr lang="en-US" altLang="ja-JP" sz="2000" dirty="0" smtClean="0"/>
+              <a:t>/</a:t>
+            </a:r>
+            <a:r>
+              <a:rPr lang="ja-JP" altLang="en-US" sz="2000" dirty="0" smtClean="0"/>
+              <a:t>キーボード入力をすると，そのたびにイベントハンドラが呼ばれるという事だった</a:t>
+            </a:r>
+            <a:endParaRPr lang="en-US" altLang="ja-JP" sz="2000" dirty="0" smtClean="0"/>
+          </a:p>
+          <a:p>
+            <a:r>
+              <a:rPr kumimoji="1" lang="ja-JP" altLang="en-US" sz="2000" dirty="0"/>
+              <a:t>シミュレータ</a:t>
+            </a:r>
+            <a:r>
+              <a:rPr kumimoji="1" lang="ja-JP" altLang="en-US" sz="2000" dirty="0" smtClean="0"/>
+              <a:t>を作るときには，常に逐次計算をまわす必要がある</a:t>
+            </a:r>
+            <a:endParaRPr kumimoji="1" lang="en-US" altLang="ja-JP" sz="2000" dirty="0" smtClean="0"/>
+          </a:p>
+          <a:p>
+            <a:pPr lvl="1">
+              <a:spcBef>
+                <a:spcPts val="600"/>
+              </a:spcBef>
+            </a:pPr>
+            <a:r>
+              <a:rPr lang="en-US" altLang="ja-JP" sz="1800" dirty="0" smtClean="0"/>
+              <a:t>For</a:t>
+            </a:r>
+            <a:r>
+              <a:rPr lang="ja-JP" altLang="en-US" sz="1800" dirty="0" smtClean="0"/>
+              <a:t>文で逐次計算をまわす？？</a:t>
+            </a:r>
+            <a:r>
+              <a:rPr lang="en-US" altLang="ja-JP" sz="1800" dirty="0" smtClean="0">
+                <a:sym typeface="Wingdings" panose="05000000000000000000" pitchFamily="2" charset="2"/>
+              </a:rPr>
+              <a:t> </a:t>
+            </a:r>
+            <a:r>
+              <a:rPr lang="ja-JP" altLang="en-US" sz="1800" dirty="0" smtClean="0">
+                <a:sym typeface="Wingdings" panose="05000000000000000000" pitchFamily="2" charset="2"/>
+              </a:rPr>
+              <a:t>ユーザのイベントが</a:t>
+            </a:r>
+            <a:r>
+              <a:rPr lang="en-US" altLang="ja-JP" sz="1800" dirty="0" smtClean="0">
+                <a:sym typeface="Wingdings" panose="05000000000000000000" pitchFamily="2" charset="2"/>
+              </a:rPr>
+              <a:t>for</a:t>
+            </a:r>
+            <a:r>
+              <a:rPr lang="ja-JP" altLang="en-US" sz="1800" dirty="0" smtClean="0">
+                <a:sym typeface="Wingdings" panose="05000000000000000000" pitchFamily="2" charset="2"/>
+              </a:rPr>
+              <a:t>文に割り込めないので対話不可能</a:t>
+            </a:r>
+            <a:endParaRPr lang="en-US" altLang="ja-JP" sz="1800" dirty="0" smtClean="0">
+              <a:sym typeface="Wingdings" panose="05000000000000000000" pitchFamily="2" charset="2"/>
+            </a:endParaRPr>
+          </a:p>
+          <a:p>
+            <a:pPr lvl="1">
+              <a:spcBef>
+                <a:spcPts val="600"/>
+              </a:spcBef>
+            </a:pPr>
+            <a:r>
+              <a:rPr lang="ja-JP" altLang="en-US" sz="1800" dirty="0" smtClean="0">
+                <a:sym typeface="Wingdings" panose="05000000000000000000" pitchFamily="2" charset="2"/>
+              </a:rPr>
+              <a:t>スレッドを二つ作る？</a:t>
+            </a:r>
+            <a:r>
+              <a:rPr lang="en-US" altLang="ja-JP" sz="1800" dirty="0" smtClean="0">
+                <a:sym typeface="Wingdings" panose="05000000000000000000" pitchFamily="2" charset="2"/>
+              </a:rPr>
+              <a:t> </a:t>
+            </a:r>
+            <a:r>
+              <a:rPr lang="ja-JP" altLang="en-US" sz="1800" dirty="0" smtClean="0">
+                <a:sym typeface="Wingdings" panose="05000000000000000000" pitchFamily="2" charset="2"/>
+              </a:rPr>
+              <a:t>ちょっと管理がめ</a:t>
+            </a:r>
+            <a:r>
+              <a:rPr lang="ja-JP" altLang="en-US" sz="1800" dirty="0" err="1" smtClean="0">
+                <a:sym typeface="Wingdings" panose="05000000000000000000" pitchFamily="2" charset="2"/>
+              </a:rPr>
+              <a:t>んど</a:t>
+            </a:r>
+            <a:r>
+              <a:rPr lang="ja-JP" altLang="en-US" sz="1800" dirty="0" smtClean="0">
+                <a:sym typeface="Wingdings" panose="05000000000000000000" pitchFamily="2" charset="2"/>
+              </a:rPr>
+              <a:t>くさい</a:t>
+            </a:r>
+            <a:endParaRPr lang="en-US" altLang="ja-JP" sz="1800" dirty="0" smtClean="0">
+              <a:sym typeface="Wingdings" panose="05000000000000000000" pitchFamily="2" charset="2"/>
+            </a:endParaRPr>
+          </a:p>
+          <a:p>
+            <a:pPr marL="0" indent="0">
+              <a:spcBef>
+                <a:spcPts val="600"/>
+              </a:spcBef>
+              <a:buNone/>
+            </a:pPr>
+            <a:r>
+              <a:rPr lang="en-US" altLang="ja-JP" sz="2000" dirty="0" smtClean="0">
+                <a:sym typeface="Wingdings" panose="05000000000000000000" pitchFamily="2" charset="2"/>
+              </a:rPr>
+              <a:t> Timer</a:t>
+            </a:r>
+            <a:r>
+              <a:rPr lang="ja-JP" altLang="en-US" sz="2000" dirty="0" smtClean="0">
+                <a:sym typeface="Wingdings" panose="05000000000000000000" pitchFamily="2" charset="2"/>
+              </a:rPr>
+              <a:t>イベントを利用する</a:t>
+            </a:r>
+            <a:endParaRPr lang="en-US" altLang="ja-JP" sz="2400" dirty="0" smtClean="0">
+              <a:sym typeface="Wingdings" panose="05000000000000000000" pitchFamily="2" charset="2"/>
+            </a:endParaRPr>
+          </a:p>
+          <a:p>
+            <a:pPr lvl="1"/>
+            <a:endParaRPr kumimoji="1" lang="ja-JP" altLang="en-US" sz="1800" dirty="0"/>
+          </a:p>
+        </p:txBody>
+      </p:sp>
+      <p:sp>
+        <p:nvSpPr>
+          <p:cNvPr id="4" name="スライド番号プレースホルダー 3"/>
+          <p:cNvSpPr>
+            <a:spLocks noGrp="1"/>
+          </p:cNvSpPr>
+          <p:nvPr>
+            <p:ph type="sldNum" sz="quarter" idx="12"/>
+          </p:nvPr>
+        </p:nvSpPr>
+        <p:spPr/>
+        <p:txBody>
+          <a:bodyPr/>
+          <a:lstStyle/>
+          <a:p>
+            <a:fld id="{6908AC80-5682-4C8F-945F-0672FD5979B7}" type="slidenum">
+              <a:rPr lang="ja-JP" altLang="en-US" smtClean="0"/>
+              <a:pPr/>
+              <a:t>22</a:t>
+            </a:fld>
+            <a:endParaRPr lang="ja-JP" altLang="en-US"/>
+          </a:p>
+        </p:txBody>
+      </p:sp>
+      <p:sp>
+        <p:nvSpPr>
+          <p:cNvPr id="5" name="正方形/長方形 4"/>
+          <p:cNvSpPr/>
+          <p:nvPr/>
+        </p:nvSpPr>
+        <p:spPr>
+          <a:xfrm>
+            <a:off x="966281" y="2802047"/>
+            <a:ext cx="6874213" cy="3970318"/>
+          </a:xfrm>
+          <a:prstGeom prst="rect">
+            <a:avLst/>
+          </a:prstGeom>
+          <a:solidFill>
+            <a:schemeClr val="accent4">
+              <a:lumMod val="20000"/>
+              <a:lumOff val="80000"/>
+            </a:schemeClr>
+          </a:solidFill>
+        </p:spPr>
+        <p:txBody>
+          <a:bodyPr wrap="square">
+            <a:spAutoFit/>
+          </a:bodyPr>
+          <a:lstStyle/>
+          <a:p>
+            <a:r>
+              <a:rPr lang="en-US" altLang="ja-JP" sz="1400" b="1" dirty="0" smtClean="0">
+                <a:solidFill>
+                  <a:srgbClr val="0000FF"/>
+                </a:solidFill>
+                <a:latin typeface="ＭＳ ゴシック" panose="020B0609070205080204" pitchFamily="49" charset="-128"/>
+                <a:ea typeface="ＭＳ ゴシック" panose="020B0609070205080204" pitchFamily="49" charset="-128"/>
+              </a:rPr>
+              <a:t>static</a:t>
+            </a:r>
+            <a:r>
+              <a:rPr lang="en-US" altLang="ja-JP" sz="1400" b="1" dirty="0" smtClean="0">
+                <a:solidFill>
+                  <a:srgbClr val="000000"/>
+                </a:solidFill>
+                <a:latin typeface="ＭＳ ゴシック" panose="020B0609070205080204" pitchFamily="49" charset="-128"/>
+                <a:ea typeface="ＭＳ ゴシック" panose="020B0609070205080204" pitchFamily="49" charset="-128"/>
+              </a:rPr>
+              <a:t> </a:t>
+            </a:r>
+            <a:r>
+              <a:rPr lang="en-US" altLang="ja-JP" sz="1400" b="1" dirty="0">
+                <a:solidFill>
+                  <a:srgbClr val="0000FF"/>
+                </a:solidFill>
+                <a:latin typeface="ＭＳ ゴシック" panose="020B0609070205080204" pitchFamily="49" charset="-128"/>
+                <a:ea typeface="ＭＳ ゴシック" panose="020B0609070205080204" pitchFamily="49" charset="-128"/>
+              </a:rPr>
+              <a:t>void</a:t>
+            </a:r>
+            <a:r>
+              <a:rPr lang="en-US" altLang="ja-JP" sz="1400" b="1" dirty="0">
+                <a:solidFill>
+                  <a:srgbClr val="000000"/>
+                </a:solidFill>
+                <a:latin typeface="ＭＳ ゴシック" panose="020B0609070205080204" pitchFamily="49" charset="-128"/>
+                <a:ea typeface="ＭＳ ゴシック" panose="020B0609070205080204" pitchFamily="49" charset="-128"/>
+              </a:rPr>
+              <a:t> </a:t>
+            </a:r>
+            <a:r>
+              <a:rPr lang="en-US" altLang="ja-JP" sz="1400" b="1" dirty="0">
+                <a:solidFill>
+                  <a:srgbClr val="6F008A"/>
+                </a:solidFill>
+                <a:latin typeface="ＭＳ ゴシック" panose="020B0609070205080204" pitchFamily="49" charset="-128"/>
+                <a:ea typeface="ＭＳ ゴシック" panose="020B0609070205080204" pitchFamily="49" charset="-128"/>
+              </a:rPr>
+              <a:t>CALLBACK</a:t>
+            </a:r>
+            <a:r>
+              <a:rPr lang="en-US" altLang="ja-JP" sz="1400" b="1" dirty="0">
+                <a:solidFill>
+                  <a:srgbClr val="000000"/>
+                </a:solidFill>
+                <a:latin typeface="ＭＳ ゴシック" panose="020B0609070205080204" pitchFamily="49" charset="-128"/>
+                <a:ea typeface="ＭＳ ゴシック" panose="020B0609070205080204" pitchFamily="49" charset="-128"/>
+              </a:rPr>
+              <a:t> </a:t>
+            </a:r>
+            <a:r>
+              <a:rPr lang="en-US" altLang="ja-JP" sz="1400" b="1" dirty="0" err="1">
+                <a:solidFill>
+                  <a:srgbClr val="000000"/>
+                </a:solidFill>
+                <a:latin typeface="ＭＳ ゴシック" panose="020B0609070205080204" pitchFamily="49" charset="-128"/>
+                <a:ea typeface="ＭＳ ゴシック" panose="020B0609070205080204" pitchFamily="49" charset="-128"/>
+              </a:rPr>
+              <a:t>MyTimerProc</a:t>
+            </a:r>
+            <a:r>
+              <a:rPr lang="en-US" altLang="ja-JP" sz="1400" b="1" dirty="0">
+                <a:solidFill>
+                  <a:srgbClr val="000000"/>
+                </a:solidFill>
+                <a:latin typeface="ＭＳ ゴシック" panose="020B0609070205080204" pitchFamily="49" charset="-128"/>
+                <a:ea typeface="ＭＳ ゴシック" panose="020B0609070205080204" pitchFamily="49" charset="-128"/>
+              </a:rPr>
+              <a:t>(</a:t>
+            </a:r>
+          </a:p>
+          <a:p>
+            <a:r>
+              <a:rPr lang="en-US" altLang="ja-JP" sz="1400" b="1" dirty="0">
+                <a:solidFill>
+                  <a:srgbClr val="000000"/>
+                </a:solidFill>
+                <a:latin typeface="ＭＳ ゴシック" panose="020B0609070205080204" pitchFamily="49" charset="-128"/>
+                <a:ea typeface="ＭＳ ゴシック" panose="020B0609070205080204" pitchFamily="49" charset="-128"/>
+              </a:rPr>
+              <a:t>    </a:t>
+            </a:r>
+            <a:r>
+              <a:rPr lang="en-US" altLang="ja-JP" sz="1400" b="1" dirty="0">
+                <a:solidFill>
+                  <a:srgbClr val="2B91AF"/>
+                </a:solidFill>
+                <a:latin typeface="ＭＳ ゴシック" panose="020B0609070205080204" pitchFamily="49" charset="-128"/>
+                <a:ea typeface="ＭＳ ゴシック" panose="020B0609070205080204" pitchFamily="49" charset="-128"/>
+              </a:rPr>
+              <a:t>HWND</a:t>
+            </a:r>
+            <a:r>
+              <a:rPr lang="en-US" altLang="ja-JP" sz="1400" b="1" dirty="0">
+                <a:solidFill>
+                  <a:srgbClr val="000000"/>
+                </a:solidFill>
+                <a:latin typeface="ＭＳ ゴシック" panose="020B0609070205080204" pitchFamily="49" charset="-128"/>
+                <a:ea typeface="ＭＳ ゴシック" panose="020B0609070205080204" pitchFamily="49" charset="-128"/>
+              </a:rPr>
+              <a:t> </a:t>
+            </a:r>
+            <a:r>
+              <a:rPr lang="en-US" altLang="ja-JP" sz="1400" b="1" dirty="0" err="1">
+                <a:solidFill>
+                  <a:srgbClr val="808080"/>
+                </a:solidFill>
+                <a:latin typeface="ＭＳ ゴシック" panose="020B0609070205080204" pitchFamily="49" charset="-128"/>
+                <a:ea typeface="ＭＳ ゴシック" panose="020B0609070205080204" pitchFamily="49" charset="-128"/>
+              </a:rPr>
+              <a:t>hWnd</a:t>
+            </a:r>
+            <a:r>
+              <a:rPr lang="en-US" altLang="ja-JP" sz="1400" b="1" dirty="0">
+                <a:solidFill>
+                  <a:srgbClr val="000000"/>
+                </a:solidFill>
+                <a:latin typeface="ＭＳ ゴシック" panose="020B0609070205080204" pitchFamily="49" charset="-128"/>
+                <a:ea typeface="ＭＳ ゴシック" panose="020B0609070205080204" pitchFamily="49" charset="-128"/>
+              </a:rPr>
+              <a:t>,           </a:t>
+            </a:r>
+            <a:r>
+              <a:rPr lang="en-US" altLang="ja-JP" sz="1400" b="1" dirty="0">
+                <a:solidFill>
+                  <a:srgbClr val="008000"/>
+                </a:solidFill>
+                <a:latin typeface="ＭＳ ゴシック" panose="020B0609070205080204" pitchFamily="49" charset="-128"/>
+                <a:ea typeface="ＭＳ ゴシック" panose="020B0609070205080204" pitchFamily="49" charset="-128"/>
+              </a:rPr>
+              <a:t>// handle of </a:t>
+            </a:r>
+            <a:r>
+              <a:rPr lang="en-US" altLang="ja-JP" sz="1400" b="1" dirty="0" err="1">
+                <a:solidFill>
+                  <a:srgbClr val="008000"/>
+                </a:solidFill>
+                <a:latin typeface="ＭＳ ゴシック" panose="020B0609070205080204" pitchFamily="49" charset="-128"/>
+                <a:ea typeface="ＭＳ ゴシック" panose="020B0609070205080204" pitchFamily="49" charset="-128"/>
+              </a:rPr>
+              <a:t>CWnd</a:t>
+            </a:r>
+            <a:r>
+              <a:rPr lang="en-US" altLang="ja-JP" sz="1400" b="1" dirty="0">
+                <a:solidFill>
+                  <a:srgbClr val="008000"/>
+                </a:solidFill>
+                <a:latin typeface="ＭＳ ゴシック" panose="020B0609070205080204" pitchFamily="49" charset="-128"/>
+                <a:ea typeface="ＭＳ ゴシック" panose="020B0609070205080204" pitchFamily="49" charset="-128"/>
+              </a:rPr>
+              <a:t> that called </a:t>
+            </a:r>
+            <a:r>
+              <a:rPr lang="en-US" altLang="ja-JP" sz="1400" b="1" dirty="0" err="1">
+                <a:solidFill>
+                  <a:srgbClr val="008000"/>
+                </a:solidFill>
+                <a:latin typeface="ＭＳ ゴシック" panose="020B0609070205080204" pitchFamily="49" charset="-128"/>
+                <a:ea typeface="ＭＳ ゴシック" panose="020B0609070205080204" pitchFamily="49" charset="-128"/>
+              </a:rPr>
+              <a:t>SetTimer</a:t>
+            </a:r>
+            <a:endParaRPr lang="en-US" altLang="ja-JP" sz="1400" b="1" dirty="0">
+              <a:solidFill>
+                <a:srgbClr val="000000"/>
+              </a:solidFill>
+              <a:latin typeface="ＭＳ ゴシック" panose="020B0609070205080204" pitchFamily="49" charset="-128"/>
+              <a:ea typeface="ＭＳ ゴシック" panose="020B0609070205080204" pitchFamily="49" charset="-128"/>
+            </a:endParaRPr>
+          </a:p>
+          <a:p>
+            <a:r>
+              <a:rPr lang="en-US" altLang="ja-JP" sz="1400" b="1" dirty="0">
+                <a:solidFill>
+                  <a:srgbClr val="000000"/>
+                </a:solidFill>
+                <a:latin typeface="ＭＳ ゴシック" panose="020B0609070205080204" pitchFamily="49" charset="-128"/>
+                <a:ea typeface="ＭＳ ゴシック" panose="020B0609070205080204" pitchFamily="49" charset="-128"/>
+              </a:rPr>
+              <a:t>    </a:t>
+            </a:r>
+            <a:r>
+              <a:rPr lang="en-US" altLang="ja-JP" sz="1400" b="1" dirty="0">
+                <a:solidFill>
+                  <a:srgbClr val="2B91AF"/>
+                </a:solidFill>
+                <a:latin typeface="ＭＳ ゴシック" panose="020B0609070205080204" pitchFamily="49" charset="-128"/>
+                <a:ea typeface="ＭＳ ゴシック" panose="020B0609070205080204" pitchFamily="49" charset="-128"/>
+              </a:rPr>
+              <a:t>UINT</a:t>
+            </a:r>
+            <a:r>
+              <a:rPr lang="en-US" altLang="ja-JP" sz="1400" b="1" dirty="0">
+                <a:solidFill>
+                  <a:srgbClr val="000000"/>
+                </a:solidFill>
+                <a:latin typeface="ＭＳ ゴシック" panose="020B0609070205080204" pitchFamily="49" charset="-128"/>
+                <a:ea typeface="ＭＳ ゴシック" panose="020B0609070205080204" pitchFamily="49" charset="-128"/>
+              </a:rPr>
+              <a:t> </a:t>
+            </a:r>
+            <a:r>
+              <a:rPr lang="en-US" altLang="ja-JP" sz="1400" b="1" dirty="0" err="1">
+                <a:solidFill>
+                  <a:srgbClr val="808080"/>
+                </a:solidFill>
+                <a:latin typeface="ＭＳ ゴシック" panose="020B0609070205080204" pitchFamily="49" charset="-128"/>
+                <a:ea typeface="ＭＳ ゴシック" panose="020B0609070205080204" pitchFamily="49" charset="-128"/>
+              </a:rPr>
+              <a:t>nMsg</a:t>
+            </a:r>
+            <a:r>
+              <a:rPr lang="en-US" altLang="ja-JP" sz="1400" b="1" dirty="0">
+                <a:solidFill>
+                  <a:srgbClr val="000000"/>
+                </a:solidFill>
+                <a:latin typeface="ＭＳ ゴシック" panose="020B0609070205080204" pitchFamily="49" charset="-128"/>
+                <a:ea typeface="ＭＳ ゴシック" panose="020B0609070205080204" pitchFamily="49" charset="-128"/>
+              </a:rPr>
+              <a:t>,           </a:t>
+            </a:r>
+            <a:r>
+              <a:rPr lang="en-US" altLang="ja-JP" sz="1400" b="1" dirty="0">
+                <a:solidFill>
+                  <a:srgbClr val="008000"/>
+                </a:solidFill>
+                <a:latin typeface="ＭＳ ゴシック" panose="020B0609070205080204" pitchFamily="49" charset="-128"/>
+                <a:ea typeface="ＭＳ ゴシック" panose="020B0609070205080204" pitchFamily="49" charset="-128"/>
+              </a:rPr>
+              <a:t>// WM_TIMER</a:t>
+            </a:r>
+            <a:endParaRPr lang="en-US" altLang="ja-JP" sz="1400" b="1" dirty="0">
+              <a:solidFill>
+                <a:srgbClr val="000000"/>
+              </a:solidFill>
+              <a:latin typeface="ＭＳ ゴシック" panose="020B0609070205080204" pitchFamily="49" charset="-128"/>
+              <a:ea typeface="ＭＳ ゴシック" panose="020B0609070205080204" pitchFamily="49" charset="-128"/>
+            </a:endParaRPr>
+          </a:p>
+          <a:p>
+            <a:r>
+              <a:rPr lang="en-US" altLang="ja-JP" sz="1400" b="1" dirty="0">
+                <a:solidFill>
+                  <a:srgbClr val="000000"/>
+                </a:solidFill>
+                <a:latin typeface="ＭＳ ゴシック" panose="020B0609070205080204" pitchFamily="49" charset="-128"/>
+                <a:ea typeface="ＭＳ ゴシック" panose="020B0609070205080204" pitchFamily="49" charset="-128"/>
+              </a:rPr>
+              <a:t>    </a:t>
+            </a:r>
+            <a:r>
+              <a:rPr lang="en-US" altLang="ja-JP" sz="1400" b="1" dirty="0">
+                <a:solidFill>
+                  <a:srgbClr val="2B91AF"/>
+                </a:solidFill>
+                <a:latin typeface="ＭＳ ゴシック" panose="020B0609070205080204" pitchFamily="49" charset="-128"/>
+                <a:ea typeface="ＭＳ ゴシック" panose="020B0609070205080204" pitchFamily="49" charset="-128"/>
+              </a:rPr>
+              <a:t>UINT_PTR</a:t>
+            </a:r>
+            <a:r>
+              <a:rPr lang="en-US" altLang="ja-JP" sz="1400" b="1" dirty="0">
+                <a:solidFill>
+                  <a:srgbClr val="000000"/>
+                </a:solidFill>
+                <a:latin typeface="ＭＳ ゴシック" panose="020B0609070205080204" pitchFamily="49" charset="-128"/>
+                <a:ea typeface="ＭＳ ゴシック" panose="020B0609070205080204" pitchFamily="49" charset="-128"/>
+              </a:rPr>
+              <a:t> </a:t>
+            </a:r>
+            <a:r>
+              <a:rPr lang="en-US" altLang="ja-JP" sz="1400" b="1" dirty="0" err="1">
+                <a:solidFill>
+                  <a:srgbClr val="808080"/>
+                </a:solidFill>
+                <a:latin typeface="ＭＳ ゴシック" panose="020B0609070205080204" pitchFamily="49" charset="-128"/>
+                <a:ea typeface="ＭＳ ゴシック" panose="020B0609070205080204" pitchFamily="49" charset="-128"/>
+              </a:rPr>
+              <a:t>nIDEvent</a:t>
+            </a:r>
+            <a:r>
+              <a:rPr lang="en-US" altLang="ja-JP" sz="1400" b="1" dirty="0">
+                <a:solidFill>
+                  <a:srgbClr val="000000"/>
+                </a:solidFill>
+                <a:latin typeface="ＭＳ ゴシック" panose="020B0609070205080204" pitchFamily="49" charset="-128"/>
+                <a:ea typeface="ＭＳ ゴシック" panose="020B0609070205080204" pitchFamily="49" charset="-128"/>
+              </a:rPr>
+              <a:t>,   </a:t>
+            </a:r>
+            <a:r>
+              <a:rPr lang="en-US" altLang="ja-JP" sz="1400" b="1" dirty="0">
+                <a:solidFill>
+                  <a:srgbClr val="008000"/>
+                </a:solidFill>
+                <a:latin typeface="ＭＳ ゴシック" panose="020B0609070205080204" pitchFamily="49" charset="-128"/>
+                <a:ea typeface="ＭＳ ゴシック" panose="020B0609070205080204" pitchFamily="49" charset="-128"/>
+              </a:rPr>
+              <a:t>// timer identification</a:t>
+            </a:r>
+            <a:endParaRPr lang="en-US" altLang="ja-JP" sz="1400" b="1" dirty="0">
+              <a:solidFill>
+                <a:srgbClr val="000000"/>
+              </a:solidFill>
+              <a:latin typeface="ＭＳ ゴシック" panose="020B0609070205080204" pitchFamily="49" charset="-128"/>
+              <a:ea typeface="ＭＳ ゴシック" panose="020B0609070205080204" pitchFamily="49" charset="-128"/>
+            </a:endParaRPr>
+          </a:p>
+          <a:p>
+            <a:r>
+              <a:rPr lang="en-US" altLang="ja-JP" sz="1400" b="1" dirty="0">
+                <a:solidFill>
+                  <a:srgbClr val="000000"/>
+                </a:solidFill>
+                <a:latin typeface="ＭＳ ゴシック" panose="020B0609070205080204" pitchFamily="49" charset="-128"/>
+                <a:ea typeface="ＭＳ ゴシック" panose="020B0609070205080204" pitchFamily="49" charset="-128"/>
+              </a:rPr>
+              <a:t>    </a:t>
+            </a:r>
+            <a:r>
+              <a:rPr lang="en-US" altLang="ja-JP" sz="1400" b="1" dirty="0">
+                <a:solidFill>
+                  <a:srgbClr val="2B91AF"/>
+                </a:solidFill>
+                <a:latin typeface="ＭＳ ゴシック" panose="020B0609070205080204" pitchFamily="49" charset="-128"/>
+                <a:ea typeface="ＭＳ ゴシック" panose="020B0609070205080204" pitchFamily="49" charset="-128"/>
+              </a:rPr>
+              <a:t>DWORD</a:t>
+            </a:r>
+            <a:r>
+              <a:rPr lang="en-US" altLang="ja-JP" sz="1400" b="1" dirty="0">
+                <a:solidFill>
+                  <a:srgbClr val="000000"/>
+                </a:solidFill>
+                <a:latin typeface="ＭＳ ゴシック" panose="020B0609070205080204" pitchFamily="49" charset="-128"/>
+                <a:ea typeface="ＭＳ ゴシック" panose="020B0609070205080204" pitchFamily="49" charset="-128"/>
+              </a:rPr>
+              <a:t> </a:t>
+            </a:r>
+            <a:r>
+              <a:rPr lang="en-US" altLang="ja-JP" sz="1400" b="1" dirty="0" err="1">
+                <a:solidFill>
+                  <a:srgbClr val="808080"/>
+                </a:solidFill>
+                <a:latin typeface="ＭＳ ゴシック" panose="020B0609070205080204" pitchFamily="49" charset="-128"/>
+                <a:ea typeface="ＭＳ ゴシック" panose="020B0609070205080204" pitchFamily="49" charset="-128"/>
+              </a:rPr>
+              <a:t>dwTime</a:t>
+            </a:r>
+            <a:r>
+              <a:rPr lang="en-US" altLang="ja-JP" sz="1400" b="1" dirty="0">
+                <a:solidFill>
+                  <a:srgbClr val="000000"/>
+                </a:solidFill>
+                <a:latin typeface="ＭＳ ゴシック" panose="020B0609070205080204" pitchFamily="49" charset="-128"/>
+                <a:ea typeface="ＭＳ ゴシック" panose="020B0609070205080204" pitchFamily="49" charset="-128"/>
+              </a:rPr>
+              <a:t>         </a:t>
+            </a:r>
+            <a:r>
+              <a:rPr lang="en-US" altLang="ja-JP" sz="1400" b="1" dirty="0">
+                <a:solidFill>
+                  <a:srgbClr val="008000"/>
+                </a:solidFill>
+                <a:latin typeface="ＭＳ ゴシック" panose="020B0609070205080204" pitchFamily="49" charset="-128"/>
+                <a:ea typeface="ＭＳ ゴシック" panose="020B0609070205080204" pitchFamily="49" charset="-128"/>
+              </a:rPr>
+              <a:t>// system time</a:t>
+            </a:r>
+            <a:endParaRPr lang="en-US" altLang="ja-JP" sz="1400" b="1" dirty="0">
+              <a:solidFill>
+                <a:srgbClr val="000000"/>
+              </a:solidFill>
+              <a:latin typeface="ＭＳ ゴシック" panose="020B0609070205080204" pitchFamily="49" charset="-128"/>
+              <a:ea typeface="ＭＳ ゴシック" panose="020B0609070205080204" pitchFamily="49" charset="-128"/>
+            </a:endParaRPr>
+          </a:p>
+          <a:p>
+            <a:r>
+              <a:rPr lang="en-US" altLang="ja-JP" sz="1400" b="1" dirty="0">
+                <a:solidFill>
+                  <a:srgbClr val="000000"/>
+                </a:solidFill>
+                <a:latin typeface="ＭＳ ゴシック" panose="020B0609070205080204" pitchFamily="49" charset="-128"/>
+                <a:ea typeface="ＭＳ ゴシック" panose="020B0609070205080204" pitchFamily="49" charset="-128"/>
+              </a:rPr>
+              <a:t>)</a:t>
+            </a:r>
+          </a:p>
+          <a:p>
+            <a:r>
+              <a:rPr lang="en-US" altLang="ja-JP" sz="1400" b="1" dirty="0">
+                <a:solidFill>
+                  <a:srgbClr val="000000"/>
+                </a:solidFill>
+                <a:latin typeface="ＭＳ ゴシック" panose="020B0609070205080204" pitchFamily="49" charset="-128"/>
+                <a:ea typeface="ＭＳ ゴシック" panose="020B0609070205080204" pitchFamily="49" charset="-128"/>
+              </a:rPr>
+              <a:t>{</a:t>
+            </a:r>
+          </a:p>
+          <a:p>
+            <a:r>
+              <a:rPr lang="en-US" altLang="ja-JP" sz="1400" b="1" dirty="0">
+                <a:solidFill>
+                  <a:srgbClr val="000000"/>
+                </a:solidFill>
+                <a:latin typeface="ＭＳ ゴシック" panose="020B0609070205080204" pitchFamily="49" charset="-128"/>
+                <a:ea typeface="ＭＳ ゴシック" panose="020B0609070205080204" pitchFamily="49" charset="-128"/>
+              </a:rPr>
+              <a:t>  </a:t>
+            </a:r>
+            <a:r>
+              <a:rPr lang="en-US" altLang="ja-JP" sz="1400" b="1" dirty="0" err="1">
+                <a:solidFill>
+                  <a:srgbClr val="000000"/>
+                </a:solidFill>
+                <a:latin typeface="ＭＳ ゴシック" panose="020B0609070205080204" pitchFamily="49" charset="-128"/>
+                <a:ea typeface="ＭＳ ゴシック" panose="020B0609070205080204" pitchFamily="49" charset="-128"/>
+              </a:rPr>
+              <a:t>printf</a:t>
+            </a:r>
+            <a:r>
+              <a:rPr lang="en-US" altLang="ja-JP" sz="1400" b="1" dirty="0">
+                <a:solidFill>
+                  <a:srgbClr val="000000"/>
+                </a:solidFill>
+                <a:latin typeface="ＭＳ ゴシック" panose="020B0609070205080204" pitchFamily="49" charset="-128"/>
+                <a:ea typeface="ＭＳ ゴシック" panose="020B0609070205080204" pitchFamily="49" charset="-128"/>
+              </a:rPr>
+              <a:t>(</a:t>
+            </a:r>
+            <a:r>
+              <a:rPr lang="en-US" altLang="ja-JP" sz="1400" b="1" dirty="0">
+                <a:solidFill>
+                  <a:srgbClr val="A31515"/>
+                </a:solidFill>
+                <a:latin typeface="ＭＳ ゴシック" panose="020B0609070205080204" pitchFamily="49" charset="-128"/>
+                <a:ea typeface="ＭＳ ゴシック" panose="020B0609070205080204" pitchFamily="49" charset="-128"/>
+              </a:rPr>
+              <a:t>"a"</a:t>
+            </a:r>
+            <a:r>
+              <a:rPr lang="en-US" altLang="ja-JP" sz="1400" b="1" dirty="0">
+                <a:solidFill>
+                  <a:srgbClr val="000000"/>
+                </a:solidFill>
+                <a:latin typeface="ＭＳ ゴシック" panose="020B0609070205080204" pitchFamily="49" charset="-128"/>
+                <a:ea typeface="ＭＳ ゴシック" panose="020B0609070205080204" pitchFamily="49" charset="-128"/>
+              </a:rPr>
+              <a:t>);</a:t>
+            </a:r>
+          </a:p>
+          <a:p>
+            <a:r>
+              <a:rPr lang="en-US" altLang="ja-JP" sz="1400" b="1" dirty="0">
+                <a:solidFill>
+                  <a:srgbClr val="000000"/>
+                </a:solidFill>
+                <a:latin typeface="ＭＳ ゴシック" panose="020B0609070205080204" pitchFamily="49" charset="-128"/>
+                <a:ea typeface="ＭＳ ゴシック" panose="020B0609070205080204" pitchFamily="49" charset="-128"/>
+              </a:rPr>
+              <a:t>  </a:t>
+            </a:r>
+            <a:r>
+              <a:rPr lang="en-US" altLang="ja-JP" sz="1400" b="1" dirty="0" err="1">
+                <a:solidFill>
+                  <a:srgbClr val="000000"/>
+                </a:solidFill>
+                <a:latin typeface="ＭＳ ゴシック" panose="020B0609070205080204" pitchFamily="49" charset="-128"/>
+                <a:ea typeface="ＭＳ ゴシック" panose="020B0609070205080204" pitchFamily="49" charset="-128"/>
+              </a:rPr>
+              <a:t>SolidSimulator</a:t>
+            </a:r>
+            <a:r>
+              <a:rPr lang="en-US" altLang="ja-JP" sz="1400" b="1" dirty="0">
+                <a:solidFill>
+                  <a:srgbClr val="000000"/>
+                </a:solidFill>
+                <a:latin typeface="ＭＳ ゴシック" panose="020B0609070205080204" pitchFamily="49" charset="-128"/>
+                <a:ea typeface="ＭＳ ゴシック" panose="020B0609070205080204" pitchFamily="49" charset="-128"/>
+              </a:rPr>
+              <a:t>::</a:t>
+            </a:r>
+            <a:r>
+              <a:rPr lang="en-US" altLang="ja-JP" sz="1400" b="1" dirty="0" err="1">
+                <a:solidFill>
+                  <a:srgbClr val="000000"/>
+                </a:solidFill>
+                <a:latin typeface="ＭＳ ゴシック" panose="020B0609070205080204" pitchFamily="49" charset="-128"/>
+                <a:ea typeface="ＭＳ ゴシック" panose="020B0609070205080204" pitchFamily="49" charset="-128"/>
+              </a:rPr>
+              <a:t>RedrawMainWindow</a:t>
+            </a:r>
+            <a:r>
+              <a:rPr lang="en-US" altLang="ja-JP" sz="1400" b="1" dirty="0" smtClean="0">
+                <a:solidFill>
+                  <a:srgbClr val="000000"/>
+                </a:solidFill>
+                <a:latin typeface="ＭＳ ゴシック" panose="020B0609070205080204" pitchFamily="49" charset="-128"/>
+                <a:ea typeface="ＭＳ ゴシック" panose="020B0609070205080204" pitchFamily="49" charset="-128"/>
+              </a:rPr>
+              <a:t>(); //“a”</a:t>
+            </a:r>
+            <a:r>
+              <a:rPr lang="ja-JP" altLang="en-US" sz="1400" b="1" dirty="0" smtClean="0">
+                <a:solidFill>
+                  <a:srgbClr val="000000"/>
+                </a:solidFill>
+                <a:latin typeface="ＭＳ ゴシック" panose="020B0609070205080204" pitchFamily="49" charset="-128"/>
+                <a:ea typeface="ＭＳ ゴシック" panose="020B0609070205080204" pitchFamily="49" charset="-128"/>
+              </a:rPr>
+              <a:t>を表示して</a:t>
+            </a:r>
+            <a:r>
+              <a:rPr lang="en-US" altLang="ja-JP" sz="1400" b="1" dirty="0" smtClean="0">
+                <a:solidFill>
+                  <a:srgbClr val="000000"/>
+                </a:solidFill>
+                <a:latin typeface="ＭＳ ゴシック" panose="020B0609070205080204" pitchFamily="49" charset="-128"/>
+                <a:ea typeface="ＭＳ ゴシック" panose="020B0609070205080204" pitchFamily="49" charset="-128"/>
+              </a:rPr>
+              <a:t>redraw</a:t>
+            </a:r>
+            <a:r>
+              <a:rPr lang="ja-JP" altLang="en-US" sz="1400" b="1" dirty="0" smtClean="0">
+                <a:solidFill>
+                  <a:srgbClr val="000000"/>
+                </a:solidFill>
+                <a:latin typeface="ＭＳ ゴシック" panose="020B0609070205080204" pitchFamily="49" charset="-128"/>
+                <a:ea typeface="ＭＳ ゴシック" panose="020B0609070205080204" pitchFamily="49" charset="-128"/>
+              </a:rPr>
+              <a:t>するだけ</a:t>
+            </a:r>
+            <a:endParaRPr lang="en-US" altLang="ja-JP" sz="1400" b="1" dirty="0">
+              <a:solidFill>
+                <a:srgbClr val="000000"/>
+              </a:solidFill>
+              <a:latin typeface="ＭＳ ゴシック" panose="020B0609070205080204" pitchFamily="49" charset="-128"/>
+              <a:ea typeface="ＭＳ ゴシック" panose="020B0609070205080204" pitchFamily="49" charset="-128"/>
+            </a:endParaRPr>
+          </a:p>
+          <a:p>
+            <a:r>
+              <a:rPr lang="en-US" altLang="ja-JP" sz="1400" b="1" dirty="0">
+                <a:solidFill>
+                  <a:srgbClr val="000000"/>
+                </a:solidFill>
+                <a:latin typeface="ＭＳ ゴシック" panose="020B0609070205080204" pitchFamily="49" charset="-128"/>
+                <a:ea typeface="ＭＳ ゴシック" panose="020B0609070205080204" pitchFamily="49" charset="-128"/>
+              </a:rPr>
+              <a:t>}</a:t>
+            </a:r>
+          </a:p>
+          <a:p>
+            <a:endParaRPr lang="ja-JP" altLang="en-US" sz="1400" dirty="0">
+              <a:solidFill>
+                <a:srgbClr val="000000"/>
+              </a:solidFill>
+              <a:latin typeface="ＭＳ ゴシック" panose="020B0609070205080204" pitchFamily="49" charset="-128"/>
+              <a:ea typeface="ＭＳ ゴシック" panose="020B0609070205080204" pitchFamily="49" charset="-128"/>
+            </a:endParaRPr>
+          </a:p>
+          <a:p>
+            <a:r>
+              <a:rPr lang="en-US" altLang="ja-JP" sz="1400" dirty="0" err="1">
+                <a:solidFill>
+                  <a:srgbClr val="2B91AF"/>
+                </a:solidFill>
+                <a:latin typeface="ＭＳ ゴシック" panose="020B0609070205080204" pitchFamily="49" charset="-128"/>
+                <a:ea typeface="ＭＳ ゴシック" panose="020B0609070205080204" pitchFamily="49" charset="-128"/>
+              </a:rPr>
+              <a:t>MainForm</a:t>
+            </a:r>
+            <a:r>
+              <a:rPr lang="en-US" altLang="ja-JP" sz="1400" dirty="0">
+                <a:solidFill>
+                  <a:srgbClr val="000000"/>
+                </a:solidFill>
+                <a:latin typeface="ＭＳ ゴシック" panose="020B0609070205080204" pitchFamily="49" charset="-128"/>
+                <a:ea typeface="ＭＳ ゴシック" panose="020B0609070205080204" pitchFamily="49" charset="-128"/>
+              </a:rPr>
+              <a:t>::</a:t>
+            </a:r>
+            <a:r>
+              <a:rPr lang="en-US" altLang="ja-JP" sz="1400" dirty="0" err="1">
+                <a:solidFill>
+                  <a:srgbClr val="000000"/>
+                </a:solidFill>
+                <a:latin typeface="ＭＳ ゴシック" panose="020B0609070205080204" pitchFamily="49" charset="-128"/>
+                <a:ea typeface="ＭＳ ゴシック" panose="020B0609070205080204" pitchFamily="49" charset="-128"/>
+              </a:rPr>
+              <a:t>MainForm</a:t>
+            </a:r>
+            <a:r>
+              <a:rPr lang="en-US" altLang="ja-JP" sz="1400" dirty="0">
+                <a:solidFill>
+                  <a:srgbClr val="000000"/>
+                </a:solidFill>
+                <a:latin typeface="ＭＳ ゴシック" panose="020B0609070205080204" pitchFamily="49" charset="-128"/>
+                <a:ea typeface="ＭＳ ゴシック" panose="020B0609070205080204" pitchFamily="49" charset="-128"/>
+              </a:rPr>
+              <a:t>(</a:t>
+            </a:r>
+            <a:r>
+              <a:rPr lang="en-US" altLang="ja-JP" sz="1400" dirty="0">
+                <a:solidFill>
+                  <a:srgbClr val="0000FF"/>
+                </a:solidFill>
+                <a:latin typeface="ＭＳ ゴシック" panose="020B0609070205080204" pitchFamily="49" charset="-128"/>
+                <a:ea typeface="ＭＳ ゴシック" panose="020B0609070205080204" pitchFamily="49" charset="-128"/>
+              </a:rPr>
+              <a:t>void</a:t>
+            </a:r>
+            <a:r>
+              <a:rPr lang="en-US" altLang="ja-JP" sz="1400" dirty="0">
+                <a:solidFill>
+                  <a:srgbClr val="000000"/>
+                </a:solidFill>
+                <a:latin typeface="ＭＳ ゴシック" panose="020B0609070205080204" pitchFamily="49" charset="-128"/>
+                <a:ea typeface="ＭＳ ゴシック" panose="020B0609070205080204" pitchFamily="49" charset="-128"/>
+              </a:rPr>
+              <a:t>)</a:t>
+            </a:r>
+          </a:p>
+          <a:p>
+            <a:r>
+              <a:rPr lang="en-US" altLang="ja-JP" sz="1400" dirty="0">
+                <a:solidFill>
+                  <a:srgbClr val="000000"/>
+                </a:solidFill>
+                <a:latin typeface="ＭＳ ゴシック" panose="020B0609070205080204" pitchFamily="49" charset="-128"/>
+                <a:ea typeface="ＭＳ ゴシック" panose="020B0609070205080204" pitchFamily="49" charset="-128"/>
+              </a:rPr>
+              <a:t>{</a:t>
+            </a:r>
+          </a:p>
+          <a:p>
+            <a:r>
+              <a:rPr lang="en-US" altLang="ja-JP" sz="1400" dirty="0">
+                <a:solidFill>
+                  <a:srgbClr val="000000"/>
+                </a:solidFill>
+                <a:latin typeface="ＭＳ ゴシック" panose="020B0609070205080204" pitchFamily="49" charset="-128"/>
+                <a:ea typeface="ＭＳ ゴシック" panose="020B0609070205080204" pitchFamily="49" charset="-128"/>
+              </a:rPr>
+              <a:t>  </a:t>
+            </a:r>
+            <a:r>
+              <a:rPr lang="en-US" altLang="ja-JP" sz="1400" dirty="0" err="1">
+                <a:solidFill>
+                  <a:srgbClr val="000000"/>
+                </a:solidFill>
+                <a:latin typeface="ＭＳ ゴシック" panose="020B0609070205080204" pitchFamily="49" charset="-128"/>
+                <a:ea typeface="ＭＳ ゴシック" panose="020B0609070205080204" pitchFamily="49" charset="-128"/>
+              </a:rPr>
+              <a:t>m_ogl</a:t>
+            </a:r>
+            <a:r>
+              <a:rPr lang="en-US" altLang="ja-JP" sz="1400" dirty="0">
+                <a:solidFill>
+                  <a:srgbClr val="000000"/>
+                </a:solidFill>
+                <a:latin typeface="ＭＳ ゴシック" panose="020B0609070205080204" pitchFamily="49" charset="-128"/>
+                <a:ea typeface="ＭＳ ゴシック" panose="020B0609070205080204" pitchFamily="49" charset="-128"/>
+              </a:rPr>
+              <a:t> = 0;</a:t>
+            </a:r>
+          </a:p>
+          <a:p>
+            <a:r>
+              <a:rPr lang="en-US" altLang="ja-JP" sz="1400" dirty="0">
+                <a:solidFill>
+                  <a:srgbClr val="000000"/>
+                </a:solidFill>
+                <a:latin typeface="ＭＳ ゴシック" panose="020B0609070205080204" pitchFamily="49" charset="-128"/>
+                <a:ea typeface="ＭＳ ゴシック" panose="020B0609070205080204" pitchFamily="49" charset="-128"/>
+              </a:rPr>
+              <a:t>  </a:t>
+            </a:r>
+            <a:r>
+              <a:rPr lang="en-US" altLang="ja-JP" sz="1400" dirty="0" err="1">
+                <a:solidFill>
+                  <a:srgbClr val="000000"/>
+                </a:solidFill>
+                <a:latin typeface="ＭＳ ゴシック" panose="020B0609070205080204" pitchFamily="49" charset="-128"/>
+                <a:ea typeface="ＭＳ ゴシック" panose="020B0609070205080204" pitchFamily="49" charset="-128"/>
+              </a:rPr>
+              <a:t>InitializeComponent</a:t>
+            </a:r>
+            <a:r>
+              <a:rPr lang="en-US" altLang="ja-JP" sz="1400" dirty="0">
+                <a:solidFill>
+                  <a:srgbClr val="000000"/>
+                </a:solidFill>
+                <a:latin typeface="ＭＳ ゴシック" panose="020B0609070205080204" pitchFamily="49" charset="-128"/>
+                <a:ea typeface="ＭＳ ゴシック" panose="020B0609070205080204" pitchFamily="49" charset="-128"/>
+              </a:rPr>
+              <a:t>();</a:t>
+            </a:r>
+          </a:p>
+          <a:p>
+            <a:r>
+              <a:rPr lang="en-US" altLang="ja-JP" sz="1400" dirty="0">
+                <a:solidFill>
+                  <a:srgbClr val="000000"/>
+                </a:solidFill>
+                <a:latin typeface="ＭＳ ゴシック" panose="020B0609070205080204" pitchFamily="49" charset="-128"/>
+                <a:ea typeface="ＭＳ ゴシック" panose="020B0609070205080204" pitchFamily="49" charset="-128"/>
+              </a:rPr>
+              <a:t>  </a:t>
+            </a:r>
+            <a:r>
+              <a:rPr lang="en-US" altLang="ja-JP" sz="1400" dirty="0" err="1">
+                <a:solidFill>
+                  <a:srgbClr val="000000"/>
+                </a:solidFill>
+                <a:latin typeface="ＭＳ ゴシック" panose="020B0609070205080204" pitchFamily="49" charset="-128"/>
+                <a:ea typeface="ＭＳ ゴシック" panose="020B0609070205080204" pitchFamily="49" charset="-128"/>
+              </a:rPr>
+              <a:t>m_ogl</a:t>
+            </a:r>
+            <a:r>
+              <a:rPr lang="en-US" altLang="ja-JP" sz="1400" dirty="0">
+                <a:solidFill>
+                  <a:srgbClr val="000000"/>
+                </a:solidFill>
+                <a:latin typeface="ＭＳ ゴシック" panose="020B0609070205080204" pitchFamily="49" charset="-128"/>
+                <a:ea typeface="ＭＳ ゴシック" panose="020B0609070205080204" pitchFamily="49" charset="-128"/>
+              </a:rPr>
+              <a:t> = </a:t>
+            </a:r>
+            <a:r>
+              <a:rPr lang="en-US" altLang="ja-JP" sz="1400" dirty="0">
+                <a:solidFill>
+                  <a:srgbClr val="0000FF"/>
+                </a:solidFill>
+                <a:latin typeface="ＭＳ ゴシック" panose="020B0609070205080204" pitchFamily="49" charset="-128"/>
+                <a:ea typeface="ＭＳ ゴシック" panose="020B0609070205080204" pitchFamily="49" charset="-128"/>
+              </a:rPr>
+              <a:t>new</a:t>
+            </a:r>
+            <a:r>
+              <a:rPr lang="en-US" altLang="ja-JP" sz="1400" dirty="0">
+                <a:solidFill>
+                  <a:srgbClr val="000000"/>
+                </a:solidFill>
+                <a:latin typeface="ＭＳ ゴシック" panose="020B0609070205080204" pitchFamily="49" charset="-128"/>
+                <a:ea typeface="ＭＳ ゴシック" panose="020B0609070205080204" pitchFamily="49" charset="-128"/>
+              </a:rPr>
+              <a:t> </a:t>
+            </a:r>
+            <a:r>
+              <a:rPr lang="en-US" altLang="ja-JP" sz="1400" dirty="0" err="1">
+                <a:solidFill>
+                  <a:srgbClr val="2B91AF"/>
+                </a:solidFill>
+                <a:latin typeface="ＭＳ ゴシック" panose="020B0609070205080204" pitchFamily="49" charset="-128"/>
+                <a:ea typeface="ＭＳ ゴシック" panose="020B0609070205080204" pitchFamily="49" charset="-128"/>
+              </a:rPr>
+              <a:t>OglForCLI</a:t>
+            </a:r>
+            <a:r>
+              <a:rPr lang="en-US" altLang="ja-JP" sz="1400" dirty="0">
+                <a:solidFill>
+                  <a:srgbClr val="000000"/>
+                </a:solidFill>
+                <a:latin typeface="ＭＳ ゴシック" panose="020B0609070205080204" pitchFamily="49" charset="-128"/>
+                <a:ea typeface="ＭＳ ゴシック" panose="020B0609070205080204" pitchFamily="49" charset="-128"/>
+              </a:rPr>
+              <a:t>(</a:t>
+            </a:r>
+            <a:r>
+              <a:rPr lang="en-US" altLang="ja-JP" sz="1400" dirty="0" err="1">
+                <a:solidFill>
+                  <a:srgbClr val="000000"/>
+                </a:solidFill>
+                <a:latin typeface="ＭＳ ゴシック" panose="020B0609070205080204" pitchFamily="49" charset="-128"/>
+                <a:ea typeface="ＭＳ ゴシック" panose="020B0609070205080204" pitchFamily="49" charset="-128"/>
+              </a:rPr>
+              <a:t>GetDC</a:t>
+            </a:r>
+            <a:r>
+              <a:rPr lang="en-US" altLang="ja-JP" sz="1400" dirty="0">
+                <a:solidFill>
+                  <a:srgbClr val="000000"/>
+                </a:solidFill>
+                <a:latin typeface="ＭＳ ゴシック" panose="020B0609070205080204" pitchFamily="49" charset="-128"/>
+                <a:ea typeface="ＭＳ ゴシック" panose="020B0609070205080204" pitchFamily="49" charset="-128"/>
+              </a:rPr>
+              <a:t>((</a:t>
+            </a:r>
+            <a:r>
+              <a:rPr lang="en-US" altLang="ja-JP" sz="1400" dirty="0">
+                <a:solidFill>
+                  <a:srgbClr val="2B91AF"/>
+                </a:solidFill>
+                <a:latin typeface="ＭＳ ゴシック" panose="020B0609070205080204" pitchFamily="49" charset="-128"/>
+                <a:ea typeface="ＭＳ ゴシック" panose="020B0609070205080204" pitchFamily="49" charset="-128"/>
+              </a:rPr>
+              <a:t>HWND</a:t>
+            </a:r>
+            <a:r>
+              <a:rPr lang="en-US" altLang="ja-JP" sz="1400" dirty="0">
+                <a:solidFill>
+                  <a:srgbClr val="000000"/>
+                </a:solidFill>
+                <a:latin typeface="ＭＳ ゴシック" panose="020B0609070205080204" pitchFamily="49" charset="-128"/>
+                <a:ea typeface="ＭＳ ゴシック" panose="020B0609070205080204" pitchFamily="49" charset="-128"/>
+              </a:rPr>
+              <a:t>)</a:t>
+            </a:r>
+            <a:r>
+              <a:rPr lang="en-US" altLang="ja-JP" sz="1400" dirty="0" err="1">
+                <a:solidFill>
+                  <a:srgbClr val="000000"/>
+                </a:solidFill>
+                <a:latin typeface="ＭＳ ゴシック" panose="020B0609070205080204" pitchFamily="49" charset="-128"/>
+                <a:ea typeface="ＭＳ ゴシック" panose="020B0609070205080204" pitchFamily="49" charset="-128"/>
+              </a:rPr>
+              <a:t>m_main_panel</a:t>
+            </a:r>
+            <a:r>
+              <a:rPr lang="en-US" altLang="ja-JP" sz="1400" dirty="0">
+                <a:solidFill>
+                  <a:srgbClr val="000000"/>
+                </a:solidFill>
+                <a:latin typeface="ＭＳ ゴシック" panose="020B0609070205080204" pitchFamily="49" charset="-128"/>
+                <a:ea typeface="ＭＳ ゴシック" panose="020B0609070205080204" pitchFamily="49" charset="-128"/>
+              </a:rPr>
+              <a:t>-&gt;</a:t>
+            </a:r>
+            <a:r>
+              <a:rPr lang="en-US" altLang="ja-JP" sz="1400" dirty="0" err="1">
+                <a:solidFill>
+                  <a:srgbClr val="000000"/>
+                </a:solidFill>
+                <a:latin typeface="ＭＳ ゴシック" panose="020B0609070205080204" pitchFamily="49" charset="-128"/>
+                <a:ea typeface="ＭＳ ゴシック" panose="020B0609070205080204" pitchFamily="49" charset="-128"/>
+              </a:rPr>
+              <a:t>Handle.ToPointer</a:t>
+            </a:r>
+            <a:r>
+              <a:rPr lang="en-US" altLang="ja-JP" sz="1400" dirty="0">
+                <a:solidFill>
+                  <a:srgbClr val="000000"/>
+                </a:solidFill>
+                <a:latin typeface="ＭＳ ゴシック" panose="020B0609070205080204" pitchFamily="49" charset="-128"/>
+                <a:ea typeface="ＭＳ ゴシック" panose="020B0609070205080204" pitchFamily="49" charset="-128"/>
+              </a:rPr>
+              <a:t>()));</a:t>
+            </a:r>
+          </a:p>
+          <a:p>
+            <a:r>
+              <a:rPr lang="en-US" altLang="ja-JP" sz="1400" dirty="0">
+                <a:solidFill>
+                  <a:srgbClr val="000000"/>
+                </a:solidFill>
+                <a:latin typeface="ＭＳ ゴシック" panose="020B0609070205080204" pitchFamily="49" charset="-128"/>
+                <a:ea typeface="ＭＳ ゴシック" panose="020B0609070205080204" pitchFamily="49" charset="-128"/>
+              </a:rPr>
+              <a:t>  </a:t>
+            </a:r>
+            <a:r>
+              <a:rPr lang="en-US" altLang="ja-JP" sz="1400" dirty="0" err="1">
+                <a:solidFill>
+                  <a:srgbClr val="000000"/>
+                </a:solidFill>
+                <a:latin typeface="ＭＳ ゴシック" panose="020B0609070205080204" pitchFamily="49" charset="-128"/>
+                <a:ea typeface="ＭＳ ゴシック" panose="020B0609070205080204" pitchFamily="49" charset="-128"/>
+              </a:rPr>
+              <a:t>SetTimer</a:t>
+            </a:r>
+            <a:r>
+              <a:rPr lang="en-US" altLang="ja-JP" sz="1400" dirty="0">
+                <a:solidFill>
+                  <a:srgbClr val="000000"/>
+                </a:solidFill>
+                <a:latin typeface="ＭＳ ゴシック" panose="020B0609070205080204" pitchFamily="49" charset="-128"/>
+                <a:ea typeface="ＭＳ ゴシック" panose="020B0609070205080204" pitchFamily="49" charset="-128"/>
+              </a:rPr>
+              <a:t>( (</a:t>
+            </a:r>
+            <a:r>
+              <a:rPr lang="en-US" altLang="ja-JP" sz="1400" dirty="0">
+                <a:solidFill>
+                  <a:srgbClr val="2B91AF"/>
+                </a:solidFill>
+                <a:latin typeface="ＭＳ ゴシック" panose="020B0609070205080204" pitchFamily="49" charset="-128"/>
+                <a:ea typeface="ＭＳ ゴシック" panose="020B0609070205080204" pitchFamily="49" charset="-128"/>
+              </a:rPr>
+              <a:t>HWND</a:t>
+            </a:r>
+            <a:r>
+              <a:rPr lang="en-US" altLang="ja-JP" sz="1400" dirty="0">
+                <a:solidFill>
+                  <a:srgbClr val="000000"/>
+                </a:solidFill>
+                <a:latin typeface="ＭＳ ゴシック" panose="020B0609070205080204" pitchFamily="49" charset="-128"/>
+                <a:ea typeface="ＭＳ ゴシック" panose="020B0609070205080204" pitchFamily="49" charset="-128"/>
+              </a:rPr>
+              <a:t>)</a:t>
+            </a:r>
+            <a:r>
+              <a:rPr lang="en-US" altLang="ja-JP" sz="1400" dirty="0" err="1">
+                <a:solidFill>
+                  <a:srgbClr val="000000"/>
+                </a:solidFill>
+                <a:latin typeface="ＭＳ ゴシック" panose="020B0609070205080204" pitchFamily="49" charset="-128"/>
+                <a:ea typeface="ＭＳ ゴシック" panose="020B0609070205080204" pitchFamily="49" charset="-128"/>
+              </a:rPr>
+              <a:t>m_main_panel</a:t>
+            </a:r>
+            <a:r>
+              <a:rPr lang="en-US" altLang="ja-JP" sz="1400" dirty="0">
+                <a:solidFill>
+                  <a:srgbClr val="000000"/>
+                </a:solidFill>
+                <a:latin typeface="ＭＳ ゴシック" panose="020B0609070205080204" pitchFamily="49" charset="-128"/>
+                <a:ea typeface="ＭＳ ゴシック" panose="020B0609070205080204" pitchFamily="49" charset="-128"/>
+              </a:rPr>
+              <a:t>-&gt;</a:t>
+            </a:r>
+            <a:r>
+              <a:rPr lang="en-US" altLang="ja-JP" sz="1400" dirty="0" err="1">
+                <a:solidFill>
+                  <a:srgbClr val="000000"/>
+                </a:solidFill>
+                <a:latin typeface="ＭＳ ゴシック" panose="020B0609070205080204" pitchFamily="49" charset="-128"/>
+                <a:ea typeface="ＭＳ ゴシック" panose="020B0609070205080204" pitchFamily="49" charset="-128"/>
+              </a:rPr>
+              <a:t>Handle.ToPointer</a:t>
+            </a:r>
+            <a:r>
+              <a:rPr lang="en-US" altLang="ja-JP" sz="1400" dirty="0">
+                <a:solidFill>
+                  <a:srgbClr val="000000"/>
+                </a:solidFill>
+                <a:latin typeface="ＭＳ ゴシック" panose="020B0609070205080204" pitchFamily="49" charset="-128"/>
+                <a:ea typeface="ＭＳ ゴシック" panose="020B0609070205080204" pitchFamily="49" charset="-128"/>
+              </a:rPr>
+              <a:t>(), 1, 10, &amp;</a:t>
+            </a:r>
+            <a:r>
+              <a:rPr lang="en-US" altLang="ja-JP" sz="1400" dirty="0" err="1">
+                <a:solidFill>
+                  <a:srgbClr val="000000"/>
+                </a:solidFill>
+                <a:latin typeface="ＭＳ ゴシック" panose="020B0609070205080204" pitchFamily="49" charset="-128"/>
+                <a:ea typeface="ＭＳ ゴシック" panose="020B0609070205080204" pitchFamily="49" charset="-128"/>
+              </a:rPr>
+              <a:t>MyTimerProc</a:t>
+            </a:r>
+            <a:r>
+              <a:rPr lang="en-US" altLang="ja-JP" sz="1400" dirty="0">
+                <a:solidFill>
+                  <a:srgbClr val="000000"/>
+                </a:solidFill>
+                <a:latin typeface="ＭＳ ゴシック" panose="020B0609070205080204" pitchFamily="49" charset="-128"/>
+                <a:ea typeface="ＭＳ ゴシック" panose="020B0609070205080204" pitchFamily="49" charset="-128"/>
+              </a:rPr>
+              <a:t>);</a:t>
+            </a:r>
+          </a:p>
+          <a:p>
+            <a:r>
+              <a:rPr lang="en-US" altLang="ja-JP" sz="1400" dirty="0" smtClean="0">
+                <a:solidFill>
+                  <a:srgbClr val="000000"/>
+                </a:solidFill>
+                <a:latin typeface="ＭＳ ゴシック" panose="020B0609070205080204" pitchFamily="49" charset="-128"/>
+                <a:ea typeface="ＭＳ ゴシック" panose="020B0609070205080204" pitchFamily="49" charset="-128"/>
+              </a:rPr>
+              <a:t>}</a:t>
+            </a:r>
+            <a:endParaRPr lang="en-US" altLang="ja-JP" sz="1400" dirty="0">
+              <a:solidFill>
+                <a:srgbClr val="000000"/>
+              </a:solidFill>
+              <a:latin typeface="ＭＳ ゴシック" panose="020B0609070205080204" pitchFamily="49" charset="-128"/>
+              <a:ea typeface="ＭＳ ゴシック" panose="020B0609070205080204" pitchFamily="49" charset="-128"/>
+            </a:endParaRPr>
+          </a:p>
+        </p:txBody>
+      </p:sp>
+    </p:spTree>
+    <p:extLst>
+      <p:ext uri="{BB962C8B-B14F-4D97-AF65-F5344CB8AC3E}">
+        <p14:creationId xmlns:p14="http://schemas.microsoft.com/office/powerpoint/2010/main" val="1809055422"/>
+      </p:ext>
+    </p:extLst>
+  </p:cSld>
+  <p:clrMapOvr>
+    <a:masterClrMapping/>
+  </p:clrMapOvr>
+</p:sld>
+</file>
+
+<file path=ppt/slides/slide23.xml><?xml version="1.0" encoding="utf-8"?>
+<p:sld xmlns:a="http://schemas.openxmlformats.org/drawingml/2006/main" xmlns:r="http://schemas.openxmlformats.org/officeDocument/2006/relationships" xmlns:p="http://schemas.openxmlformats.org/presentationml/2006/main">
+  <p:cSld>
+    <p:spTree>
+      <p:nvGrpSpPr>
+        <p:cNvPr id="1" name=""/>
+        <p:cNvGrpSpPr/>
+        <p:nvPr/>
+      </p:nvGrpSpPr>
+      <p:grpSpPr>
+        <a:xfrm>
+          <a:off x="0" y="0"/>
+          <a:ext cx="0" cy="0"/>
+          <a:chOff x="0" y="0"/>
+          <a:chExt cx="0" cy="0"/>
+        </a:xfrm>
+      </p:grpSpPr>
+      <p:sp>
+        <p:nvSpPr>
+          <p:cNvPr id="2" name="タイトル 1"/>
+          <p:cNvSpPr>
+            <a:spLocks noGrp="1"/>
+          </p:cNvSpPr>
+          <p:nvPr>
+            <p:ph type="title"/>
+          </p:nvPr>
+        </p:nvSpPr>
+        <p:spPr/>
+        <p:txBody>
+          <a:bodyPr>
+            <a:normAutofit fontScale="90000"/>
+          </a:bodyPr>
+          <a:lstStyle/>
+          <a:p>
+            <a:r>
+              <a:rPr kumimoji="1" lang="ja-JP" altLang="en-US" dirty="0" smtClean="0"/>
+              <a:t>課題</a:t>
+            </a:r>
+            <a:endParaRPr kumimoji="1" lang="ja-JP" altLang="en-US" dirty="0"/>
+          </a:p>
+        </p:txBody>
+      </p:sp>
+      <p:sp>
+        <p:nvSpPr>
+          <p:cNvPr id="3" name="コンテンツ プレースホルダー 2"/>
+          <p:cNvSpPr>
+            <a:spLocks noGrp="1"/>
+          </p:cNvSpPr>
+          <p:nvPr>
+            <p:ph idx="1"/>
+          </p:nvPr>
+        </p:nvSpPr>
+        <p:spPr/>
+        <p:txBody>
+          <a:bodyPr/>
+          <a:lstStyle/>
+          <a:p>
+            <a:endParaRPr kumimoji="1" lang="ja-JP" altLang="en-US" dirty="0"/>
+          </a:p>
+        </p:txBody>
+      </p:sp>
+      <p:sp>
+        <p:nvSpPr>
+          <p:cNvPr id="4" name="スライド番号プレースホルダー 3"/>
+          <p:cNvSpPr>
+            <a:spLocks noGrp="1"/>
+          </p:cNvSpPr>
+          <p:nvPr>
+            <p:ph type="sldNum" sz="quarter" idx="12"/>
+          </p:nvPr>
+        </p:nvSpPr>
+        <p:spPr/>
+        <p:txBody>
+          <a:bodyPr/>
+          <a:lstStyle/>
+          <a:p>
+            <a:fld id="{6908AC80-5682-4C8F-945F-0672FD5979B7}" type="slidenum">
+              <a:rPr lang="ja-JP" altLang="en-US" smtClean="0"/>
+              <a:pPr/>
+              <a:t>23</a:t>
+            </a:fld>
+            <a:endParaRPr lang="ja-JP" altLang="en-US"/>
+          </a:p>
+        </p:txBody>
+      </p:sp>
+    </p:spTree>
+    <p:extLst>
+      <p:ext uri="{BB962C8B-B14F-4D97-AF65-F5344CB8AC3E}">
+        <p14:creationId xmlns:p14="http://schemas.microsoft.com/office/powerpoint/2010/main" val="1363711683"/>
       </p:ext>
     </p:extLst>
   </p:cSld>

--- a/プログラミングスタートアップ.pptx
+++ b/プログラミングスタートアップ.pptx
@@ -219,7 +219,7 @@
           <a:p>
             <a:fld id="{016100B0-BDD1-42AF-AA75-0D5E4C73D067}" type="datetimeFigureOut">
               <a:rPr kumimoji="1" lang="ja-JP" altLang="en-US" smtClean="0"/>
-              <a:t>2018/7/9</a:t>
+              <a:t>2018/7/11</a:t>
             </a:fld>
             <a:endParaRPr kumimoji="1" lang="ja-JP" altLang="en-US"/>
           </a:p>
@@ -10851,8 +10851,21 @@
             </a:pPr>
             <a:r>
               <a:rPr kumimoji="1" lang="ja-JP" altLang="en-US" sz="2000" dirty="0" smtClean="0"/>
-              <a:t>直方体の移動・回転を計算する</a:t>
-            </a:r>
+              <a:t>直方体の移動・回転を計算</a:t>
+            </a:r>
+            <a:r>
+              <a:rPr kumimoji="1" lang="ja-JP" altLang="en-US" sz="2000" dirty="0" smtClean="0"/>
+              <a:t>する</a:t>
+            </a:r>
+            <a:endParaRPr kumimoji="1" lang="en-US" altLang="ja-JP" sz="2000" smtClean="0"/>
+          </a:p>
+          <a:p>
+            <a:pPr marL="457200" lvl="1" indent="0">
+              <a:spcBef>
+                <a:spcPts val="600"/>
+              </a:spcBef>
+              <a:buNone/>
+            </a:pPr>
             <a:endParaRPr kumimoji="1" lang="en-US" altLang="ja-JP" sz="2000" dirty="0" smtClean="0"/>
           </a:p>
           <a:p>
@@ -10977,8 +10990,8 @@
               <a:t>: </a:t>
             </a:r>
             <a:r>
-              <a:rPr lang="en-US" altLang="ja-JP" sz="1800" dirty="0"/>
-              <a:t>EVec3f </a:t>
+              <a:rPr lang="en-US" altLang="ja-JP" sz="1800" dirty="0" smtClean="0"/>
+              <a:t>EMat3f </a:t>
             </a:r>
             <a:r>
               <a:rPr lang="en-US" altLang="ja-JP" sz="1800" dirty="0" err="1" smtClean="0"/>
@@ -11202,8 +11215,8 @@
           </a:p>
         </p:txBody>
       </p:sp>
-      <mc:AlternateContent xmlns:mc="http://schemas.openxmlformats.org/markup-compatibility/2006">
-        <mc:Choice xmlns:a14="http://schemas.microsoft.com/office/drawing/2010/main" Requires="a14">
+      <mc:AlternateContent xmlns:mc="http://schemas.openxmlformats.org/markup-compatibility/2006" xmlns:a14="http://schemas.microsoft.com/office/drawing/2010/main">
+        <mc:Choice Requires="a14">
           <p:sp>
             <p:nvSpPr>
               <p:cNvPr id="3" name="コンテンツ プレースホルダー 2"/>
@@ -11370,7 +11383,7 @@
                       <m:d>
                         <m:dPr>
                           <m:ctrlPr>
-                            <a:rPr lang="en-US" altLang="ja-JP" sz="2000" b="1" i="0" smtClean="0">
+                            <a:rPr lang="en-US" altLang="ja-JP" sz="2000" b="1" i="1" smtClean="0">
                               <a:latin typeface="Cambria Math" panose="02040503050406030204" pitchFamily="18" charset="0"/>
                             </a:rPr>
                           </m:ctrlPr>
@@ -11642,7 +11655,7 @@
                       <m:f>
                         <m:fPr>
                           <m:ctrlPr>
-                            <a:rPr lang="en-US" altLang="ja-JP" sz="2000" i="0" smtClean="0">
+                            <a:rPr lang="en-US" altLang="ja-JP" sz="2000" i="1" smtClean="0">
                               <a:latin typeface="Cambria Math" panose="02040503050406030204" pitchFamily="18" charset="0"/>
                             </a:rPr>
                           </m:ctrlPr>
@@ -11667,7 +11680,7 @@
                       <m:d>
                         <m:dPr>
                           <m:ctrlPr>
-                            <a:rPr lang="en-US" altLang="ja-JP" sz="2000" b="1" i="0" smtClean="0">
+                            <a:rPr lang="en-US" altLang="ja-JP" sz="2000" b="1" i="1" smtClean="0">
                               <a:latin typeface="Cambria Math" panose="02040503050406030204" pitchFamily="18" charset="0"/>
                             </a:rPr>
                           </m:ctrlPr>
@@ -12133,7 +12146,7 @@
             </p:txBody>
           </p:sp>
         </mc:Choice>
-        <mc:Fallback>
+        <mc:Fallback xmlns="">
           <p:sp>
             <p:nvSpPr>
               <p:cNvPr id="3" name="コンテンツ プレースホルダー 2"/>

--- a/プログラミングスタートアップ.pptx
+++ b/プログラミングスタートアップ.pptx
@@ -5,32 +5,35 @@
     <p:sldMasterId id="2147483672" r:id="rId1"/>
   </p:sldMasterIdLst>
   <p:notesMasterIdLst>
-    <p:notesMasterId r:id="rId25"/>
+    <p:notesMasterId r:id="rId28"/>
   </p:notesMasterIdLst>
   <p:sldIdLst>
     <p:sldId id="256" r:id="rId2"/>
     <p:sldId id="287" r:id="rId3"/>
     <p:sldId id="288" r:id="rId4"/>
-    <p:sldId id="289" r:id="rId5"/>
-    <p:sldId id="290" r:id="rId6"/>
-    <p:sldId id="291" r:id="rId7"/>
-    <p:sldId id="292" r:id="rId8"/>
-    <p:sldId id="293" r:id="rId9"/>
-    <p:sldId id="294" r:id="rId10"/>
-    <p:sldId id="295" r:id="rId11"/>
-    <p:sldId id="296" r:id="rId12"/>
-    <p:sldId id="301" r:id="rId13"/>
-    <p:sldId id="297" r:id="rId14"/>
-    <p:sldId id="298" r:id="rId15"/>
-    <p:sldId id="299" r:id="rId16"/>
-    <p:sldId id="302" r:id="rId17"/>
-    <p:sldId id="303" r:id="rId18"/>
-    <p:sldId id="300" r:id="rId19"/>
-    <p:sldId id="306" r:id="rId20"/>
-    <p:sldId id="307" r:id="rId21"/>
-    <p:sldId id="308" r:id="rId22"/>
-    <p:sldId id="304" r:id="rId23"/>
-    <p:sldId id="305" r:id="rId24"/>
+    <p:sldId id="309" r:id="rId5"/>
+    <p:sldId id="289" r:id="rId6"/>
+    <p:sldId id="310" r:id="rId7"/>
+    <p:sldId id="290" r:id="rId8"/>
+    <p:sldId id="291" r:id="rId9"/>
+    <p:sldId id="292" r:id="rId10"/>
+    <p:sldId id="293" r:id="rId11"/>
+    <p:sldId id="294" r:id="rId12"/>
+    <p:sldId id="295" r:id="rId13"/>
+    <p:sldId id="296" r:id="rId14"/>
+    <p:sldId id="301" r:id="rId15"/>
+    <p:sldId id="297" r:id="rId16"/>
+    <p:sldId id="298" r:id="rId17"/>
+    <p:sldId id="299" r:id="rId18"/>
+    <p:sldId id="302" r:id="rId19"/>
+    <p:sldId id="303" r:id="rId20"/>
+    <p:sldId id="300" r:id="rId21"/>
+    <p:sldId id="305" r:id="rId22"/>
+    <p:sldId id="311" r:id="rId23"/>
+    <p:sldId id="306" r:id="rId24"/>
+    <p:sldId id="307" r:id="rId25"/>
+    <p:sldId id="308" r:id="rId26"/>
+    <p:sldId id="304" r:id="rId27"/>
   </p:sldIdLst>
   <p:sldSz cx="12192000" cy="6858000"/>
   <p:notesSz cx="6858000" cy="9144000"/>
@@ -219,7 +222,7 @@
           <a:p>
             <a:fld id="{016100B0-BDD1-42AF-AA75-0D5E4C73D067}" type="datetimeFigureOut">
               <a:rPr kumimoji="1" lang="ja-JP" altLang="en-US" smtClean="0"/>
-              <a:t>2018/7/11</a:t>
+              <a:t>2020/2/17</a:t>
             </a:fld>
             <a:endParaRPr kumimoji="1" lang="ja-JP" altLang="en-US"/>
           </a:p>
@@ -1693,6 +1696,13 @@
   <p:clrMapOvr>
     <a:masterClrMapping/>
   </p:clrMapOvr>
+  <p:timing>
+    <p:tnLst>
+      <p:par>
+        <p:cTn id="1" dur="indefinite" restart="never" nodeType="tmRoot"/>
+      </p:par>
+    </p:tnLst>
+  </p:timing>
 </p:sld>
 </file>
 
@@ -1736,11 +1746,7 @@
             </a:r>
             <a:r>
               <a:rPr kumimoji="1" lang="ja-JP" altLang="en-US" dirty="0" smtClean="0"/>
-              <a:t>を表示する </a:t>
-            </a:r>
-            <a:r>
-              <a:rPr kumimoji="1" lang="en-US" altLang="ja-JP" dirty="0" smtClean="0"/>
-              <a:t>(2/2)</a:t>
+              <a:t>を編集する</a:t>
             </a:r>
             <a:endParaRPr kumimoji="1" lang="ja-JP" altLang="en-US" dirty="0"/>
           </a:p>
@@ -1763,24 +1769,90 @@
           </a:bodyPr>
           <a:lstStyle/>
           <a:p>
-            <a:pPr marL="0" indent="0">
-              <a:buNone/>
+            <a:pPr>
+              <a:spcBef>
+                <a:spcPts val="600"/>
+              </a:spcBef>
             </a:pPr>
             <a:r>
+              <a:rPr kumimoji="1" lang="en-US" altLang="ja-JP" sz="2000" dirty="0" smtClean="0"/>
+              <a:t>Form</a:t>
+            </a:r>
+            <a:r>
+              <a:rPr kumimoji="1" lang="ja-JP" altLang="en-US" sz="2000" dirty="0" smtClean="0"/>
+              <a:t>をドラッグして大きくする</a:t>
+            </a:r>
+            <a:endParaRPr kumimoji="1" lang="en-US" altLang="ja-JP" sz="2000" dirty="0" smtClean="0"/>
+          </a:p>
+          <a:p>
+            <a:pPr>
+              <a:spcBef>
+                <a:spcPts val="600"/>
+              </a:spcBef>
+            </a:pPr>
+            <a:r>
+              <a:rPr lang="ja-JP" altLang="en-US" sz="2000" dirty="0" smtClean="0"/>
+              <a:t>ツールボックスから</a:t>
+            </a:r>
+            <a:r>
+              <a:rPr lang="en-US" altLang="ja-JP" sz="2000" dirty="0" smtClean="0"/>
+              <a:t>form</a:t>
+            </a:r>
+            <a:r>
+              <a:rPr lang="ja-JP" altLang="en-US" sz="2000" dirty="0" smtClean="0"/>
+              <a:t>中央へ </a:t>
+            </a:r>
+            <a:r>
+              <a:rPr lang="en-US" altLang="ja-JP" sz="2000" dirty="0" smtClean="0"/>
+              <a:t>“panel” </a:t>
+            </a:r>
+            <a:r>
+              <a:rPr lang="ja-JP" altLang="en-US" sz="2000" dirty="0" smtClean="0"/>
+              <a:t>をドラッグドロップ</a:t>
+            </a:r>
+            <a:endParaRPr lang="en-US" altLang="ja-JP" sz="2000" dirty="0" smtClean="0"/>
+          </a:p>
+          <a:p>
+            <a:pPr>
+              <a:spcBef>
+                <a:spcPts val="600"/>
+              </a:spcBef>
+            </a:pPr>
+            <a:r>
+              <a:rPr lang="ja-JP" altLang="en-US" sz="2000" dirty="0"/>
+              <a:t>配置</a:t>
+            </a:r>
+            <a:r>
+              <a:rPr lang="ja-JP" altLang="en-US" sz="2000" dirty="0" smtClean="0"/>
+              <a:t>した</a:t>
+            </a:r>
+            <a:r>
+              <a:rPr lang="en-US" altLang="ja-JP" sz="2000" dirty="0" smtClean="0"/>
+              <a:t>panel</a:t>
+            </a:r>
+            <a:r>
+              <a:rPr lang="ja-JP" altLang="en-US" sz="2000" dirty="0" smtClean="0"/>
+              <a:t>を右クリックし，プロパティを表示</a:t>
+            </a:r>
+            <a:endParaRPr lang="en-US" altLang="ja-JP" sz="2000" dirty="0" smtClean="0"/>
+          </a:p>
+          <a:p>
+            <a:pPr lvl="1">
+              <a:spcBef>
+                <a:spcPts val="600"/>
+              </a:spcBef>
+            </a:pPr>
+            <a:r>
               <a:rPr lang="en-US" altLang="ja-JP" sz="1800" dirty="0" smtClean="0"/>
-              <a:t>[</a:t>
+              <a:t>Name</a:t>
             </a:r>
             <a:r>
               <a:rPr lang="ja-JP" altLang="en-US" sz="1800" dirty="0" smtClean="0"/>
-              <a:t>プロジェクト名</a:t>
-            </a:r>
-            <a:r>
-              <a:rPr lang="en-US" altLang="ja-JP" sz="1800" dirty="0" smtClean="0"/>
-              <a:t>].</a:t>
+              <a:t>を </a:t>
             </a:r>
             <a:r>
               <a:rPr lang="en-US" altLang="ja-JP" sz="1800" dirty="0" err="1" smtClean="0"/>
-              <a:t>cpp</a:t>
+              <a:t>m_main_panel</a:t>
             </a:r>
             <a:r>
               <a:rPr lang="en-US" altLang="ja-JP" sz="1800" dirty="0" smtClean="0"/>
@@ -1788,50 +1860,15 @@
             </a:r>
             <a:r>
               <a:rPr lang="ja-JP" altLang="en-US" sz="1800" dirty="0" smtClean="0"/>
-              <a:t>ファイル内の</a:t>
+              <a:t>に変更 </a:t>
             </a:r>
             <a:r>
               <a:rPr lang="en-US" altLang="ja-JP" sz="1800" dirty="0" smtClean="0"/>
-              <a:t>main</a:t>
+              <a:t>(</a:t>
             </a:r>
             <a:r>
               <a:rPr lang="ja-JP" altLang="en-US" sz="1800" dirty="0" smtClean="0"/>
-              <a:t>関数を以下の通り変更</a:t>
-            </a:r>
-            <a:endParaRPr lang="en-US" altLang="ja-JP" sz="1800" dirty="0" smtClean="0"/>
-          </a:p>
-          <a:p>
-            <a:pPr marL="0" indent="0">
-              <a:buNone/>
-            </a:pPr>
-            <a:r>
-              <a:rPr lang="en-US" altLang="ja-JP" sz="1800" dirty="0" smtClean="0"/>
-              <a:t>1. “show dialog</a:t>
-            </a:r>
-            <a:r>
-              <a:rPr lang="ja-JP" altLang="en-US" sz="1800" dirty="0"/>
-              <a:t> </a:t>
-            </a:r>
-            <a:r>
-              <a:rPr lang="en-US" altLang="ja-JP" sz="1800" dirty="0" smtClean="0"/>
-              <a:t>here</a:t>
-            </a:r>
-            <a:r>
-              <a:rPr lang="ja-JP" altLang="en-US" sz="1800" dirty="0" smtClean="0"/>
-              <a:t>！と表示</a:t>
-            </a:r>
-            <a:r>
-              <a:rPr lang="en-US" altLang="ja-JP" sz="1800" dirty="0" smtClean="0"/>
-              <a:t>”</a:t>
-            </a:r>
-          </a:p>
-          <a:p>
-            <a:pPr marL="0" indent="0">
-              <a:buNone/>
-            </a:pPr>
-            <a:r>
-              <a:rPr lang="en-US" altLang="ja-JP" sz="1800" dirty="0" smtClean="0"/>
-              <a:t>2. </a:t>
+              <a:t>これが</a:t>
             </a:r>
             <a:r>
               <a:rPr lang="en-US" altLang="ja-JP" sz="1800" dirty="0" err="1" smtClean="0"/>
@@ -1839,50 +1876,63 @@
             </a:r>
             <a:r>
               <a:rPr lang="ja-JP" altLang="en-US" sz="1800" dirty="0" smtClean="0"/>
-              <a:t>のインスタンスを取得し，</a:t>
-            </a:r>
-            <a:r>
-              <a:rPr lang="en-US" altLang="ja-JP" sz="1800" dirty="0" err="1" smtClean="0"/>
-              <a:t>ShowDialog</a:t>
+              <a:t>クラスの変数名になる</a:t>
+            </a:r>
+            <a:r>
+              <a:rPr lang="en-US" altLang="ja-JP" sz="1800" dirty="0" smtClean="0"/>
+              <a:t>)</a:t>
+            </a:r>
+          </a:p>
+          <a:p>
+            <a:pPr lvl="1">
+              <a:spcBef>
+                <a:spcPts val="600"/>
+              </a:spcBef>
+            </a:pPr>
+            <a:r>
+              <a:rPr lang="en-US" altLang="ja-JP" sz="1800" dirty="0" smtClean="0"/>
+              <a:t>Anchor </a:t>
             </a:r>
             <a:r>
               <a:rPr lang="ja-JP" altLang="en-US" sz="1800" dirty="0" smtClean="0"/>
-              <a:t>関数を呼ぶ</a:t>
+              <a:t>を </a:t>
+            </a:r>
+            <a:r>
+              <a:rPr lang="en-US" altLang="ja-JP" sz="1800" dirty="0" smtClean="0"/>
+              <a:t>right/left/top/bottom</a:t>
+            </a:r>
+            <a:r>
+              <a:rPr lang="ja-JP" altLang="en-US" sz="1800" dirty="0" smtClean="0"/>
+              <a:t>に指定　</a:t>
             </a:r>
             <a:endParaRPr lang="en-US" altLang="ja-JP" sz="1800" dirty="0" smtClean="0"/>
           </a:p>
           <a:p>
-            <a:pPr marL="0" indent="0">
-              <a:buNone/>
+            <a:pPr lvl="1">
+              <a:spcBef>
+                <a:spcPts val="600"/>
+              </a:spcBef>
             </a:pPr>
             <a:r>
-              <a:rPr lang="ja-JP" altLang="en-US" sz="1800" dirty="0"/>
-              <a:t>実行</a:t>
-            </a:r>
-            <a:r>
-              <a:rPr lang="ja-JP" altLang="en-US" sz="1800" dirty="0" smtClean="0"/>
-              <a:t>するとコンソールと</a:t>
-            </a:r>
-            <a:r>
-              <a:rPr lang="en-US" altLang="ja-JP" sz="1800" dirty="0" smtClean="0"/>
-              <a:t>form</a:t>
-            </a:r>
-            <a:r>
-              <a:rPr lang="ja-JP" altLang="en-US" sz="1800" dirty="0" smtClean="0"/>
-              <a:t>が表示される　（右図）</a:t>
-            </a:r>
-            <a:endParaRPr lang="en-US" altLang="ja-JP" sz="1800" dirty="0" smtClean="0"/>
-          </a:p>
-          <a:p>
-            <a:pPr marL="0" indent="0">
-              <a:buNone/>
-            </a:pPr>
-            <a:endParaRPr kumimoji="1" lang="en-US" altLang="ja-JP" sz="1800" dirty="0"/>
-          </a:p>
-          <a:p>
-            <a:pPr marL="0" indent="0">
-              <a:buNone/>
-            </a:pPr>
+              <a:rPr kumimoji="1" lang="en-US" altLang="ja-JP" sz="1800" dirty="0" err="1" smtClean="0"/>
+              <a:t>autoSize</a:t>
+            </a:r>
+            <a:r>
+              <a:rPr kumimoji="1" lang="en-US" altLang="ja-JP" sz="1800" dirty="0" smtClean="0"/>
+              <a:t> </a:t>
+            </a:r>
+            <a:r>
+              <a:rPr kumimoji="1" lang="ja-JP" altLang="en-US" sz="1800" dirty="0" smtClean="0"/>
+              <a:t>を </a:t>
+            </a:r>
+            <a:r>
+              <a:rPr kumimoji="1" lang="en-US" altLang="ja-JP" sz="1800" dirty="0" smtClean="0"/>
+              <a:t>true</a:t>
+            </a:r>
+            <a:r>
+              <a:rPr kumimoji="1" lang="ja-JP" altLang="en-US" sz="1800" dirty="0" smtClean="0"/>
+              <a:t>に</a:t>
+            </a:r>
             <a:endParaRPr kumimoji="1" lang="ja-JP" altLang="en-US" sz="1800" dirty="0"/>
           </a:p>
         </p:txBody>
@@ -1906,6 +1956,1276 @@
               <a:rPr lang="ja-JP" altLang="en-US" smtClean="0"/>
               <a:pPr/>
               <a:t>10</a:t>
+            </a:fld>
+            <a:endParaRPr lang="ja-JP" altLang="en-US"/>
+          </a:p>
+        </p:txBody>
+      </p:sp>
+      <p:pic>
+        <p:nvPicPr>
+          <p:cNvPr id="5" name="図 4"/>
+          <p:cNvPicPr>
+            <a:picLocks noChangeAspect="1"/>
+          </p:cNvPicPr>
+          <p:nvPr/>
+        </p:nvPicPr>
+        <p:blipFill>
+          <a:blip r:embed="rId2"/>
+          <a:stretch>
+            <a:fillRect/>
+          </a:stretch>
+        </p:blipFill>
+        <p:spPr>
+          <a:xfrm>
+            <a:off x="6498077" y="2958334"/>
+            <a:ext cx="4957756" cy="3734295"/>
+          </a:xfrm>
+          <a:prstGeom prst="rect">
+            <a:avLst/>
+          </a:prstGeom>
+        </p:spPr>
+      </p:pic>
+    </p:spTree>
+    <p:extLst>
+      <p:ext uri="{BB962C8B-B14F-4D97-AF65-F5344CB8AC3E}">
+        <p14:creationId xmlns:p14="http://schemas.microsoft.com/office/powerpoint/2010/main" val="4200611496"/>
+      </p:ext>
+    </p:extLst>
+  </p:cSld>
+  <p:clrMapOvr>
+    <a:masterClrMapping/>
+  </p:clrMapOvr>
+  <p:timing>
+    <p:tnLst>
+      <p:par>
+        <p:cTn id="1" dur="indefinite" restart="never" nodeType="tmRoot"/>
+      </p:par>
+    </p:tnLst>
+  </p:timing>
+</p:sld>
+</file>
+
+<file path=ppt/slides/slide11.xml><?xml version="1.0" encoding="utf-8"?>
+<p:sld xmlns:a="http://schemas.openxmlformats.org/drawingml/2006/main" xmlns:r="http://schemas.openxmlformats.org/officeDocument/2006/relationships" xmlns:p="http://schemas.openxmlformats.org/presentationml/2006/main">
+  <p:cSld>
+    <p:spTree>
+      <p:nvGrpSpPr>
+        <p:cNvPr id="1" name=""/>
+        <p:cNvGrpSpPr/>
+        <p:nvPr/>
+      </p:nvGrpSpPr>
+      <p:grpSpPr>
+        <a:xfrm>
+          <a:off x="0" y="0"/>
+          <a:ext cx="0" cy="0"/>
+          <a:chOff x="0" y="0"/>
+          <a:chExt cx="0" cy="0"/>
+        </a:xfrm>
+      </p:grpSpPr>
+      <p:sp>
+        <p:nvSpPr>
+          <p:cNvPr id="2" name="タイトル 1"/>
+          <p:cNvSpPr>
+            <a:spLocks noGrp="1"/>
+          </p:cNvSpPr>
+          <p:nvPr>
+            <p:ph type="title"/>
+          </p:nvPr>
+        </p:nvSpPr>
+        <p:spPr/>
+        <p:txBody>
+          <a:bodyPr>
+            <a:normAutofit fontScale="90000"/>
+          </a:bodyPr>
+          <a:lstStyle/>
+          <a:p>
+            <a:r>
+              <a:rPr kumimoji="1" lang="en-US" altLang="ja-JP" dirty="0" smtClean="0"/>
+              <a:t>Form</a:t>
+            </a:r>
+            <a:r>
+              <a:rPr kumimoji="1" lang="ja-JP" altLang="en-US" dirty="0" smtClean="0"/>
+              <a:t>を表示する </a:t>
+            </a:r>
+            <a:r>
+              <a:rPr kumimoji="1" lang="en-US" altLang="ja-JP" dirty="0" smtClean="0"/>
+              <a:t>(1/2)</a:t>
+            </a:r>
+            <a:endParaRPr kumimoji="1" lang="ja-JP" altLang="en-US" dirty="0"/>
+          </a:p>
+        </p:txBody>
+      </p:sp>
+      <p:sp>
+        <p:nvSpPr>
+          <p:cNvPr id="3" name="コンテンツ プレースホルダー 2"/>
+          <p:cNvSpPr>
+            <a:spLocks noGrp="1"/>
+          </p:cNvSpPr>
+          <p:nvPr>
+            <p:ph idx="1"/>
+          </p:nvPr>
+        </p:nvSpPr>
+        <p:spPr>
+          <a:xfrm>
+            <a:off x="838200" y="1127050"/>
+            <a:ext cx="10515600" cy="1966346"/>
+          </a:xfrm>
+        </p:spPr>
+        <p:txBody>
+          <a:bodyPr>
+            <a:normAutofit/>
+          </a:bodyPr>
+          <a:lstStyle/>
+          <a:p>
+            <a:pPr>
+              <a:spcBef>
+                <a:spcPts val="600"/>
+              </a:spcBef>
+            </a:pPr>
+            <a:r>
+              <a:rPr kumimoji="1" lang="en-US" altLang="ja-JP" sz="2400" dirty="0" smtClean="0">
+                <a:latin typeface="+mj-ea"/>
+                <a:ea typeface="+mj-ea"/>
+              </a:rPr>
+              <a:t>Form</a:t>
+            </a:r>
+            <a:r>
+              <a:rPr kumimoji="1" lang="ja-JP" altLang="en-US" sz="2400" dirty="0" smtClean="0">
+                <a:latin typeface="+mj-ea"/>
+                <a:ea typeface="+mj-ea"/>
+              </a:rPr>
+              <a:t>を</a:t>
+            </a:r>
+            <a:r>
+              <a:rPr kumimoji="1" lang="en-US" altLang="ja-JP" sz="2400" dirty="0" smtClean="0">
+                <a:latin typeface="+mj-ea"/>
+                <a:ea typeface="+mj-ea"/>
+              </a:rPr>
+              <a:t>singleton</a:t>
+            </a:r>
+            <a:r>
+              <a:rPr kumimoji="1" lang="ja-JP" altLang="en-US" sz="2400" dirty="0" smtClean="0">
+                <a:latin typeface="+mj-ea"/>
+                <a:ea typeface="+mj-ea"/>
+              </a:rPr>
+              <a:t>に</a:t>
+            </a:r>
+            <a:endParaRPr kumimoji="1" lang="en-US" altLang="ja-JP" sz="2400" dirty="0" smtClean="0">
+              <a:latin typeface="+mj-ea"/>
+              <a:ea typeface="+mj-ea"/>
+            </a:endParaRPr>
+          </a:p>
+          <a:p>
+            <a:pPr lvl="1">
+              <a:spcBef>
+                <a:spcPts val="600"/>
+              </a:spcBef>
+            </a:pPr>
+            <a:r>
+              <a:rPr kumimoji="1" lang="en-US" altLang="ja-JP" sz="2000" dirty="0" smtClean="0">
+                <a:latin typeface="+mj-ea"/>
+                <a:ea typeface="+mj-ea"/>
+              </a:rPr>
+              <a:t>Constructor </a:t>
+            </a:r>
+            <a:r>
+              <a:rPr kumimoji="1" lang="ja-JP" altLang="en-US" sz="2000" dirty="0" smtClean="0">
+                <a:latin typeface="+mj-ea"/>
+                <a:ea typeface="+mj-ea"/>
+              </a:rPr>
+              <a:t>を</a:t>
+            </a:r>
+            <a:r>
+              <a:rPr kumimoji="1" lang="en-US" altLang="ja-JP" sz="2000" dirty="0" smtClean="0">
+                <a:latin typeface="+mj-ea"/>
+                <a:ea typeface="+mj-ea"/>
+              </a:rPr>
+              <a:t>private</a:t>
+            </a:r>
+            <a:r>
+              <a:rPr kumimoji="1" lang="ja-JP" altLang="en-US" sz="2000" dirty="0" smtClean="0">
+                <a:latin typeface="+mj-ea"/>
+                <a:ea typeface="+mj-ea"/>
+              </a:rPr>
+              <a:t>に</a:t>
+            </a:r>
+            <a:endParaRPr kumimoji="1" lang="en-US" altLang="ja-JP" sz="2000" dirty="0" smtClean="0">
+              <a:latin typeface="+mj-ea"/>
+              <a:ea typeface="+mj-ea"/>
+            </a:endParaRPr>
+          </a:p>
+          <a:p>
+            <a:pPr lvl="1">
+              <a:spcBef>
+                <a:spcPts val="600"/>
+              </a:spcBef>
+            </a:pPr>
+            <a:r>
+              <a:rPr lang="en-US" altLang="ja-JP" sz="2000" dirty="0">
+                <a:solidFill>
+                  <a:srgbClr val="0000FF"/>
+                </a:solidFill>
+                <a:latin typeface="+mj-ea"/>
+                <a:ea typeface="+mj-ea"/>
+              </a:rPr>
+              <a:t>static</a:t>
+            </a:r>
+            <a:r>
+              <a:rPr lang="en-US" altLang="ja-JP" sz="2000" dirty="0">
+                <a:solidFill>
+                  <a:srgbClr val="000000"/>
+                </a:solidFill>
+                <a:latin typeface="+mj-ea"/>
+                <a:ea typeface="+mj-ea"/>
+              </a:rPr>
+              <a:t> </a:t>
+            </a:r>
+            <a:r>
+              <a:rPr lang="en-US" altLang="ja-JP" sz="2000" dirty="0" err="1">
+                <a:solidFill>
+                  <a:srgbClr val="2B91AF"/>
+                </a:solidFill>
+                <a:latin typeface="+mj-ea"/>
+                <a:ea typeface="+mj-ea"/>
+              </a:rPr>
+              <a:t>MainForm</a:t>
+            </a:r>
+            <a:r>
+              <a:rPr lang="en-US" altLang="ja-JP" sz="2000" dirty="0">
+                <a:solidFill>
+                  <a:srgbClr val="000000"/>
+                </a:solidFill>
+                <a:latin typeface="+mj-ea"/>
+                <a:ea typeface="+mj-ea"/>
+              </a:rPr>
+              <a:t>^ </a:t>
+            </a:r>
+            <a:r>
+              <a:rPr lang="en-US" altLang="ja-JP" sz="2000" dirty="0" err="1" smtClean="0">
+                <a:solidFill>
+                  <a:srgbClr val="000000"/>
+                </a:solidFill>
+                <a:latin typeface="+mj-ea"/>
+                <a:ea typeface="+mj-ea"/>
+              </a:rPr>
+              <a:t>m_singleton</a:t>
+            </a:r>
+            <a:r>
+              <a:rPr lang="en-US" altLang="ja-JP" sz="2000" dirty="0" smtClean="0">
+                <a:solidFill>
+                  <a:srgbClr val="000000"/>
+                </a:solidFill>
+                <a:latin typeface="+mj-ea"/>
+                <a:ea typeface="+mj-ea"/>
+              </a:rPr>
+              <a:t>; </a:t>
+            </a:r>
+            <a:r>
+              <a:rPr lang="ja-JP" altLang="en-US" sz="2000" dirty="0" smtClean="0">
+                <a:solidFill>
+                  <a:srgbClr val="000000"/>
+                </a:solidFill>
+                <a:latin typeface="+mj-ea"/>
+                <a:ea typeface="+mj-ea"/>
+              </a:rPr>
+              <a:t>というフィールドを用意</a:t>
+            </a:r>
+            <a:endParaRPr lang="en-US" altLang="ja-JP" sz="2000" dirty="0" smtClean="0">
+              <a:solidFill>
+                <a:srgbClr val="000000"/>
+              </a:solidFill>
+              <a:latin typeface="+mj-ea"/>
+              <a:ea typeface="+mj-ea"/>
+            </a:endParaRPr>
+          </a:p>
+          <a:p>
+            <a:pPr lvl="1">
+              <a:spcBef>
+                <a:spcPts val="600"/>
+              </a:spcBef>
+            </a:pPr>
+            <a:r>
+              <a:rPr lang="en-US" altLang="ja-JP" sz="2000" dirty="0" err="1" smtClean="0">
+                <a:solidFill>
+                  <a:srgbClr val="000000"/>
+                </a:solidFill>
+                <a:latin typeface="+mj-ea"/>
+                <a:ea typeface="+mj-ea"/>
+              </a:rPr>
+              <a:t>getInst</a:t>
+            </a:r>
+            <a:r>
+              <a:rPr lang="ja-JP" altLang="en-US" sz="2000" dirty="0">
+                <a:solidFill>
+                  <a:srgbClr val="000000"/>
+                </a:solidFill>
+                <a:latin typeface="+mj-ea"/>
+                <a:ea typeface="+mj-ea"/>
+              </a:rPr>
+              <a:t>関数</a:t>
+            </a:r>
+            <a:r>
+              <a:rPr lang="ja-JP" altLang="en-US" sz="2000" dirty="0" smtClean="0">
+                <a:solidFill>
+                  <a:srgbClr val="000000"/>
+                </a:solidFill>
+                <a:latin typeface="+mj-ea"/>
+                <a:ea typeface="+mj-ea"/>
+              </a:rPr>
+              <a:t>を用意</a:t>
+            </a:r>
+            <a:endParaRPr kumimoji="1" lang="ja-JP" altLang="en-US" sz="2400" dirty="0">
+              <a:latin typeface="+mj-ea"/>
+              <a:ea typeface="+mj-ea"/>
+            </a:endParaRPr>
+          </a:p>
+        </p:txBody>
+      </p:sp>
+      <p:sp>
+        <p:nvSpPr>
+          <p:cNvPr id="4" name="スライド番号プレースホルダー 3"/>
+          <p:cNvSpPr>
+            <a:spLocks noGrp="1"/>
+          </p:cNvSpPr>
+          <p:nvPr>
+            <p:ph type="sldNum" sz="quarter" idx="12"/>
+          </p:nvPr>
+        </p:nvSpPr>
+        <p:spPr/>
+        <p:txBody>
+          <a:bodyPr/>
+          <a:lstStyle/>
+          <a:p>
+            <a:fld id="{6908AC80-5682-4C8F-945F-0672FD5979B7}" type="slidenum">
+              <a:rPr lang="ja-JP" altLang="en-US" smtClean="0"/>
+              <a:pPr/>
+              <a:t>11</a:t>
+            </a:fld>
+            <a:endParaRPr lang="ja-JP" altLang="en-US"/>
+          </a:p>
+        </p:txBody>
+      </p:sp>
+      <p:sp>
+        <p:nvSpPr>
+          <p:cNvPr id="6" name="正方形/長方形 5"/>
+          <p:cNvSpPr/>
+          <p:nvPr/>
+        </p:nvSpPr>
+        <p:spPr>
+          <a:xfrm>
+            <a:off x="953312" y="3067564"/>
+            <a:ext cx="7636212" cy="3170099"/>
+          </a:xfrm>
+          <a:prstGeom prst="rect">
+            <a:avLst/>
+          </a:prstGeom>
+          <a:solidFill>
+            <a:schemeClr val="accent4">
+              <a:lumMod val="20000"/>
+              <a:lumOff val="80000"/>
+            </a:schemeClr>
+          </a:solidFill>
+        </p:spPr>
+        <p:txBody>
+          <a:bodyPr wrap="square">
+            <a:spAutoFit/>
+          </a:bodyPr>
+          <a:lstStyle/>
+          <a:p>
+            <a:pPr>
+              <a:lnSpc>
+                <a:spcPts val="1600"/>
+              </a:lnSpc>
+            </a:pPr>
+            <a:r>
+              <a:rPr lang="en-US" altLang="ja-JP" sz="1600" dirty="0">
+                <a:solidFill>
+                  <a:srgbClr val="0000FF"/>
+                </a:solidFill>
+                <a:latin typeface="ＭＳ ゴシック" panose="020B0609070205080204" pitchFamily="49" charset="-128"/>
+                <a:ea typeface="ＭＳ ゴシック" panose="020B0609070205080204" pitchFamily="49" charset="-128"/>
+              </a:rPr>
+              <a:t>private</a:t>
+            </a:r>
+            <a:r>
+              <a:rPr lang="en-US" altLang="ja-JP" sz="1600" dirty="0">
+                <a:solidFill>
+                  <a:srgbClr val="000000"/>
+                </a:solidFill>
+                <a:latin typeface="ＭＳ ゴシック" panose="020B0609070205080204" pitchFamily="49" charset="-128"/>
+                <a:ea typeface="ＭＳ ゴシック" panose="020B0609070205080204" pitchFamily="49" charset="-128"/>
+              </a:rPr>
+              <a:t>:</a:t>
+            </a:r>
+          </a:p>
+          <a:p>
+            <a:pPr>
+              <a:lnSpc>
+                <a:spcPts val="1600"/>
+              </a:lnSpc>
+            </a:pPr>
+            <a:r>
+              <a:rPr lang="ja-JP" altLang="en-US" sz="1600" dirty="0">
+                <a:solidFill>
+                  <a:srgbClr val="000000"/>
+                </a:solidFill>
+                <a:latin typeface="ＭＳ ゴシック" panose="020B0609070205080204" pitchFamily="49" charset="-128"/>
+                <a:ea typeface="ＭＳ ゴシック" panose="020B0609070205080204" pitchFamily="49" charset="-128"/>
+              </a:rPr>
+              <a:t> </a:t>
+            </a:r>
+            <a:r>
+              <a:rPr lang="ja-JP" altLang="en-US" sz="1600" dirty="0" smtClean="0">
+                <a:solidFill>
+                  <a:srgbClr val="000000"/>
+                </a:solidFill>
+                <a:latin typeface="ＭＳ ゴシック" panose="020B0609070205080204" pitchFamily="49" charset="-128"/>
+                <a:ea typeface="ＭＳ ゴシック" panose="020B0609070205080204" pitchFamily="49" charset="-128"/>
+              </a:rPr>
+              <a:t> </a:t>
+            </a:r>
+            <a:r>
+              <a:rPr lang="en-US" altLang="ja-JP" sz="1600" dirty="0" err="1" smtClean="0">
+                <a:solidFill>
+                  <a:srgbClr val="000000"/>
+                </a:solidFill>
+                <a:latin typeface="ＭＳ ゴシック" panose="020B0609070205080204" pitchFamily="49" charset="-128"/>
+                <a:ea typeface="ＭＳ ゴシック" panose="020B0609070205080204" pitchFamily="49" charset="-128"/>
+              </a:rPr>
+              <a:t>MainForm</a:t>
+            </a:r>
+            <a:r>
+              <a:rPr lang="en-US" altLang="ja-JP" sz="1600" dirty="0" smtClean="0">
+                <a:solidFill>
+                  <a:srgbClr val="000000"/>
+                </a:solidFill>
+                <a:latin typeface="ＭＳ ゴシック" panose="020B0609070205080204" pitchFamily="49" charset="-128"/>
+                <a:ea typeface="ＭＳ ゴシック" panose="020B0609070205080204" pitchFamily="49" charset="-128"/>
+              </a:rPr>
+              <a:t>(</a:t>
+            </a:r>
+            <a:r>
+              <a:rPr lang="en-US" altLang="ja-JP" sz="1600" dirty="0" smtClean="0">
+                <a:solidFill>
+                  <a:srgbClr val="0000FF"/>
+                </a:solidFill>
+                <a:latin typeface="ＭＳ ゴシック" panose="020B0609070205080204" pitchFamily="49" charset="-128"/>
+                <a:ea typeface="ＭＳ ゴシック" panose="020B0609070205080204" pitchFamily="49" charset="-128"/>
+              </a:rPr>
+              <a:t>void</a:t>
+            </a:r>
+            <a:r>
+              <a:rPr lang="en-US" altLang="ja-JP" sz="1600" dirty="0">
+                <a:solidFill>
+                  <a:srgbClr val="000000"/>
+                </a:solidFill>
+                <a:latin typeface="ＭＳ ゴシック" panose="020B0609070205080204" pitchFamily="49" charset="-128"/>
+                <a:ea typeface="ＭＳ ゴシック" panose="020B0609070205080204" pitchFamily="49" charset="-128"/>
+              </a:rPr>
+              <a:t>)</a:t>
+            </a:r>
+          </a:p>
+          <a:p>
+            <a:pPr>
+              <a:lnSpc>
+                <a:spcPts val="1600"/>
+              </a:lnSpc>
+            </a:pPr>
+            <a:r>
+              <a:rPr lang="en-US" altLang="ja-JP" sz="1600" dirty="0" smtClean="0">
+                <a:solidFill>
+                  <a:srgbClr val="000000"/>
+                </a:solidFill>
+                <a:latin typeface="ＭＳ ゴシック" panose="020B0609070205080204" pitchFamily="49" charset="-128"/>
+                <a:ea typeface="ＭＳ ゴシック" panose="020B0609070205080204" pitchFamily="49" charset="-128"/>
+              </a:rPr>
+              <a:t>  {</a:t>
+            </a:r>
+            <a:endParaRPr lang="en-US" altLang="ja-JP" sz="1600" dirty="0">
+              <a:solidFill>
+                <a:srgbClr val="000000"/>
+              </a:solidFill>
+              <a:latin typeface="ＭＳ ゴシック" panose="020B0609070205080204" pitchFamily="49" charset="-128"/>
+              <a:ea typeface="ＭＳ ゴシック" panose="020B0609070205080204" pitchFamily="49" charset="-128"/>
+            </a:endParaRPr>
+          </a:p>
+          <a:p>
+            <a:pPr>
+              <a:lnSpc>
+                <a:spcPts val="1600"/>
+              </a:lnSpc>
+            </a:pPr>
+            <a:r>
+              <a:rPr lang="en-US" altLang="ja-JP" sz="1600" dirty="0" smtClean="0">
+                <a:solidFill>
+                  <a:srgbClr val="000000"/>
+                </a:solidFill>
+                <a:latin typeface="ＭＳ ゴシック" panose="020B0609070205080204" pitchFamily="49" charset="-128"/>
+                <a:ea typeface="ＭＳ ゴシック" panose="020B0609070205080204" pitchFamily="49" charset="-128"/>
+              </a:rPr>
+              <a:t>    </a:t>
+            </a:r>
+            <a:r>
+              <a:rPr lang="en-US" altLang="ja-JP" sz="1600" dirty="0" err="1" smtClean="0">
+                <a:solidFill>
+                  <a:srgbClr val="000000"/>
+                </a:solidFill>
+                <a:latin typeface="ＭＳ ゴシック" panose="020B0609070205080204" pitchFamily="49" charset="-128"/>
+                <a:ea typeface="ＭＳ ゴシック" panose="020B0609070205080204" pitchFamily="49" charset="-128"/>
+              </a:rPr>
+              <a:t>InitializeComponent</a:t>
+            </a:r>
+            <a:r>
+              <a:rPr lang="en-US" altLang="ja-JP" sz="1600" dirty="0">
+                <a:solidFill>
+                  <a:srgbClr val="000000"/>
+                </a:solidFill>
+                <a:latin typeface="ＭＳ ゴシック" panose="020B0609070205080204" pitchFamily="49" charset="-128"/>
+                <a:ea typeface="ＭＳ ゴシック" panose="020B0609070205080204" pitchFamily="49" charset="-128"/>
+              </a:rPr>
+              <a:t>();</a:t>
+            </a:r>
+          </a:p>
+          <a:p>
+            <a:pPr>
+              <a:lnSpc>
+                <a:spcPts val="1600"/>
+              </a:lnSpc>
+            </a:pPr>
+            <a:r>
+              <a:rPr lang="en-US" altLang="ja-JP" sz="1600" dirty="0" smtClean="0">
+                <a:solidFill>
+                  <a:srgbClr val="000000"/>
+                </a:solidFill>
+                <a:latin typeface="ＭＳ ゴシック" panose="020B0609070205080204" pitchFamily="49" charset="-128"/>
+                <a:ea typeface="ＭＳ ゴシック" panose="020B0609070205080204" pitchFamily="49" charset="-128"/>
+              </a:rPr>
+              <a:t>  }</a:t>
+            </a:r>
+            <a:endParaRPr lang="en-US" altLang="ja-JP" sz="1600" dirty="0">
+              <a:solidFill>
+                <a:srgbClr val="000000"/>
+              </a:solidFill>
+              <a:latin typeface="ＭＳ ゴシック" panose="020B0609070205080204" pitchFamily="49" charset="-128"/>
+              <a:ea typeface="ＭＳ ゴシック" panose="020B0609070205080204" pitchFamily="49" charset="-128"/>
+            </a:endParaRPr>
+          </a:p>
+          <a:p>
+            <a:pPr>
+              <a:lnSpc>
+                <a:spcPts val="1600"/>
+              </a:lnSpc>
+            </a:pPr>
+            <a:endParaRPr lang="ja-JP" altLang="en-US" sz="1600" dirty="0">
+              <a:solidFill>
+                <a:srgbClr val="000000"/>
+              </a:solidFill>
+              <a:latin typeface="ＭＳ ゴシック" panose="020B0609070205080204" pitchFamily="49" charset="-128"/>
+              <a:ea typeface="ＭＳ ゴシック" panose="020B0609070205080204" pitchFamily="49" charset="-128"/>
+            </a:endParaRPr>
+          </a:p>
+          <a:p>
+            <a:pPr>
+              <a:lnSpc>
+                <a:spcPts val="1600"/>
+              </a:lnSpc>
+            </a:pPr>
+            <a:r>
+              <a:rPr lang="en-US" altLang="ja-JP" sz="1600" dirty="0" smtClean="0">
+                <a:solidFill>
+                  <a:srgbClr val="0000FF"/>
+                </a:solidFill>
+                <a:latin typeface="ＭＳ ゴシック" panose="020B0609070205080204" pitchFamily="49" charset="-128"/>
+                <a:ea typeface="ＭＳ ゴシック" panose="020B0609070205080204" pitchFamily="49" charset="-128"/>
+              </a:rPr>
+              <a:t>private</a:t>
+            </a:r>
+            <a:r>
+              <a:rPr lang="en-US" altLang="ja-JP" sz="1600" dirty="0">
+                <a:solidFill>
+                  <a:srgbClr val="000000"/>
+                </a:solidFill>
+                <a:latin typeface="ＭＳ ゴシック" panose="020B0609070205080204" pitchFamily="49" charset="-128"/>
+                <a:ea typeface="ＭＳ ゴシック" panose="020B0609070205080204" pitchFamily="49" charset="-128"/>
+              </a:rPr>
+              <a:t>:</a:t>
+            </a:r>
+          </a:p>
+          <a:p>
+            <a:pPr>
+              <a:lnSpc>
+                <a:spcPts val="1600"/>
+              </a:lnSpc>
+            </a:pPr>
+            <a:r>
+              <a:rPr lang="en-US" altLang="ja-JP" sz="1600" dirty="0">
+                <a:solidFill>
+                  <a:srgbClr val="000000"/>
+                </a:solidFill>
+                <a:latin typeface="ＭＳ ゴシック" panose="020B0609070205080204" pitchFamily="49" charset="-128"/>
+                <a:ea typeface="ＭＳ ゴシック" panose="020B0609070205080204" pitchFamily="49" charset="-128"/>
+              </a:rPr>
+              <a:t>    </a:t>
+            </a:r>
+            <a:r>
+              <a:rPr lang="en-US" altLang="ja-JP" sz="1600" dirty="0">
+                <a:solidFill>
+                  <a:srgbClr val="0000FF"/>
+                </a:solidFill>
+                <a:latin typeface="ＭＳ ゴシック" panose="020B0609070205080204" pitchFamily="49" charset="-128"/>
+                <a:ea typeface="ＭＳ ゴシック" panose="020B0609070205080204" pitchFamily="49" charset="-128"/>
+              </a:rPr>
+              <a:t>static</a:t>
+            </a:r>
+            <a:r>
+              <a:rPr lang="en-US" altLang="ja-JP" sz="1600" dirty="0">
+                <a:solidFill>
+                  <a:srgbClr val="000000"/>
+                </a:solidFill>
+                <a:latin typeface="ＭＳ ゴシック" panose="020B0609070205080204" pitchFamily="49" charset="-128"/>
+                <a:ea typeface="ＭＳ ゴシック" panose="020B0609070205080204" pitchFamily="49" charset="-128"/>
+              </a:rPr>
+              <a:t> </a:t>
+            </a:r>
+            <a:r>
+              <a:rPr lang="en-US" altLang="ja-JP" sz="1600" dirty="0" err="1">
+                <a:solidFill>
+                  <a:srgbClr val="2B91AF"/>
+                </a:solidFill>
+                <a:latin typeface="ＭＳ ゴシック" panose="020B0609070205080204" pitchFamily="49" charset="-128"/>
+                <a:ea typeface="ＭＳ ゴシック" panose="020B0609070205080204" pitchFamily="49" charset="-128"/>
+              </a:rPr>
+              <a:t>MainForm</a:t>
+            </a:r>
+            <a:r>
+              <a:rPr lang="en-US" altLang="ja-JP" sz="1600" dirty="0">
+                <a:solidFill>
+                  <a:srgbClr val="000000"/>
+                </a:solidFill>
+                <a:latin typeface="ＭＳ ゴシック" panose="020B0609070205080204" pitchFamily="49" charset="-128"/>
+                <a:ea typeface="ＭＳ ゴシック" panose="020B0609070205080204" pitchFamily="49" charset="-128"/>
+              </a:rPr>
+              <a:t>^ </a:t>
+            </a:r>
+            <a:r>
+              <a:rPr lang="en-US" altLang="ja-JP" sz="1600" dirty="0" err="1">
+                <a:solidFill>
+                  <a:srgbClr val="000000"/>
+                </a:solidFill>
+                <a:latin typeface="ＭＳ ゴシック" panose="020B0609070205080204" pitchFamily="49" charset="-128"/>
+                <a:ea typeface="ＭＳ ゴシック" panose="020B0609070205080204" pitchFamily="49" charset="-128"/>
+              </a:rPr>
+              <a:t>m_singleton</a:t>
+            </a:r>
+            <a:r>
+              <a:rPr lang="en-US" altLang="ja-JP" sz="1600" dirty="0">
+                <a:solidFill>
+                  <a:srgbClr val="000000"/>
+                </a:solidFill>
+                <a:latin typeface="ＭＳ ゴシック" panose="020B0609070205080204" pitchFamily="49" charset="-128"/>
+                <a:ea typeface="ＭＳ ゴシック" panose="020B0609070205080204" pitchFamily="49" charset="-128"/>
+              </a:rPr>
+              <a:t>;</a:t>
+            </a:r>
+          </a:p>
+          <a:p>
+            <a:pPr>
+              <a:lnSpc>
+                <a:spcPts val="1600"/>
+              </a:lnSpc>
+            </a:pPr>
+            <a:endParaRPr lang="ja-JP" altLang="en-US" sz="1600" dirty="0">
+              <a:solidFill>
+                <a:srgbClr val="000000"/>
+              </a:solidFill>
+              <a:latin typeface="ＭＳ ゴシック" panose="020B0609070205080204" pitchFamily="49" charset="-128"/>
+              <a:ea typeface="ＭＳ ゴシック" panose="020B0609070205080204" pitchFamily="49" charset="-128"/>
+            </a:endParaRPr>
+          </a:p>
+          <a:p>
+            <a:pPr>
+              <a:lnSpc>
+                <a:spcPts val="1600"/>
+              </a:lnSpc>
+            </a:pPr>
+            <a:r>
+              <a:rPr lang="en-US" altLang="ja-JP" sz="1600" dirty="0" smtClean="0">
+                <a:solidFill>
+                  <a:srgbClr val="0000FF"/>
+                </a:solidFill>
+                <a:latin typeface="ＭＳ ゴシック" panose="020B0609070205080204" pitchFamily="49" charset="-128"/>
+                <a:ea typeface="ＭＳ ゴシック" panose="020B0609070205080204" pitchFamily="49" charset="-128"/>
+              </a:rPr>
+              <a:t>public</a:t>
+            </a:r>
+            <a:r>
+              <a:rPr lang="en-US" altLang="ja-JP" sz="1600" dirty="0">
+                <a:solidFill>
+                  <a:srgbClr val="000000"/>
+                </a:solidFill>
+                <a:latin typeface="ＭＳ ゴシック" panose="020B0609070205080204" pitchFamily="49" charset="-128"/>
+                <a:ea typeface="ＭＳ ゴシック" panose="020B0609070205080204" pitchFamily="49" charset="-128"/>
+              </a:rPr>
+              <a:t>:</a:t>
+            </a:r>
+          </a:p>
+          <a:p>
+            <a:pPr>
+              <a:lnSpc>
+                <a:spcPts val="1600"/>
+              </a:lnSpc>
+            </a:pPr>
+            <a:r>
+              <a:rPr lang="en-US" altLang="ja-JP" sz="1600" dirty="0">
+                <a:solidFill>
+                  <a:srgbClr val="000000"/>
+                </a:solidFill>
+                <a:latin typeface="ＭＳ ゴシック" panose="020B0609070205080204" pitchFamily="49" charset="-128"/>
+                <a:ea typeface="ＭＳ ゴシック" panose="020B0609070205080204" pitchFamily="49" charset="-128"/>
+              </a:rPr>
+              <a:t>    </a:t>
+            </a:r>
+            <a:r>
+              <a:rPr lang="en-US" altLang="ja-JP" sz="1600" dirty="0">
+                <a:solidFill>
+                  <a:srgbClr val="0000FF"/>
+                </a:solidFill>
+                <a:latin typeface="ＭＳ ゴシック" panose="020B0609070205080204" pitchFamily="49" charset="-128"/>
+                <a:ea typeface="ＭＳ ゴシック" panose="020B0609070205080204" pitchFamily="49" charset="-128"/>
+              </a:rPr>
+              <a:t>static</a:t>
+            </a:r>
+            <a:r>
+              <a:rPr lang="en-US" altLang="ja-JP" sz="1600" dirty="0">
+                <a:solidFill>
+                  <a:srgbClr val="000000"/>
+                </a:solidFill>
+                <a:latin typeface="ＭＳ ゴシック" panose="020B0609070205080204" pitchFamily="49" charset="-128"/>
+                <a:ea typeface="ＭＳ ゴシック" panose="020B0609070205080204" pitchFamily="49" charset="-128"/>
+              </a:rPr>
+              <a:t> </a:t>
+            </a:r>
+            <a:r>
+              <a:rPr lang="en-US" altLang="ja-JP" sz="1600" dirty="0" err="1">
+                <a:solidFill>
+                  <a:srgbClr val="2B91AF"/>
+                </a:solidFill>
+                <a:latin typeface="ＭＳ ゴシック" panose="020B0609070205080204" pitchFamily="49" charset="-128"/>
+                <a:ea typeface="ＭＳ ゴシック" panose="020B0609070205080204" pitchFamily="49" charset="-128"/>
+              </a:rPr>
+              <a:t>MainForm</a:t>
+            </a:r>
+            <a:r>
+              <a:rPr lang="en-US" altLang="ja-JP" sz="1600" dirty="0">
+                <a:solidFill>
+                  <a:srgbClr val="000000"/>
+                </a:solidFill>
+                <a:latin typeface="ＭＳ ゴシック" panose="020B0609070205080204" pitchFamily="49" charset="-128"/>
+                <a:ea typeface="ＭＳ ゴシック" panose="020B0609070205080204" pitchFamily="49" charset="-128"/>
+              </a:rPr>
+              <a:t>^ </a:t>
+            </a:r>
+            <a:r>
+              <a:rPr lang="en-US" altLang="ja-JP" sz="1600" dirty="0" err="1">
+                <a:solidFill>
+                  <a:srgbClr val="000000"/>
+                </a:solidFill>
+                <a:latin typeface="ＭＳ ゴシック" panose="020B0609070205080204" pitchFamily="49" charset="-128"/>
+                <a:ea typeface="ＭＳ ゴシック" panose="020B0609070205080204" pitchFamily="49" charset="-128"/>
+              </a:rPr>
+              <a:t>getInst</a:t>
+            </a:r>
+            <a:r>
+              <a:rPr lang="en-US" altLang="ja-JP" sz="1600" dirty="0">
+                <a:solidFill>
+                  <a:srgbClr val="000000"/>
+                </a:solidFill>
+                <a:latin typeface="ＭＳ ゴシック" panose="020B0609070205080204" pitchFamily="49" charset="-128"/>
+                <a:ea typeface="ＭＳ ゴシック" panose="020B0609070205080204" pitchFamily="49" charset="-128"/>
+              </a:rPr>
+              <a:t>()</a:t>
+            </a:r>
+          </a:p>
+          <a:p>
+            <a:pPr>
+              <a:lnSpc>
+                <a:spcPts val="1600"/>
+              </a:lnSpc>
+            </a:pPr>
+            <a:r>
+              <a:rPr lang="ja-JP" altLang="en-US" sz="1600" dirty="0">
+                <a:solidFill>
+                  <a:srgbClr val="000000"/>
+                </a:solidFill>
+                <a:latin typeface="ＭＳ ゴシック" panose="020B0609070205080204" pitchFamily="49" charset="-128"/>
+                <a:ea typeface="ＭＳ ゴシック" panose="020B0609070205080204" pitchFamily="49" charset="-128"/>
+              </a:rPr>
+              <a:t>    </a:t>
+            </a:r>
+            <a:r>
+              <a:rPr lang="en-US" altLang="ja-JP" sz="1600" dirty="0">
+                <a:solidFill>
+                  <a:srgbClr val="000000"/>
+                </a:solidFill>
+                <a:latin typeface="ＭＳ ゴシック" panose="020B0609070205080204" pitchFamily="49" charset="-128"/>
+                <a:ea typeface="ＭＳ ゴシック" panose="020B0609070205080204" pitchFamily="49" charset="-128"/>
+              </a:rPr>
+              <a:t>{</a:t>
+            </a:r>
+          </a:p>
+          <a:p>
+            <a:pPr>
+              <a:lnSpc>
+                <a:spcPts val="1600"/>
+              </a:lnSpc>
+            </a:pPr>
+            <a:r>
+              <a:rPr lang="en-US" altLang="ja-JP" sz="1600" dirty="0">
+                <a:solidFill>
+                  <a:srgbClr val="000000"/>
+                </a:solidFill>
+                <a:latin typeface="ＭＳ ゴシック" panose="020B0609070205080204" pitchFamily="49" charset="-128"/>
+                <a:ea typeface="ＭＳ ゴシック" panose="020B0609070205080204" pitchFamily="49" charset="-128"/>
+              </a:rPr>
+              <a:t>      </a:t>
+            </a:r>
+            <a:r>
+              <a:rPr lang="en-US" altLang="ja-JP" sz="1600" dirty="0">
+                <a:solidFill>
+                  <a:srgbClr val="0000FF"/>
+                </a:solidFill>
+                <a:latin typeface="ＭＳ ゴシック" panose="020B0609070205080204" pitchFamily="49" charset="-128"/>
+                <a:ea typeface="ＭＳ ゴシック" panose="020B0609070205080204" pitchFamily="49" charset="-128"/>
+              </a:rPr>
+              <a:t>if</a:t>
+            </a:r>
+            <a:r>
+              <a:rPr lang="en-US" altLang="ja-JP" sz="1600" dirty="0">
+                <a:solidFill>
+                  <a:srgbClr val="000000"/>
+                </a:solidFill>
+                <a:latin typeface="ＭＳ ゴシック" panose="020B0609070205080204" pitchFamily="49" charset="-128"/>
+                <a:ea typeface="ＭＳ ゴシック" panose="020B0609070205080204" pitchFamily="49" charset="-128"/>
+              </a:rPr>
+              <a:t> (</a:t>
+            </a:r>
+            <a:r>
+              <a:rPr lang="en-US" altLang="ja-JP" sz="1600" dirty="0" err="1">
+                <a:solidFill>
+                  <a:srgbClr val="000000"/>
+                </a:solidFill>
+                <a:latin typeface="ＭＳ ゴシック" panose="020B0609070205080204" pitchFamily="49" charset="-128"/>
+                <a:ea typeface="ＭＳ ゴシック" panose="020B0609070205080204" pitchFamily="49" charset="-128"/>
+              </a:rPr>
+              <a:t>m_singleton</a:t>
+            </a:r>
+            <a:r>
+              <a:rPr lang="en-US" altLang="ja-JP" sz="1600" dirty="0">
+                <a:solidFill>
+                  <a:srgbClr val="000000"/>
+                </a:solidFill>
+                <a:latin typeface="ＭＳ ゴシック" panose="020B0609070205080204" pitchFamily="49" charset="-128"/>
+                <a:ea typeface="ＭＳ ゴシック" panose="020B0609070205080204" pitchFamily="49" charset="-128"/>
+              </a:rPr>
+              <a:t> == </a:t>
+            </a:r>
+            <a:r>
+              <a:rPr lang="en-US" altLang="ja-JP" sz="1600" dirty="0" err="1">
+                <a:solidFill>
+                  <a:srgbClr val="0000FF"/>
+                </a:solidFill>
+                <a:latin typeface="ＭＳ ゴシック" panose="020B0609070205080204" pitchFamily="49" charset="-128"/>
+                <a:ea typeface="ＭＳ ゴシック" panose="020B0609070205080204" pitchFamily="49" charset="-128"/>
+              </a:rPr>
+              <a:t>nullptr</a:t>
+            </a:r>
+            <a:r>
+              <a:rPr lang="en-US" altLang="ja-JP" sz="1600" dirty="0">
+                <a:solidFill>
+                  <a:srgbClr val="000000"/>
+                </a:solidFill>
+                <a:latin typeface="ＭＳ ゴシック" panose="020B0609070205080204" pitchFamily="49" charset="-128"/>
+                <a:ea typeface="ＭＳ ゴシック" panose="020B0609070205080204" pitchFamily="49" charset="-128"/>
+              </a:rPr>
+              <a:t>) </a:t>
+            </a:r>
+            <a:r>
+              <a:rPr lang="en-US" altLang="ja-JP" sz="1600" dirty="0" err="1">
+                <a:solidFill>
+                  <a:srgbClr val="000000"/>
+                </a:solidFill>
+                <a:latin typeface="ＭＳ ゴシック" panose="020B0609070205080204" pitchFamily="49" charset="-128"/>
+                <a:ea typeface="ＭＳ ゴシック" panose="020B0609070205080204" pitchFamily="49" charset="-128"/>
+              </a:rPr>
+              <a:t>m_singleton</a:t>
+            </a:r>
+            <a:r>
+              <a:rPr lang="en-US" altLang="ja-JP" sz="1600" dirty="0">
+                <a:solidFill>
+                  <a:srgbClr val="000000"/>
+                </a:solidFill>
+                <a:latin typeface="ＭＳ ゴシック" panose="020B0609070205080204" pitchFamily="49" charset="-128"/>
+                <a:ea typeface="ＭＳ ゴシック" panose="020B0609070205080204" pitchFamily="49" charset="-128"/>
+              </a:rPr>
+              <a:t> = </a:t>
+            </a:r>
+            <a:r>
+              <a:rPr lang="en-US" altLang="ja-JP" sz="1600" dirty="0" err="1" smtClean="0">
+                <a:solidFill>
+                  <a:srgbClr val="0000FF"/>
+                </a:solidFill>
+                <a:latin typeface="ＭＳ ゴシック" panose="020B0609070205080204" pitchFamily="49" charset="-128"/>
+                <a:ea typeface="ＭＳ ゴシック" panose="020B0609070205080204" pitchFamily="49" charset="-128"/>
+              </a:rPr>
+              <a:t>gcnew</a:t>
+            </a:r>
+            <a:r>
+              <a:rPr lang="en-US" altLang="ja-JP" sz="1600" dirty="0" smtClean="0">
+                <a:solidFill>
+                  <a:srgbClr val="000000"/>
+                </a:solidFill>
+                <a:latin typeface="ＭＳ ゴシック" panose="020B0609070205080204" pitchFamily="49" charset="-128"/>
+                <a:ea typeface="ＭＳ ゴシック" panose="020B0609070205080204" pitchFamily="49" charset="-128"/>
+              </a:rPr>
+              <a:t> </a:t>
+            </a:r>
+            <a:r>
+              <a:rPr lang="en-US" altLang="ja-JP" sz="1600" dirty="0" err="1">
+                <a:solidFill>
+                  <a:srgbClr val="2B91AF"/>
+                </a:solidFill>
+                <a:latin typeface="ＭＳ ゴシック" panose="020B0609070205080204" pitchFamily="49" charset="-128"/>
+                <a:ea typeface="ＭＳ ゴシック" panose="020B0609070205080204" pitchFamily="49" charset="-128"/>
+              </a:rPr>
+              <a:t>MainForm</a:t>
+            </a:r>
+            <a:r>
+              <a:rPr lang="en-US" altLang="ja-JP" sz="1600" dirty="0">
+                <a:solidFill>
+                  <a:srgbClr val="000000"/>
+                </a:solidFill>
+                <a:latin typeface="ＭＳ ゴシック" panose="020B0609070205080204" pitchFamily="49" charset="-128"/>
+                <a:ea typeface="ＭＳ ゴシック" panose="020B0609070205080204" pitchFamily="49" charset="-128"/>
+              </a:rPr>
+              <a:t>();</a:t>
+            </a:r>
+          </a:p>
+          <a:p>
+            <a:pPr>
+              <a:lnSpc>
+                <a:spcPts val="1600"/>
+              </a:lnSpc>
+            </a:pPr>
+            <a:r>
+              <a:rPr lang="en-US" altLang="ja-JP" sz="1600" dirty="0">
+                <a:solidFill>
+                  <a:srgbClr val="000000"/>
+                </a:solidFill>
+                <a:latin typeface="ＭＳ ゴシック" panose="020B0609070205080204" pitchFamily="49" charset="-128"/>
+                <a:ea typeface="ＭＳ ゴシック" panose="020B0609070205080204" pitchFamily="49" charset="-128"/>
+              </a:rPr>
+              <a:t>      </a:t>
+            </a:r>
+            <a:r>
+              <a:rPr lang="en-US" altLang="ja-JP" sz="1600" dirty="0">
+                <a:solidFill>
+                  <a:srgbClr val="0000FF"/>
+                </a:solidFill>
+                <a:latin typeface="ＭＳ ゴシック" panose="020B0609070205080204" pitchFamily="49" charset="-128"/>
+                <a:ea typeface="ＭＳ ゴシック" panose="020B0609070205080204" pitchFamily="49" charset="-128"/>
+              </a:rPr>
+              <a:t>return</a:t>
+            </a:r>
+            <a:r>
+              <a:rPr lang="en-US" altLang="ja-JP" sz="1600" dirty="0">
+                <a:solidFill>
+                  <a:srgbClr val="000000"/>
+                </a:solidFill>
+                <a:latin typeface="ＭＳ ゴシック" panose="020B0609070205080204" pitchFamily="49" charset="-128"/>
+                <a:ea typeface="ＭＳ ゴシック" panose="020B0609070205080204" pitchFamily="49" charset="-128"/>
+              </a:rPr>
+              <a:t> </a:t>
+            </a:r>
+            <a:r>
+              <a:rPr lang="en-US" altLang="ja-JP" sz="1600" dirty="0" err="1">
+                <a:solidFill>
+                  <a:srgbClr val="000000"/>
+                </a:solidFill>
+                <a:latin typeface="ＭＳ ゴシック" panose="020B0609070205080204" pitchFamily="49" charset="-128"/>
+                <a:ea typeface="ＭＳ ゴシック" panose="020B0609070205080204" pitchFamily="49" charset="-128"/>
+              </a:rPr>
+              <a:t>m_singleton</a:t>
+            </a:r>
+            <a:r>
+              <a:rPr lang="en-US" altLang="ja-JP" sz="1600" dirty="0">
+                <a:solidFill>
+                  <a:srgbClr val="000000"/>
+                </a:solidFill>
+                <a:latin typeface="ＭＳ ゴシック" panose="020B0609070205080204" pitchFamily="49" charset="-128"/>
+                <a:ea typeface="ＭＳ ゴシック" panose="020B0609070205080204" pitchFamily="49" charset="-128"/>
+              </a:rPr>
+              <a:t>;</a:t>
+            </a:r>
+          </a:p>
+          <a:p>
+            <a:pPr>
+              <a:lnSpc>
+                <a:spcPts val="1600"/>
+              </a:lnSpc>
+            </a:pPr>
+            <a:r>
+              <a:rPr lang="ja-JP" altLang="en-US" sz="1600" dirty="0">
+                <a:solidFill>
+                  <a:srgbClr val="000000"/>
+                </a:solidFill>
+                <a:latin typeface="ＭＳ ゴシック" panose="020B0609070205080204" pitchFamily="49" charset="-128"/>
+                <a:ea typeface="ＭＳ ゴシック" panose="020B0609070205080204" pitchFamily="49" charset="-128"/>
+              </a:rPr>
+              <a:t>    </a:t>
+            </a:r>
+            <a:r>
+              <a:rPr lang="en-US" altLang="ja-JP" sz="1600" dirty="0">
+                <a:solidFill>
+                  <a:srgbClr val="000000"/>
+                </a:solidFill>
+                <a:latin typeface="ＭＳ ゴシック" panose="020B0609070205080204" pitchFamily="49" charset="-128"/>
+                <a:ea typeface="ＭＳ ゴシック" panose="020B0609070205080204" pitchFamily="49" charset="-128"/>
+              </a:rPr>
+              <a:t>}</a:t>
+            </a:r>
+          </a:p>
+        </p:txBody>
+      </p:sp>
+    </p:spTree>
+    <p:extLst>
+      <p:ext uri="{BB962C8B-B14F-4D97-AF65-F5344CB8AC3E}">
+        <p14:creationId xmlns:p14="http://schemas.microsoft.com/office/powerpoint/2010/main" val="3909447608"/>
+      </p:ext>
+    </p:extLst>
+  </p:cSld>
+  <p:clrMapOvr>
+    <a:masterClrMapping/>
+  </p:clrMapOvr>
+  <p:timing>
+    <p:tnLst>
+      <p:par>
+        <p:cTn id="1" dur="indefinite" restart="never" nodeType="tmRoot"/>
+      </p:par>
+    </p:tnLst>
+  </p:timing>
+</p:sld>
+</file>
+
+<file path=ppt/slides/slide12.xml><?xml version="1.0" encoding="utf-8"?>
+<p:sld xmlns:a="http://schemas.openxmlformats.org/drawingml/2006/main" xmlns:r="http://schemas.openxmlformats.org/officeDocument/2006/relationships" xmlns:p="http://schemas.openxmlformats.org/presentationml/2006/main">
+  <p:cSld>
+    <p:spTree>
+      <p:nvGrpSpPr>
+        <p:cNvPr id="1" name=""/>
+        <p:cNvGrpSpPr/>
+        <p:nvPr/>
+      </p:nvGrpSpPr>
+      <p:grpSpPr>
+        <a:xfrm>
+          <a:off x="0" y="0"/>
+          <a:ext cx="0" cy="0"/>
+          <a:chOff x="0" y="0"/>
+          <a:chExt cx="0" cy="0"/>
+        </a:xfrm>
+      </p:grpSpPr>
+      <p:sp>
+        <p:nvSpPr>
+          <p:cNvPr id="2" name="タイトル 1"/>
+          <p:cNvSpPr>
+            <a:spLocks noGrp="1"/>
+          </p:cNvSpPr>
+          <p:nvPr>
+            <p:ph type="title"/>
+          </p:nvPr>
+        </p:nvSpPr>
+        <p:spPr/>
+        <p:txBody>
+          <a:bodyPr>
+            <a:normAutofit fontScale="90000"/>
+          </a:bodyPr>
+          <a:lstStyle/>
+          <a:p>
+            <a:r>
+              <a:rPr kumimoji="1" lang="en-US" altLang="ja-JP" dirty="0" smtClean="0"/>
+              <a:t>Form</a:t>
+            </a:r>
+            <a:r>
+              <a:rPr kumimoji="1" lang="ja-JP" altLang="en-US" dirty="0" smtClean="0"/>
+              <a:t>を表示する </a:t>
+            </a:r>
+            <a:r>
+              <a:rPr kumimoji="1" lang="en-US" altLang="ja-JP" dirty="0" smtClean="0"/>
+              <a:t>(2/2)</a:t>
+            </a:r>
+            <a:endParaRPr kumimoji="1" lang="ja-JP" altLang="en-US" dirty="0"/>
+          </a:p>
+        </p:txBody>
+      </p:sp>
+      <p:sp>
+        <p:nvSpPr>
+          <p:cNvPr id="3" name="コンテンツ プレースホルダー 2"/>
+          <p:cNvSpPr>
+            <a:spLocks noGrp="1"/>
+          </p:cNvSpPr>
+          <p:nvPr>
+            <p:ph idx="1"/>
+          </p:nvPr>
+        </p:nvSpPr>
+        <p:spPr/>
+        <p:txBody>
+          <a:bodyPr>
+            <a:normAutofit/>
+          </a:bodyPr>
+          <a:lstStyle/>
+          <a:p>
+            <a:pPr marL="0" indent="0">
+              <a:buNone/>
+            </a:pPr>
+            <a:r>
+              <a:rPr lang="en-US" altLang="ja-JP" sz="1800" dirty="0" smtClean="0"/>
+              <a:t>[</a:t>
+            </a:r>
+            <a:r>
+              <a:rPr lang="ja-JP" altLang="en-US" sz="1800" dirty="0" smtClean="0"/>
+              <a:t>プロジェクト名</a:t>
+            </a:r>
+            <a:r>
+              <a:rPr lang="en-US" altLang="ja-JP" sz="1800" dirty="0" smtClean="0"/>
+              <a:t>].</a:t>
+            </a:r>
+            <a:r>
+              <a:rPr lang="en-US" altLang="ja-JP" sz="1800" dirty="0" err="1" smtClean="0"/>
+              <a:t>cpp</a:t>
+            </a:r>
+            <a:r>
+              <a:rPr lang="en-US" altLang="ja-JP" sz="1800" dirty="0" smtClean="0"/>
+              <a:t> </a:t>
+            </a:r>
+            <a:r>
+              <a:rPr lang="ja-JP" altLang="en-US" sz="1800" dirty="0" smtClean="0"/>
+              <a:t>ファイル内の</a:t>
+            </a:r>
+            <a:r>
+              <a:rPr lang="en-US" altLang="ja-JP" sz="1800" dirty="0" smtClean="0"/>
+              <a:t>main</a:t>
+            </a:r>
+            <a:r>
+              <a:rPr lang="ja-JP" altLang="en-US" sz="1800" dirty="0" smtClean="0"/>
+              <a:t>関数を以下の通り変更</a:t>
+            </a:r>
+            <a:endParaRPr lang="en-US" altLang="ja-JP" sz="1800" dirty="0" smtClean="0"/>
+          </a:p>
+          <a:p>
+            <a:pPr marL="0" indent="0">
+              <a:buNone/>
+            </a:pPr>
+            <a:r>
+              <a:rPr lang="en-US" altLang="ja-JP" sz="1800" dirty="0" smtClean="0"/>
+              <a:t>1. “show dialog</a:t>
+            </a:r>
+            <a:r>
+              <a:rPr lang="ja-JP" altLang="en-US" sz="1800" dirty="0"/>
+              <a:t> </a:t>
+            </a:r>
+            <a:r>
+              <a:rPr lang="en-US" altLang="ja-JP" sz="1800" dirty="0" smtClean="0"/>
+              <a:t>here</a:t>
+            </a:r>
+            <a:r>
+              <a:rPr lang="ja-JP" altLang="en-US" sz="1800" dirty="0" smtClean="0"/>
+              <a:t>！と表示</a:t>
+            </a:r>
+            <a:r>
+              <a:rPr lang="en-US" altLang="ja-JP" sz="1800" dirty="0" smtClean="0"/>
+              <a:t>”</a:t>
+            </a:r>
+          </a:p>
+          <a:p>
+            <a:pPr marL="0" indent="0">
+              <a:buNone/>
+            </a:pPr>
+            <a:r>
+              <a:rPr lang="en-US" altLang="ja-JP" sz="1800" dirty="0" smtClean="0"/>
+              <a:t>2. </a:t>
+            </a:r>
+            <a:r>
+              <a:rPr lang="en-US" altLang="ja-JP" sz="1800" dirty="0" err="1" smtClean="0"/>
+              <a:t>MainForm</a:t>
+            </a:r>
+            <a:r>
+              <a:rPr lang="ja-JP" altLang="en-US" sz="1800" dirty="0" smtClean="0"/>
+              <a:t>のインスタンスを取得し，</a:t>
+            </a:r>
+            <a:r>
+              <a:rPr lang="en-US" altLang="ja-JP" sz="1800" dirty="0" err="1" smtClean="0"/>
+              <a:t>ShowDialog</a:t>
+            </a:r>
+            <a:r>
+              <a:rPr lang="ja-JP" altLang="en-US" sz="1800" dirty="0" smtClean="0"/>
+              <a:t>関数を呼ぶ</a:t>
+            </a:r>
+            <a:endParaRPr lang="en-US" altLang="ja-JP" sz="1800" dirty="0" smtClean="0"/>
+          </a:p>
+          <a:p>
+            <a:pPr marL="0" indent="0">
+              <a:buNone/>
+            </a:pPr>
+            <a:r>
+              <a:rPr lang="ja-JP" altLang="en-US" sz="1800" dirty="0"/>
+              <a:t>実行</a:t>
+            </a:r>
+            <a:r>
+              <a:rPr lang="ja-JP" altLang="en-US" sz="1800" dirty="0" smtClean="0"/>
+              <a:t>するとコンソールと</a:t>
+            </a:r>
+            <a:r>
+              <a:rPr lang="en-US" altLang="ja-JP" sz="1800" dirty="0" smtClean="0"/>
+              <a:t>form</a:t>
+            </a:r>
+            <a:r>
+              <a:rPr lang="ja-JP" altLang="en-US" sz="1800" dirty="0" smtClean="0"/>
+              <a:t>が表示される　（右図）</a:t>
+            </a:r>
+            <a:endParaRPr lang="en-US" altLang="ja-JP" sz="1800" dirty="0" smtClean="0"/>
+          </a:p>
+          <a:p>
+            <a:pPr marL="0" indent="0">
+              <a:buNone/>
+            </a:pPr>
+            <a:endParaRPr kumimoji="1" lang="en-US" altLang="ja-JP" sz="1800" dirty="0"/>
+          </a:p>
+          <a:p>
+            <a:pPr marL="0" indent="0">
+              <a:buNone/>
+            </a:pPr>
+            <a:endParaRPr kumimoji="1" lang="ja-JP" altLang="en-US" sz="1800" dirty="0"/>
+          </a:p>
+        </p:txBody>
+      </p:sp>
+      <p:sp>
+        <p:nvSpPr>
+          <p:cNvPr id="4" name="スライド番号プレースホルダー 3"/>
+          <p:cNvSpPr>
+            <a:spLocks noGrp="1"/>
+          </p:cNvSpPr>
+          <p:nvPr>
+            <p:ph type="sldNum" sz="quarter" idx="12"/>
+          </p:nvPr>
+        </p:nvSpPr>
+        <p:spPr/>
+        <p:txBody>
+          <a:bodyPr/>
+          <a:lstStyle/>
+          <a:p>
+            <a:fld id="{6908AC80-5682-4C8F-945F-0672FD5979B7}" type="slidenum">
+              <a:rPr lang="ja-JP" altLang="en-US" smtClean="0"/>
+              <a:pPr/>
+              <a:t>12</a:t>
             </a:fld>
             <a:endParaRPr lang="ja-JP" altLang="en-US"/>
           </a:p>
@@ -2539,10 +3859,17 @@
   <p:clrMapOvr>
     <a:masterClrMapping/>
   </p:clrMapOvr>
+  <p:timing>
+    <p:tnLst>
+      <p:par>
+        <p:cTn id="1" dur="indefinite" restart="never" nodeType="tmRoot"/>
+      </p:par>
+    </p:tnLst>
+  </p:timing>
 </p:sld>
 </file>
 
-<file path=ppt/slides/slide11.xml><?xml version="1.0" encoding="utf-8"?>
+<file path=ppt/slides/slide13.xml><?xml version="1.0" encoding="utf-8"?>
 <p:sld xmlns:a="http://schemas.openxmlformats.org/drawingml/2006/main" xmlns:r="http://schemas.openxmlformats.org/officeDocument/2006/relationships" xmlns:p="http://schemas.openxmlformats.org/presentationml/2006/main">
   <p:cSld>
     <p:spTree>
@@ -2583,7 +3910,7 @@
           <a:p>
             <a:r>
               <a:rPr kumimoji="1" lang="en-US" altLang="ja-JP" dirty="0" err="1" smtClean="0"/>
-              <a:t>Glew</a:t>
+              <a:t>glew</a:t>
             </a:r>
             <a:r>
               <a:rPr lang="ja-JP" altLang="en-US" dirty="0" smtClean="0"/>
@@ -3695,7 +5022,7 @@
             <a:fld id="{6908AC80-5682-4C8F-945F-0672FD5979B7}" type="slidenum">
               <a:rPr lang="ja-JP" altLang="en-US" smtClean="0"/>
               <a:pPr/>
-              <a:t>11</a:t>
+              <a:t>13</a:t>
             </a:fld>
             <a:endParaRPr lang="ja-JP" altLang="en-US"/>
           </a:p>
@@ -3735,10 +5062,17 @@
   <p:clrMapOvr>
     <a:masterClrMapping/>
   </p:clrMapOvr>
+  <p:timing>
+    <p:tnLst>
+      <p:par>
+        <p:cTn id="1" dur="indefinite" restart="never" nodeType="tmRoot"/>
+      </p:par>
+    </p:tnLst>
+  </p:timing>
 </p:sld>
 </file>
 
-<file path=ppt/slides/slide12.xml><?xml version="1.0" encoding="utf-8"?>
+<file path=ppt/slides/slide14.xml><?xml version="1.0" encoding="utf-8"?>
 <p:sld xmlns:a="http://schemas.openxmlformats.org/drawingml/2006/main" xmlns:r="http://schemas.openxmlformats.org/officeDocument/2006/relationships" xmlns:p="http://schemas.openxmlformats.org/presentationml/2006/main">
   <p:cSld>
     <p:spTree>
@@ -3778,11 +5112,11 @@
           <a:lstStyle/>
           <a:p>
             <a:r>
-              <a:rPr lang="en-US" altLang="ja-JP" dirty="0" smtClean="0"/>
-              <a:t>Eigen</a:t>
-            </a:r>
-            <a:r>
-              <a:rPr lang="ja-JP" altLang="en-US" dirty="0"/>
+              <a:rPr lang="en-US" altLang="ja-JP" dirty="0" err="1" smtClean="0"/>
+              <a:t>eigen</a:t>
+            </a:r>
+            <a:r>
+              <a:rPr lang="ja-JP" altLang="en-US" dirty="0" smtClean="0"/>
               <a:t> </a:t>
             </a:r>
             <a:r>
@@ -4451,7 +5785,7 @@
             <a:fld id="{6908AC80-5682-4C8F-945F-0672FD5979B7}" type="slidenum">
               <a:rPr lang="ja-JP" altLang="en-US" smtClean="0"/>
               <a:pPr/>
-              <a:t>12</a:t>
+              <a:t>14</a:t>
             </a:fld>
             <a:endParaRPr lang="ja-JP" altLang="en-US"/>
           </a:p>
@@ -4467,10 +5801,17 @@
   <p:clrMapOvr>
     <a:masterClrMapping/>
   </p:clrMapOvr>
+  <p:timing>
+    <p:tnLst>
+      <p:par>
+        <p:cTn id="1" dur="indefinite" restart="never" nodeType="tmRoot"/>
+      </p:par>
+    </p:tnLst>
+  </p:timing>
 </p:sld>
 </file>
 
-<file path=ppt/slides/slide13.xml><?xml version="1.0" encoding="utf-8"?>
+<file path=ppt/slides/slide15.xml><?xml version="1.0" encoding="utf-8"?>
 <p:sld xmlns:a="http://schemas.openxmlformats.org/drawingml/2006/main" xmlns:r="http://schemas.openxmlformats.org/officeDocument/2006/relationships" xmlns:p="http://schemas.openxmlformats.org/presentationml/2006/main">
   <p:cSld>
     <p:spTree>
@@ -4709,7 +6050,7 @@
             <a:fld id="{6908AC80-5682-4C8F-945F-0672FD5979B7}" type="slidenum">
               <a:rPr lang="ja-JP" altLang="en-US" smtClean="0"/>
               <a:pPr/>
-              <a:t>13</a:t>
+              <a:t>15</a:t>
             </a:fld>
             <a:endParaRPr lang="ja-JP" altLang="en-US"/>
           </a:p>
@@ -5235,10 +6576,17 @@
   <p:clrMapOvr>
     <a:masterClrMapping/>
   </p:clrMapOvr>
+  <p:timing>
+    <p:tnLst>
+      <p:par>
+        <p:cTn id="1" dur="indefinite" restart="never" nodeType="tmRoot"/>
+      </p:par>
+    </p:tnLst>
+  </p:timing>
 </p:sld>
 </file>
 
-<file path=ppt/slides/slide14.xml><?xml version="1.0" encoding="utf-8"?>
+<file path=ppt/slides/slide16.xml><?xml version="1.0" encoding="utf-8"?>
 <p:sld xmlns:a="http://schemas.openxmlformats.org/drawingml/2006/main" xmlns:r="http://schemas.openxmlformats.org/officeDocument/2006/relationships" xmlns:p="http://schemas.openxmlformats.org/presentationml/2006/main">
   <p:cSld>
     <p:spTree>
@@ -5635,7 +6983,7 @@
             <a:fld id="{6908AC80-5682-4C8F-945F-0672FD5979B7}" type="slidenum">
               <a:rPr lang="ja-JP" altLang="en-US" smtClean="0"/>
               <a:pPr/>
-              <a:t>14</a:t>
+              <a:t>16</a:t>
             </a:fld>
             <a:endParaRPr lang="ja-JP" altLang="en-US"/>
           </a:p>
@@ -5651,10 +6999,17 @@
   <p:clrMapOvr>
     <a:masterClrMapping/>
   </p:clrMapOvr>
+  <p:timing>
+    <p:tnLst>
+      <p:par>
+        <p:cTn id="1" dur="indefinite" restart="never" nodeType="tmRoot"/>
+      </p:par>
+    </p:tnLst>
+  </p:timing>
 </p:sld>
 </file>
 
-<file path=ppt/slides/slide15.xml><?xml version="1.0" encoding="utf-8"?>
+<file path=ppt/slides/slide17.xml><?xml version="1.0" encoding="utf-8"?>
 <p:sld xmlns:a="http://schemas.openxmlformats.org/drawingml/2006/main" xmlns:r="http://schemas.openxmlformats.org/officeDocument/2006/relationships" xmlns:p="http://schemas.openxmlformats.org/presentationml/2006/main">
   <p:cSld>
     <p:spTree>
@@ -5909,7 +7264,7 @@
             <a:fld id="{6908AC80-5682-4C8F-945F-0672FD5979B7}" type="slidenum">
               <a:rPr lang="ja-JP" altLang="en-US" smtClean="0"/>
               <a:pPr/>
-              <a:t>15</a:t>
+              <a:t>17</a:t>
             </a:fld>
             <a:endParaRPr lang="ja-JP" altLang="en-US"/>
           </a:p>
@@ -6622,10 +7977,17 @@
   <p:clrMapOvr>
     <a:masterClrMapping/>
   </p:clrMapOvr>
+  <p:timing>
+    <p:tnLst>
+      <p:par>
+        <p:cTn id="1" dur="indefinite" restart="never" nodeType="tmRoot"/>
+      </p:par>
+    </p:tnLst>
+  </p:timing>
 </p:sld>
 </file>
 
-<file path=ppt/slides/slide16.xml><?xml version="1.0" encoding="utf-8"?>
+<file path=ppt/slides/slide18.xml><?xml version="1.0" encoding="utf-8"?>
 <p:sld xmlns:a="http://schemas.openxmlformats.org/drawingml/2006/main" xmlns:r="http://schemas.openxmlformats.org/officeDocument/2006/relationships" xmlns:p="http://schemas.openxmlformats.org/presentationml/2006/main">
   <p:cSld>
     <p:spTree>
@@ -6714,7 +8076,7 @@
             <a:fld id="{6908AC80-5682-4C8F-945F-0672FD5979B7}" type="slidenum">
               <a:rPr lang="ja-JP" altLang="en-US" smtClean="0"/>
               <a:pPr/>
-              <a:t>16</a:t>
+              <a:t>18</a:t>
             </a:fld>
             <a:endParaRPr lang="ja-JP" altLang="en-US"/>
           </a:p>
@@ -8401,10 +9763,17 @@
   <p:clrMapOvr>
     <a:masterClrMapping/>
   </p:clrMapOvr>
+  <p:timing>
+    <p:tnLst>
+      <p:par>
+        <p:cTn id="1" dur="indefinite" restart="never" nodeType="tmRoot"/>
+      </p:par>
+    </p:tnLst>
+  </p:timing>
 </p:sld>
 </file>
 
-<file path=ppt/slides/slide17.xml><?xml version="1.0" encoding="utf-8"?>
+<file path=ppt/slides/slide19.xml><?xml version="1.0" encoding="utf-8"?>
 <p:sld xmlns:a="http://schemas.openxmlformats.org/drawingml/2006/main" xmlns:r="http://schemas.openxmlformats.org/officeDocument/2006/relationships" xmlns:p="http://schemas.openxmlformats.org/presentationml/2006/main">
   <p:cSld>
     <p:spTree>
@@ -8497,7 +9866,7 @@
             <a:fld id="{6908AC80-5682-4C8F-945F-0672FD5979B7}" type="slidenum">
               <a:rPr lang="ja-JP" altLang="en-US" smtClean="0"/>
               <a:pPr/>
-              <a:t>17</a:t>
+              <a:t>19</a:t>
             </a:fld>
             <a:endParaRPr lang="ja-JP" altLang="en-US"/>
           </a:p>
@@ -10246,407 +11615,13 @@
   <p:clrMapOvr>
     <a:masterClrMapping/>
   </p:clrMapOvr>
-</p:sld>
-</file>
-
-<file path=ppt/slides/slide18.xml><?xml version="1.0" encoding="utf-8"?>
-<p:sld xmlns:a="http://schemas.openxmlformats.org/drawingml/2006/main" xmlns:r="http://schemas.openxmlformats.org/officeDocument/2006/relationships" xmlns:p="http://schemas.openxmlformats.org/presentationml/2006/main">
-  <p:cSld>
-    <p:spTree>
-      <p:nvGrpSpPr>
-        <p:cNvPr id="1" name=""/>
-        <p:cNvGrpSpPr/>
-        <p:nvPr/>
-      </p:nvGrpSpPr>
-      <p:grpSpPr>
-        <a:xfrm>
-          <a:off x="0" y="0"/>
-          <a:ext cx="0" cy="0"/>
-          <a:chOff x="0" y="0"/>
-          <a:chExt cx="0" cy="0"/>
-        </a:xfrm>
-      </p:grpSpPr>
-      <p:sp>
-        <p:nvSpPr>
-          <p:cNvPr id="2" name="タイトル 1"/>
-          <p:cNvSpPr>
-            <a:spLocks noGrp="1"/>
-          </p:cNvSpPr>
-          <p:nvPr>
-            <p:ph type="title"/>
-          </p:nvPr>
-        </p:nvSpPr>
-        <p:spPr/>
-        <p:txBody>
-          <a:bodyPr>
-            <a:normAutofit fontScale="90000"/>
-          </a:bodyPr>
-          <a:lstStyle/>
-          <a:p>
-            <a:r>
-              <a:rPr kumimoji="1" lang="en-US" altLang="ja-JP" dirty="0" smtClean="0"/>
-              <a:t>Tips</a:t>
-            </a:r>
-            <a:endParaRPr kumimoji="1" lang="ja-JP" altLang="en-US" dirty="0"/>
-          </a:p>
-        </p:txBody>
-      </p:sp>
-      <p:sp>
-        <p:nvSpPr>
-          <p:cNvPr id="3" name="コンテンツ プレースホルダー 2"/>
-          <p:cNvSpPr>
-            <a:spLocks noGrp="1"/>
-          </p:cNvSpPr>
-          <p:nvPr>
-            <p:ph idx="1"/>
-          </p:nvPr>
-        </p:nvSpPr>
-        <p:spPr/>
-        <p:txBody>
-          <a:bodyPr>
-            <a:normAutofit/>
-          </a:bodyPr>
-          <a:lstStyle/>
-          <a:p>
-            <a:pPr>
-              <a:spcBef>
-                <a:spcPts val="600"/>
-              </a:spcBef>
-            </a:pPr>
-            <a:r>
-              <a:rPr lang="en-US" altLang="ja-JP" sz="2400" dirty="0" err="1" smtClean="0"/>
-              <a:t>MainForm</a:t>
-            </a:r>
-            <a:r>
-              <a:rPr lang="ja-JP" altLang="en-US" sz="2400" dirty="0" smtClean="0"/>
-              <a:t>に描画関数やマウスリスナを実装するのはあまりきれいでない</a:t>
-            </a:r>
-            <a:endParaRPr lang="en-US" altLang="ja-JP" sz="2400" dirty="0" smtClean="0"/>
-          </a:p>
-          <a:p>
-            <a:pPr lvl="1">
-              <a:spcBef>
-                <a:spcPts val="600"/>
-              </a:spcBef>
-            </a:pPr>
-            <a:r>
-              <a:rPr lang="ja-JP" altLang="en-US" sz="2000" dirty="0" smtClean="0"/>
-              <a:t>通常ひとクラスは一つの役割のみを持たせるべき</a:t>
-            </a:r>
-            <a:endParaRPr lang="en-US" altLang="ja-JP" sz="2000" dirty="0"/>
-          </a:p>
-          <a:p>
-            <a:pPr marL="0" indent="0">
-              <a:spcBef>
-                <a:spcPts val="600"/>
-              </a:spcBef>
-              <a:buNone/>
-            </a:pPr>
-            <a:r>
-              <a:rPr kumimoji="1" lang="en-US" altLang="ja-JP" sz="2400" dirty="0" smtClean="0">
-                <a:sym typeface="Wingdings" panose="05000000000000000000" pitchFamily="2" charset="2"/>
-              </a:rPr>
-              <a:t> </a:t>
-            </a:r>
-            <a:r>
-              <a:rPr kumimoji="1" lang="en-US" altLang="ja-JP" sz="2400" dirty="0" err="1" smtClean="0"/>
-              <a:t>Tcore</a:t>
-            </a:r>
-            <a:r>
-              <a:rPr kumimoji="1" lang="ja-JP" altLang="en-US" sz="2400" dirty="0" smtClean="0"/>
-              <a:t>という</a:t>
-            </a:r>
-            <a:r>
-              <a:rPr kumimoji="1" lang="en-US" altLang="ja-JP" sz="2400" dirty="0" smtClean="0"/>
-              <a:t>singleton</a:t>
-            </a:r>
-            <a:r>
-              <a:rPr kumimoji="1" lang="ja-JP" altLang="en-US" sz="2400" dirty="0" smtClean="0"/>
-              <a:t>クラスを作成し，描画とマウスイベントハンドラの実装をそちらに任せる</a:t>
-            </a:r>
-            <a:endParaRPr kumimoji="1" lang="en-US" altLang="ja-JP" sz="2400" dirty="0" smtClean="0"/>
-          </a:p>
-          <a:p>
-            <a:pPr lvl="1">
-              <a:spcBef>
-                <a:spcPts val="600"/>
-              </a:spcBef>
-            </a:pPr>
-            <a:r>
-              <a:rPr lang="en-US" altLang="ja-JP" sz="2000" dirty="0" smtClean="0"/>
-              <a:t>Form</a:t>
-            </a:r>
-            <a:r>
-              <a:rPr lang="ja-JP" altLang="en-US" sz="2000" dirty="0" smtClean="0"/>
-              <a:t>はダイアログの定義に集中し，</a:t>
-            </a:r>
-            <a:r>
-              <a:rPr lang="en-US" altLang="ja-JP" sz="2000" dirty="0" err="1" smtClean="0"/>
-              <a:t>Tcore</a:t>
-            </a:r>
-            <a:r>
-              <a:rPr lang="ja-JP" altLang="en-US" sz="2000" dirty="0" smtClean="0"/>
-              <a:t>はイベントハンドラの実装と，役割が分かれる</a:t>
-            </a:r>
-            <a:endParaRPr lang="en-US" altLang="ja-JP" sz="2000" dirty="0"/>
-          </a:p>
-          <a:p>
-            <a:pPr lvl="1">
-              <a:spcBef>
-                <a:spcPts val="600"/>
-              </a:spcBef>
-            </a:pPr>
-            <a:r>
-              <a:rPr lang="ja-JP" altLang="en-US" sz="2000" dirty="0"/>
-              <a:t>少</a:t>
-            </a:r>
-            <a:r>
-              <a:rPr lang="ja-JP" altLang="en-US" sz="2000" dirty="0" smtClean="0"/>
-              <a:t>しややこしいが，</a:t>
-            </a:r>
-            <a:r>
-              <a:rPr lang="en-US" altLang="ja-JP" sz="2000" dirty="0" smtClean="0"/>
-              <a:t>Form</a:t>
-            </a:r>
-            <a:r>
-              <a:rPr lang="ja-JP" altLang="en-US" sz="2000" dirty="0" smtClean="0"/>
-              <a:t>は</a:t>
-            </a:r>
-            <a:r>
-              <a:rPr lang="en-US" altLang="ja-JP" sz="2000" dirty="0" smtClean="0"/>
-              <a:t>managed</a:t>
-            </a:r>
-            <a:r>
-              <a:rPr lang="ja-JP" altLang="en-US" sz="2000" dirty="0" smtClean="0"/>
-              <a:t>クラス</a:t>
-            </a:r>
-            <a:r>
-              <a:rPr lang="en-US" altLang="ja-JP" sz="2000" dirty="0" smtClean="0"/>
-              <a:t>, </a:t>
-            </a:r>
-            <a:r>
-              <a:rPr lang="en-US" altLang="ja-JP" sz="2000" dirty="0" err="1" smtClean="0"/>
-              <a:t>TCore</a:t>
-            </a:r>
-            <a:r>
-              <a:rPr lang="ja-JP" altLang="en-US" sz="2000" dirty="0" smtClean="0"/>
-              <a:t>は</a:t>
-            </a:r>
-            <a:r>
-              <a:rPr lang="en-US" altLang="ja-JP" sz="2000" dirty="0" smtClean="0"/>
-              <a:t>unmanaged</a:t>
-            </a:r>
-            <a:r>
-              <a:rPr lang="ja-JP" altLang="en-US" sz="2000" dirty="0" smtClean="0"/>
-              <a:t>クラスとなり，</a:t>
-            </a:r>
-            <a:r>
-              <a:rPr lang="en-US" altLang="ja-JP" sz="2000" dirty="0" smtClean="0"/>
-              <a:t>.NET framework</a:t>
-            </a:r>
-            <a:r>
-              <a:rPr lang="ja-JP" altLang="en-US" sz="2000" dirty="0" smtClean="0"/>
-              <a:t>から離れてコーディングが出来る</a:t>
-            </a:r>
-            <a:endParaRPr kumimoji="1" lang="en-US" altLang="ja-JP" sz="2000" dirty="0" smtClean="0"/>
-          </a:p>
-          <a:p>
-            <a:pPr marL="0" indent="0">
-              <a:spcBef>
-                <a:spcPts val="600"/>
-              </a:spcBef>
-              <a:buNone/>
-            </a:pPr>
-            <a:r>
-              <a:rPr lang="en-US" altLang="ja-JP" sz="2400" dirty="0" smtClean="0">
-                <a:sym typeface="Wingdings" panose="05000000000000000000" pitchFamily="2" charset="2"/>
-              </a:rPr>
-              <a:t> </a:t>
-            </a:r>
-            <a:r>
-              <a:rPr lang="ja-JP" altLang="en-US" sz="2400" dirty="0" smtClean="0">
-                <a:sym typeface="Wingdings" panose="05000000000000000000" pitchFamily="2" charset="2"/>
-              </a:rPr>
-              <a:t>ここまでやったものを 研究室</a:t>
-            </a:r>
-            <a:r>
-              <a:rPr lang="en-US" altLang="ja-JP" sz="2400" dirty="0" err="1" smtClean="0">
-                <a:sym typeface="Wingdings" panose="05000000000000000000" pitchFamily="2" charset="2"/>
-              </a:rPr>
-              <a:t>Github</a:t>
-            </a:r>
-            <a:r>
-              <a:rPr lang="ja-JP" altLang="en-US" sz="2400" dirty="0" smtClean="0">
-                <a:sym typeface="Wingdings" panose="05000000000000000000" pitchFamily="2" charset="2"/>
-              </a:rPr>
-              <a:t>の</a:t>
-            </a:r>
-            <a:r>
-              <a:rPr lang="en-US" altLang="ja-JP" sz="2400" dirty="0" err="1" smtClean="0">
-                <a:sym typeface="Wingdings" panose="05000000000000000000" pitchFamily="2" charset="2"/>
-              </a:rPr>
-              <a:t>IGProgramBootup</a:t>
-            </a:r>
-            <a:r>
-              <a:rPr lang="ja-JP" altLang="en-US" sz="2400" dirty="0" smtClean="0">
-                <a:sym typeface="Wingdings" panose="05000000000000000000" pitchFamily="2" charset="2"/>
-              </a:rPr>
-              <a:t>リポジトリの</a:t>
-            </a:r>
-            <a:r>
-              <a:rPr lang="en-US" altLang="ja-JP" sz="2400" dirty="0" err="1" smtClean="0">
-                <a:sym typeface="Wingdings" panose="05000000000000000000" pitchFamily="2" charset="2"/>
-              </a:rPr>
-              <a:t>CliOglMinimum</a:t>
-            </a:r>
-            <a:r>
-              <a:rPr lang="ja-JP" altLang="en-US" sz="2400" dirty="0" smtClean="0">
-                <a:sym typeface="Wingdings" panose="05000000000000000000" pitchFamily="2" charset="2"/>
-              </a:rPr>
-              <a:t>ブランチにおいておく</a:t>
-            </a:r>
-            <a:endParaRPr lang="en-US" altLang="ja-JP" sz="2400" dirty="0"/>
-          </a:p>
-          <a:p>
-            <a:pPr>
-              <a:spcBef>
-                <a:spcPts val="600"/>
-              </a:spcBef>
-            </a:pPr>
-            <a:endParaRPr kumimoji="1" lang="en-US" altLang="ja-JP" sz="2400" dirty="0" smtClean="0"/>
-          </a:p>
-          <a:p>
-            <a:pPr>
-              <a:spcBef>
-                <a:spcPts val="600"/>
-              </a:spcBef>
-            </a:pPr>
-            <a:endParaRPr kumimoji="1" lang="ja-JP" altLang="en-US" sz="2400" dirty="0"/>
-          </a:p>
-        </p:txBody>
-      </p:sp>
-      <p:sp>
-        <p:nvSpPr>
-          <p:cNvPr id="4" name="スライド番号プレースホルダー 3"/>
-          <p:cNvSpPr>
-            <a:spLocks noGrp="1"/>
-          </p:cNvSpPr>
-          <p:nvPr>
-            <p:ph type="sldNum" sz="quarter" idx="12"/>
-          </p:nvPr>
-        </p:nvSpPr>
-        <p:spPr/>
-        <p:txBody>
-          <a:bodyPr/>
-          <a:lstStyle/>
-          <a:p>
-            <a:fld id="{6908AC80-5682-4C8F-945F-0672FD5979B7}" type="slidenum">
-              <a:rPr lang="ja-JP" altLang="en-US" smtClean="0"/>
-              <a:pPr/>
-              <a:t>18</a:t>
-            </a:fld>
-            <a:endParaRPr lang="ja-JP" altLang="en-US"/>
-          </a:p>
-        </p:txBody>
-      </p:sp>
-    </p:spTree>
-    <p:extLst>
-      <p:ext uri="{BB962C8B-B14F-4D97-AF65-F5344CB8AC3E}">
-        <p14:creationId xmlns:p14="http://schemas.microsoft.com/office/powerpoint/2010/main" val="3064524685"/>
-      </p:ext>
-    </p:extLst>
-  </p:cSld>
-  <p:clrMapOvr>
-    <a:masterClrMapping/>
-  </p:clrMapOvr>
-</p:sld>
-</file>
-
-<file path=ppt/slides/slide19.xml><?xml version="1.0" encoding="utf-8"?>
-<p:sld xmlns:a="http://schemas.openxmlformats.org/drawingml/2006/main" xmlns:r="http://schemas.openxmlformats.org/officeDocument/2006/relationships" xmlns:p="http://schemas.openxmlformats.org/presentationml/2006/main">
-  <p:cSld>
-    <p:spTree>
-      <p:nvGrpSpPr>
-        <p:cNvPr id="1" name=""/>
-        <p:cNvGrpSpPr/>
-        <p:nvPr/>
-      </p:nvGrpSpPr>
-      <p:grpSpPr>
-        <a:xfrm>
-          <a:off x="0" y="0"/>
-          <a:ext cx="0" cy="0"/>
-          <a:chOff x="0" y="0"/>
-          <a:chExt cx="0" cy="0"/>
-        </a:xfrm>
-      </p:grpSpPr>
-      <p:sp>
-        <p:nvSpPr>
-          <p:cNvPr id="2" name="タイトル 1"/>
-          <p:cNvSpPr>
-            <a:spLocks noGrp="1"/>
-          </p:cNvSpPr>
-          <p:nvPr>
-            <p:ph type="title"/>
-          </p:nvPr>
-        </p:nvSpPr>
-        <p:spPr>
-          <a:xfrm>
-            <a:off x="838200" y="780474"/>
-            <a:ext cx="7954926" cy="644968"/>
-          </a:xfrm>
-        </p:spPr>
-        <p:txBody>
-          <a:bodyPr>
-            <a:noAutofit/>
-          </a:bodyPr>
-          <a:lstStyle/>
-          <a:p>
-            <a:r>
-              <a:rPr lang="ja-JP" altLang="en-US" sz="4800" b="1" dirty="0" smtClean="0"/>
-              <a:t>剛体</a:t>
-            </a:r>
-            <a:r>
-              <a:rPr lang="ja-JP" altLang="en-US" sz="4800" b="1" dirty="0"/>
-              <a:t>シミュレーション</a:t>
-            </a:r>
-            <a:endParaRPr kumimoji="1" lang="ja-JP" altLang="en-US" sz="4800" b="1" dirty="0"/>
-          </a:p>
-        </p:txBody>
-      </p:sp>
-      <p:sp>
-        <p:nvSpPr>
-          <p:cNvPr id="4" name="スライド番号プレースホルダー 3"/>
-          <p:cNvSpPr>
-            <a:spLocks noGrp="1"/>
-          </p:cNvSpPr>
-          <p:nvPr>
-            <p:ph type="sldNum" sz="quarter" idx="12"/>
-          </p:nvPr>
-        </p:nvSpPr>
-        <p:spPr/>
-        <p:txBody>
-          <a:bodyPr/>
-          <a:lstStyle/>
-          <a:p>
-            <a:fld id="{6908AC80-5682-4C8F-945F-0672FD5979B7}" type="slidenum">
-              <a:rPr lang="ja-JP" altLang="en-US" smtClean="0"/>
-              <a:pPr/>
-              <a:t>19</a:t>
-            </a:fld>
-            <a:endParaRPr lang="ja-JP" altLang="en-US"/>
-          </a:p>
-        </p:txBody>
-      </p:sp>
-    </p:spTree>
-    <p:extLst>
-      <p:ext uri="{BB962C8B-B14F-4D97-AF65-F5344CB8AC3E}">
-        <p14:creationId xmlns:p14="http://schemas.microsoft.com/office/powerpoint/2010/main" val="4075741947"/>
-      </p:ext>
-    </p:extLst>
-  </p:cSld>
-  <p:clrMapOvr>
-    <a:masterClrMapping/>
-  </p:clrMapOvr>
+  <p:timing>
+    <p:tnLst>
+      <p:par>
+        <p:cTn id="1" dur="indefinite" restart="never" nodeType="tmRoot"/>
+      </p:par>
+    </p:tnLst>
+  </p:timing>
 </p:sld>
 </file>
 
@@ -10733,6 +11708,13 @@
   <p:clrMapOvr>
     <a:masterClrMapping/>
   </p:clrMapOvr>
+  <p:timing>
+    <p:tnLst>
+      <p:par>
+        <p:cTn id="1" dur="indefinite" restart="never" nodeType="tmRoot"/>
+      </p:par>
+    </p:tnLst>
+  </p:timing>
 </p:sld>
 </file>
 
@@ -10771,8 +11753,597 @@
           <a:lstStyle/>
           <a:p>
             <a:r>
+              <a:rPr kumimoji="1" lang="en-US" altLang="ja-JP" dirty="0" smtClean="0"/>
+              <a:t>Tips</a:t>
+            </a:r>
+            <a:endParaRPr kumimoji="1" lang="ja-JP" altLang="en-US" dirty="0"/>
+          </a:p>
+        </p:txBody>
+      </p:sp>
+      <p:sp>
+        <p:nvSpPr>
+          <p:cNvPr id="3" name="コンテンツ プレースホルダー 2"/>
+          <p:cNvSpPr>
+            <a:spLocks noGrp="1"/>
+          </p:cNvSpPr>
+          <p:nvPr>
+            <p:ph idx="1"/>
+          </p:nvPr>
+        </p:nvSpPr>
+        <p:spPr/>
+        <p:txBody>
+          <a:bodyPr>
+            <a:normAutofit/>
+          </a:bodyPr>
+          <a:lstStyle/>
+          <a:p>
+            <a:pPr>
+              <a:spcBef>
+                <a:spcPts val="600"/>
+              </a:spcBef>
+            </a:pPr>
+            <a:r>
+              <a:rPr lang="en-US" altLang="ja-JP" sz="2400" dirty="0" err="1" smtClean="0"/>
+              <a:t>MainForm</a:t>
+            </a:r>
+            <a:r>
+              <a:rPr lang="ja-JP" altLang="en-US" sz="2400" dirty="0" smtClean="0"/>
+              <a:t>に描画関数やマウスリスナを実装するのはあまりきれいでない</a:t>
+            </a:r>
+            <a:endParaRPr lang="en-US" altLang="ja-JP" sz="2400" dirty="0" smtClean="0"/>
+          </a:p>
+          <a:p>
+            <a:pPr lvl="1">
+              <a:spcBef>
+                <a:spcPts val="600"/>
+              </a:spcBef>
+            </a:pPr>
+            <a:r>
+              <a:rPr lang="ja-JP" altLang="en-US" sz="2000" dirty="0" smtClean="0"/>
+              <a:t>通常ひとクラスは一つの役割のみを持たせるべき</a:t>
+            </a:r>
+            <a:endParaRPr lang="en-US" altLang="ja-JP" sz="2000" dirty="0"/>
+          </a:p>
+          <a:p>
+            <a:pPr marL="0" indent="0">
+              <a:spcBef>
+                <a:spcPts val="600"/>
+              </a:spcBef>
+              <a:buNone/>
+            </a:pPr>
+            <a:r>
+              <a:rPr kumimoji="1" lang="en-US" altLang="ja-JP" sz="2400" dirty="0" smtClean="0">
+                <a:sym typeface="Wingdings" panose="05000000000000000000" pitchFamily="2" charset="2"/>
+              </a:rPr>
+              <a:t> </a:t>
+            </a:r>
+            <a:r>
+              <a:rPr kumimoji="1" lang="en-US" altLang="ja-JP" sz="2400" dirty="0" err="1" smtClean="0"/>
+              <a:t>Tcore</a:t>
+            </a:r>
+            <a:r>
+              <a:rPr kumimoji="1" lang="ja-JP" altLang="en-US" sz="2400" dirty="0" smtClean="0"/>
+              <a:t>という</a:t>
+            </a:r>
+            <a:r>
+              <a:rPr kumimoji="1" lang="en-US" altLang="ja-JP" sz="2400" dirty="0" smtClean="0"/>
+              <a:t>singleton</a:t>
+            </a:r>
+            <a:r>
+              <a:rPr kumimoji="1" lang="ja-JP" altLang="en-US" sz="2400" dirty="0" smtClean="0"/>
+              <a:t>クラスを作成し，描画とマウスイベントハンドラの実装をそちらに任せる</a:t>
+            </a:r>
+            <a:endParaRPr kumimoji="1" lang="en-US" altLang="ja-JP" sz="2400" dirty="0" smtClean="0"/>
+          </a:p>
+          <a:p>
+            <a:pPr lvl="1">
+              <a:spcBef>
+                <a:spcPts val="600"/>
+              </a:spcBef>
+            </a:pPr>
+            <a:r>
+              <a:rPr lang="en-US" altLang="ja-JP" sz="2000" dirty="0" smtClean="0"/>
+              <a:t>Form</a:t>
+            </a:r>
+            <a:r>
+              <a:rPr lang="ja-JP" altLang="en-US" sz="2000" dirty="0" smtClean="0"/>
+              <a:t>はダイアログの定義に集中し，</a:t>
+            </a:r>
+            <a:r>
+              <a:rPr lang="en-US" altLang="ja-JP" sz="2000" dirty="0" err="1" smtClean="0"/>
+              <a:t>Tcore</a:t>
+            </a:r>
+            <a:r>
+              <a:rPr lang="ja-JP" altLang="en-US" sz="2000" dirty="0" smtClean="0"/>
+              <a:t>はイベントハンドラの実装と，役割が分かれる</a:t>
+            </a:r>
+            <a:endParaRPr lang="en-US" altLang="ja-JP" sz="2000" dirty="0"/>
+          </a:p>
+          <a:p>
+            <a:pPr lvl="1">
+              <a:spcBef>
+                <a:spcPts val="600"/>
+              </a:spcBef>
+            </a:pPr>
+            <a:r>
+              <a:rPr lang="ja-JP" altLang="en-US" sz="2000" dirty="0"/>
+              <a:t>少</a:t>
+            </a:r>
+            <a:r>
+              <a:rPr lang="ja-JP" altLang="en-US" sz="2000" dirty="0" smtClean="0"/>
+              <a:t>しややこしいが，</a:t>
+            </a:r>
+            <a:r>
+              <a:rPr lang="en-US" altLang="ja-JP" sz="2000" dirty="0" smtClean="0"/>
+              <a:t>Form</a:t>
+            </a:r>
+            <a:r>
+              <a:rPr lang="ja-JP" altLang="en-US" sz="2000" dirty="0" smtClean="0"/>
+              <a:t>は</a:t>
+            </a:r>
+            <a:r>
+              <a:rPr lang="en-US" altLang="ja-JP" sz="2000" dirty="0" smtClean="0"/>
+              <a:t>managed</a:t>
+            </a:r>
+            <a:r>
+              <a:rPr lang="ja-JP" altLang="en-US" sz="2000" dirty="0" smtClean="0"/>
+              <a:t>クラス</a:t>
+            </a:r>
+            <a:r>
+              <a:rPr lang="en-US" altLang="ja-JP" sz="2000" dirty="0" smtClean="0"/>
+              <a:t>, </a:t>
+            </a:r>
+            <a:r>
+              <a:rPr lang="en-US" altLang="ja-JP" sz="2000" dirty="0" err="1" smtClean="0"/>
+              <a:t>TCore</a:t>
+            </a:r>
+            <a:r>
+              <a:rPr lang="ja-JP" altLang="en-US" sz="2000" dirty="0" smtClean="0"/>
+              <a:t>は</a:t>
+            </a:r>
+            <a:r>
+              <a:rPr lang="en-US" altLang="ja-JP" sz="2000" dirty="0" smtClean="0"/>
+              <a:t>unmanaged</a:t>
+            </a:r>
+            <a:r>
+              <a:rPr lang="ja-JP" altLang="en-US" sz="2000" dirty="0" smtClean="0"/>
+              <a:t>クラスとなり，</a:t>
+            </a:r>
+            <a:r>
+              <a:rPr lang="en-US" altLang="ja-JP" sz="2000" dirty="0" smtClean="0"/>
+              <a:t>.NET framework</a:t>
+            </a:r>
+            <a:r>
+              <a:rPr lang="ja-JP" altLang="en-US" sz="2000" dirty="0" smtClean="0"/>
+              <a:t>から離れてコーディングが出来る</a:t>
+            </a:r>
+            <a:endParaRPr kumimoji="1" lang="en-US" altLang="ja-JP" sz="2000" dirty="0" smtClean="0"/>
+          </a:p>
+          <a:p>
+            <a:pPr marL="0" indent="0">
+              <a:spcBef>
+                <a:spcPts val="600"/>
+              </a:spcBef>
+              <a:buNone/>
+            </a:pPr>
+            <a:r>
+              <a:rPr lang="en-US" altLang="ja-JP" sz="2400" dirty="0" smtClean="0">
+                <a:sym typeface="Wingdings" panose="05000000000000000000" pitchFamily="2" charset="2"/>
+              </a:rPr>
+              <a:t> </a:t>
+            </a:r>
+            <a:r>
+              <a:rPr lang="ja-JP" altLang="en-US" sz="2400" dirty="0" smtClean="0">
+                <a:sym typeface="Wingdings" panose="05000000000000000000" pitchFamily="2" charset="2"/>
+              </a:rPr>
+              <a:t>ここまでやったものを 研究室</a:t>
+            </a:r>
+            <a:r>
+              <a:rPr lang="en-US" altLang="ja-JP" sz="2400" dirty="0" err="1" smtClean="0">
+                <a:sym typeface="Wingdings" panose="05000000000000000000" pitchFamily="2" charset="2"/>
+              </a:rPr>
+              <a:t>Github</a:t>
+            </a:r>
+            <a:r>
+              <a:rPr lang="ja-JP" altLang="en-US" sz="2400" dirty="0" smtClean="0">
+                <a:sym typeface="Wingdings" panose="05000000000000000000" pitchFamily="2" charset="2"/>
+              </a:rPr>
+              <a:t>の</a:t>
+            </a:r>
+            <a:r>
+              <a:rPr lang="en-US" altLang="ja-JP" sz="2400" dirty="0" err="1" smtClean="0">
+                <a:sym typeface="Wingdings" panose="05000000000000000000" pitchFamily="2" charset="2"/>
+              </a:rPr>
+              <a:t>IGProgramBootup</a:t>
+            </a:r>
+            <a:r>
+              <a:rPr lang="ja-JP" altLang="en-US" sz="2400" dirty="0" smtClean="0">
+                <a:sym typeface="Wingdings" panose="05000000000000000000" pitchFamily="2" charset="2"/>
+              </a:rPr>
+              <a:t>リポジトリの</a:t>
+            </a:r>
+            <a:r>
+              <a:rPr lang="en-US" altLang="ja-JP" sz="2400" dirty="0" err="1" smtClean="0">
+                <a:sym typeface="Wingdings" panose="05000000000000000000" pitchFamily="2" charset="2"/>
+              </a:rPr>
+              <a:t>CliOglMinimum</a:t>
+            </a:r>
+            <a:r>
+              <a:rPr lang="ja-JP" altLang="en-US" sz="2400" dirty="0" smtClean="0">
+                <a:sym typeface="Wingdings" panose="05000000000000000000" pitchFamily="2" charset="2"/>
+              </a:rPr>
+              <a:t>ブランチにおいておく</a:t>
+            </a:r>
+            <a:endParaRPr lang="en-US" altLang="ja-JP" sz="2400" dirty="0"/>
+          </a:p>
+          <a:p>
+            <a:pPr>
+              <a:spcBef>
+                <a:spcPts val="600"/>
+              </a:spcBef>
+            </a:pPr>
+            <a:endParaRPr kumimoji="1" lang="en-US" altLang="ja-JP" sz="2400" dirty="0" smtClean="0"/>
+          </a:p>
+          <a:p>
+            <a:pPr>
+              <a:spcBef>
+                <a:spcPts val="600"/>
+              </a:spcBef>
+            </a:pPr>
+            <a:endParaRPr kumimoji="1" lang="ja-JP" altLang="en-US" sz="2400" dirty="0"/>
+          </a:p>
+        </p:txBody>
+      </p:sp>
+      <p:sp>
+        <p:nvSpPr>
+          <p:cNvPr id="4" name="スライド番号プレースホルダー 3"/>
+          <p:cNvSpPr>
+            <a:spLocks noGrp="1"/>
+          </p:cNvSpPr>
+          <p:nvPr>
+            <p:ph type="sldNum" sz="quarter" idx="12"/>
+          </p:nvPr>
+        </p:nvSpPr>
+        <p:spPr/>
+        <p:txBody>
+          <a:bodyPr/>
+          <a:lstStyle/>
+          <a:p>
+            <a:fld id="{6908AC80-5682-4C8F-945F-0672FD5979B7}" type="slidenum">
+              <a:rPr lang="ja-JP" altLang="en-US" smtClean="0"/>
+              <a:pPr/>
+              <a:t>20</a:t>
+            </a:fld>
+            <a:endParaRPr lang="ja-JP" altLang="en-US"/>
+          </a:p>
+        </p:txBody>
+      </p:sp>
+    </p:spTree>
+    <p:extLst>
+      <p:ext uri="{BB962C8B-B14F-4D97-AF65-F5344CB8AC3E}">
+        <p14:creationId xmlns:p14="http://schemas.microsoft.com/office/powerpoint/2010/main" val="3064524685"/>
+      </p:ext>
+    </p:extLst>
+  </p:cSld>
+  <p:clrMapOvr>
+    <a:masterClrMapping/>
+  </p:clrMapOvr>
+  <p:timing>
+    <p:tnLst>
+      <p:par>
+        <p:cTn id="1" dur="indefinite" restart="never" nodeType="tmRoot"/>
+      </p:par>
+    </p:tnLst>
+  </p:timing>
+</p:sld>
+</file>
+
+<file path=ppt/slides/slide21.xml><?xml version="1.0" encoding="utf-8"?>
+<p:sld xmlns:a="http://schemas.openxmlformats.org/drawingml/2006/main" xmlns:r="http://schemas.openxmlformats.org/officeDocument/2006/relationships" xmlns:p="http://schemas.openxmlformats.org/presentationml/2006/main">
+  <p:cSld>
+    <p:spTree>
+      <p:nvGrpSpPr>
+        <p:cNvPr id="1" name=""/>
+        <p:cNvGrpSpPr/>
+        <p:nvPr/>
+      </p:nvGrpSpPr>
+      <p:grpSpPr>
+        <a:xfrm>
+          <a:off x="0" y="0"/>
+          <a:ext cx="0" cy="0"/>
+          <a:chOff x="0" y="0"/>
+          <a:chExt cx="0" cy="0"/>
+        </a:xfrm>
+      </p:grpSpPr>
+      <p:sp>
+        <p:nvSpPr>
+          <p:cNvPr id="2" name="タイトル 1"/>
+          <p:cNvSpPr>
+            <a:spLocks noGrp="1"/>
+          </p:cNvSpPr>
+          <p:nvPr>
+            <p:ph type="title"/>
+          </p:nvPr>
+        </p:nvSpPr>
+        <p:spPr/>
+        <p:txBody>
+          <a:bodyPr>
+            <a:normAutofit fontScale="90000"/>
+          </a:bodyPr>
+          <a:lstStyle/>
+          <a:p>
+            <a:r>
               <a:rPr kumimoji="1" lang="ja-JP" altLang="en-US" dirty="0" smtClean="0"/>
-              <a:t>剛体シミュレーション</a:t>
+              <a:t>課題</a:t>
+            </a:r>
+            <a:endParaRPr kumimoji="1" lang="ja-JP" altLang="en-US" dirty="0"/>
+          </a:p>
+        </p:txBody>
+      </p:sp>
+      <p:sp>
+        <p:nvSpPr>
+          <p:cNvPr id="3" name="コンテンツ プレースホルダー 2"/>
+          <p:cNvSpPr>
+            <a:spLocks noGrp="1"/>
+          </p:cNvSpPr>
+          <p:nvPr>
+            <p:ph idx="1"/>
+          </p:nvPr>
+        </p:nvSpPr>
+        <p:spPr/>
+        <p:txBody>
+          <a:bodyPr>
+            <a:normAutofit fontScale="92500" lnSpcReduction="10000"/>
+          </a:bodyPr>
+          <a:lstStyle/>
+          <a:p>
+            <a:r>
+              <a:rPr lang="ja-JP" altLang="en-US" dirty="0" smtClean="0"/>
+              <a:t>ここまでを</a:t>
+            </a:r>
+            <a:r>
+              <a:rPr lang="ja-JP" altLang="en-US" dirty="0"/>
+              <a:t>一</a:t>
+            </a:r>
+            <a:r>
+              <a:rPr lang="ja-JP" altLang="en-US" dirty="0" smtClean="0"/>
+              <a:t>通り実施して</a:t>
+            </a:r>
+            <a:r>
+              <a:rPr lang="en-US" altLang="ja-JP" dirty="0" smtClean="0"/>
+              <a:t>Windows </a:t>
+            </a:r>
+            <a:r>
+              <a:rPr lang="ja-JP" altLang="en-US" dirty="0" smtClean="0"/>
+              <a:t>上に</a:t>
+            </a:r>
+            <a:r>
+              <a:rPr lang="en-US" altLang="ja-JP" dirty="0" smtClean="0"/>
+              <a:t>OpenGL </a:t>
+            </a:r>
+            <a:r>
+              <a:rPr lang="ja-JP" altLang="en-US" dirty="0" smtClean="0"/>
+              <a:t>を書く</a:t>
+            </a:r>
+            <a:endParaRPr lang="en-US" altLang="ja-JP" dirty="0" smtClean="0"/>
+          </a:p>
+          <a:p>
+            <a:r>
+              <a:rPr kumimoji="1" lang="ja-JP" altLang="en-US" dirty="0" smtClean="0"/>
+              <a:t>プリミティブを描画する関数を実装する</a:t>
+            </a:r>
+            <a:r>
+              <a:rPr kumimoji="1" lang="en-US" altLang="ja-JP" dirty="0" smtClean="0"/>
+              <a:t>!</a:t>
+            </a:r>
+            <a:endParaRPr lang="en-US" altLang="ja-JP" dirty="0"/>
+          </a:p>
+          <a:p>
+            <a:pPr lvl="1"/>
+            <a:r>
+              <a:rPr lang="ja-JP" altLang="en-US" dirty="0"/>
+              <a:t>正</a:t>
+            </a:r>
+            <a:r>
+              <a:rPr lang="ja-JP" altLang="en-US" dirty="0" smtClean="0"/>
+              <a:t>四面体</a:t>
+            </a:r>
+            <a:endParaRPr kumimoji="1" lang="en-US" altLang="ja-JP" dirty="0" smtClean="0"/>
+          </a:p>
+          <a:p>
+            <a:pPr lvl="1"/>
+            <a:r>
+              <a:rPr kumimoji="1" lang="ja-JP" altLang="en-US" dirty="0" smtClean="0"/>
+              <a:t>球</a:t>
+            </a:r>
+            <a:endParaRPr lang="en-US" altLang="ja-JP" dirty="0"/>
+          </a:p>
+          <a:p>
+            <a:pPr lvl="1"/>
+            <a:r>
+              <a:rPr kumimoji="1" lang="ja-JP" altLang="en-US" dirty="0" smtClean="0"/>
+              <a:t>など</a:t>
+            </a:r>
+            <a:endParaRPr kumimoji="1" lang="en-US" altLang="ja-JP" dirty="0" smtClean="0"/>
+          </a:p>
+          <a:p>
+            <a:pPr lvl="1"/>
+            <a:endParaRPr lang="en-US" altLang="ja-JP" dirty="0"/>
+          </a:p>
+          <a:p>
+            <a:r>
+              <a:rPr kumimoji="1" lang="ja-JP" altLang="en-US" dirty="0" smtClean="0"/>
+              <a:t>宿題</a:t>
+            </a:r>
+            <a:r>
+              <a:rPr lang="en-US" altLang="ja-JP" dirty="0"/>
+              <a:t> </a:t>
+            </a:r>
+            <a:r>
+              <a:rPr lang="en-US" altLang="ja-JP" dirty="0" smtClean="0"/>
+              <a:t>: </a:t>
+            </a:r>
+            <a:r>
+              <a:rPr kumimoji="1" lang="ja-JP" altLang="en-US" dirty="0" smtClean="0"/>
+              <a:t>複数物体が運動するシミュレータを作成せよ</a:t>
+            </a:r>
+            <a:endParaRPr kumimoji="1" lang="en-US" altLang="ja-JP" dirty="0" smtClean="0"/>
+          </a:p>
+          <a:p>
+            <a:pPr lvl="2"/>
+            <a:r>
+              <a:rPr lang="ja-JP" altLang="en-US" dirty="0" smtClean="0"/>
+              <a:t>床面は</a:t>
+            </a:r>
+            <a:r>
+              <a:rPr lang="en-US" altLang="ja-JP" dirty="0" smtClean="0"/>
+              <a:t>y=0, y</a:t>
+            </a:r>
+            <a:r>
+              <a:rPr lang="ja-JP" altLang="en-US" dirty="0" smtClean="0"/>
+              <a:t>軸が上方向</a:t>
+            </a:r>
+            <a:endParaRPr lang="en-US" altLang="ja-JP" dirty="0" smtClean="0"/>
+          </a:p>
+          <a:p>
+            <a:pPr lvl="2"/>
+            <a:r>
+              <a:rPr lang="ja-JP" altLang="en-US" dirty="0" smtClean="0"/>
+              <a:t>衝突は可能であれば実施</a:t>
+            </a:r>
+            <a:endParaRPr lang="en-US" altLang="ja-JP" dirty="0" smtClean="0"/>
+          </a:p>
+          <a:p>
+            <a:pPr lvl="2"/>
+            <a:r>
+              <a:rPr lang="ja-JP" altLang="en-US" dirty="0" smtClean="0"/>
+              <a:t>回転は可能であれば実施</a:t>
+            </a:r>
+            <a:endParaRPr lang="en-US" altLang="ja-JP" dirty="0" smtClean="0"/>
+          </a:p>
+          <a:p>
+            <a:pPr lvl="2"/>
+            <a:r>
+              <a:rPr lang="ja-JP" altLang="en-US" dirty="0" smtClean="0"/>
+              <a:t>対話操作は可能であれば実施</a:t>
+            </a:r>
+            <a:endParaRPr lang="en-US" altLang="ja-JP" dirty="0" smtClean="0"/>
+          </a:p>
+          <a:p>
+            <a:pPr lvl="2"/>
+            <a:r>
+              <a:rPr lang="ja-JP" altLang="en-US" dirty="0"/>
+              <a:t>球</a:t>
+            </a:r>
+            <a:r>
+              <a:rPr lang="ja-JP" altLang="en-US" dirty="0" smtClean="0"/>
+              <a:t>の追加操作は</a:t>
+            </a:r>
+            <a:r>
+              <a:rPr lang="ja-JP" altLang="en-US" dirty="0"/>
+              <a:t>可能</a:t>
+            </a:r>
+            <a:r>
+              <a:rPr lang="ja-JP" altLang="en-US" dirty="0" smtClean="0"/>
+              <a:t>であれば</a:t>
+            </a:r>
+            <a:r>
+              <a:rPr lang="ja-JP" altLang="en-US" dirty="0"/>
+              <a:t>実施</a:t>
+            </a:r>
+            <a:endParaRPr lang="en-US" altLang="ja-JP" dirty="0" smtClean="0"/>
+          </a:p>
+          <a:p>
+            <a:pPr lvl="2"/>
+            <a:endParaRPr lang="en-US" altLang="ja-JP" dirty="0" smtClean="0"/>
+          </a:p>
+          <a:p>
+            <a:pPr lvl="2"/>
+            <a:endParaRPr kumimoji="1" lang="en-US" altLang="ja-JP" dirty="0" smtClean="0"/>
+          </a:p>
+        </p:txBody>
+      </p:sp>
+      <p:sp>
+        <p:nvSpPr>
+          <p:cNvPr id="4" name="スライド番号プレースホルダー 3"/>
+          <p:cNvSpPr>
+            <a:spLocks noGrp="1"/>
+          </p:cNvSpPr>
+          <p:nvPr>
+            <p:ph type="sldNum" sz="quarter" idx="12"/>
+          </p:nvPr>
+        </p:nvSpPr>
+        <p:spPr/>
+        <p:txBody>
+          <a:bodyPr/>
+          <a:lstStyle/>
+          <a:p>
+            <a:fld id="{6908AC80-5682-4C8F-945F-0672FD5979B7}" type="slidenum">
+              <a:rPr lang="ja-JP" altLang="en-US" smtClean="0"/>
+              <a:pPr/>
+              <a:t>21</a:t>
+            </a:fld>
+            <a:endParaRPr lang="ja-JP" altLang="en-US"/>
+          </a:p>
+        </p:txBody>
+      </p:sp>
+    </p:spTree>
+    <p:extLst>
+      <p:ext uri="{BB962C8B-B14F-4D97-AF65-F5344CB8AC3E}">
+        <p14:creationId xmlns:p14="http://schemas.microsoft.com/office/powerpoint/2010/main" val="1363711683"/>
+      </p:ext>
+    </p:extLst>
+  </p:cSld>
+  <p:clrMapOvr>
+    <a:masterClrMapping/>
+  </p:clrMapOvr>
+  <p:timing>
+    <p:tnLst>
+      <p:par>
+        <p:cTn id="1" dur="indefinite" restart="never" nodeType="tmRoot"/>
+      </p:par>
+    </p:tnLst>
+  </p:timing>
+</p:sld>
+</file>
+
+<file path=ppt/slides/slide22.xml><?xml version="1.0" encoding="utf-8"?>
+<p:sld xmlns:a="http://schemas.openxmlformats.org/drawingml/2006/main" xmlns:r="http://schemas.openxmlformats.org/officeDocument/2006/relationships" xmlns:p="http://schemas.openxmlformats.org/presentationml/2006/main">
+  <p:cSld>
+    <p:spTree>
+      <p:nvGrpSpPr>
+        <p:cNvPr id="1" name=""/>
+        <p:cNvGrpSpPr/>
+        <p:nvPr/>
+      </p:nvGrpSpPr>
+      <p:grpSpPr>
+        <a:xfrm>
+          <a:off x="0" y="0"/>
+          <a:ext cx="0" cy="0"/>
+          <a:chOff x="0" y="0"/>
+          <a:chExt cx="0" cy="0"/>
+        </a:xfrm>
+      </p:grpSpPr>
+      <p:sp>
+        <p:nvSpPr>
+          <p:cNvPr id="2" name="タイトル 1"/>
+          <p:cNvSpPr>
+            <a:spLocks noGrp="1"/>
+          </p:cNvSpPr>
+          <p:nvPr>
+            <p:ph type="title"/>
+          </p:nvPr>
+        </p:nvSpPr>
+        <p:spPr/>
+        <p:txBody>
+          <a:bodyPr>
+            <a:normAutofit fontScale="90000"/>
+          </a:bodyPr>
+          <a:lstStyle/>
+          <a:p>
+            <a:r>
+              <a:rPr kumimoji="1" lang="en-US" altLang="ja-JP" dirty="0" smtClean="0"/>
+              <a:t>TODO</a:t>
             </a:r>
             <a:endParaRPr kumimoji="1" lang="ja-JP" altLang="en-US" dirty="0"/>
           </a:p>
@@ -10794,328 +12365,49 @@
           <a:lstStyle/>
           <a:p>
             <a:r>
+              <a:rPr kumimoji="1" lang="en-US" altLang="ja-JP" dirty="0" smtClean="0"/>
+              <a:t>Class</a:t>
+            </a:r>
+            <a:r>
               <a:rPr kumimoji="1" lang="ja-JP" altLang="en-US" dirty="0" smtClean="0"/>
-              <a:t>つくるものの仕様</a:t>
+              <a:t>とは</a:t>
             </a:r>
             <a:endParaRPr kumimoji="1" lang="en-US" altLang="ja-JP" dirty="0" smtClean="0"/>
           </a:p>
           <a:p>
-            <a:pPr lvl="1">
-              <a:spcBef>
-                <a:spcPts val="600"/>
-              </a:spcBef>
-            </a:pPr>
-            <a:r>
-              <a:rPr lang="ja-JP" altLang="en-US" sz="2000" dirty="0" smtClean="0"/>
-              <a:t>直方体と床面</a:t>
-            </a:r>
-            <a:r>
-              <a:rPr lang="en-US" altLang="ja-JP" sz="2000" dirty="0" smtClean="0"/>
-              <a:t>(y=0)</a:t>
-            </a:r>
-            <a:r>
-              <a:rPr lang="ja-JP" altLang="en-US" sz="2000" dirty="0" smtClean="0"/>
-              <a:t>のみがある</a:t>
-            </a:r>
-            <a:r>
-              <a:rPr lang="ja-JP" altLang="en-US" sz="2000" dirty="0"/>
-              <a:t>シーン</a:t>
-            </a:r>
-            <a:r>
-              <a:rPr lang="ja-JP" altLang="en-US" sz="2000" dirty="0" smtClean="0"/>
-              <a:t>を想定</a:t>
-            </a:r>
-            <a:endParaRPr lang="en-US" altLang="ja-JP" sz="2000" dirty="0" smtClean="0"/>
-          </a:p>
-          <a:p>
-            <a:pPr lvl="1">
-              <a:spcBef>
-                <a:spcPts val="600"/>
-              </a:spcBef>
-            </a:pPr>
-            <a:r>
-              <a:rPr kumimoji="1" lang="ja-JP" altLang="en-US" sz="2000" dirty="0"/>
-              <a:t>ユーザ</a:t>
-            </a:r>
-            <a:r>
-              <a:rPr kumimoji="1" lang="ja-JP" altLang="en-US" sz="2000" dirty="0" smtClean="0"/>
-              <a:t>は直方体をドラッグする事で外力を加えられる</a:t>
-            </a:r>
-            <a:endParaRPr kumimoji="1" lang="en-US" altLang="ja-JP" sz="2000" dirty="0" smtClean="0"/>
-          </a:p>
-          <a:p>
-            <a:pPr lvl="1">
-              <a:spcBef>
-                <a:spcPts val="600"/>
-              </a:spcBef>
-            </a:pPr>
-            <a:r>
-              <a:rPr kumimoji="1" lang="ja-JP" altLang="en-US" sz="2000" dirty="0" smtClean="0"/>
-              <a:t>直方体の移動・回転を計算</a:t>
-            </a:r>
-            <a:r>
-              <a:rPr kumimoji="1" lang="ja-JP" altLang="en-US" sz="2000" dirty="0" smtClean="0"/>
-              <a:t>する</a:t>
-            </a:r>
-            <a:endParaRPr kumimoji="1" lang="en-US" altLang="ja-JP" sz="2000" smtClean="0"/>
-          </a:p>
-          <a:p>
-            <a:pPr marL="457200" lvl="1" indent="0">
-              <a:spcBef>
-                <a:spcPts val="600"/>
-              </a:spcBef>
-              <a:buNone/>
-            </a:pPr>
-            <a:endParaRPr kumimoji="1" lang="en-US" altLang="ja-JP" sz="2000" dirty="0" smtClean="0"/>
-          </a:p>
-          <a:p>
-            <a:pPr>
-              <a:spcBef>
-                <a:spcPts val="600"/>
-              </a:spcBef>
-            </a:pPr>
-            <a:r>
-              <a:rPr lang="ja-JP" altLang="en-US" dirty="0"/>
-              <a:t>必用</a:t>
-            </a:r>
-            <a:r>
-              <a:rPr lang="ja-JP" altLang="en-US" dirty="0" smtClean="0"/>
-              <a:t>な </a:t>
-            </a:r>
-            <a:r>
-              <a:rPr lang="en-US" altLang="ja-JP" dirty="0" smtClean="0"/>
-              <a:t>field </a:t>
-            </a:r>
-            <a:r>
-              <a:rPr lang="ja-JP" altLang="en-US" dirty="0" smtClean="0"/>
-              <a:t>変数</a:t>
-            </a:r>
-            <a:endParaRPr lang="en-US" altLang="ja-JP" dirty="0"/>
-          </a:p>
-          <a:p>
-            <a:pPr lvl="1">
-              <a:spcBef>
-                <a:spcPts val="600"/>
-              </a:spcBef>
-            </a:pPr>
-            <a:r>
-              <a:rPr lang="ja-JP" altLang="en-US" sz="1800" dirty="0"/>
-              <a:t>床面の座標   </a:t>
-            </a:r>
-            <a:r>
-              <a:rPr lang="en-US" altLang="ja-JP" sz="1800" dirty="0"/>
-              <a:t> </a:t>
-            </a:r>
-            <a:r>
-              <a:rPr lang="en-US" altLang="ja-JP" sz="1800" dirty="0" smtClean="0"/>
-              <a:t>	: </a:t>
-            </a:r>
-            <a:r>
-              <a:rPr lang="en-US" altLang="ja-JP" sz="1800" dirty="0"/>
-              <a:t>float     </a:t>
-            </a:r>
-            <a:r>
-              <a:rPr lang="en-US" altLang="ja-JP" sz="1800" dirty="0" err="1"/>
-              <a:t>m_floorY</a:t>
-            </a:r>
-            <a:r>
-              <a:rPr lang="en-US" altLang="ja-JP" sz="1800" dirty="0" smtClean="0"/>
-              <a:t>;</a:t>
-            </a:r>
-            <a:endParaRPr kumimoji="1" lang="en-US" altLang="ja-JP" sz="1800" dirty="0" smtClean="0"/>
-          </a:p>
-          <a:p>
-            <a:pPr lvl="1">
-              <a:spcBef>
-                <a:spcPts val="600"/>
-              </a:spcBef>
-            </a:pPr>
-            <a:r>
-              <a:rPr kumimoji="1" lang="ja-JP" altLang="en-US" sz="1800" dirty="0" smtClean="0"/>
-              <a:t>直方体の形状 </a:t>
-            </a:r>
-            <a:r>
-              <a:rPr kumimoji="1" lang="en-US" altLang="ja-JP" sz="1800" dirty="0" smtClean="0"/>
-              <a:t>	: EVec3f  </a:t>
-            </a:r>
-            <a:r>
-              <a:rPr kumimoji="1" lang="en-US" altLang="ja-JP" sz="1800" dirty="0" err="1" smtClean="0"/>
-              <a:t>m_verts</a:t>
-            </a:r>
-            <a:r>
-              <a:rPr kumimoji="1" lang="en-US" altLang="ja-JP" sz="1800" dirty="0" smtClean="0"/>
-              <a:t>[8];</a:t>
-            </a:r>
-          </a:p>
-          <a:p>
-            <a:pPr lvl="1">
-              <a:spcBef>
-                <a:spcPts val="600"/>
-              </a:spcBef>
-            </a:pPr>
-            <a:r>
-              <a:rPr kumimoji="1" lang="ja-JP" altLang="en-US" sz="1800" dirty="0" smtClean="0"/>
-              <a:t>直方体重心位置 </a:t>
-            </a:r>
-            <a:r>
-              <a:rPr kumimoji="1" lang="en-US" altLang="ja-JP" sz="1800" dirty="0" smtClean="0"/>
-              <a:t>	: </a:t>
-            </a:r>
-            <a:r>
-              <a:rPr lang="en-US" altLang="ja-JP" sz="1800" dirty="0" smtClean="0"/>
-              <a:t>EVec3f </a:t>
-            </a:r>
-            <a:r>
-              <a:rPr lang="en-US" altLang="ja-JP" sz="1800" dirty="0" err="1" smtClean="0"/>
-              <a:t>m_position</a:t>
-            </a:r>
-            <a:r>
-              <a:rPr lang="en-US" altLang="ja-JP" sz="1800" dirty="0" smtClean="0"/>
-              <a:t> ;</a:t>
-            </a:r>
-            <a:endParaRPr kumimoji="1" lang="en-US" altLang="ja-JP" sz="1800" dirty="0" smtClean="0"/>
-          </a:p>
-          <a:p>
-            <a:pPr lvl="1">
-              <a:spcBef>
-                <a:spcPts val="600"/>
-              </a:spcBef>
-            </a:pPr>
-            <a:r>
-              <a:rPr lang="ja-JP" altLang="en-US" sz="1800" dirty="0" smtClean="0"/>
-              <a:t>直方体姿勢（回転）</a:t>
-            </a:r>
-            <a:r>
-              <a:rPr lang="en-US" altLang="ja-JP" sz="1800" dirty="0" smtClean="0"/>
-              <a:t>: </a:t>
-            </a:r>
-            <a:r>
-              <a:rPr lang="en-US" altLang="ja-JP" sz="1800" dirty="0" smtClean="0"/>
-              <a:t>EMat3f </a:t>
-            </a:r>
-            <a:r>
-              <a:rPr lang="en-US" altLang="ja-JP" sz="1800" dirty="0" err="1" smtClean="0"/>
-              <a:t>m_rotation</a:t>
-            </a:r>
-            <a:r>
-              <a:rPr lang="en-US" altLang="ja-JP" sz="1800" dirty="0" smtClean="0"/>
-              <a:t> ;</a:t>
-            </a:r>
-          </a:p>
-          <a:p>
-            <a:pPr lvl="1">
-              <a:spcBef>
-                <a:spcPts val="600"/>
-              </a:spcBef>
-            </a:pPr>
-            <a:r>
-              <a:rPr lang="ja-JP" altLang="en-US" sz="1800" dirty="0"/>
-              <a:t>直方体</a:t>
-            </a:r>
-            <a:r>
-              <a:rPr lang="ja-JP" altLang="en-US" sz="1800" dirty="0" smtClean="0"/>
-              <a:t>重心速度 </a:t>
-            </a:r>
-            <a:r>
-              <a:rPr lang="en-US" altLang="ja-JP" sz="1800" dirty="0"/>
-              <a:t>	: EVec3f </a:t>
-            </a:r>
-            <a:r>
-              <a:rPr lang="en-US" altLang="ja-JP" sz="1800" dirty="0" err="1" smtClean="0"/>
-              <a:t>m_velocity</a:t>
-            </a:r>
-            <a:r>
-              <a:rPr lang="en-US" altLang="ja-JP" sz="1800" dirty="0" smtClean="0"/>
-              <a:t> ;</a:t>
-            </a:r>
-          </a:p>
-          <a:p>
-            <a:pPr lvl="1">
-              <a:spcBef>
-                <a:spcPts val="600"/>
-              </a:spcBef>
-            </a:pPr>
-            <a:r>
-              <a:rPr lang="ja-JP" altLang="en-US" sz="1800" dirty="0" smtClean="0"/>
-              <a:t>直方体回転角</a:t>
-            </a:r>
-            <a:r>
-              <a:rPr lang="ja-JP" altLang="en-US" sz="1800" dirty="0"/>
-              <a:t>速度</a:t>
-            </a:r>
-            <a:r>
-              <a:rPr lang="ja-JP" altLang="en-US" sz="1800" dirty="0" smtClean="0"/>
-              <a:t> </a:t>
-            </a:r>
-            <a:r>
-              <a:rPr lang="en-US" altLang="ja-JP" sz="1800" dirty="0"/>
-              <a:t>	: EVec3f </a:t>
-            </a:r>
-            <a:r>
-              <a:rPr lang="en-US" altLang="ja-JP" sz="1800" dirty="0" err="1" smtClean="0"/>
-              <a:t>m_rotVelocity</a:t>
-            </a:r>
-            <a:r>
-              <a:rPr lang="en-US" altLang="ja-JP" sz="1800" dirty="0" smtClean="0"/>
-              <a:t>;</a:t>
-            </a:r>
-          </a:p>
-          <a:p>
-            <a:pPr marL="457200" lvl="1" indent="0">
-              <a:spcBef>
-                <a:spcPts val="600"/>
-              </a:spcBef>
-              <a:buNone/>
-            </a:pPr>
-            <a:r>
-              <a:rPr lang="ja-JP" altLang="en-US" sz="1800" dirty="0" smtClean="0"/>
-              <a:t>回転と角速度を</a:t>
-            </a:r>
-            <a:r>
-              <a:rPr lang="en-US" altLang="ja-JP" sz="1800" dirty="0" smtClean="0"/>
-              <a:t>3</a:t>
-            </a:r>
-            <a:r>
-              <a:rPr lang="ja-JP" altLang="en-US" sz="1800" dirty="0" smtClean="0"/>
-              <a:t>次元ベクトルで表現する方法については「角速度ベクトル」で</a:t>
-            </a:r>
-            <a:r>
-              <a:rPr lang="en-US" altLang="ja-JP" sz="1800" dirty="0" err="1" smtClean="0"/>
-              <a:t>ggr</a:t>
-            </a:r>
-            <a:endParaRPr lang="en-US" altLang="ja-JP" sz="1800" dirty="0"/>
-          </a:p>
-          <a:p>
-            <a:pPr lvl="1">
-              <a:spcBef>
-                <a:spcPts val="600"/>
-              </a:spcBef>
-            </a:pPr>
-            <a:endParaRPr lang="en-US" altLang="ja-JP" sz="1800" dirty="0" smtClean="0"/>
-          </a:p>
-          <a:p>
-            <a:pPr lvl="1">
-              <a:spcBef>
-                <a:spcPts val="600"/>
-              </a:spcBef>
-            </a:pPr>
-            <a:endParaRPr lang="en-US" altLang="ja-JP" sz="1800" dirty="0"/>
-          </a:p>
-          <a:p>
-            <a:pPr lvl="1">
-              <a:spcBef>
-                <a:spcPts val="600"/>
-              </a:spcBef>
-            </a:pPr>
-            <a:endParaRPr lang="en-US" altLang="ja-JP" sz="1800" dirty="0"/>
-          </a:p>
-          <a:p>
-            <a:pPr lvl="1">
-              <a:spcBef>
-                <a:spcPts val="600"/>
-              </a:spcBef>
-            </a:pPr>
-            <a:endParaRPr kumimoji="1" lang="ja-JP" altLang="en-US" sz="1800" dirty="0"/>
+            <a:pPr lvl="1"/>
+            <a:r>
+              <a:rPr lang="ja-JP" altLang="en-US" sz="1400" dirty="0" smtClean="0"/>
+              <a:t>フィールド変数</a:t>
+            </a:r>
+            <a:endParaRPr lang="en-US" altLang="ja-JP" sz="1400" dirty="0" smtClean="0"/>
+          </a:p>
+          <a:p>
+            <a:pPr lvl="1"/>
+            <a:r>
+              <a:rPr lang="ja-JP" altLang="en-US" sz="1400" dirty="0" smtClean="0"/>
+              <a:t>フィールド関数</a:t>
+            </a:r>
+            <a:endParaRPr lang="en-US" altLang="ja-JP" sz="1400" dirty="0" smtClean="0"/>
+          </a:p>
+          <a:p>
+            <a:pPr lvl="1"/>
+            <a:r>
+              <a:rPr lang="ja-JP" altLang="en-US" sz="1400" dirty="0" smtClean="0"/>
+              <a:t>スタティック関数</a:t>
+            </a:r>
+            <a:endParaRPr lang="en-US" altLang="ja-JP" sz="1400" dirty="0" smtClean="0"/>
+          </a:p>
+          <a:p>
+            <a:pPr lvl="1"/>
+            <a:r>
+              <a:rPr lang="ja-JP" altLang="en-US" sz="1400" dirty="0" smtClean="0"/>
+              <a:t>スタティック変数</a:t>
+            </a:r>
+            <a:endParaRPr lang="en-US" altLang="ja-JP" sz="1400" dirty="0" smtClean="0"/>
+          </a:p>
+          <a:p>
+            <a:endParaRPr kumimoji="1" lang="ja-JP" altLang="en-US" dirty="0"/>
           </a:p>
         </p:txBody>
       </p:sp>
@@ -11137,7 +12429,545 @@
             <a:fld id="{6908AC80-5682-4C8F-945F-0672FD5979B7}" type="slidenum">
               <a:rPr lang="ja-JP" altLang="en-US" smtClean="0"/>
               <a:pPr/>
-              <a:t>20</a:t>
+              <a:t>22</a:t>
+            </a:fld>
+            <a:endParaRPr lang="ja-JP" altLang="en-US"/>
+          </a:p>
+        </p:txBody>
+      </p:sp>
+    </p:spTree>
+    <p:extLst>
+      <p:ext uri="{BB962C8B-B14F-4D97-AF65-F5344CB8AC3E}">
+        <p14:creationId xmlns:p14="http://schemas.microsoft.com/office/powerpoint/2010/main" val="3758059085"/>
+      </p:ext>
+    </p:extLst>
+  </p:cSld>
+  <p:clrMapOvr>
+    <a:masterClrMapping/>
+  </p:clrMapOvr>
+  <p:timing>
+    <p:tnLst>
+      <p:par>
+        <p:cTn id="1" dur="indefinite" restart="never" nodeType="tmRoot"/>
+      </p:par>
+    </p:tnLst>
+  </p:timing>
+</p:sld>
+</file>
+
+<file path=ppt/slides/slide23.xml><?xml version="1.0" encoding="utf-8"?>
+<p:sld xmlns:a="http://schemas.openxmlformats.org/drawingml/2006/main" xmlns:r="http://schemas.openxmlformats.org/officeDocument/2006/relationships" xmlns:p="http://schemas.openxmlformats.org/presentationml/2006/main">
+  <p:cSld>
+    <p:spTree>
+      <p:nvGrpSpPr>
+        <p:cNvPr id="1" name=""/>
+        <p:cNvGrpSpPr/>
+        <p:nvPr/>
+      </p:nvGrpSpPr>
+      <p:grpSpPr>
+        <a:xfrm>
+          <a:off x="0" y="0"/>
+          <a:ext cx="0" cy="0"/>
+          <a:chOff x="0" y="0"/>
+          <a:chExt cx="0" cy="0"/>
+        </a:xfrm>
+      </p:grpSpPr>
+      <p:sp>
+        <p:nvSpPr>
+          <p:cNvPr id="2" name="タイトル 1"/>
+          <p:cNvSpPr>
+            <a:spLocks noGrp="1"/>
+          </p:cNvSpPr>
+          <p:nvPr>
+            <p:ph type="title"/>
+          </p:nvPr>
+        </p:nvSpPr>
+        <p:spPr>
+          <a:xfrm>
+            <a:off x="838200" y="780474"/>
+            <a:ext cx="7954926" cy="644968"/>
+          </a:xfrm>
+        </p:spPr>
+        <p:txBody>
+          <a:bodyPr>
+            <a:noAutofit/>
+          </a:bodyPr>
+          <a:lstStyle/>
+          <a:p>
+            <a:r>
+              <a:rPr lang="ja-JP" altLang="en-US" sz="4800" b="1" dirty="0" smtClean="0"/>
+              <a:t>剛体</a:t>
+            </a:r>
+            <a:r>
+              <a:rPr lang="ja-JP" altLang="en-US" sz="4800" b="1" dirty="0"/>
+              <a:t>シミュレーション</a:t>
+            </a:r>
+            <a:endParaRPr kumimoji="1" lang="ja-JP" altLang="en-US" sz="4800" b="1" dirty="0"/>
+          </a:p>
+        </p:txBody>
+      </p:sp>
+      <p:sp>
+        <p:nvSpPr>
+          <p:cNvPr id="4" name="スライド番号プレースホルダー 3"/>
+          <p:cNvSpPr>
+            <a:spLocks noGrp="1"/>
+          </p:cNvSpPr>
+          <p:nvPr>
+            <p:ph type="sldNum" sz="quarter" idx="12"/>
+          </p:nvPr>
+        </p:nvSpPr>
+        <p:spPr/>
+        <p:txBody>
+          <a:bodyPr/>
+          <a:lstStyle/>
+          <a:p>
+            <a:fld id="{6908AC80-5682-4C8F-945F-0672FD5979B7}" type="slidenum">
+              <a:rPr lang="ja-JP" altLang="en-US" smtClean="0"/>
+              <a:pPr/>
+              <a:t>23</a:t>
+            </a:fld>
+            <a:endParaRPr lang="ja-JP" altLang="en-US"/>
+          </a:p>
+        </p:txBody>
+      </p:sp>
+    </p:spTree>
+    <p:extLst>
+      <p:ext uri="{BB962C8B-B14F-4D97-AF65-F5344CB8AC3E}">
+        <p14:creationId xmlns:p14="http://schemas.microsoft.com/office/powerpoint/2010/main" val="4075741947"/>
+      </p:ext>
+    </p:extLst>
+  </p:cSld>
+  <p:clrMapOvr>
+    <a:masterClrMapping/>
+  </p:clrMapOvr>
+  <p:timing>
+    <p:tnLst>
+      <p:par>
+        <p:cTn id="1" dur="indefinite" restart="never" nodeType="tmRoot"/>
+      </p:par>
+    </p:tnLst>
+  </p:timing>
+</p:sld>
+</file>
+
+<file path=ppt/slides/slide24.xml><?xml version="1.0" encoding="utf-8"?>
+<p:sld xmlns:a="http://schemas.openxmlformats.org/drawingml/2006/main" xmlns:r="http://schemas.openxmlformats.org/officeDocument/2006/relationships" xmlns:p="http://schemas.openxmlformats.org/presentationml/2006/main">
+  <p:cSld>
+    <p:spTree>
+      <p:nvGrpSpPr>
+        <p:cNvPr id="1" name=""/>
+        <p:cNvGrpSpPr/>
+        <p:nvPr/>
+      </p:nvGrpSpPr>
+      <p:grpSpPr>
+        <a:xfrm>
+          <a:off x="0" y="0"/>
+          <a:ext cx="0" cy="0"/>
+          <a:chOff x="0" y="0"/>
+          <a:chExt cx="0" cy="0"/>
+        </a:xfrm>
+      </p:grpSpPr>
+      <p:sp>
+        <p:nvSpPr>
+          <p:cNvPr id="2" name="タイトル 1"/>
+          <p:cNvSpPr>
+            <a:spLocks noGrp="1"/>
+          </p:cNvSpPr>
+          <p:nvPr>
+            <p:ph type="title"/>
+          </p:nvPr>
+        </p:nvSpPr>
+        <p:spPr/>
+        <p:txBody>
+          <a:bodyPr>
+            <a:normAutofit fontScale="90000"/>
+          </a:bodyPr>
+          <a:lstStyle/>
+          <a:p>
+            <a:r>
+              <a:rPr kumimoji="1" lang="ja-JP" altLang="en-US" dirty="0" smtClean="0"/>
+              <a:t>剛体シミュレーション</a:t>
+            </a:r>
+            <a:endParaRPr kumimoji="1" lang="ja-JP" altLang="en-US" dirty="0"/>
+          </a:p>
+        </p:txBody>
+      </p:sp>
+      <p:sp>
+        <p:nvSpPr>
+          <p:cNvPr id="3" name="コンテンツ プレースホルダー 2"/>
+          <p:cNvSpPr>
+            <a:spLocks noGrp="1"/>
+          </p:cNvSpPr>
+          <p:nvPr>
+            <p:ph idx="1"/>
+          </p:nvPr>
+        </p:nvSpPr>
+        <p:spPr/>
+        <p:txBody>
+          <a:bodyPr/>
+          <a:lstStyle/>
+          <a:p>
+            <a:r>
+              <a:rPr kumimoji="1" lang="ja-JP" altLang="en-US" dirty="0" smtClean="0"/>
+              <a:t>つくるものの仕様</a:t>
+            </a:r>
+            <a:endParaRPr kumimoji="1" lang="en-US" altLang="ja-JP" dirty="0" smtClean="0"/>
+          </a:p>
+          <a:p>
+            <a:pPr lvl="1">
+              <a:spcBef>
+                <a:spcPts val="600"/>
+              </a:spcBef>
+            </a:pPr>
+            <a:r>
+              <a:rPr lang="ja-JP" altLang="en-US" sz="2000" dirty="0" smtClean="0"/>
+              <a:t>直方体と床面</a:t>
+            </a:r>
+            <a:r>
+              <a:rPr lang="en-US" altLang="ja-JP" sz="2000" dirty="0" smtClean="0"/>
+              <a:t>(y=0)</a:t>
+            </a:r>
+            <a:r>
+              <a:rPr lang="ja-JP" altLang="en-US" sz="2000" dirty="0" smtClean="0"/>
+              <a:t>のみがある</a:t>
+            </a:r>
+            <a:r>
+              <a:rPr lang="ja-JP" altLang="en-US" sz="2000" dirty="0"/>
+              <a:t>シーン</a:t>
+            </a:r>
+            <a:r>
+              <a:rPr lang="ja-JP" altLang="en-US" sz="2000" dirty="0" smtClean="0"/>
+              <a:t>を想定</a:t>
+            </a:r>
+            <a:endParaRPr lang="en-US" altLang="ja-JP" sz="2000" dirty="0" smtClean="0"/>
+          </a:p>
+          <a:p>
+            <a:pPr lvl="1">
+              <a:spcBef>
+                <a:spcPts val="600"/>
+              </a:spcBef>
+            </a:pPr>
+            <a:r>
+              <a:rPr kumimoji="1" lang="ja-JP" altLang="en-US" sz="2000" dirty="0"/>
+              <a:t>ユーザ</a:t>
+            </a:r>
+            <a:r>
+              <a:rPr kumimoji="1" lang="ja-JP" altLang="en-US" sz="2000" dirty="0" smtClean="0"/>
+              <a:t>は直方体をドラッグする事で外力を加えられる</a:t>
+            </a:r>
+            <a:endParaRPr kumimoji="1" lang="en-US" altLang="ja-JP" sz="2000" dirty="0" smtClean="0"/>
+          </a:p>
+          <a:p>
+            <a:pPr lvl="1">
+              <a:spcBef>
+                <a:spcPts val="600"/>
+              </a:spcBef>
+            </a:pPr>
+            <a:r>
+              <a:rPr kumimoji="1" lang="ja-JP" altLang="en-US" sz="2000" dirty="0" smtClean="0"/>
+              <a:t>直方体の移動・回転を計算する</a:t>
+            </a:r>
+            <a:endParaRPr kumimoji="1" lang="en-US" altLang="ja-JP" sz="2000" dirty="0" smtClean="0"/>
+          </a:p>
+          <a:p>
+            <a:pPr marL="457200" lvl="1" indent="0">
+              <a:spcBef>
+                <a:spcPts val="600"/>
+              </a:spcBef>
+              <a:buNone/>
+            </a:pPr>
+            <a:endParaRPr kumimoji="1" lang="en-US" altLang="ja-JP" sz="2000" dirty="0" smtClean="0"/>
+          </a:p>
+          <a:p>
+            <a:pPr>
+              <a:spcBef>
+                <a:spcPts val="600"/>
+              </a:spcBef>
+            </a:pPr>
+            <a:r>
+              <a:rPr lang="ja-JP" altLang="en-US" dirty="0"/>
+              <a:t>必用</a:t>
+            </a:r>
+            <a:r>
+              <a:rPr lang="ja-JP" altLang="en-US" dirty="0" smtClean="0"/>
+              <a:t>な </a:t>
+            </a:r>
+            <a:r>
+              <a:rPr lang="en-US" altLang="ja-JP" dirty="0" smtClean="0"/>
+              <a:t>field </a:t>
+            </a:r>
+            <a:r>
+              <a:rPr lang="ja-JP" altLang="en-US" dirty="0" smtClean="0"/>
+              <a:t>変数</a:t>
+            </a:r>
+            <a:endParaRPr lang="en-US" altLang="ja-JP" dirty="0"/>
+          </a:p>
+          <a:p>
+            <a:pPr lvl="1">
+              <a:spcBef>
+                <a:spcPts val="600"/>
+              </a:spcBef>
+            </a:pPr>
+            <a:r>
+              <a:rPr lang="ja-JP" altLang="en-US" sz="1800" dirty="0"/>
+              <a:t>床面の座標   </a:t>
+            </a:r>
+            <a:r>
+              <a:rPr lang="en-US" altLang="ja-JP" sz="1800" dirty="0"/>
+              <a:t> </a:t>
+            </a:r>
+            <a:r>
+              <a:rPr lang="en-US" altLang="ja-JP" sz="1800" dirty="0" smtClean="0"/>
+              <a:t>	: </a:t>
+            </a:r>
+            <a:r>
+              <a:rPr lang="en-US" altLang="ja-JP" sz="1800" dirty="0"/>
+              <a:t>float     </a:t>
+            </a:r>
+            <a:r>
+              <a:rPr lang="en-US" altLang="ja-JP" sz="1800" dirty="0" err="1"/>
+              <a:t>m_floorY</a:t>
+            </a:r>
+            <a:r>
+              <a:rPr lang="en-US" altLang="ja-JP" sz="1800" dirty="0" smtClean="0"/>
+              <a:t>;</a:t>
+            </a:r>
+            <a:endParaRPr kumimoji="1" lang="en-US" altLang="ja-JP" sz="1800" dirty="0" smtClean="0"/>
+          </a:p>
+          <a:p>
+            <a:pPr lvl="1">
+              <a:spcBef>
+                <a:spcPts val="600"/>
+              </a:spcBef>
+            </a:pPr>
+            <a:r>
+              <a:rPr kumimoji="1" lang="ja-JP" altLang="en-US" sz="1800" dirty="0" smtClean="0"/>
+              <a:t>直方体の形状 </a:t>
+            </a:r>
+            <a:r>
+              <a:rPr kumimoji="1" lang="en-US" altLang="ja-JP" sz="1800" dirty="0" smtClean="0"/>
+              <a:t>	: EVec3f  </a:t>
+            </a:r>
+            <a:r>
+              <a:rPr kumimoji="1" lang="en-US" altLang="ja-JP" sz="1800" dirty="0" err="1" smtClean="0"/>
+              <a:t>m_verts</a:t>
+            </a:r>
+            <a:r>
+              <a:rPr kumimoji="1" lang="en-US" altLang="ja-JP" sz="1800" dirty="0" smtClean="0"/>
+              <a:t>[8];</a:t>
+            </a:r>
+          </a:p>
+          <a:p>
+            <a:pPr lvl="1">
+              <a:spcBef>
+                <a:spcPts val="600"/>
+              </a:spcBef>
+            </a:pPr>
+            <a:r>
+              <a:rPr kumimoji="1" lang="ja-JP" altLang="en-US" sz="1800" dirty="0" smtClean="0"/>
+              <a:t>直方体重心位置 </a:t>
+            </a:r>
+            <a:r>
+              <a:rPr kumimoji="1" lang="en-US" altLang="ja-JP" sz="1800" dirty="0" smtClean="0"/>
+              <a:t>	: </a:t>
+            </a:r>
+            <a:r>
+              <a:rPr lang="en-US" altLang="ja-JP" sz="1800" dirty="0" smtClean="0"/>
+              <a:t>EVec3f </a:t>
+            </a:r>
+            <a:r>
+              <a:rPr lang="ja-JP" altLang="en-US" sz="1800" dirty="0"/>
+              <a:t> </a:t>
+            </a:r>
+            <a:r>
+              <a:rPr lang="en-US" altLang="ja-JP" sz="1800" dirty="0" err="1" smtClean="0"/>
+              <a:t>m_position</a:t>
+            </a:r>
+            <a:r>
+              <a:rPr lang="en-US" altLang="ja-JP" sz="1800" dirty="0" smtClean="0"/>
+              <a:t> </a:t>
+            </a:r>
+            <a:r>
+              <a:rPr lang="en-US" altLang="ja-JP" sz="1800" dirty="0" smtClean="0"/>
+              <a:t>;</a:t>
+            </a:r>
+            <a:endParaRPr kumimoji="1" lang="en-US" altLang="ja-JP" sz="1800" dirty="0" smtClean="0"/>
+          </a:p>
+          <a:p>
+            <a:pPr lvl="1">
+              <a:spcBef>
+                <a:spcPts val="600"/>
+              </a:spcBef>
+            </a:pPr>
+            <a:r>
+              <a:rPr lang="ja-JP" altLang="en-US" sz="1800" dirty="0" smtClean="0"/>
+              <a:t>直方体姿勢（回転）</a:t>
+            </a:r>
+            <a:r>
+              <a:rPr lang="en-US" altLang="ja-JP" sz="1800" dirty="0" smtClean="0"/>
+              <a:t>: EMat3f </a:t>
+            </a:r>
+            <a:r>
+              <a:rPr lang="en-US" altLang="ja-JP" sz="1800" dirty="0" smtClean="0"/>
+              <a:t> </a:t>
+            </a:r>
+            <a:r>
+              <a:rPr lang="en-US" altLang="ja-JP" sz="1800" dirty="0" err="1" smtClean="0"/>
+              <a:t>m_rotation</a:t>
+            </a:r>
+            <a:r>
+              <a:rPr lang="en-US" altLang="ja-JP" sz="1800" dirty="0" smtClean="0"/>
+              <a:t> </a:t>
+            </a:r>
+            <a:r>
+              <a:rPr lang="en-US" altLang="ja-JP" sz="1800" dirty="0" smtClean="0"/>
+              <a:t>;</a:t>
+            </a:r>
+          </a:p>
+          <a:p>
+            <a:pPr lvl="1">
+              <a:spcBef>
+                <a:spcPts val="600"/>
+              </a:spcBef>
+            </a:pPr>
+            <a:r>
+              <a:rPr lang="ja-JP" altLang="en-US" sz="1800" dirty="0"/>
+              <a:t>直方体</a:t>
+            </a:r>
+            <a:r>
+              <a:rPr lang="ja-JP" altLang="en-US" sz="1800" dirty="0" smtClean="0"/>
+              <a:t>重心速度 </a:t>
+            </a:r>
+            <a:r>
+              <a:rPr lang="en-US" altLang="ja-JP" sz="1800" dirty="0"/>
+              <a:t>	: </a:t>
+            </a:r>
+            <a:r>
+              <a:rPr lang="en-US" altLang="ja-JP" sz="1800" dirty="0" smtClean="0"/>
+              <a:t>EVec3f  </a:t>
+            </a:r>
+            <a:r>
+              <a:rPr lang="en-US" altLang="ja-JP" sz="1800" dirty="0" err="1" smtClean="0"/>
+              <a:t>m_velocity</a:t>
+            </a:r>
+            <a:r>
+              <a:rPr lang="en-US" altLang="ja-JP" sz="1800" dirty="0" smtClean="0"/>
+              <a:t> ;</a:t>
+            </a:r>
+          </a:p>
+          <a:p>
+            <a:pPr lvl="1">
+              <a:spcBef>
+                <a:spcPts val="600"/>
+              </a:spcBef>
+            </a:pPr>
+            <a:r>
+              <a:rPr lang="ja-JP" altLang="en-US" sz="1800" dirty="0" smtClean="0"/>
+              <a:t>直方体回転角</a:t>
+            </a:r>
+            <a:r>
+              <a:rPr lang="ja-JP" altLang="en-US" sz="1800" dirty="0"/>
+              <a:t>速度</a:t>
+            </a:r>
+            <a:r>
+              <a:rPr lang="ja-JP" altLang="en-US" sz="1800" dirty="0" smtClean="0"/>
+              <a:t> </a:t>
+            </a:r>
+            <a:r>
+              <a:rPr lang="en-US" altLang="ja-JP" sz="1800" dirty="0"/>
+              <a:t>	: EVec3f </a:t>
+            </a:r>
+            <a:r>
+              <a:rPr lang="en-US" altLang="ja-JP" sz="1800" dirty="0" smtClean="0"/>
+              <a:t> </a:t>
+            </a:r>
+            <a:r>
+              <a:rPr lang="en-US" altLang="ja-JP" sz="1800" dirty="0" err="1" smtClean="0"/>
+              <a:t>m_rotVelocity</a:t>
+            </a:r>
+            <a:r>
+              <a:rPr lang="en-US" altLang="ja-JP" sz="1800" dirty="0" smtClean="0"/>
+              <a:t>;</a:t>
+            </a:r>
+          </a:p>
+          <a:p>
+            <a:pPr marL="457200" lvl="1" indent="0">
+              <a:spcBef>
+                <a:spcPts val="600"/>
+              </a:spcBef>
+              <a:buNone/>
+            </a:pPr>
+            <a:r>
+              <a:rPr lang="ja-JP" altLang="en-US" sz="1800" dirty="0" smtClean="0"/>
+              <a:t>回転と角速度を</a:t>
+            </a:r>
+            <a:r>
+              <a:rPr lang="en-US" altLang="ja-JP" sz="1800" dirty="0" smtClean="0"/>
+              <a:t>3</a:t>
+            </a:r>
+            <a:r>
+              <a:rPr lang="ja-JP" altLang="en-US" sz="1800" dirty="0" smtClean="0"/>
+              <a:t>次元ベクトルで表現する方法については「角速度ベクトル」で</a:t>
+            </a:r>
+            <a:r>
+              <a:rPr lang="en-US" altLang="ja-JP" sz="1800" dirty="0" err="1" smtClean="0"/>
+              <a:t>ggr</a:t>
+            </a:r>
+            <a:endParaRPr lang="en-US" altLang="ja-JP" sz="1800" dirty="0"/>
+          </a:p>
+          <a:p>
+            <a:pPr lvl="1">
+              <a:spcBef>
+                <a:spcPts val="600"/>
+              </a:spcBef>
+            </a:pPr>
+            <a:endParaRPr lang="en-US" altLang="ja-JP" sz="1800" dirty="0" smtClean="0"/>
+          </a:p>
+          <a:p>
+            <a:pPr lvl="1">
+              <a:spcBef>
+                <a:spcPts val="600"/>
+              </a:spcBef>
+            </a:pPr>
+            <a:endParaRPr lang="en-US" altLang="ja-JP" sz="1800" dirty="0"/>
+          </a:p>
+          <a:p>
+            <a:pPr lvl="1">
+              <a:spcBef>
+                <a:spcPts val="600"/>
+              </a:spcBef>
+            </a:pPr>
+            <a:endParaRPr lang="en-US" altLang="ja-JP" sz="1800" dirty="0"/>
+          </a:p>
+          <a:p>
+            <a:pPr lvl="1">
+              <a:spcBef>
+                <a:spcPts val="600"/>
+              </a:spcBef>
+            </a:pPr>
+            <a:endParaRPr kumimoji="1" lang="ja-JP" altLang="en-US" sz="1800" dirty="0"/>
+          </a:p>
+        </p:txBody>
+      </p:sp>
+      <p:sp>
+        <p:nvSpPr>
+          <p:cNvPr id="4" name="スライド番号プレースホルダー 3"/>
+          <p:cNvSpPr>
+            <a:spLocks noGrp="1"/>
+          </p:cNvSpPr>
+          <p:nvPr>
+            <p:ph type="sldNum" sz="quarter" idx="12"/>
+          </p:nvPr>
+        </p:nvSpPr>
+        <p:spPr/>
+        <p:txBody>
+          <a:bodyPr/>
+          <a:lstStyle/>
+          <a:p>
+            <a:fld id="{6908AC80-5682-4C8F-945F-0672FD5979B7}" type="slidenum">
+              <a:rPr lang="ja-JP" altLang="en-US" smtClean="0"/>
+              <a:pPr/>
+              <a:t>24</a:t>
             </a:fld>
             <a:endParaRPr lang="ja-JP" altLang="en-US"/>
           </a:p>
@@ -11153,10 +12983,17 @@
   <p:clrMapOvr>
     <a:masterClrMapping/>
   </p:clrMapOvr>
+  <p:timing>
+    <p:tnLst>
+      <p:par>
+        <p:cTn id="1" dur="indefinite" restart="never" nodeType="tmRoot"/>
+      </p:par>
+    </p:tnLst>
+  </p:timing>
 </p:sld>
 </file>
 
-<file path=ppt/slides/slide21.xml><?xml version="1.0" encoding="utf-8"?>
+<file path=ppt/slides/slide25.xml><?xml version="1.0" encoding="utf-8"?>
 <p:sld xmlns:a="http://schemas.openxmlformats.org/drawingml/2006/main" xmlns:r="http://schemas.openxmlformats.org/officeDocument/2006/relationships" xmlns:p="http://schemas.openxmlformats.org/presentationml/2006/main">
   <p:cSld>
     <p:spTree>
@@ -12202,7 +14039,7 @@
             <a:fld id="{6908AC80-5682-4C8F-945F-0672FD5979B7}" type="slidenum">
               <a:rPr lang="ja-JP" altLang="en-US" smtClean="0"/>
               <a:pPr/>
-              <a:t>21</a:t>
+              <a:t>25</a:t>
             </a:fld>
             <a:endParaRPr lang="ja-JP" altLang="en-US"/>
           </a:p>
@@ -12218,10 +14055,17 @@
   <p:clrMapOvr>
     <a:masterClrMapping/>
   </p:clrMapOvr>
+  <p:timing>
+    <p:tnLst>
+      <p:par>
+        <p:cTn id="1" dur="indefinite" restart="never" nodeType="tmRoot"/>
+      </p:par>
+    </p:tnLst>
+  </p:timing>
 </p:sld>
 </file>
 
-<file path=ppt/slides/slide22.xml><?xml version="1.0" encoding="utf-8"?>
+<file path=ppt/slides/slide26.xml><?xml version="1.0" encoding="utf-8"?>
 <p:sld xmlns:a="http://schemas.openxmlformats.org/drawingml/2006/main" xmlns:r="http://schemas.openxmlformats.org/officeDocument/2006/relationships" xmlns:p="http://schemas.openxmlformats.org/presentationml/2006/main">
   <p:cSld>
     <p:spTree>
@@ -12464,7 +14308,7 @@
             <a:fld id="{6908AC80-5682-4C8F-945F-0672FD5979B7}" type="slidenum">
               <a:rPr lang="ja-JP" altLang="en-US" smtClean="0"/>
               <a:pPr/>
-              <a:t>22</a:t>
+              <a:t>26</a:t>
             </a:fld>
             <a:endParaRPr lang="ja-JP" altLang="en-US"/>
           </a:p>
@@ -13497,104 +15341,6 @@
     <p:extLst>
       <p:ext uri="{BB962C8B-B14F-4D97-AF65-F5344CB8AC3E}">
         <p14:creationId xmlns:p14="http://schemas.microsoft.com/office/powerpoint/2010/main" val="1809055422"/>
-      </p:ext>
-    </p:extLst>
-  </p:cSld>
-  <p:clrMapOvr>
-    <a:masterClrMapping/>
-  </p:clrMapOvr>
-</p:sld>
-</file>
-
-<file path=ppt/slides/slide23.xml><?xml version="1.0" encoding="utf-8"?>
-<p:sld xmlns:a="http://schemas.openxmlformats.org/drawingml/2006/main" xmlns:r="http://schemas.openxmlformats.org/officeDocument/2006/relationships" xmlns:p="http://schemas.openxmlformats.org/presentationml/2006/main">
-  <p:cSld>
-    <p:spTree>
-      <p:nvGrpSpPr>
-        <p:cNvPr id="1" name=""/>
-        <p:cNvGrpSpPr/>
-        <p:nvPr/>
-      </p:nvGrpSpPr>
-      <p:grpSpPr>
-        <a:xfrm>
-          <a:off x="0" y="0"/>
-          <a:ext cx="0" cy="0"/>
-          <a:chOff x="0" y="0"/>
-          <a:chExt cx="0" cy="0"/>
-        </a:xfrm>
-      </p:grpSpPr>
-      <p:sp>
-        <p:nvSpPr>
-          <p:cNvPr id="2" name="タイトル 1"/>
-          <p:cNvSpPr>
-            <a:spLocks noGrp="1"/>
-          </p:cNvSpPr>
-          <p:nvPr>
-            <p:ph type="title"/>
-          </p:nvPr>
-        </p:nvSpPr>
-        <p:spPr/>
-        <p:txBody>
-          <a:bodyPr>
-            <a:normAutofit fontScale="90000"/>
-          </a:bodyPr>
-          <a:lstStyle/>
-          <a:p>
-            <a:r>
-              <a:rPr kumimoji="1" lang="ja-JP" altLang="en-US" dirty="0" smtClean="0"/>
-              <a:t>課題</a:t>
-            </a:r>
-            <a:endParaRPr kumimoji="1" lang="ja-JP" altLang="en-US" dirty="0"/>
-          </a:p>
-        </p:txBody>
-      </p:sp>
-      <p:sp>
-        <p:nvSpPr>
-          <p:cNvPr id="3" name="コンテンツ プレースホルダー 2"/>
-          <p:cNvSpPr>
-            <a:spLocks noGrp="1"/>
-          </p:cNvSpPr>
-          <p:nvPr>
-            <p:ph idx="1"/>
-          </p:nvPr>
-        </p:nvSpPr>
-        <p:spPr/>
-        <p:txBody>
-          <a:bodyPr/>
-          <a:lstStyle/>
-          <a:p>
-            <a:endParaRPr kumimoji="1" lang="ja-JP" altLang="en-US" dirty="0"/>
-          </a:p>
-        </p:txBody>
-      </p:sp>
-      <p:sp>
-        <p:nvSpPr>
-          <p:cNvPr id="4" name="スライド番号プレースホルダー 3"/>
-          <p:cNvSpPr>
-            <a:spLocks noGrp="1"/>
-          </p:cNvSpPr>
-          <p:nvPr>
-            <p:ph type="sldNum" sz="quarter" idx="12"/>
-          </p:nvPr>
-        </p:nvSpPr>
-        <p:spPr/>
-        <p:txBody>
-          <a:bodyPr/>
-          <a:lstStyle/>
-          <a:p>
-            <a:fld id="{6908AC80-5682-4C8F-945F-0672FD5979B7}" type="slidenum">
-              <a:rPr lang="ja-JP" altLang="en-US" smtClean="0"/>
-              <a:pPr/>
-              <a:t>23</a:t>
-            </a:fld>
-            <a:endParaRPr lang="ja-JP" altLang="en-US"/>
-          </a:p>
-        </p:txBody>
-      </p:sp>
-    </p:spTree>
-    <p:extLst>
-      <p:ext uri="{BB962C8B-B14F-4D97-AF65-F5344CB8AC3E}">
-        <p14:creationId xmlns:p14="http://schemas.microsoft.com/office/powerpoint/2010/main" val="1363711683"/>
       </p:ext>
     </p:extLst>
   </p:cSld>
@@ -13695,9 +15441,13 @@
             </a:pPr>
             <a:r>
               <a:rPr lang="ja-JP" altLang="en-US" sz="2000" dirty="0" smtClean="0"/>
-              <a:t>研究に耐えうる実装能力をつける</a:t>
-            </a:r>
-            <a:endParaRPr lang="en-US" altLang="ja-JP" sz="2000" dirty="0" smtClean="0"/>
+              <a:t>研究に耐えうる実装能力を</a:t>
+            </a:r>
+            <a:r>
+              <a:rPr lang="ja-JP" altLang="en-US" sz="2000" dirty="0" smtClean="0"/>
+              <a:t>つける</a:t>
+            </a:r>
+            <a:endParaRPr lang="en-US" altLang="ja-JP" sz="2000" dirty="0"/>
           </a:p>
           <a:p>
             <a:pPr lvl="1">
@@ -13705,23 +15455,7 @@
                 <a:spcPts val="600"/>
               </a:spcBef>
             </a:pPr>
-            <a:r>
-              <a:rPr lang="ja-JP" altLang="en-US" sz="2000" dirty="0"/>
-              <a:t>複</a:t>
-            </a:r>
-            <a:r>
-              <a:rPr lang="ja-JP" altLang="en-US" sz="2000" dirty="0" smtClean="0"/>
-              <a:t>数人の開発を経験し</a:t>
-            </a:r>
-            <a:r>
-              <a:rPr lang="en-US" altLang="ja-JP" sz="2000" dirty="0" err="1" smtClean="0"/>
-              <a:t>github</a:t>
-            </a:r>
-            <a:r>
-              <a:rPr lang="ja-JP" altLang="en-US" sz="2000" dirty="0" smtClean="0"/>
-              <a:t>になれる</a:t>
-            </a:r>
-            <a:endParaRPr lang="en-US" altLang="ja-JP" sz="2800" dirty="0" smtClean="0"/>
+            <a:endParaRPr lang="en-US" altLang="ja-JP" sz="2000" dirty="0" smtClean="0"/>
           </a:p>
           <a:p>
             <a:r>
@@ -13768,17 +15502,45 @@
           <a:p>
             <a:pPr lvl="1"/>
             <a:r>
-              <a:rPr lang="en-US" altLang="ja-JP" dirty="0" smtClean="0"/>
+              <a:rPr lang="ja-JP" altLang="en-US" dirty="0" smtClean="0"/>
+              <a:t>剛体</a:t>
+            </a:r>
+            <a:r>
+              <a:rPr lang="ja-JP" altLang="en-US" dirty="0" smtClean="0"/>
+              <a:t>シミュレータ</a:t>
+            </a:r>
+            <a:r>
+              <a:rPr lang="ja-JP" altLang="en-US" sz="1800" dirty="0" smtClean="0"/>
+              <a:t>（ビリヤード</a:t>
+            </a:r>
+            <a:r>
+              <a:rPr lang="ja-JP" altLang="en-US" sz="1800" dirty="0" smtClean="0"/>
+              <a:t>・</a:t>
+            </a:r>
+            <a:r>
+              <a:rPr lang="en-US" altLang="ja-JP" sz="1800" dirty="0" smtClean="0"/>
+              <a:t>Shape matching</a:t>
+            </a:r>
+            <a:r>
+              <a:rPr lang="ja-JP" altLang="en-US" sz="1800" dirty="0" smtClean="0"/>
+              <a:t>・</a:t>
+            </a:r>
+            <a:r>
+              <a:rPr lang="en-US" altLang="ja-JP" sz="1800" dirty="0" smtClean="0"/>
+              <a:t>Position based dynamics</a:t>
+            </a:r>
+            <a:r>
+              <a:rPr lang="ja-JP" altLang="en-US" sz="1800" dirty="0" smtClean="0"/>
+              <a:t>）</a:t>
+            </a:r>
+            <a:endParaRPr lang="en-US" altLang="ja-JP" dirty="0" smtClean="0"/>
+          </a:p>
+          <a:p>
+            <a:pPr lvl="1"/>
+            <a:r>
+              <a:rPr lang="en-US" altLang="ja-JP" dirty="0"/>
               <a:t>Seam carving</a:t>
             </a:r>
-          </a:p>
-          <a:p>
-            <a:pPr lvl="1"/>
-            <a:r>
-              <a:rPr lang="ja-JP" altLang="en-US" dirty="0" smtClean="0"/>
-              <a:t>剛体シミュレータ（ビリヤード・船？）</a:t>
-            </a:r>
-            <a:endParaRPr lang="en-US" altLang="ja-JP" dirty="0" smtClean="0"/>
           </a:p>
           <a:p>
             <a:pPr lvl="1"/>
@@ -13820,6 +15582,13 @@
   <p:clrMapOvr>
     <a:masterClrMapping/>
   </p:clrMapOvr>
+  <p:timing>
+    <p:tnLst>
+      <p:par>
+        <p:cTn id="1" dur="indefinite" restart="never" nodeType="tmRoot"/>
+      </p:par>
+    </p:tnLst>
+  </p:timing>
 </p:sld>
 </file>
 
@@ -13853,15 +15622,15 @@
         <p:spPr/>
         <p:txBody>
           <a:bodyPr>
-            <a:normAutofit fontScale="90000"/>
+            <a:normAutofit/>
           </a:bodyPr>
           <a:lstStyle/>
           <a:p>
             <a:r>
-              <a:rPr lang="ja-JP" altLang="en-US" dirty="0"/>
-              <a:t>準備</a:t>
-            </a:r>
-            <a:endParaRPr kumimoji="1" lang="ja-JP" altLang="en-US" dirty="0"/>
+              <a:rPr kumimoji="1" lang="ja-JP" altLang="en-US" sz="3200" dirty="0" smtClean="0"/>
+              <a:t>プログラミング上達に重要なこと</a:t>
+            </a:r>
+            <a:endParaRPr kumimoji="1" lang="ja-JP" altLang="en-US" sz="3200" dirty="0"/>
           </a:p>
         </p:txBody>
       </p:sp>
@@ -13878,112 +15647,252 @@
         <p:spPr/>
         <p:txBody>
           <a:bodyPr>
-            <a:normAutofit/>
+            <a:normAutofit fontScale="92500" lnSpcReduction="20000"/>
           </a:bodyPr>
           <a:lstStyle/>
           <a:p>
-            <a:r>
-              <a:rPr kumimoji="1" lang="en-US" altLang="ja-JP" sz="2400" dirty="0" err="1" smtClean="0"/>
-              <a:t>Github</a:t>
-            </a:r>
-            <a:endParaRPr kumimoji="1" lang="en-US" altLang="ja-JP" sz="2400" dirty="0" smtClean="0"/>
-          </a:p>
-          <a:p>
-            <a:pPr lvl="1"/>
-            <a:r>
-              <a:rPr lang="ja-JP" altLang="en-US" sz="2000" dirty="0" smtClean="0"/>
-              <a:t>インストールする</a:t>
-            </a:r>
-            <a:endParaRPr lang="en-US" altLang="ja-JP" sz="2000" dirty="0" smtClean="0"/>
-          </a:p>
-          <a:p>
-            <a:pPr lvl="1"/>
-            <a:r>
-              <a:rPr kumimoji="1" lang="en-US" altLang="ja-JP" sz="2000" dirty="0" smtClean="0"/>
-              <a:t>Interactive Graphics Lab</a:t>
-            </a:r>
-            <a:r>
-              <a:rPr lang="ja-JP" altLang="en-US" sz="2000" dirty="0" err="1" smtClean="0"/>
-              <a:t>への</a:t>
-            </a:r>
-            <a:r>
-              <a:rPr lang="ja-JP" altLang="en-US" sz="2000" dirty="0" smtClean="0"/>
-              <a:t>アクセス権限を取得</a:t>
-            </a:r>
-            <a:r>
-              <a:rPr lang="en-US" altLang="ja-JP" sz="2000" dirty="0" smtClean="0"/>
-              <a:t>(</a:t>
-            </a:r>
-            <a:r>
-              <a:rPr lang="ja-JP" altLang="en-US" sz="2000" dirty="0" smtClean="0"/>
-              <a:t>井尻へメール</a:t>
-            </a:r>
-            <a:r>
-              <a:rPr lang="en-US" altLang="ja-JP" sz="2000" dirty="0" smtClean="0"/>
+            <a:pPr marL="0" indent="0">
+              <a:buNone/>
+            </a:pPr>
+            <a:r>
+              <a:rPr kumimoji="1" lang="en-US" altLang="ja-JP" b="1" dirty="0" smtClean="0"/>
+              <a:t>『</a:t>
+            </a:r>
+            <a:r>
+              <a:rPr kumimoji="1" lang="ja-JP" altLang="en-US" b="1" dirty="0" smtClean="0"/>
+              <a:t>再利用性</a:t>
+            </a:r>
+            <a:r>
+              <a:rPr kumimoji="1" lang="en-US" altLang="ja-JP" b="1" dirty="0" smtClean="0"/>
+              <a:t>』</a:t>
+            </a:r>
+            <a:r>
+              <a:rPr lang="ja-JP" altLang="en-US" b="1" dirty="0" smtClean="0"/>
+              <a:t>の向上に努める</a:t>
+            </a:r>
+            <a:endParaRPr lang="en-US" altLang="ja-JP" b="1" dirty="0" smtClean="0"/>
+          </a:p>
+          <a:p>
+            <a:pPr marL="0" indent="0">
+              <a:buNone/>
+            </a:pPr>
+            <a:r>
+              <a:rPr kumimoji="1" lang="en-US" altLang="ja-JP" sz="1800" dirty="0" smtClean="0"/>
+              <a:t>+ </a:t>
+            </a:r>
+            <a:r>
+              <a:rPr kumimoji="1" lang="ja-JP" altLang="en-US" sz="1800" dirty="0" smtClean="0"/>
+              <a:t>関数は意味的のあるかたまりにする</a:t>
+            </a:r>
+            <a:endParaRPr lang="en-US" altLang="ja-JP" sz="1800" dirty="0" smtClean="0"/>
+          </a:p>
+          <a:p>
+            <a:pPr marL="0" indent="0">
+              <a:buNone/>
+            </a:pPr>
+            <a:r>
+              <a:rPr kumimoji="1" lang="en-US" altLang="ja-JP" sz="1800" dirty="0" smtClean="0"/>
+              <a:t>+ </a:t>
+            </a:r>
+            <a:r>
+              <a:rPr kumimoji="1" lang="ja-JP" altLang="en-US" sz="1800" dirty="0" smtClean="0"/>
+              <a:t>よい関数名・変数名をつける</a:t>
+            </a:r>
+            <a:endParaRPr kumimoji="1" lang="en-US" altLang="ja-JP" sz="1800" dirty="0" smtClean="0"/>
+          </a:p>
+          <a:p>
+            <a:pPr marL="0" indent="0">
+              <a:buNone/>
+            </a:pPr>
+            <a:r>
+              <a:rPr lang="en-US" altLang="ja-JP" sz="1800" dirty="0" smtClean="0"/>
+              <a:t>+ </a:t>
+            </a:r>
+            <a:r>
+              <a:rPr lang="ja-JP" altLang="en-US" sz="1800" dirty="0" smtClean="0">
+                <a:solidFill>
+                  <a:srgbClr val="FF0000"/>
+                </a:solidFill>
+              </a:rPr>
+              <a:t>他人</a:t>
+            </a:r>
+            <a:r>
+              <a:rPr lang="ja-JP" altLang="en-US" sz="1800" dirty="0">
+                <a:solidFill>
+                  <a:srgbClr val="FF0000"/>
+                </a:solidFill>
+              </a:rPr>
+              <a:t>（一ヵ月後の自分）</a:t>
+            </a:r>
+            <a:r>
+              <a:rPr lang="ja-JP" altLang="en-US" sz="1800" dirty="0" smtClean="0">
+                <a:solidFill>
+                  <a:srgbClr val="FF0000"/>
+                </a:solidFill>
+              </a:rPr>
+              <a:t>が読んで分かるか</a:t>
+            </a:r>
+            <a:r>
+              <a:rPr lang="ja-JP" altLang="en-US" sz="1800" dirty="0" smtClean="0"/>
+              <a:t>？を良く考える</a:t>
+            </a:r>
+            <a:endParaRPr lang="en-US" altLang="ja-JP" sz="1800" dirty="0" smtClean="0"/>
+          </a:p>
+          <a:p>
+            <a:pPr marL="0" indent="0">
+              <a:buNone/>
+            </a:pPr>
+            <a:endParaRPr lang="en-US" altLang="ja-JP" sz="900" dirty="0" smtClean="0"/>
+          </a:p>
+          <a:p>
+            <a:pPr marL="0" indent="0">
+              <a:buNone/>
+            </a:pPr>
+            <a:r>
+              <a:rPr lang="ja-JP" altLang="en-US" b="1" dirty="0" smtClean="0"/>
+              <a:t>動作テストを詳細に実施する</a:t>
+            </a:r>
+            <a:endParaRPr lang="en-US" altLang="ja-JP" b="1" dirty="0"/>
+          </a:p>
+          <a:p>
+            <a:pPr marL="0" indent="0">
+              <a:buNone/>
+            </a:pPr>
+            <a:r>
+              <a:rPr lang="en-US" altLang="ja-JP" sz="1800" dirty="0" smtClean="0"/>
+              <a:t>+ </a:t>
+            </a:r>
+            <a:r>
+              <a:rPr lang="en-US" altLang="ja-JP" sz="1800" dirty="0" err="1" smtClean="0"/>
+              <a:t>printf</a:t>
+            </a:r>
+            <a:r>
+              <a:rPr lang="ja-JP" altLang="en-US" sz="1800" dirty="0"/>
+              <a:t> </a:t>
+            </a:r>
+            <a:r>
+              <a:rPr lang="ja-JP" altLang="en-US" sz="1800" dirty="0" smtClean="0"/>
+              <a:t>や デバッガを利用して想定どおりに動いているか確認</a:t>
+            </a:r>
+            <a:endParaRPr lang="en-US" altLang="ja-JP" sz="1800" dirty="0" smtClean="0"/>
+          </a:p>
+          <a:p>
+            <a:pPr marL="0" indent="0">
+              <a:buNone/>
+            </a:pPr>
+            <a:r>
+              <a:rPr lang="en-US" altLang="ja-JP" sz="1800" dirty="0" smtClean="0"/>
+              <a:t>+</a:t>
+            </a:r>
+            <a:r>
+              <a:rPr lang="ja-JP" altLang="en-US" sz="1800" dirty="0"/>
+              <a:t> </a:t>
+            </a:r>
+            <a:r>
+              <a:rPr lang="ja-JP" altLang="en-US" sz="1800" dirty="0" smtClean="0"/>
+              <a:t>関数に不具合が起きそうな入力を</a:t>
+            </a:r>
+            <a:r>
+              <a:rPr lang="ja-JP" altLang="en-US" sz="1800" dirty="0" smtClean="0">
+                <a:solidFill>
+                  <a:srgbClr val="FF0000"/>
+                </a:solidFill>
+              </a:rPr>
+              <a:t>予測</a:t>
+            </a:r>
+            <a:r>
+              <a:rPr lang="ja-JP" altLang="en-US" sz="1800" dirty="0" smtClean="0"/>
+              <a:t>し，その入力にも対応する</a:t>
+            </a:r>
+            <a:endParaRPr lang="en-US" altLang="ja-JP" sz="1800" dirty="0" smtClean="0"/>
+          </a:p>
+          <a:p>
+            <a:pPr marL="0" indent="0">
+              <a:buNone/>
+            </a:pPr>
+            <a:r>
+              <a:rPr lang="en-US" altLang="ja-JP" sz="1800" dirty="0"/>
+              <a:t> </a:t>
+            </a:r>
+            <a:r>
+              <a:rPr lang="ja-JP" altLang="en-US" sz="1800" dirty="0" smtClean="0"/>
+              <a:t>まずい例</a:t>
+            </a:r>
+            <a:r>
+              <a:rPr lang="en-US" altLang="ja-JP" sz="1800" dirty="0" smtClean="0"/>
+              <a:t>) </a:t>
+            </a:r>
+            <a:r>
+              <a:rPr lang="ja-JP" altLang="en-US" sz="1800" dirty="0" smtClean="0"/>
+              <a:t>コピペしてきたらなんか動いた</a:t>
+            </a:r>
+            <a:endParaRPr lang="en-US" altLang="ja-JP" sz="1800" dirty="0" smtClean="0"/>
+          </a:p>
+          <a:p>
+            <a:pPr marL="0" indent="0">
+              <a:buNone/>
+            </a:pPr>
+            <a:r>
+              <a:rPr lang="ja-JP" altLang="en-US" sz="1800" dirty="0" smtClean="0"/>
+              <a:t> まずい</a:t>
+            </a:r>
+            <a:r>
+              <a:rPr lang="ja-JP" altLang="en-US" sz="1800" dirty="0"/>
+              <a:t>例</a:t>
+            </a:r>
+            <a:r>
+              <a:rPr lang="en-US" altLang="ja-JP" sz="1800" dirty="0"/>
               <a:t>)</a:t>
             </a:r>
-          </a:p>
-          <a:p>
-            <a:pPr lvl="1"/>
-            <a:r>
-              <a:rPr lang="ja-JP" altLang="en-US" sz="2000" dirty="0"/>
-              <a:t>使い方</a:t>
-            </a:r>
-            <a:r>
-              <a:rPr lang="ja-JP" altLang="en-US" sz="2000" dirty="0" smtClean="0"/>
-              <a:t>を</a:t>
-            </a:r>
-            <a:r>
-              <a:rPr lang="ja-JP" altLang="en-US" sz="2000" dirty="0"/>
-              <a:t>調</a:t>
-            </a:r>
-            <a:r>
-              <a:rPr lang="ja-JP" altLang="en-US" sz="2000" dirty="0" smtClean="0"/>
-              <a:t>べておく（</a:t>
-            </a:r>
-            <a:r>
-              <a:rPr lang="en-US" altLang="ja-JP" sz="2000" dirty="0" smtClean="0"/>
-              <a:t>clone/commit/push/pull/fork/pull request </a:t>
-            </a:r>
-            <a:r>
-              <a:rPr lang="ja-JP" altLang="en-US" sz="2000" dirty="0" smtClean="0"/>
-              <a:t>程度で</a:t>
-            </a:r>
-            <a:r>
-              <a:rPr lang="en-US" altLang="ja-JP" sz="2000" dirty="0" smtClean="0"/>
-              <a:t>OK</a:t>
-            </a:r>
-            <a:r>
-              <a:rPr lang="ja-JP" altLang="en-US" sz="2000" dirty="0" smtClean="0"/>
-              <a:t>）</a:t>
-            </a:r>
-            <a:endParaRPr lang="en-US" altLang="ja-JP" sz="2000" dirty="0" smtClean="0"/>
-          </a:p>
-          <a:p>
-            <a:r>
-              <a:rPr lang="en-US" altLang="ja-JP" sz="2400" dirty="0" smtClean="0"/>
-              <a:t>Visual Studio 2017</a:t>
-            </a:r>
-            <a:r>
-              <a:rPr lang="ja-JP" altLang="en-US" sz="2400" dirty="0" smtClean="0"/>
-              <a:t>のインストール</a:t>
-            </a:r>
-            <a:endParaRPr lang="en-US" altLang="ja-JP" sz="2400" dirty="0" smtClean="0"/>
-          </a:p>
-          <a:p>
-            <a:pPr lvl="1"/>
-            <a:r>
-              <a:rPr lang="en-US" altLang="ja-JP" sz="2000" dirty="0" smtClean="0"/>
-              <a:t>C++/CLI</a:t>
-            </a:r>
-            <a:r>
-              <a:rPr lang="ja-JP" altLang="en-US" sz="2000" dirty="0" smtClean="0"/>
-              <a:t>のチェックを忘れない</a:t>
-            </a:r>
-            <a:endParaRPr lang="en-US" altLang="ja-JP" sz="2000" dirty="0" smtClean="0"/>
-          </a:p>
-          <a:p>
-            <a:endParaRPr lang="en-US" altLang="ja-JP" dirty="0" smtClean="0"/>
+            <a:r>
+              <a:rPr lang="en-US" altLang="ja-JP" sz="1800" dirty="0" smtClean="0"/>
+              <a:t> </a:t>
+            </a:r>
+            <a:r>
+              <a:rPr lang="ja-JP" altLang="en-US" sz="1800" dirty="0" smtClean="0"/>
+              <a:t>エラーがあるはずなのに動いている</a:t>
+            </a:r>
+            <a:endParaRPr lang="en-US" altLang="ja-JP" sz="1800" dirty="0" smtClean="0"/>
+          </a:p>
+          <a:p>
+            <a:pPr marL="0" indent="0">
+              <a:buNone/>
+            </a:pPr>
+            <a:endParaRPr lang="en-US" altLang="ja-JP" sz="1800" dirty="0" smtClean="0"/>
+          </a:p>
+          <a:p>
+            <a:pPr marL="0" indent="0">
+              <a:buNone/>
+            </a:pPr>
+            <a:r>
+              <a:rPr lang="ja-JP" altLang="en-US" b="1" dirty="0" smtClean="0"/>
+              <a:t>問題の本質を良く考える</a:t>
+            </a:r>
+            <a:endParaRPr lang="en-US" altLang="ja-JP" b="1" dirty="0" smtClean="0"/>
+          </a:p>
+          <a:p>
+            <a:pPr marL="0" indent="0">
+              <a:buNone/>
+            </a:pPr>
+            <a:r>
+              <a:rPr lang="ja-JP" altLang="en-US" sz="1800" dirty="0" smtClean="0"/>
+              <a:t>何を解決しなくてはいけないか定義し，それを解決する</a:t>
+            </a:r>
+            <a:endParaRPr lang="en-US" altLang="ja-JP" sz="1800" dirty="0" smtClean="0"/>
+          </a:p>
+          <a:p>
+            <a:pPr marL="0" indent="0">
+              <a:buNone/>
+            </a:pPr>
+            <a:r>
+              <a:rPr lang="ja-JP" altLang="en-US" sz="1800" dirty="0"/>
+              <a:t>解決</a:t>
+            </a:r>
+            <a:r>
+              <a:rPr lang="ja-JP" altLang="en-US" sz="1800" dirty="0" smtClean="0"/>
+              <a:t>すべき問題を細かく分割し，それぞれを解決する</a:t>
+            </a:r>
+            <a:endParaRPr lang="en-US" altLang="ja-JP" sz="1800" dirty="0" smtClean="0"/>
           </a:p>
         </p:txBody>
       </p:sp>
@@ -14014,13 +15923,778 @@
     </p:spTree>
     <p:extLst>
       <p:ext uri="{BB962C8B-B14F-4D97-AF65-F5344CB8AC3E}">
-        <p14:creationId xmlns:p14="http://schemas.microsoft.com/office/powerpoint/2010/main" val="1354141932"/>
+        <p14:creationId xmlns:p14="http://schemas.microsoft.com/office/powerpoint/2010/main" val="4069845170"/>
       </p:ext>
     </p:extLst>
   </p:cSld>
   <p:clrMapOvr>
     <a:masterClrMapping/>
   </p:clrMapOvr>
+  <p:timing>
+    <p:tnLst>
+      <p:par>
+        <p:cTn id="1" dur="indefinite" restart="never" nodeType="tmRoot">
+          <p:childTnLst>
+            <p:seq concurrent="1" nextAc="seek">
+              <p:cTn id="2" dur="indefinite" nodeType="mainSeq">
+                <p:childTnLst>
+                  <p:par>
+                    <p:cTn id="3" fill="hold">
+                      <p:stCondLst>
+                        <p:cond delay="indefinite"/>
+                      </p:stCondLst>
+                      <p:childTnLst>
+                        <p:par>
+                          <p:cTn id="4" fill="hold">
+                            <p:stCondLst>
+                              <p:cond delay="0"/>
+                            </p:stCondLst>
+                            <p:childTnLst>
+                              <p:par>
+                                <p:cTn id="5" presetID="10" presetClass="entr" presetSubtype="0" fill="hold" grpId="0" nodeType="clickEffect">
+                                  <p:stCondLst>
+                                    <p:cond delay="0"/>
+                                  </p:stCondLst>
+                                  <p:childTnLst>
+                                    <p:set>
+                                      <p:cBhvr>
+                                        <p:cTn id="6" dur="1" fill="hold">
+                                          <p:stCondLst>
+                                            <p:cond delay="0"/>
+                                          </p:stCondLst>
+                                        </p:cTn>
+                                        <p:tgtEl>
+                                          <p:spTgt spid="3">
+                                            <p:txEl>
+                                              <p:pRg st="0" end="0"/>
+                                            </p:txEl>
+                                          </p:spTgt>
+                                        </p:tgtEl>
+                                        <p:attrNameLst>
+                                          <p:attrName>style.visibility</p:attrName>
+                                        </p:attrNameLst>
+                                      </p:cBhvr>
+                                      <p:to>
+                                        <p:strVal val="visible"/>
+                                      </p:to>
+                                    </p:set>
+                                    <p:animEffect transition="in" filter="fade">
+                                      <p:cBhvr>
+                                        <p:cTn id="7" dur="500"/>
+                                        <p:tgtEl>
+                                          <p:spTgt spid="3">
+                                            <p:txEl>
+                                              <p:pRg st="0" end="0"/>
+                                            </p:txEl>
+                                          </p:spTgt>
+                                        </p:tgtEl>
+                                      </p:cBhvr>
+                                    </p:animEffect>
+                                  </p:childTnLst>
+                                </p:cTn>
+                              </p:par>
+                            </p:childTnLst>
+                          </p:cTn>
+                        </p:par>
+                      </p:childTnLst>
+                    </p:cTn>
+                  </p:par>
+                  <p:par>
+                    <p:cTn id="8" fill="hold">
+                      <p:stCondLst>
+                        <p:cond delay="indefinite"/>
+                      </p:stCondLst>
+                      <p:childTnLst>
+                        <p:par>
+                          <p:cTn id="9" fill="hold">
+                            <p:stCondLst>
+                              <p:cond delay="0"/>
+                            </p:stCondLst>
+                            <p:childTnLst>
+                              <p:par>
+                                <p:cTn id="10" presetID="10" presetClass="entr" presetSubtype="0" fill="hold" grpId="0" nodeType="clickEffect">
+                                  <p:stCondLst>
+                                    <p:cond delay="0"/>
+                                  </p:stCondLst>
+                                  <p:childTnLst>
+                                    <p:set>
+                                      <p:cBhvr>
+                                        <p:cTn id="11" dur="1" fill="hold">
+                                          <p:stCondLst>
+                                            <p:cond delay="0"/>
+                                          </p:stCondLst>
+                                        </p:cTn>
+                                        <p:tgtEl>
+                                          <p:spTgt spid="3">
+                                            <p:txEl>
+                                              <p:pRg st="1" end="1"/>
+                                            </p:txEl>
+                                          </p:spTgt>
+                                        </p:tgtEl>
+                                        <p:attrNameLst>
+                                          <p:attrName>style.visibility</p:attrName>
+                                        </p:attrNameLst>
+                                      </p:cBhvr>
+                                      <p:to>
+                                        <p:strVal val="visible"/>
+                                      </p:to>
+                                    </p:set>
+                                    <p:animEffect transition="in" filter="fade">
+                                      <p:cBhvr>
+                                        <p:cTn id="12" dur="500"/>
+                                        <p:tgtEl>
+                                          <p:spTgt spid="3">
+                                            <p:txEl>
+                                              <p:pRg st="1" end="1"/>
+                                            </p:txEl>
+                                          </p:spTgt>
+                                        </p:tgtEl>
+                                      </p:cBhvr>
+                                    </p:animEffect>
+                                  </p:childTnLst>
+                                </p:cTn>
+                              </p:par>
+                            </p:childTnLst>
+                          </p:cTn>
+                        </p:par>
+                      </p:childTnLst>
+                    </p:cTn>
+                  </p:par>
+                  <p:par>
+                    <p:cTn id="13" fill="hold">
+                      <p:stCondLst>
+                        <p:cond delay="indefinite"/>
+                      </p:stCondLst>
+                      <p:childTnLst>
+                        <p:par>
+                          <p:cTn id="14" fill="hold">
+                            <p:stCondLst>
+                              <p:cond delay="0"/>
+                            </p:stCondLst>
+                            <p:childTnLst>
+                              <p:par>
+                                <p:cTn id="15" presetID="10" presetClass="entr" presetSubtype="0" fill="hold" grpId="0" nodeType="clickEffect">
+                                  <p:stCondLst>
+                                    <p:cond delay="0"/>
+                                  </p:stCondLst>
+                                  <p:childTnLst>
+                                    <p:set>
+                                      <p:cBhvr>
+                                        <p:cTn id="16" dur="1" fill="hold">
+                                          <p:stCondLst>
+                                            <p:cond delay="0"/>
+                                          </p:stCondLst>
+                                        </p:cTn>
+                                        <p:tgtEl>
+                                          <p:spTgt spid="3">
+                                            <p:txEl>
+                                              <p:pRg st="2" end="2"/>
+                                            </p:txEl>
+                                          </p:spTgt>
+                                        </p:tgtEl>
+                                        <p:attrNameLst>
+                                          <p:attrName>style.visibility</p:attrName>
+                                        </p:attrNameLst>
+                                      </p:cBhvr>
+                                      <p:to>
+                                        <p:strVal val="visible"/>
+                                      </p:to>
+                                    </p:set>
+                                    <p:animEffect transition="in" filter="fade">
+                                      <p:cBhvr>
+                                        <p:cTn id="17" dur="500"/>
+                                        <p:tgtEl>
+                                          <p:spTgt spid="3">
+                                            <p:txEl>
+                                              <p:pRg st="2" end="2"/>
+                                            </p:txEl>
+                                          </p:spTgt>
+                                        </p:tgtEl>
+                                      </p:cBhvr>
+                                    </p:animEffect>
+                                  </p:childTnLst>
+                                </p:cTn>
+                              </p:par>
+                            </p:childTnLst>
+                          </p:cTn>
+                        </p:par>
+                      </p:childTnLst>
+                    </p:cTn>
+                  </p:par>
+                  <p:par>
+                    <p:cTn id="18" fill="hold">
+                      <p:stCondLst>
+                        <p:cond delay="indefinite"/>
+                      </p:stCondLst>
+                      <p:childTnLst>
+                        <p:par>
+                          <p:cTn id="19" fill="hold">
+                            <p:stCondLst>
+                              <p:cond delay="0"/>
+                            </p:stCondLst>
+                            <p:childTnLst>
+                              <p:par>
+                                <p:cTn id="20" presetID="10" presetClass="entr" presetSubtype="0" fill="hold" grpId="0" nodeType="clickEffect">
+                                  <p:stCondLst>
+                                    <p:cond delay="0"/>
+                                  </p:stCondLst>
+                                  <p:childTnLst>
+                                    <p:set>
+                                      <p:cBhvr>
+                                        <p:cTn id="21" dur="1" fill="hold">
+                                          <p:stCondLst>
+                                            <p:cond delay="0"/>
+                                          </p:stCondLst>
+                                        </p:cTn>
+                                        <p:tgtEl>
+                                          <p:spTgt spid="3">
+                                            <p:txEl>
+                                              <p:pRg st="3" end="3"/>
+                                            </p:txEl>
+                                          </p:spTgt>
+                                        </p:tgtEl>
+                                        <p:attrNameLst>
+                                          <p:attrName>style.visibility</p:attrName>
+                                        </p:attrNameLst>
+                                      </p:cBhvr>
+                                      <p:to>
+                                        <p:strVal val="visible"/>
+                                      </p:to>
+                                    </p:set>
+                                    <p:animEffect transition="in" filter="fade">
+                                      <p:cBhvr>
+                                        <p:cTn id="22" dur="500"/>
+                                        <p:tgtEl>
+                                          <p:spTgt spid="3">
+                                            <p:txEl>
+                                              <p:pRg st="3" end="3"/>
+                                            </p:txEl>
+                                          </p:spTgt>
+                                        </p:tgtEl>
+                                      </p:cBhvr>
+                                    </p:animEffect>
+                                  </p:childTnLst>
+                                </p:cTn>
+                              </p:par>
+                            </p:childTnLst>
+                          </p:cTn>
+                        </p:par>
+                      </p:childTnLst>
+                    </p:cTn>
+                  </p:par>
+                  <p:par>
+                    <p:cTn id="23" fill="hold">
+                      <p:stCondLst>
+                        <p:cond delay="indefinite"/>
+                      </p:stCondLst>
+                      <p:childTnLst>
+                        <p:par>
+                          <p:cTn id="24" fill="hold">
+                            <p:stCondLst>
+                              <p:cond delay="0"/>
+                            </p:stCondLst>
+                            <p:childTnLst>
+                              <p:par>
+                                <p:cTn id="25" presetID="10" presetClass="entr" presetSubtype="0" fill="hold" grpId="0" nodeType="clickEffect">
+                                  <p:stCondLst>
+                                    <p:cond delay="0"/>
+                                  </p:stCondLst>
+                                  <p:childTnLst>
+                                    <p:set>
+                                      <p:cBhvr>
+                                        <p:cTn id="26" dur="1" fill="hold">
+                                          <p:stCondLst>
+                                            <p:cond delay="0"/>
+                                          </p:stCondLst>
+                                        </p:cTn>
+                                        <p:tgtEl>
+                                          <p:spTgt spid="3">
+                                            <p:txEl>
+                                              <p:pRg st="5" end="5"/>
+                                            </p:txEl>
+                                          </p:spTgt>
+                                        </p:tgtEl>
+                                        <p:attrNameLst>
+                                          <p:attrName>style.visibility</p:attrName>
+                                        </p:attrNameLst>
+                                      </p:cBhvr>
+                                      <p:to>
+                                        <p:strVal val="visible"/>
+                                      </p:to>
+                                    </p:set>
+                                    <p:animEffect transition="in" filter="fade">
+                                      <p:cBhvr>
+                                        <p:cTn id="27" dur="500"/>
+                                        <p:tgtEl>
+                                          <p:spTgt spid="3">
+                                            <p:txEl>
+                                              <p:pRg st="5" end="5"/>
+                                            </p:txEl>
+                                          </p:spTgt>
+                                        </p:tgtEl>
+                                      </p:cBhvr>
+                                    </p:animEffect>
+                                  </p:childTnLst>
+                                </p:cTn>
+                              </p:par>
+                            </p:childTnLst>
+                          </p:cTn>
+                        </p:par>
+                      </p:childTnLst>
+                    </p:cTn>
+                  </p:par>
+                  <p:par>
+                    <p:cTn id="28" fill="hold">
+                      <p:stCondLst>
+                        <p:cond delay="indefinite"/>
+                      </p:stCondLst>
+                      <p:childTnLst>
+                        <p:par>
+                          <p:cTn id="29" fill="hold">
+                            <p:stCondLst>
+                              <p:cond delay="0"/>
+                            </p:stCondLst>
+                            <p:childTnLst>
+                              <p:par>
+                                <p:cTn id="30" presetID="10" presetClass="entr" presetSubtype="0" fill="hold" grpId="0" nodeType="clickEffect">
+                                  <p:stCondLst>
+                                    <p:cond delay="0"/>
+                                  </p:stCondLst>
+                                  <p:childTnLst>
+                                    <p:set>
+                                      <p:cBhvr>
+                                        <p:cTn id="31" dur="1" fill="hold">
+                                          <p:stCondLst>
+                                            <p:cond delay="0"/>
+                                          </p:stCondLst>
+                                        </p:cTn>
+                                        <p:tgtEl>
+                                          <p:spTgt spid="3">
+                                            <p:txEl>
+                                              <p:pRg st="6" end="6"/>
+                                            </p:txEl>
+                                          </p:spTgt>
+                                        </p:tgtEl>
+                                        <p:attrNameLst>
+                                          <p:attrName>style.visibility</p:attrName>
+                                        </p:attrNameLst>
+                                      </p:cBhvr>
+                                      <p:to>
+                                        <p:strVal val="visible"/>
+                                      </p:to>
+                                    </p:set>
+                                    <p:animEffect transition="in" filter="fade">
+                                      <p:cBhvr>
+                                        <p:cTn id="32" dur="500"/>
+                                        <p:tgtEl>
+                                          <p:spTgt spid="3">
+                                            <p:txEl>
+                                              <p:pRg st="6" end="6"/>
+                                            </p:txEl>
+                                          </p:spTgt>
+                                        </p:tgtEl>
+                                      </p:cBhvr>
+                                    </p:animEffect>
+                                  </p:childTnLst>
+                                </p:cTn>
+                              </p:par>
+                            </p:childTnLst>
+                          </p:cTn>
+                        </p:par>
+                      </p:childTnLst>
+                    </p:cTn>
+                  </p:par>
+                  <p:par>
+                    <p:cTn id="33" fill="hold">
+                      <p:stCondLst>
+                        <p:cond delay="indefinite"/>
+                      </p:stCondLst>
+                      <p:childTnLst>
+                        <p:par>
+                          <p:cTn id="34" fill="hold">
+                            <p:stCondLst>
+                              <p:cond delay="0"/>
+                            </p:stCondLst>
+                            <p:childTnLst>
+                              <p:par>
+                                <p:cTn id="35" presetID="10" presetClass="entr" presetSubtype="0" fill="hold" grpId="0" nodeType="clickEffect">
+                                  <p:stCondLst>
+                                    <p:cond delay="0"/>
+                                  </p:stCondLst>
+                                  <p:childTnLst>
+                                    <p:set>
+                                      <p:cBhvr>
+                                        <p:cTn id="36" dur="1" fill="hold">
+                                          <p:stCondLst>
+                                            <p:cond delay="0"/>
+                                          </p:stCondLst>
+                                        </p:cTn>
+                                        <p:tgtEl>
+                                          <p:spTgt spid="3">
+                                            <p:txEl>
+                                              <p:pRg st="7" end="7"/>
+                                            </p:txEl>
+                                          </p:spTgt>
+                                        </p:tgtEl>
+                                        <p:attrNameLst>
+                                          <p:attrName>style.visibility</p:attrName>
+                                        </p:attrNameLst>
+                                      </p:cBhvr>
+                                      <p:to>
+                                        <p:strVal val="visible"/>
+                                      </p:to>
+                                    </p:set>
+                                    <p:animEffect transition="in" filter="fade">
+                                      <p:cBhvr>
+                                        <p:cTn id="37" dur="500"/>
+                                        <p:tgtEl>
+                                          <p:spTgt spid="3">
+                                            <p:txEl>
+                                              <p:pRg st="7" end="7"/>
+                                            </p:txEl>
+                                          </p:spTgt>
+                                        </p:tgtEl>
+                                      </p:cBhvr>
+                                    </p:animEffect>
+                                  </p:childTnLst>
+                                </p:cTn>
+                              </p:par>
+                            </p:childTnLst>
+                          </p:cTn>
+                        </p:par>
+                      </p:childTnLst>
+                    </p:cTn>
+                  </p:par>
+                  <p:par>
+                    <p:cTn id="38" fill="hold">
+                      <p:stCondLst>
+                        <p:cond delay="indefinite"/>
+                      </p:stCondLst>
+                      <p:childTnLst>
+                        <p:par>
+                          <p:cTn id="39" fill="hold">
+                            <p:stCondLst>
+                              <p:cond delay="0"/>
+                            </p:stCondLst>
+                            <p:childTnLst>
+                              <p:par>
+                                <p:cTn id="40" presetID="10" presetClass="entr" presetSubtype="0" fill="hold" grpId="0" nodeType="clickEffect">
+                                  <p:stCondLst>
+                                    <p:cond delay="0"/>
+                                  </p:stCondLst>
+                                  <p:childTnLst>
+                                    <p:set>
+                                      <p:cBhvr>
+                                        <p:cTn id="41" dur="1" fill="hold">
+                                          <p:stCondLst>
+                                            <p:cond delay="0"/>
+                                          </p:stCondLst>
+                                        </p:cTn>
+                                        <p:tgtEl>
+                                          <p:spTgt spid="3">
+                                            <p:txEl>
+                                              <p:pRg st="8" end="8"/>
+                                            </p:txEl>
+                                          </p:spTgt>
+                                        </p:tgtEl>
+                                        <p:attrNameLst>
+                                          <p:attrName>style.visibility</p:attrName>
+                                        </p:attrNameLst>
+                                      </p:cBhvr>
+                                      <p:to>
+                                        <p:strVal val="visible"/>
+                                      </p:to>
+                                    </p:set>
+                                    <p:animEffect transition="in" filter="fade">
+                                      <p:cBhvr>
+                                        <p:cTn id="42" dur="500"/>
+                                        <p:tgtEl>
+                                          <p:spTgt spid="3">
+                                            <p:txEl>
+                                              <p:pRg st="8" end="8"/>
+                                            </p:txEl>
+                                          </p:spTgt>
+                                        </p:tgtEl>
+                                      </p:cBhvr>
+                                    </p:animEffect>
+                                  </p:childTnLst>
+                                </p:cTn>
+                              </p:par>
+                            </p:childTnLst>
+                          </p:cTn>
+                        </p:par>
+                      </p:childTnLst>
+                    </p:cTn>
+                  </p:par>
+                  <p:par>
+                    <p:cTn id="43" fill="hold">
+                      <p:stCondLst>
+                        <p:cond delay="indefinite"/>
+                      </p:stCondLst>
+                      <p:childTnLst>
+                        <p:par>
+                          <p:cTn id="44" fill="hold">
+                            <p:stCondLst>
+                              <p:cond delay="0"/>
+                            </p:stCondLst>
+                            <p:childTnLst>
+                              <p:par>
+                                <p:cTn id="45" presetID="10" presetClass="entr" presetSubtype="0" fill="hold" grpId="0" nodeType="clickEffect">
+                                  <p:stCondLst>
+                                    <p:cond delay="0"/>
+                                  </p:stCondLst>
+                                  <p:childTnLst>
+                                    <p:set>
+                                      <p:cBhvr>
+                                        <p:cTn id="46" dur="1" fill="hold">
+                                          <p:stCondLst>
+                                            <p:cond delay="0"/>
+                                          </p:stCondLst>
+                                        </p:cTn>
+                                        <p:tgtEl>
+                                          <p:spTgt spid="3">
+                                            <p:txEl>
+                                              <p:pRg st="9" end="9"/>
+                                            </p:txEl>
+                                          </p:spTgt>
+                                        </p:tgtEl>
+                                        <p:attrNameLst>
+                                          <p:attrName>style.visibility</p:attrName>
+                                        </p:attrNameLst>
+                                      </p:cBhvr>
+                                      <p:to>
+                                        <p:strVal val="visible"/>
+                                      </p:to>
+                                    </p:set>
+                                    <p:animEffect transition="in" filter="fade">
+                                      <p:cBhvr>
+                                        <p:cTn id="47" dur="500"/>
+                                        <p:tgtEl>
+                                          <p:spTgt spid="3">
+                                            <p:txEl>
+                                              <p:pRg st="9" end="9"/>
+                                            </p:txEl>
+                                          </p:spTgt>
+                                        </p:tgtEl>
+                                      </p:cBhvr>
+                                    </p:animEffect>
+                                  </p:childTnLst>
+                                </p:cTn>
+                              </p:par>
+                            </p:childTnLst>
+                          </p:cTn>
+                        </p:par>
+                      </p:childTnLst>
+                    </p:cTn>
+                  </p:par>
+                  <p:par>
+                    <p:cTn id="48" fill="hold">
+                      <p:stCondLst>
+                        <p:cond delay="indefinite"/>
+                      </p:stCondLst>
+                      <p:childTnLst>
+                        <p:par>
+                          <p:cTn id="49" fill="hold">
+                            <p:stCondLst>
+                              <p:cond delay="0"/>
+                            </p:stCondLst>
+                            <p:childTnLst>
+                              <p:par>
+                                <p:cTn id="50" presetID="10" presetClass="entr" presetSubtype="0" fill="hold" grpId="0" nodeType="clickEffect">
+                                  <p:stCondLst>
+                                    <p:cond delay="0"/>
+                                  </p:stCondLst>
+                                  <p:childTnLst>
+                                    <p:set>
+                                      <p:cBhvr>
+                                        <p:cTn id="51" dur="1" fill="hold">
+                                          <p:stCondLst>
+                                            <p:cond delay="0"/>
+                                          </p:stCondLst>
+                                        </p:cTn>
+                                        <p:tgtEl>
+                                          <p:spTgt spid="3">
+                                            <p:txEl>
+                                              <p:pRg st="11" end="11"/>
+                                            </p:txEl>
+                                          </p:spTgt>
+                                        </p:tgtEl>
+                                        <p:attrNameLst>
+                                          <p:attrName>style.visibility</p:attrName>
+                                        </p:attrNameLst>
+                                      </p:cBhvr>
+                                      <p:to>
+                                        <p:strVal val="visible"/>
+                                      </p:to>
+                                    </p:set>
+                                    <p:animEffect transition="in" filter="fade">
+                                      <p:cBhvr>
+                                        <p:cTn id="52" dur="500"/>
+                                        <p:tgtEl>
+                                          <p:spTgt spid="3">
+                                            <p:txEl>
+                                              <p:pRg st="11" end="11"/>
+                                            </p:txEl>
+                                          </p:spTgt>
+                                        </p:tgtEl>
+                                      </p:cBhvr>
+                                    </p:animEffect>
+                                  </p:childTnLst>
+                                </p:cTn>
+                              </p:par>
+                            </p:childTnLst>
+                          </p:cTn>
+                        </p:par>
+                      </p:childTnLst>
+                    </p:cTn>
+                  </p:par>
+                  <p:par>
+                    <p:cTn id="53" fill="hold">
+                      <p:stCondLst>
+                        <p:cond delay="indefinite"/>
+                      </p:stCondLst>
+                      <p:childTnLst>
+                        <p:par>
+                          <p:cTn id="54" fill="hold">
+                            <p:stCondLst>
+                              <p:cond delay="0"/>
+                            </p:stCondLst>
+                            <p:childTnLst>
+                              <p:par>
+                                <p:cTn id="55" presetID="10" presetClass="entr" presetSubtype="0" fill="hold" grpId="0" nodeType="clickEffect">
+                                  <p:stCondLst>
+                                    <p:cond delay="0"/>
+                                  </p:stCondLst>
+                                  <p:childTnLst>
+                                    <p:set>
+                                      <p:cBhvr>
+                                        <p:cTn id="56" dur="1" fill="hold">
+                                          <p:stCondLst>
+                                            <p:cond delay="0"/>
+                                          </p:stCondLst>
+                                        </p:cTn>
+                                        <p:tgtEl>
+                                          <p:spTgt spid="3">
+                                            <p:txEl>
+                                              <p:pRg st="12" end="12"/>
+                                            </p:txEl>
+                                          </p:spTgt>
+                                        </p:tgtEl>
+                                        <p:attrNameLst>
+                                          <p:attrName>style.visibility</p:attrName>
+                                        </p:attrNameLst>
+                                      </p:cBhvr>
+                                      <p:to>
+                                        <p:strVal val="visible"/>
+                                      </p:to>
+                                    </p:set>
+                                    <p:animEffect transition="in" filter="fade">
+                                      <p:cBhvr>
+                                        <p:cTn id="57" dur="500"/>
+                                        <p:tgtEl>
+                                          <p:spTgt spid="3">
+                                            <p:txEl>
+                                              <p:pRg st="12" end="12"/>
+                                            </p:txEl>
+                                          </p:spTgt>
+                                        </p:tgtEl>
+                                      </p:cBhvr>
+                                    </p:animEffect>
+                                  </p:childTnLst>
+                                </p:cTn>
+                              </p:par>
+                            </p:childTnLst>
+                          </p:cTn>
+                        </p:par>
+                      </p:childTnLst>
+                    </p:cTn>
+                  </p:par>
+                  <p:par>
+                    <p:cTn id="58" fill="hold">
+                      <p:stCondLst>
+                        <p:cond delay="indefinite"/>
+                      </p:stCondLst>
+                      <p:childTnLst>
+                        <p:par>
+                          <p:cTn id="59" fill="hold">
+                            <p:stCondLst>
+                              <p:cond delay="0"/>
+                            </p:stCondLst>
+                            <p:childTnLst>
+                              <p:par>
+                                <p:cTn id="60" presetID="10" presetClass="entr" presetSubtype="0" fill="hold" grpId="0" nodeType="clickEffect">
+                                  <p:stCondLst>
+                                    <p:cond delay="0"/>
+                                  </p:stCondLst>
+                                  <p:childTnLst>
+                                    <p:set>
+                                      <p:cBhvr>
+                                        <p:cTn id="61" dur="1" fill="hold">
+                                          <p:stCondLst>
+                                            <p:cond delay="0"/>
+                                          </p:stCondLst>
+                                        </p:cTn>
+                                        <p:tgtEl>
+                                          <p:spTgt spid="3">
+                                            <p:txEl>
+                                              <p:pRg st="13" end="13"/>
+                                            </p:txEl>
+                                          </p:spTgt>
+                                        </p:tgtEl>
+                                        <p:attrNameLst>
+                                          <p:attrName>style.visibility</p:attrName>
+                                        </p:attrNameLst>
+                                      </p:cBhvr>
+                                      <p:to>
+                                        <p:strVal val="visible"/>
+                                      </p:to>
+                                    </p:set>
+                                    <p:animEffect transition="in" filter="fade">
+                                      <p:cBhvr>
+                                        <p:cTn id="62" dur="500"/>
+                                        <p:tgtEl>
+                                          <p:spTgt spid="3">
+                                            <p:txEl>
+                                              <p:pRg st="13" end="13"/>
+                                            </p:txEl>
+                                          </p:spTgt>
+                                        </p:tgtEl>
+                                      </p:cBhvr>
+                                    </p:animEffect>
+                                  </p:childTnLst>
+                                </p:cTn>
+                              </p:par>
+                            </p:childTnLst>
+                          </p:cTn>
+                        </p:par>
+                      </p:childTnLst>
+                    </p:cTn>
+                  </p:par>
+                </p:childTnLst>
+              </p:cTn>
+              <p:prevCondLst>
+                <p:cond evt="onPrev" delay="0">
+                  <p:tgtEl>
+                    <p:sldTgt/>
+                  </p:tgtEl>
+                </p:cond>
+              </p:prevCondLst>
+              <p:nextCondLst>
+                <p:cond evt="onNext" delay="0">
+                  <p:tgtEl>
+                    <p:sldTgt/>
+                  </p:tgtEl>
+                </p:cond>
+              </p:nextCondLst>
+            </p:seq>
+          </p:childTnLst>
+        </p:cTn>
+      </p:par>
+    </p:tnLst>
+    <p:bldLst>
+      <p:bldP spid="3" grpId="0" build="p"/>
+    </p:bldLst>
+  </p:timing>
 </p:sld>
 </file>
 
@@ -14059,16 +16733,8 @@
           <a:lstStyle/>
           <a:p>
             <a:r>
-              <a:rPr kumimoji="1" lang="ja-JP" altLang="en-US" dirty="0" smtClean="0"/>
-              <a:t>手順</a:t>
-            </a:r>
-            <a:r>
-              <a:rPr kumimoji="1" lang="en-US" altLang="ja-JP" dirty="0" smtClean="0"/>
-              <a:t>1 </a:t>
-            </a:r>
-            <a:r>
-              <a:rPr kumimoji="1" lang="ja-JP" altLang="en-US" dirty="0" smtClean="0"/>
-              <a:t>プロジェクトの作製</a:t>
+              <a:rPr lang="ja-JP" altLang="en-US" dirty="0"/>
+              <a:t>準備</a:t>
             </a:r>
             <a:endParaRPr kumimoji="1" lang="ja-JP" altLang="en-US" dirty="0"/>
           </a:p>
@@ -14092,149 +16758,113 @@
           <a:lstStyle/>
           <a:p>
             <a:r>
-              <a:rPr kumimoji="1" lang="en-US" altLang="ja-JP" dirty="0" smtClean="0"/>
-              <a:t>Visual Studio 2017</a:t>
-            </a:r>
-            <a:r>
-              <a:rPr kumimoji="1" lang="ja-JP" altLang="en-US" dirty="0" smtClean="0"/>
-              <a:t>を開く</a:t>
-            </a:r>
-            <a:endParaRPr kumimoji="1" lang="en-US" altLang="ja-JP" dirty="0" smtClean="0"/>
-          </a:p>
-          <a:p>
-            <a:r>
-              <a:rPr kumimoji="1" lang="ja-JP" altLang="en-US" dirty="0" smtClean="0"/>
-              <a:t>ファイル </a:t>
-            </a:r>
-            <a:r>
-              <a:rPr kumimoji="1" lang="en-US" altLang="ja-JP" dirty="0" smtClean="0"/>
-              <a:t>&gt; </a:t>
-            </a:r>
-            <a:r>
-              <a:rPr kumimoji="1" lang="ja-JP" altLang="en-US" dirty="0" smtClean="0"/>
-              <a:t>新規作成</a:t>
-            </a:r>
-            <a:r>
-              <a:rPr lang="en-US" altLang="ja-JP" dirty="0"/>
-              <a:t> </a:t>
-            </a:r>
-            <a:r>
-              <a:rPr lang="en-US" altLang="ja-JP" dirty="0" smtClean="0"/>
-              <a:t>&gt; </a:t>
-            </a:r>
-            <a:r>
-              <a:rPr lang="ja-JP" altLang="en-US" dirty="0" smtClean="0"/>
-              <a:t>プロジェクト をクリック</a:t>
-            </a:r>
-            <a:endParaRPr lang="en-US" altLang="ja-JP" dirty="0"/>
+              <a:rPr kumimoji="1" lang="en-US" altLang="ja-JP" sz="2400" dirty="0" err="1" smtClean="0"/>
+              <a:t>Github</a:t>
+            </a:r>
+            <a:endParaRPr kumimoji="1" lang="en-US" altLang="ja-JP" sz="2400" dirty="0" smtClean="0"/>
           </a:p>
           <a:p>
             <a:pPr lvl="1"/>
             <a:r>
-              <a:rPr kumimoji="1" lang="en-US" altLang="ja-JP" dirty="0" smtClean="0"/>
-              <a:t>Visual C++</a:t>
-            </a:r>
-            <a:r>
-              <a:rPr kumimoji="1" lang="ja-JP" altLang="en-US" dirty="0" smtClean="0"/>
-              <a:t>タブ </a:t>
-            </a:r>
-            <a:r>
-              <a:rPr kumimoji="1" lang="en-US" altLang="ja-JP" dirty="0" smtClean="0"/>
-              <a:t>&gt; CLR &gt; CLR</a:t>
-            </a:r>
-            <a:r>
-              <a:rPr kumimoji="1" lang="ja-JP" altLang="en-US" dirty="0" smtClean="0"/>
-              <a:t>コンソールアプリ を選択</a:t>
-            </a:r>
-            <a:endParaRPr kumimoji="1" lang="en-US" altLang="ja-JP" dirty="0" smtClean="0"/>
+              <a:rPr lang="ja-JP" altLang="en-US" sz="2000" dirty="0" smtClean="0"/>
+              <a:t>インストールする</a:t>
+            </a:r>
+            <a:endParaRPr lang="en-US" altLang="ja-JP" sz="2000" dirty="0" smtClean="0"/>
           </a:p>
           <a:p>
             <a:pPr lvl="1"/>
             <a:r>
-              <a:rPr kumimoji="1" lang="ja-JP" altLang="en-US" dirty="0" smtClean="0"/>
-              <a:t>場所 </a:t>
-            </a:r>
-            <a:r>
-              <a:rPr lang="ja-JP" altLang="en-US" dirty="0" smtClean="0"/>
-              <a:t>と 名前 を適当に設定し </a:t>
-            </a:r>
-            <a:r>
-              <a:rPr lang="en-US" altLang="ja-JP" dirty="0" smtClean="0"/>
+              <a:rPr kumimoji="1" lang="en-US" altLang="ja-JP" sz="2000" dirty="0" smtClean="0"/>
+              <a:t>Interactive Graphics Lab</a:t>
+            </a:r>
+            <a:r>
+              <a:rPr lang="ja-JP" altLang="en-US" sz="2000" dirty="0" err="1" smtClean="0"/>
+              <a:t>への</a:t>
+            </a:r>
+            <a:r>
+              <a:rPr lang="ja-JP" altLang="en-US" sz="2000" dirty="0" smtClean="0"/>
+              <a:t>アクセス権限を取得</a:t>
+            </a:r>
+            <a:r>
+              <a:rPr lang="en-US" altLang="ja-JP" sz="2000" dirty="0" smtClean="0"/>
+              <a:t>(</a:t>
+            </a:r>
+            <a:r>
+              <a:rPr lang="ja-JP" altLang="en-US" sz="2000" dirty="0" smtClean="0"/>
+              <a:t>井尻へメール</a:t>
+            </a:r>
+            <a:r>
+              <a:rPr lang="en-US" altLang="ja-JP" sz="2000" dirty="0" smtClean="0"/>
+              <a:t>)</a:t>
+            </a:r>
+          </a:p>
+          <a:p>
+            <a:pPr lvl="1"/>
+            <a:r>
+              <a:rPr lang="ja-JP" altLang="en-US" sz="2000" dirty="0"/>
+              <a:t>使い方</a:t>
+            </a:r>
+            <a:r>
+              <a:rPr lang="ja-JP" altLang="en-US" sz="2000" dirty="0" smtClean="0"/>
+              <a:t>を</a:t>
+            </a:r>
+            <a:r>
+              <a:rPr lang="ja-JP" altLang="en-US" sz="2000" dirty="0"/>
+              <a:t>調</a:t>
+            </a:r>
+            <a:r>
+              <a:rPr lang="ja-JP" altLang="en-US" sz="2000" dirty="0" smtClean="0"/>
+              <a:t>べておく（</a:t>
+            </a:r>
+            <a:r>
+              <a:rPr lang="en-US" altLang="ja-JP" sz="2000" dirty="0" smtClean="0"/>
+              <a:t>clone/commit/push/pull/fork/pull request </a:t>
+            </a:r>
+            <a:r>
+              <a:rPr lang="ja-JP" altLang="en-US" sz="2000" dirty="0" smtClean="0"/>
+              <a:t>程度で</a:t>
+            </a:r>
+            <a:r>
+              <a:rPr lang="en-US" altLang="ja-JP" sz="2000" dirty="0" smtClean="0"/>
               <a:t>OK</a:t>
             </a:r>
             <a:r>
-              <a:rPr lang="ja-JP" altLang="en-US" dirty="0" smtClean="0"/>
-              <a:t>をクリック</a:t>
-            </a:r>
-            <a:endParaRPr lang="en-US" altLang="ja-JP" dirty="0" smtClean="0"/>
+              <a:rPr lang="ja-JP" altLang="en-US" sz="2000" dirty="0" smtClean="0"/>
+              <a:t>）</a:t>
+            </a:r>
+            <a:endParaRPr lang="en-US" altLang="ja-JP" sz="2000" dirty="0" smtClean="0"/>
           </a:p>
           <a:p>
             <a:pPr marL="457200" lvl="1" indent="0">
               <a:buNone/>
             </a:pPr>
-            <a:r>
-              <a:rPr kumimoji="1" lang="en-US" altLang="ja-JP" dirty="0" smtClean="0">
-                <a:sym typeface="Wingdings" panose="05000000000000000000" pitchFamily="2" charset="2"/>
-              </a:rPr>
-              <a:t> </a:t>
-            </a:r>
-            <a:r>
-              <a:rPr kumimoji="1" lang="ja-JP" altLang="en-US" dirty="0" smtClean="0">
-                <a:sym typeface="Wingdings" panose="05000000000000000000" pitchFamily="2" charset="2"/>
-              </a:rPr>
-              <a:t>空のプロジェクトが生成される</a:t>
-            </a:r>
-            <a:endParaRPr kumimoji="1" lang="en-US" altLang="ja-JP" dirty="0"/>
-          </a:p>
-          <a:p>
-            <a:endParaRPr kumimoji="1" lang="en-US" altLang="ja-JP" dirty="0" smtClean="0"/>
-          </a:p>
-          <a:p>
-            <a:r>
-              <a:rPr kumimoji="1" lang="en-US" altLang="ja-JP" dirty="0" smtClean="0"/>
-              <a:t>Ctrl + F5 </a:t>
-            </a:r>
-            <a:r>
-              <a:rPr kumimoji="1" lang="ja-JP" altLang="en-US" dirty="0" smtClean="0"/>
-              <a:t>でコンパイル</a:t>
-            </a:r>
-            <a:r>
-              <a:rPr kumimoji="1" lang="en-US" altLang="ja-JP" dirty="0" smtClean="0"/>
-              <a:t>+</a:t>
-            </a:r>
-            <a:r>
-              <a:rPr kumimoji="1" lang="ja-JP" altLang="en-US" dirty="0" smtClean="0"/>
-              <a:t>実行</a:t>
-            </a:r>
-            <a:endParaRPr kumimoji="1" lang="en-US" altLang="ja-JP" dirty="0" smtClean="0"/>
+            <a:endParaRPr lang="en-US" altLang="ja-JP" sz="2000" dirty="0" smtClean="0"/>
+          </a:p>
+          <a:p>
+            <a:r>
+              <a:rPr lang="en-US" altLang="ja-JP" sz="2400" dirty="0" smtClean="0"/>
+              <a:t>Visual Studio 2017</a:t>
+            </a:r>
+            <a:r>
+              <a:rPr lang="ja-JP" altLang="en-US" sz="2400" dirty="0" smtClean="0"/>
+              <a:t>のインストール</a:t>
+            </a:r>
+            <a:endParaRPr lang="en-US" altLang="ja-JP" sz="2400" dirty="0" smtClean="0"/>
           </a:p>
           <a:p>
             <a:pPr lvl="1"/>
             <a:r>
-              <a:rPr lang="ja-JP" altLang="en-US" dirty="0"/>
-              <a:t>現在</a:t>
-            </a:r>
-            <a:r>
-              <a:rPr lang="ja-JP" altLang="en-US" dirty="0" smtClean="0"/>
-              <a:t>は</a:t>
-            </a:r>
-            <a:r>
-              <a:rPr lang="en-US" altLang="ja-JP" dirty="0" smtClean="0"/>
-              <a:t>hallo World</a:t>
-            </a:r>
-            <a:r>
-              <a:rPr lang="ja-JP" altLang="en-US" dirty="0" smtClean="0"/>
-              <a:t>とコンソールに出力</a:t>
-            </a:r>
-            <a:r>
-              <a:rPr lang="en-US" altLang="ja-JP" dirty="0" smtClean="0"/>
-              <a:t>				</a:t>
-            </a:r>
-            <a:r>
-              <a:rPr lang="ja-JP" altLang="en-US" dirty="0" smtClean="0"/>
-              <a:t>してすぐコンソールが消えるだけ</a:t>
-            </a:r>
-            <a:endParaRPr kumimoji="1" lang="ja-JP" altLang="en-US" dirty="0"/>
+              <a:rPr lang="en-US" altLang="ja-JP" sz="2000" dirty="0" smtClean="0"/>
+              <a:t>C++/CLI</a:t>
+            </a:r>
+            <a:r>
+              <a:rPr lang="ja-JP" altLang="en-US" sz="2000" dirty="0" smtClean="0"/>
+              <a:t>のチェックを忘れない</a:t>
+            </a:r>
+            <a:endParaRPr lang="en-US" altLang="ja-JP" sz="2000" dirty="0" smtClean="0"/>
+          </a:p>
+          <a:p>
+            <a:endParaRPr lang="en-US" altLang="ja-JP" dirty="0" smtClean="0"/>
           </a:p>
         </p:txBody>
       </p:sp>
@@ -14257,6 +16887,371 @@
               <a:rPr lang="ja-JP" altLang="en-US" smtClean="0"/>
               <a:pPr/>
               <a:t>5</a:t>
+            </a:fld>
+            <a:endParaRPr lang="ja-JP" altLang="en-US"/>
+          </a:p>
+        </p:txBody>
+      </p:sp>
+    </p:spTree>
+    <p:extLst>
+      <p:ext uri="{BB962C8B-B14F-4D97-AF65-F5344CB8AC3E}">
+        <p14:creationId xmlns:p14="http://schemas.microsoft.com/office/powerpoint/2010/main" val="1354141932"/>
+      </p:ext>
+    </p:extLst>
+  </p:cSld>
+  <p:clrMapOvr>
+    <a:masterClrMapping/>
+  </p:clrMapOvr>
+  <p:timing>
+    <p:tnLst>
+      <p:par>
+        <p:cTn id="1" dur="indefinite" restart="never" nodeType="tmRoot"/>
+      </p:par>
+    </p:tnLst>
+  </p:timing>
+</p:sld>
+</file>
+
+<file path=ppt/slides/slide6.xml><?xml version="1.0" encoding="utf-8"?>
+<p:sld xmlns:a="http://schemas.openxmlformats.org/drawingml/2006/main" xmlns:r="http://schemas.openxmlformats.org/officeDocument/2006/relationships" xmlns:p="http://schemas.openxmlformats.org/presentationml/2006/main">
+  <p:cSld>
+    <p:spTree>
+      <p:nvGrpSpPr>
+        <p:cNvPr id="1" name=""/>
+        <p:cNvGrpSpPr/>
+        <p:nvPr/>
+      </p:nvGrpSpPr>
+      <p:grpSpPr>
+        <a:xfrm>
+          <a:off x="0" y="0"/>
+          <a:ext cx="0" cy="0"/>
+          <a:chOff x="0" y="0"/>
+          <a:chExt cx="0" cy="0"/>
+        </a:xfrm>
+      </p:grpSpPr>
+      <p:sp>
+        <p:nvSpPr>
+          <p:cNvPr id="2" name="タイトル 1"/>
+          <p:cNvSpPr>
+            <a:spLocks noGrp="1"/>
+          </p:cNvSpPr>
+          <p:nvPr>
+            <p:ph type="title"/>
+          </p:nvPr>
+        </p:nvSpPr>
+        <p:spPr>
+          <a:xfrm>
+            <a:off x="3427288" y="5908153"/>
+            <a:ext cx="7954926" cy="644968"/>
+          </a:xfrm>
+        </p:spPr>
+        <p:txBody>
+          <a:bodyPr>
+            <a:normAutofit fontScale="90000"/>
+          </a:bodyPr>
+          <a:lstStyle/>
+          <a:p>
+            <a:pPr algn="r"/>
+            <a:r>
+              <a:rPr kumimoji="1" lang="ja-JP" altLang="en-US" dirty="0" smtClean="0"/>
+              <a:t>プロジェクトの作成</a:t>
+            </a:r>
+            <a:endParaRPr kumimoji="1" lang="ja-JP" altLang="en-US" dirty="0"/>
+          </a:p>
+        </p:txBody>
+      </p:sp>
+      <p:sp>
+        <p:nvSpPr>
+          <p:cNvPr id="3" name="コンテンツ プレースホルダー 2"/>
+          <p:cNvSpPr>
+            <a:spLocks noGrp="1"/>
+          </p:cNvSpPr>
+          <p:nvPr>
+            <p:ph idx="1"/>
+          </p:nvPr>
+        </p:nvSpPr>
+        <p:spPr/>
+        <p:txBody>
+          <a:bodyPr/>
+          <a:lstStyle/>
+          <a:p>
+            <a:endParaRPr kumimoji="1" lang="ja-JP" altLang="en-US"/>
+          </a:p>
+        </p:txBody>
+      </p:sp>
+      <p:sp>
+        <p:nvSpPr>
+          <p:cNvPr id="4" name="スライド番号プレースホルダー 3"/>
+          <p:cNvSpPr>
+            <a:spLocks noGrp="1"/>
+          </p:cNvSpPr>
+          <p:nvPr>
+            <p:ph type="sldNum" sz="quarter" idx="12"/>
+          </p:nvPr>
+        </p:nvSpPr>
+        <p:spPr/>
+        <p:txBody>
+          <a:bodyPr/>
+          <a:lstStyle/>
+          <a:p>
+            <a:fld id="{6908AC80-5682-4C8F-945F-0672FD5979B7}" type="slidenum">
+              <a:rPr lang="ja-JP" altLang="en-US" smtClean="0"/>
+              <a:pPr/>
+              <a:t>6</a:t>
+            </a:fld>
+            <a:endParaRPr lang="ja-JP" altLang="en-US"/>
+          </a:p>
+        </p:txBody>
+      </p:sp>
+    </p:spTree>
+    <p:extLst>
+      <p:ext uri="{BB962C8B-B14F-4D97-AF65-F5344CB8AC3E}">
+        <p14:creationId xmlns:p14="http://schemas.microsoft.com/office/powerpoint/2010/main" val="1330348566"/>
+      </p:ext>
+    </p:extLst>
+  </p:cSld>
+  <p:clrMapOvr>
+    <a:masterClrMapping/>
+  </p:clrMapOvr>
+  <p:timing>
+    <p:tnLst>
+      <p:par>
+        <p:cTn id="1" dur="indefinite" restart="never" nodeType="tmRoot"/>
+      </p:par>
+    </p:tnLst>
+  </p:timing>
+</p:sld>
+</file>
+
+<file path=ppt/slides/slide7.xml><?xml version="1.0" encoding="utf-8"?>
+<p:sld xmlns:a="http://schemas.openxmlformats.org/drawingml/2006/main" xmlns:r="http://schemas.openxmlformats.org/officeDocument/2006/relationships" xmlns:p="http://schemas.openxmlformats.org/presentationml/2006/main">
+  <p:cSld>
+    <p:spTree>
+      <p:nvGrpSpPr>
+        <p:cNvPr id="1" name=""/>
+        <p:cNvGrpSpPr/>
+        <p:nvPr/>
+      </p:nvGrpSpPr>
+      <p:grpSpPr>
+        <a:xfrm>
+          <a:off x="0" y="0"/>
+          <a:ext cx="0" cy="0"/>
+          <a:chOff x="0" y="0"/>
+          <a:chExt cx="0" cy="0"/>
+        </a:xfrm>
+      </p:grpSpPr>
+      <p:sp>
+        <p:nvSpPr>
+          <p:cNvPr id="2" name="タイトル 1"/>
+          <p:cNvSpPr>
+            <a:spLocks noGrp="1"/>
+          </p:cNvSpPr>
+          <p:nvPr>
+            <p:ph type="title"/>
+          </p:nvPr>
+        </p:nvSpPr>
+        <p:spPr/>
+        <p:txBody>
+          <a:bodyPr>
+            <a:normAutofit fontScale="90000"/>
+          </a:bodyPr>
+          <a:lstStyle/>
+          <a:p>
+            <a:r>
+              <a:rPr kumimoji="1" lang="ja-JP" altLang="en-US" dirty="0" smtClean="0"/>
+              <a:t>プロジェクト</a:t>
+            </a:r>
+            <a:r>
+              <a:rPr kumimoji="1" lang="ja-JP" altLang="en-US" dirty="0" smtClean="0"/>
+              <a:t>の作製</a:t>
+            </a:r>
+            <a:endParaRPr kumimoji="1" lang="ja-JP" altLang="en-US" dirty="0"/>
+          </a:p>
+        </p:txBody>
+      </p:sp>
+      <p:sp>
+        <p:nvSpPr>
+          <p:cNvPr id="3" name="コンテンツ プレースホルダー 2"/>
+          <p:cNvSpPr>
+            <a:spLocks noGrp="1"/>
+          </p:cNvSpPr>
+          <p:nvPr>
+            <p:ph idx="1"/>
+          </p:nvPr>
+        </p:nvSpPr>
+        <p:spPr/>
+        <p:txBody>
+          <a:bodyPr>
+            <a:normAutofit/>
+          </a:bodyPr>
+          <a:lstStyle/>
+          <a:p>
+            <a:r>
+              <a:rPr kumimoji="1" lang="en-US" altLang="ja-JP" dirty="0" smtClean="0"/>
+              <a:t>Visual Studio 2017</a:t>
+            </a:r>
+            <a:r>
+              <a:rPr kumimoji="1" lang="ja-JP" altLang="en-US" dirty="0" smtClean="0"/>
+              <a:t>を開く</a:t>
+            </a:r>
+            <a:endParaRPr kumimoji="1" lang="en-US" altLang="ja-JP" dirty="0" smtClean="0"/>
+          </a:p>
+          <a:p>
+            <a:r>
+              <a:rPr kumimoji="1" lang="ja-JP" altLang="en-US" dirty="0" smtClean="0"/>
+              <a:t>ファイル </a:t>
+            </a:r>
+            <a:r>
+              <a:rPr kumimoji="1" lang="en-US" altLang="ja-JP" dirty="0" smtClean="0"/>
+              <a:t>&gt; </a:t>
+            </a:r>
+            <a:r>
+              <a:rPr kumimoji="1" lang="ja-JP" altLang="en-US" dirty="0" smtClean="0"/>
+              <a:t>新規作成</a:t>
+            </a:r>
+            <a:r>
+              <a:rPr lang="en-US" altLang="ja-JP" dirty="0"/>
+              <a:t> </a:t>
+            </a:r>
+            <a:r>
+              <a:rPr lang="en-US" altLang="ja-JP" dirty="0" smtClean="0"/>
+              <a:t>&gt; </a:t>
+            </a:r>
+            <a:r>
+              <a:rPr lang="ja-JP" altLang="en-US" dirty="0" smtClean="0"/>
+              <a:t>プロジェクト をクリック</a:t>
+            </a:r>
+            <a:endParaRPr lang="en-US" altLang="ja-JP" dirty="0"/>
+          </a:p>
+          <a:p>
+            <a:pPr lvl="1"/>
+            <a:r>
+              <a:rPr kumimoji="1" lang="en-US" altLang="ja-JP" dirty="0" smtClean="0"/>
+              <a:t>Visual C++</a:t>
+            </a:r>
+            <a:r>
+              <a:rPr kumimoji="1" lang="ja-JP" altLang="en-US" dirty="0" smtClean="0"/>
+              <a:t>タブ </a:t>
+            </a:r>
+            <a:r>
+              <a:rPr kumimoji="1" lang="en-US" altLang="ja-JP" dirty="0" smtClean="0"/>
+              <a:t>&gt; CLR &gt; CLR</a:t>
+            </a:r>
+            <a:r>
+              <a:rPr kumimoji="1" lang="ja-JP" altLang="en-US" dirty="0" smtClean="0"/>
+              <a:t>コンソールアプリ を選択</a:t>
+            </a:r>
+            <a:endParaRPr kumimoji="1" lang="en-US" altLang="ja-JP" dirty="0" smtClean="0"/>
+          </a:p>
+          <a:p>
+            <a:pPr lvl="1"/>
+            <a:r>
+              <a:rPr kumimoji="1" lang="ja-JP" altLang="en-US" dirty="0" smtClean="0"/>
+              <a:t>場所 </a:t>
+            </a:r>
+            <a:r>
+              <a:rPr lang="ja-JP" altLang="en-US" dirty="0" smtClean="0"/>
+              <a:t>と 名前 を適当に設定し </a:t>
+            </a:r>
+            <a:r>
+              <a:rPr lang="en-US" altLang="ja-JP" dirty="0" smtClean="0"/>
+              <a:t>OK</a:t>
+            </a:r>
+            <a:r>
+              <a:rPr lang="ja-JP" altLang="en-US" dirty="0" smtClean="0"/>
+              <a:t>をクリック</a:t>
+            </a:r>
+            <a:endParaRPr lang="en-US" altLang="ja-JP" dirty="0" smtClean="0"/>
+          </a:p>
+          <a:p>
+            <a:pPr marL="457200" lvl="1" indent="0">
+              <a:buNone/>
+            </a:pPr>
+            <a:r>
+              <a:rPr kumimoji="1" lang="en-US" altLang="ja-JP" dirty="0" smtClean="0">
+                <a:sym typeface="Wingdings" panose="05000000000000000000" pitchFamily="2" charset="2"/>
+              </a:rPr>
+              <a:t> </a:t>
+            </a:r>
+            <a:r>
+              <a:rPr kumimoji="1" lang="ja-JP" altLang="en-US" dirty="0" smtClean="0">
+                <a:sym typeface="Wingdings" panose="05000000000000000000" pitchFamily="2" charset="2"/>
+              </a:rPr>
+              <a:t>空のプロジェクトが生成される</a:t>
+            </a:r>
+            <a:endParaRPr kumimoji="1" lang="en-US" altLang="ja-JP" dirty="0"/>
+          </a:p>
+          <a:p>
+            <a:endParaRPr kumimoji="1" lang="en-US" altLang="ja-JP" dirty="0" smtClean="0"/>
+          </a:p>
+          <a:p>
+            <a:r>
+              <a:rPr kumimoji="1" lang="en-US" altLang="ja-JP" dirty="0" smtClean="0"/>
+              <a:t>Ctrl + F5 </a:t>
+            </a:r>
+            <a:r>
+              <a:rPr kumimoji="1" lang="ja-JP" altLang="en-US" dirty="0" smtClean="0"/>
+              <a:t>でコンパイル</a:t>
+            </a:r>
+            <a:r>
+              <a:rPr kumimoji="1" lang="en-US" altLang="ja-JP" dirty="0" smtClean="0"/>
+              <a:t>+</a:t>
+            </a:r>
+            <a:r>
+              <a:rPr kumimoji="1" lang="ja-JP" altLang="en-US" dirty="0" smtClean="0"/>
+              <a:t>実行</a:t>
+            </a:r>
+            <a:endParaRPr kumimoji="1" lang="en-US" altLang="ja-JP" dirty="0" smtClean="0"/>
+          </a:p>
+          <a:p>
+            <a:pPr lvl="1"/>
+            <a:r>
+              <a:rPr lang="ja-JP" altLang="en-US" dirty="0"/>
+              <a:t>現在</a:t>
+            </a:r>
+            <a:r>
+              <a:rPr lang="ja-JP" altLang="en-US" dirty="0" smtClean="0"/>
+              <a:t>は</a:t>
+            </a:r>
+            <a:r>
+              <a:rPr lang="en-US" altLang="ja-JP" dirty="0" smtClean="0"/>
+              <a:t>hallo World</a:t>
+            </a:r>
+            <a:r>
+              <a:rPr lang="ja-JP" altLang="en-US" dirty="0" smtClean="0"/>
+              <a:t>とコンソールに出力</a:t>
+            </a:r>
+            <a:r>
+              <a:rPr lang="en-US" altLang="ja-JP" dirty="0" smtClean="0"/>
+              <a:t>				</a:t>
+            </a:r>
+            <a:r>
+              <a:rPr lang="ja-JP" altLang="en-US" dirty="0" smtClean="0"/>
+              <a:t>してすぐコンソールが消えるだけ</a:t>
+            </a:r>
+            <a:endParaRPr kumimoji="1" lang="ja-JP" altLang="en-US" dirty="0"/>
+          </a:p>
+        </p:txBody>
+      </p:sp>
+      <p:sp>
+        <p:nvSpPr>
+          <p:cNvPr id="4" name="スライド番号プレースホルダー 3"/>
+          <p:cNvSpPr>
+            <a:spLocks noGrp="1"/>
+          </p:cNvSpPr>
+          <p:nvPr>
+            <p:ph type="sldNum" sz="quarter" idx="12"/>
+          </p:nvPr>
+        </p:nvSpPr>
+        <p:spPr/>
+        <p:txBody>
+          <a:bodyPr/>
+          <a:lstStyle/>
+          <a:p>
+            <a:fld id="{6908AC80-5682-4C8F-945F-0672FD5979B7}" type="slidenum">
+              <a:rPr lang="ja-JP" altLang="en-US" smtClean="0"/>
+              <a:pPr/>
+              <a:t>7</a:t>
             </a:fld>
             <a:endParaRPr lang="ja-JP" altLang="en-US"/>
           </a:p>
@@ -14296,10 +17291,17 @@
   <p:clrMapOvr>
     <a:masterClrMapping/>
   </p:clrMapOvr>
+  <p:timing>
+    <p:tnLst>
+      <p:par>
+        <p:cTn id="1" dur="indefinite" restart="never" nodeType="tmRoot"/>
+      </p:par>
+    </p:tnLst>
+  </p:timing>
 </p:sld>
 </file>
 
-<file path=ppt/slides/slide6.xml><?xml version="1.0" encoding="utf-8"?>
+<file path=ppt/slides/slide8.xml><?xml version="1.0" encoding="utf-8"?>
 <p:sld xmlns:a="http://schemas.openxmlformats.org/drawingml/2006/main" xmlns:r="http://schemas.openxmlformats.org/officeDocument/2006/relationships" xmlns:p="http://schemas.openxmlformats.org/presentationml/2006/main">
   <p:cSld>
     <p:spTree>
@@ -14548,7 +17550,7 @@
             <a:fld id="{6908AC80-5682-4C8F-945F-0672FD5979B7}" type="slidenum">
               <a:rPr lang="ja-JP" altLang="en-US" smtClean="0"/>
               <a:pPr/>
-              <a:t>6</a:t>
+              <a:t>8</a:t>
             </a:fld>
             <a:endParaRPr lang="ja-JP" altLang="en-US"/>
           </a:p>
@@ -14588,10 +17590,17 @@
   <p:clrMapOvr>
     <a:masterClrMapping/>
   </p:clrMapOvr>
+  <p:timing>
+    <p:tnLst>
+      <p:par>
+        <p:cTn id="1" dur="indefinite" restart="never" nodeType="tmRoot"/>
+      </p:par>
+    </p:tnLst>
+  </p:timing>
 </p:sld>
 </file>
 
-<file path=ppt/slides/slide7.xml><?xml version="1.0" encoding="utf-8"?>
+<file path=ppt/slides/slide9.xml><?xml version="1.0" encoding="utf-8"?>
 <p:sld xmlns:a="http://schemas.openxmlformats.org/drawingml/2006/main" xmlns:r="http://schemas.openxmlformats.org/officeDocument/2006/relationships" xmlns:p="http://schemas.openxmlformats.org/presentationml/2006/main">
   <p:cSld>
     <p:spTree>
@@ -14937,7 +17946,7 @@
             <a:fld id="{6908AC80-5682-4C8F-945F-0672FD5979B7}" type="slidenum">
               <a:rPr lang="ja-JP" altLang="en-US" smtClean="0"/>
               <a:pPr/>
-              <a:t>7</a:t>
+              <a:t>9</a:t>
             </a:fld>
             <a:endParaRPr lang="ja-JP" altLang="en-US"/>
           </a:p>
@@ -15001,1302 +18010,13 @@
   <p:clrMapOvr>
     <a:masterClrMapping/>
   </p:clrMapOvr>
-</p:sld>
-</file>
-
-<file path=ppt/slides/slide8.xml><?xml version="1.0" encoding="utf-8"?>
-<p:sld xmlns:a="http://schemas.openxmlformats.org/drawingml/2006/main" xmlns:r="http://schemas.openxmlformats.org/officeDocument/2006/relationships" xmlns:p="http://schemas.openxmlformats.org/presentationml/2006/main">
-  <p:cSld>
-    <p:spTree>
-      <p:nvGrpSpPr>
-        <p:cNvPr id="1" name=""/>
-        <p:cNvGrpSpPr/>
-        <p:nvPr/>
-      </p:nvGrpSpPr>
-      <p:grpSpPr>
-        <a:xfrm>
-          <a:off x="0" y="0"/>
-          <a:ext cx="0" cy="0"/>
-          <a:chOff x="0" y="0"/>
-          <a:chExt cx="0" cy="0"/>
-        </a:xfrm>
-      </p:grpSpPr>
-      <p:sp>
-        <p:nvSpPr>
-          <p:cNvPr id="2" name="タイトル 1"/>
-          <p:cNvSpPr>
-            <a:spLocks noGrp="1"/>
-          </p:cNvSpPr>
-          <p:nvPr>
-            <p:ph type="title"/>
-          </p:nvPr>
-        </p:nvSpPr>
-        <p:spPr/>
-        <p:txBody>
-          <a:bodyPr>
-            <a:normAutofit fontScale="90000"/>
-          </a:bodyPr>
-          <a:lstStyle/>
-          <a:p>
-            <a:r>
-              <a:rPr kumimoji="1" lang="en-US" altLang="ja-JP" dirty="0" smtClean="0"/>
-              <a:t>Form</a:t>
-            </a:r>
-            <a:r>
-              <a:rPr kumimoji="1" lang="ja-JP" altLang="en-US" dirty="0" smtClean="0"/>
-              <a:t>を編集する</a:t>
-            </a:r>
-            <a:endParaRPr kumimoji="1" lang="ja-JP" altLang="en-US" dirty="0"/>
-          </a:p>
-        </p:txBody>
-      </p:sp>
-      <p:sp>
-        <p:nvSpPr>
-          <p:cNvPr id="3" name="コンテンツ プレースホルダー 2"/>
-          <p:cNvSpPr>
-            <a:spLocks noGrp="1"/>
-          </p:cNvSpPr>
-          <p:nvPr>
-            <p:ph idx="1"/>
-          </p:nvPr>
-        </p:nvSpPr>
-        <p:spPr/>
-        <p:txBody>
-          <a:bodyPr>
-            <a:normAutofit/>
-          </a:bodyPr>
-          <a:lstStyle/>
-          <a:p>
-            <a:pPr>
-              <a:spcBef>
-                <a:spcPts val="600"/>
-              </a:spcBef>
-            </a:pPr>
-            <a:r>
-              <a:rPr kumimoji="1" lang="en-US" altLang="ja-JP" sz="2000" dirty="0" smtClean="0"/>
-              <a:t>Form</a:t>
-            </a:r>
-            <a:r>
-              <a:rPr kumimoji="1" lang="ja-JP" altLang="en-US" sz="2000" dirty="0" smtClean="0"/>
-              <a:t>をドラッグして大きくする</a:t>
-            </a:r>
-            <a:endParaRPr kumimoji="1" lang="en-US" altLang="ja-JP" sz="2000" dirty="0" smtClean="0"/>
-          </a:p>
-          <a:p>
-            <a:pPr>
-              <a:spcBef>
-                <a:spcPts val="600"/>
-              </a:spcBef>
-            </a:pPr>
-            <a:r>
-              <a:rPr lang="ja-JP" altLang="en-US" sz="2000" dirty="0" smtClean="0"/>
-              <a:t>ツールボックスから</a:t>
-            </a:r>
-            <a:r>
-              <a:rPr lang="en-US" altLang="ja-JP" sz="2000" dirty="0" smtClean="0"/>
-              <a:t>form</a:t>
-            </a:r>
-            <a:r>
-              <a:rPr lang="ja-JP" altLang="en-US" sz="2000" dirty="0" smtClean="0"/>
-              <a:t>中央へ </a:t>
-            </a:r>
-            <a:r>
-              <a:rPr lang="en-US" altLang="ja-JP" sz="2000" dirty="0" smtClean="0"/>
-              <a:t>“panel” </a:t>
-            </a:r>
-            <a:r>
-              <a:rPr lang="ja-JP" altLang="en-US" sz="2000" dirty="0" smtClean="0"/>
-              <a:t>をドラッグドロップ</a:t>
-            </a:r>
-            <a:endParaRPr lang="en-US" altLang="ja-JP" sz="2000" dirty="0" smtClean="0"/>
-          </a:p>
-          <a:p>
-            <a:pPr>
-              <a:spcBef>
-                <a:spcPts val="600"/>
-              </a:spcBef>
-            </a:pPr>
-            <a:r>
-              <a:rPr lang="ja-JP" altLang="en-US" sz="2000" dirty="0"/>
-              <a:t>配置</a:t>
-            </a:r>
-            <a:r>
-              <a:rPr lang="ja-JP" altLang="en-US" sz="2000" dirty="0" smtClean="0"/>
-              <a:t>した</a:t>
-            </a:r>
-            <a:r>
-              <a:rPr lang="en-US" altLang="ja-JP" sz="2000" dirty="0" smtClean="0"/>
-              <a:t>panel</a:t>
-            </a:r>
-            <a:r>
-              <a:rPr lang="ja-JP" altLang="en-US" sz="2000" dirty="0" smtClean="0"/>
-              <a:t>を右クリックし，プロパティを表示</a:t>
-            </a:r>
-            <a:endParaRPr lang="en-US" altLang="ja-JP" sz="2000" dirty="0" smtClean="0"/>
-          </a:p>
-          <a:p>
-            <a:pPr lvl="1">
-              <a:spcBef>
-                <a:spcPts val="600"/>
-              </a:spcBef>
-            </a:pPr>
-            <a:r>
-              <a:rPr lang="en-US" altLang="ja-JP" sz="1800" dirty="0" smtClean="0"/>
-              <a:t>Name</a:t>
-            </a:r>
-            <a:r>
-              <a:rPr lang="ja-JP" altLang="en-US" sz="1800" dirty="0" smtClean="0"/>
-              <a:t>を </a:t>
-            </a:r>
-            <a:r>
-              <a:rPr lang="en-US" altLang="ja-JP" sz="1800" dirty="0" err="1" smtClean="0"/>
-              <a:t>m_main_panel</a:t>
-            </a:r>
-            <a:r>
-              <a:rPr lang="en-US" altLang="ja-JP" sz="1800" dirty="0" smtClean="0"/>
-              <a:t> </a:t>
-            </a:r>
-            <a:r>
-              <a:rPr lang="ja-JP" altLang="en-US" sz="1800" dirty="0" smtClean="0"/>
-              <a:t>に変更 </a:t>
-            </a:r>
-            <a:r>
-              <a:rPr lang="en-US" altLang="ja-JP" sz="1800" dirty="0" smtClean="0"/>
-              <a:t>(</a:t>
-            </a:r>
-            <a:r>
-              <a:rPr lang="ja-JP" altLang="en-US" sz="1800" dirty="0" smtClean="0"/>
-              <a:t>これが</a:t>
-            </a:r>
-            <a:r>
-              <a:rPr lang="en-US" altLang="ja-JP" sz="1800" dirty="0" err="1" smtClean="0"/>
-              <a:t>MainForm</a:t>
-            </a:r>
-            <a:r>
-              <a:rPr lang="ja-JP" altLang="en-US" sz="1800" dirty="0" smtClean="0"/>
-              <a:t>クラスの変数名になる</a:t>
-            </a:r>
-            <a:r>
-              <a:rPr lang="en-US" altLang="ja-JP" sz="1800" dirty="0" smtClean="0"/>
-              <a:t>)</a:t>
-            </a:r>
-          </a:p>
-          <a:p>
-            <a:pPr lvl="1">
-              <a:spcBef>
-                <a:spcPts val="600"/>
-              </a:spcBef>
-            </a:pPr>
-            <a:r>
-              <a:rPr lang="en-US" altLang="ja-JP" sz="1800" dirty="0" smtClean="0"/>
-              <a:t>Anchor </a:t>
-            </a:r>
-            <a:r>
-              <a:rPr lang="ja-JP" altLang="en-US" sz="1800" dirty="0" smtClean="0"/>
-              <a:t>を </a:t>
-            </a:r>
-            <a:r>
-              <a:rPr lang="en-US" altLang="ja-JP" sz="1800" dirty="0" smtClean="0"/>
-              <a:t>right/left/top/bottom</a:t>
-            </a:r>
-            <a:r>
-              <a:rPr lang="ja-JP" altLang="en-US" sz="1800" dirty="0" smtClean="0"/>
-              <a:t>に指定　</a:t>
-            </a:r>
-            <a:endParaRPr lang="en-US" altLang="ja-JP" sz="1800" dirty="0" smtClean="0"/>
-          </a:p>
-          <a:p>
-            <a:pPr lvl="1">
-              <a:spcBef>
-                <a:spcPts val="600"/>
-              </a:spcBef>
-            </a:pPr>
-            <a:r>
-              <a:rPr kumimoji="1" lang="en-US" altLang="ja-JP" sz="1800" dirty="0" err="1" smtClean="0"/>
-              <a:t>autoSize</a:t>
-            </a:r>
-            <a:r>
-              <a:rPr kumimoji="1" lang="en-US" altLang="ja-JP" sz="1800" dirty="0" smtClean="0"/>
-              <a:t> </a:t>
-            </a:r>
-            <a:r>
-              <a:rPr kumimoji="1" lang="ja-JP" altLang="en-US" sz="1800" dirty="0" smtClean="0"/>
-              <a:t>を </a:t>
-            </a:r>
-            <a:r>
-              <a:rPr kumimoji="1" lang="en-US" altLang="ja-JP" sz="1800" dirty="0" smtClean="0"/>
-              <a:t>true</a:t>
-            </a:r>
-            <a:r>
-              <a:rPr kumimoji="1" lang="ja-JP" altLang="en-US" sz="1800" dirty="0" smtClean="0"/>
-              <a:t>に</a:t>
-            </a:r>
-            <a:endParaRPr kumimoji="1" lang="ja-JP" altLang="en-US" sz="1800" dirty="0"/>
-          </a:p>
-        </p:txBody>
-      </p:sp>
-      <p:sp>
-        <p:nvSpPr>
-          <p:cNvPr id="4" name="スライド番号プレースホルダー 3"/>
-          <p:cNvSpPr>
-            <a:spLocks noGrp="1"/>
-          </p:cNvSpPr>
-          <p:nvPr>
-            <p:ph type="sldNum" sz="quarter" idx="12"/>
-          </p:nvPr>
-        </p:nvSpPr>
-        <p:spPr/>
-        <p:txBody>
-          <a:bodyPr/>
-          <a:lstStyle/>
-          <a:p>
-            <a:fld id="{6908AC80-5682-4C8F-945F-0672FD5979B7}" type="slidenum">
-              <a:rPr lang="ja-JP" altLang="en-US" smtClean="0"/>
-              <a:pPr/>
-              <a:t>8</a:t>
-            </a:fld>
-            <a:endParaRPr lang="ja-JP" altLang="en-US"/>
-          </a:p>
-        </p:txBody>
-      </p:sp>
-      <p:pic>
-        <p:nvPicPr>
-          <p:cNvPr id="5" name="図 4"/>
-          <p:cNvPicPr>
-            <a:picLocks noChangeAspect="1"/>
-          </p:cNvPicPr>
-          <p:nvPr/>
-        </p:nvPicPr>
-        <p:blipFill>
-          <a:blip r:embed="rId2"/>
-          <a:stretch>
-            <a:fillRect/>
-          </a:stretch>
-        </p:blipFill>
-        <p:spPr>
-          <a:xfrm>
-            <a:off x="6498077" y="2958334"/>
-            <a:ext cx="4957756" cy="3734295"/>
-          </a:xfrm>
-          <a:prstGeom prst="rect">
-            <a:avLst/>
-          </a:prstGeom>
-        </p:spPr>
-      </p:pic>
-    </p:spTree>
-    <p:extLst>
-      <p:ext uri="{BB962C8B-B14F-4D97-AF65-F5344CB8AC3E}">
-        <p14:creationId xmlns:p14="http://schemas.microsoft.com/office/powerpoint/2010/main" val="4200611496"/>
-      </p:ext>
-    </p:extLst>
-  </p:cSld>
-  <p:clrMapOvr>
-    <a:masterClrMapping/>
-  </p:clrMapOvr>
-</p:sld>
-</file>
-
-<file path=ppt/slides/slide9.xml><?xml version="1.0" encoding="utf-8"?>
-<p:sld xmlns:a="http://schemas.openxmlformats.org/drawingml/2006/main" xmlns:r="http://schemas.openxmlformats.org/officeDocument/2006/relationships" xmlns:p="http://schemas.openxmlformats.org/presentationml/2006/main">
-  <p:cSld>
-    <p:spTree>
-      <p:nvGrpSpPr>
-        <p:cNvPr id="1" name=""/>
-        <p:cNvGrpSpPr/>
-        <p:nvPr/>
-      </p:nvGrpSpPr>
-      <p:grpSpPr>
-        <a:xfrm>
-          <a:off x="0" y="0"/>
-          <a:ext cx="0" cy="0"/>
-          <a:chOff x="0" y="0"/>
-          <a:chExt cx="0" cy="0"/>
-        </a:xfrm>
-      </p:grpSpPr>
-      <p:sp>
-        <p:nvSpPr>
-          <p:cNvPr id="2" name="タイトル 1"/>
-          <p:cNvSpPr>
-            <a:spLocks noGrp="1"/>
-          </p:cNvSpPr>
-          <p:nvPr>
-            <p:ph type="title"/>
-          </p:nvPr>
-        </p:nvSpPr>
-        <p:spPr/>
-        <p:txBody>
-          <a:bodyPr>
-            <a:normAutofit fontScale="90000"/>
-          </a:bodyPr>
-          <a:lstStyle/>
-          <a:p>
-            <a:r>
-              <a:rPr kumimoji="1" lang="en-US" altLang="ja-JP" dirty="0" smtClean="0"/>
-              <a:t>Form</a:t>
-            </a:r>
-            <a:r>
-              <a:rPr kumimoji="1" lang="ja-JP" altLang="en-US" dirty="0" smtClean="0"/>
-              <a:t>を表示する </a:t>
-            </a:r>
-            <a:r>
-              <a:rPr kumimoji="1" lang="en-US" altLang="ja-JP" dirty="0" smtClean="0"/>
-              <a:t>(1/2)</a:t>
-            </a:r>
-            <a:endParaRPr kumimoji="1" lang="ja-JP" altLang="en-US" dirty="0"/>
-          </a:p>
-        </p:txBody>
-      </p:sp>
-      <p:sp>
-        <p:nvSpPr>
-          <p:cNvPr id="3" name="コンテンツ プレースホルダー 2"/>
-          <p:cNvSpPr>
-            <a:spLocks noGrp="1"/>
-          </p:cNvSpPr>
-          <p:nvPr>
-            <p:ph idx="1"/>
-          </p:nvPr>
-        </p:nvSpPr>
-        <p:spPr>
-          <a:xfrm>
-            <a:off x="838200" y="1127050"/>
-            <a:ext cx="10515600" cy="1966346"/>
-          </a:xfrm>
-        </p:spPr>
-        <p:txBody>
-          <a:bodyPr>
-            <a:normAutofit/>
-          </a:bodyPr>
-          <a:lstStyle/>
-          <a:p>
-            <a:pPr>
-              <a:spcBef>
-                <a:spcPts val="600"/>
-              </a:spcBef>
-            </a:pPr>
-            <a:r>
-              <a:rPr kumimoji="1" lang="en-US" altLang="ja-JP" sz="2400" dirty="0" smtClean="0">
-                <a:latin typeface="+mj-ea"/>
-                <a:ea typeface="+mj-ea"/>
-              </a:rPr>
-              <a:t>Form</a:t>
-            </a:r>
-            <a:r>
-              <a:rPr kumimoji="1" lang="ja-JP" altLang="en-US" sz="2400" dirty="0" smtClean="0">
-                <a:latin typeface="+mj-ea"/>
-                <a:ea typeface="+mj-ea"/>
-              </a:rPr>
-              <a:t>を</a:t>
-            </a:r>
-            <a:r>
-              <a:rPr kumimoji="1" lang="en-US" altLang="ja-JP" sz="2400" dirty="0" smtClean="0">
-                <a:latin typeface="+mj-ea"/>
-                <a:ea typeface="+mj-ea"/>
-              </a:rPr>
-              <a:t>singleton</a:t>
-            </a:r>
-            <a:r>
-              <a:rPr kumimoji="1" lang="ja-JP" altLang="en-US" sz="2400" dirty="0" smtClean="0">
-                <a:latin typeface="+mj-ea"/>
-                <a:ea typeface="+mj-ea"/>
-              </a:rPr>
-              <a:t>に</a:t>
-            </a:r>
-            <a:endParaRPr kumimoji="1" lang="en-US" altLang="ja-JP" sz="2400" dirty="0" smtClean="0">
-              <a:latin typeface="+mj-ea"/>
-              <a:ea typeface="+mj-ea"/>
-            </a:endParaRPr>
-          </a:p>
-          <a:p>
-            <a:pPr lvl="1">
-              <a:spcBef>
-                <a:spcPts val="600"/>
-              </a:spcBef>
-            </a:pPr>
-            <a:r>
-              <a:rPr kumimoji="1" lang="en-US" altLang="ja-JP" sz="2000" dirty="0" smtClean="0">
-                <a:latin typeface="+mj-ea"/>
-                <a:ea typeface="+mj-ea"/>
-              </a:rPr>
-              <a:t>Constructor </a:t>
-            </a:r>
-            <a:r>
-              <a:rPr kumimoji="1" lang="ja-JP" altLang="en-US" sz="2000" dirty="0" smtClean="0">
-                <a:latin typeface="+mj-ea"/>
-                <a:ea typeface="+mj-ea"/>
-              </a:rPr>
-              <a:t>を</a:t>
-            </a:r>
-            <a:r>
-              <a:rPr kumimoji="1" lang="en-US" altLang="ja-JP" sz="2000" dirty="0" smtClean="0">
-                <a:latin typeface="+mj-ea"/>
-                <a:ea typeface="+mj-ea"/>
-              </a:rPr>
-              <a:t>private</a:t>
-            </a:r>
-            <a:r>
-              <a:rPr kumimoji="1" lang="ja-JP" altLang="en-US" sz="2000" dirty="0" smtClean="0">
-                <a:latin typeface="+mj-ea"/>
-                <a:ea typeface="+mj-ea"/>
-              </a:rPr>
-              <a:t>に</a:t>
-            </a:r>
-            <a:endParaRPr kumimoji="1" lang="en-US" altLang="ja-JP" sz="2000" dirty="0" smtClean="0">
-              <a:latin typeface="+mj-ea"/>
-              <a:ea typeface="+mj-ea"/>
-            </a:endParaRPr>
-          </a:p>
-          <a:p>
-            <a:pPr lvl="1">
-              <a:spcBef>
-                <a:spcPts val="600"/>
-              </a:spcBef>
-            </a:pPr>
-            <a:r>
-              <a:rPr lang="en-US" altLang="ja-JP" sz="2000" dirty="0">
-                <a:solidFill>
-                  <a:srgbClr val="0000FF"/>
-                </a:solidFill>
-                <a:latin typeface="+mj-ea"/>
-                <a:ea typeface="+mj-ea"/>
-              </a:rPr>
-              <a:t>static</a:t>
-            </a:r>
-            <a:r>
-              <a:rPr lang="en-US" altLang="ja-JP" sz="2000" dirty="0">
-                <a:solidFill>
-                  <a:srgbClr val="000000"/>
-                </a:solidFill>
-                <a:latin typeface="+mj-ea"/>
-                <a:ea typeface="+mj-ea"/>
-              </a:rPr>
-              <a:t> </a:t>
-            </a:r>
-            <a:r>
-              <a:rPr lang="en-US" altLang="ja-JP" sz="2000" dirty="0" err="1">
-                <a:solidFill>
-                  <a:srgbClr val="2B91AF"/>
-                </a:solidFill>
-                <a:latin typeface="+mj-ea"/>
-                <a:ea typeface="+mj-ea"/>
-              </a:rPr>
-              <a:t>MainForm</a:t>
-            </a:r>
-            <a:r>
-              <a:rPr lang="en-US" altLang="ja-JP" sz="2000" dirty="0">
-                <a:solidFill>
-                  <a:srgbClr val="000000"/>
-                </a:solidFill>
-                <a:latin typeface="+mj-ea"/>
-                <a:ea typeface="+mj-ea"/>
-              </a:rPr>
-              <a:t>^ </a:t>
-            </a:r>
-            <a:r>
-              <a:rPr lang="en-US" altLang="ja-JP" sz="2000" dirty="0" err="1" smtClean="0">
-                <a:solidFill>
-                  <a:srgbClr val="000000"/>
-                </a:solidFill>
-                <a:latin typeface="+mj-ea"/>
-                <a:ea typeface="+mj-ea"/>
-              </a:rPr>
-              <a:t>m_singleton</a:t>
-            </a:r>
-            <a:r>
-              <a:rPr lang="en-US" altLang="ja-JP" sz="2000" dirty="0" smtClean="0">
-                <a:solidFill>
-                  <a:srgbClr val="000000"/>
-                </a:solidFill>
-                <a:latin typeface="+mj-ea"/>
-                <a:ea typeface="+mj-ea"/>
-              </a:rPr>
-              <a:t>; </a:t>
-            </a:r>
-            <a:r>
-              <a:rPr lang="ja-JP" altLang="en-US" sz="2000" dirty="0" smtClean="0">
-                <a:solidFill>
-                  <a:srgbClr val="000000"/>
-                </a:solidFill>
-                <a:latin typeface="+mj-ea"/>
-                <a:ea typeface="+mj-ea"/>
-              </a:rPr>
-              <a:t>というフィールドを用意</a:t>
-            </a:r>
-            <a:endParaRPr lang="en-US" altLang="ja-JP" sz="2000" dirty="0" smtClean="0">
-              <a:solidFill>
-                <a:srgbClr val="000000"/>
-              </a:solidFill>
-              <a:latin typeface="+mj-ea"/>
-              <a:ea typeface="+mj-ea"/>
-            </a:endParaRPr>
-          </a:p>
-          <a:p>
-            <a:pPr lvl="1">
-              <a:spcBef>
-                <a:spcPts val="600"/>
-              </a:spcBef>
-            </a:pPr>
-            <a:r>
-              <a:rPr lang="en-US" altLang="ja-JP" sz="2000" dirty="0" err="1" smtClean="0">
-                <a:solidFill>
-                  <a:srgbClr val="000000"/>
-                </a:solidFill>
-                <a:latin typeface="+mj-ea"/>
-                <a:ea typeface="+mj-ea"/>
-              </a:rPr>
-              <a:t>getInst</a:t>
-            </a:r>
-            <a:r>
-              <a:rPr lang="ja-JP" altLang="en-US" sz="2000" dirty="0">
-                <a:solidFill>
-                  <a:srgbClr val="000000"/>
-                </a:solidFill>
-                <a:latin typeface="+mj-ea"/>
-                <a:ea typeface="+mj-ea"/>
-              </a:rPr>
-              <a:t>関数</a:t>
-            </a:r>
-            <a:r>
-              <a:rPr lang="ja-JP" altLang="en-US" sz="2000" dirty="0" smtClean="0">
-                <a:solidFill>
-                  <a:srgbClr val="000000"/>
-                </a:solidFill>
-                <a:latin typeface="+mj-ea"/>
-                <a:ea typeface="+mj-ea"/>
-              </a:rPr>
-              <a:t>を用意</a:t>
-            </a:r>
-            <a:endParaRPr kumimoji="1" lang="ja-JP" altLang="en-US" sz="2400" dirty="0">
-              <a:latin typeface="+mj-ea"/>
-              <a:ea typeface="+mj-ea"/>
-            </a:endParaRPr>
-          </a:p>
-        </p:txBody>
-      </p:sp>
-      <p:sp>
-        <p:nvSpPr>
-          <p:cNvPr id="4" name="スライド番号プレースホルダー 3"/>
-          <p:cNvSpPr>
-            <a:spLocks noGrp="1"/>
-          </p:cNvSpPr>
-          <p:nvPr>
-            <p:ph type="sldNum" sz="quarter" idx="12"/>
-          </p:nvPr>
-        </p:nvSpPr>
-        <p:spPr/>
-        <p:txBody>
-          <a:bodyPr/>
-          <a:lstStyle/>
-          <a:p>
-            <a:fld id="{6908AC80-5682-4C8F-945F-0672FD5979B7}" type="slidenum">
-              <a:rPr lang="ja-JP" altLang="en-US" smtClean="0"/>
-              <a:pPr/>
-              <a:t>9</a:t>
-            </a:fld>
-            <a:endParaRPr lang="ja-JP" altLang="en-US"/>
-          </a:p>
-        </p:txBody>
-      </p:sp>
-      <p:sp>
-        <p:nvSpPr>
-          <p:cNvPr id="6" name="正方形/長方形 5"/>
-          <p:cNvSpPr/>
-          <p:nvPr/>
-        </p:nvSpPr>
-        <p:spPr>
-          <a:xfrm>
-            <a:off x="953312" y="3067564"/>
-            <a:ext cx="7636212" cy="3170099"/>
-          </a:xfrm>
-          <a:prstGeom prst="rect">
-            <a:avLst/>
-          </a:prstGeom>
-          <a:solidFill>
-            <a:schemeClr val="accent4">
-              <a:lumMod val="20000"/>
-              <a:lumOff val="80000"/>
-            </a:schemeClr>
-          </a:solidFill>
-        </p:spPr>
-        <p:txBody>
-          <a:bodyPr wrap="square">
-            <a:spAutoFit/>
-          </a:bodyPr>
-          <a:lstStyle/>
-          <a:p>
-            <a:pPr>
-              <a:lnSpc>
-                <a:spcPts val="1600"/>
-              </a:lnSpc>
-            </a:pPr>
-            <a:r>
-              <a:rPr lang="en-US" altLang="ja-JP" sz="1600" dirty="0">
-                <a:solidFill>
-                  <a:srgbClr val="0000FF"/>
-                </a:solidFill>
-                <a:latin typeface="ＭＳ ゴシック" panose="020B0609070205080204" pitchFamily="49" charset="-128"/>
-                <a:ea typeface="ＭＳ ゴシック" panose="020B0609070205080204" pitchFamily="49" charset="-128"/>
-              </a:rPr>
-              <a:t>private</a:t>
-            </a:r>
-            <a:r>
-              <a:rPr lang="en-US" altLang="ja-JP" sz="1600" dirty="0">
-                <a:solidFill>
-                  <a:srgbClr val="000000"/>
-                </a:solidFill>
-                <a:latin typeface="ＭＳ ゴシック" panose="020B0609070205080204" pitchFamily="49" charset="-128"/>
-                <a:ea typeface="ＭＳ ゴシック" panose="020B0609070205080204" pitchFamily="49" charset="-128"/>
-              </a:rPr>
-              <a:t>:</a:t>
-            </a:r>
-          </a:p>
-          <a:p>
-            <a:pPr>
-              <a:lnSpc>
-                <a:spcPts val="1600"/>
-              </a:lnSpc>
-            </a:pPr>
-            <a:r>
-              <a:rPr lang="ja-JP" altLang="en-US" sz="1600" dirty="0">
-                <a:solidFill>
-                  <a:srgbClr val="000000"/>
-                </a:solidFill>
-                <a:latin typeface="ＭＳ ゴシック" panose="020B0609070205080204" pitchFamily="49" charset="-128"/>
-                <a:ea typeface="ＭＳ ゴシック" panose="020B0609070205080204" pitchFamily="49" charset="-128"/>
-              </a:rPr>
-              <a:t> </a:t>
-            </a:r>
-            <a:r>
-              <a:rPr lang="ja-JP" altLang="en-US" sz="1600" dirty="0" smtClean="0">
-                <a:solidFill>
-                  <a:srgbClr val="000000"/>
-                </a:solidFill>
-                <a:latin typeface="ＭＳ ゴシック" panose="020B0609070205080204" pitchFamily="49" charset="-128"/>
-                <a:ea typeface="ＭＳ ゴシック" panose="020B0609070205080204" pitchFamily="49" charset="-128"/>
-              </a:rPr>
-              <a:t> </a:t>
-            </a:r>
-            <a:r>
-              <a:rPr lang="en-US" altLang="ja-JP" sz="1600" dirty="0" err="1" smtClean="0">
-                <a:solidFill>
-                  <a:srgbClr val="000000"/>
-                </a:solidFill>
-                <a:latin typeface="ＭＳ ゴシック" panose="020B0609070205080204" pitchFamily="49" charset="-128"/>
-                <a:ea typeface="ＭＳ ゴシック" panose="020B0609070205080204" pitchFamily="49" charset="-128"/>
-              </a:rPr>
-              <a:t>MainForm</a:t>
-            </a:r>
-            <a:r>
-              <a:rPr lang="en-US" altLang="ja-JP" sz="1600" dirty="0" smtClean="0">
-                <a:solidFill>
-                  <a:srgbClr val="000000"/>
-                </a:solidFill>
-                <a:latin typeface="ＭＳ ゴシック" panose="020B0609070205080204" pitchFamily="49" charset="-128"/>
-                <a:ea typeface="ＭＳ ゴシック" panose="020B0609070205080204" pitchFamily="49" charset="-128"/>
-              </a:rPr>
-              <a:t>(</a:t>
-            </a:r>
-            <a:r>
-              <a:rPr lang="en-US" altLang="ja-JP" sz="1600" dirty="0" smtClean="0">
-                <a:solidFill>
-                  <a:srgbClr val="0000FF"/>
-                </a:solidFill>
-                <a:latin typeface="ＭＳ ゴシック" panose="020B0609070205080204" pitchFamily="49" charset="-128"/>
-                <a:ea typeface="ＭＳ ゴシック" panose="020B0609070205080204" pitchFamily="49" charset="-128"/>
-              </a:rPr>
-              <a:t>void</a:t>
-            </a:r>
-            <a:r>
-              <a:rPr lang="en-US" altLang="ja-JP" sz="1600" dirty="0">
-                <a:solidFill>
-                  <a:srgbClr val="000000"/>
-                </a:solidFill>
-                <a:latin typeface="ＭＳ ゴシック" panose="020B0609070205080204" pitchFamily="49" charset="-128"/>
-                <a:ea typeface="ＭＳ ゴシック" panose="020B0609070205080204" pitchFamily="49" charset="-128"/>
-              </a:rPr>
-              <a:t>)</a:t>
-            </a:r>
-          </a:p>
-          <a:p>
-            <a:pPr>
-              <a:lnSpc>
-                <a:spcPts val="1600"/>
-              </a:lnSpc>
-            </a:pPr>
-            <a:r>
-              <a:rPr lang="en-US" altLang="ja-JP" sz="1600" dirty="0" smtClean="0">
-                <a:solidFill>
-                  <a:srgbClr val="000000"/>
-                </a:solidFill>
-                <a:latin typeface="ＭＳ ゴシック" panose="020B0609070205080204" pitchFamily="49" charset="-128"/>
-                <a:ea typeface="ＭＳ ゴシック" panose="020B0609070205080204" pitchFamily="49" charset="-128"/>
-              </a:rPr>
-              <a:t>  {</a:t>
-            </a:r>
-            <a:endParaRPr lang="en-US" altLang="ja-JP" sz="1600" dirty="0">
-              <a:solidFill>
-                <a:srgbClr val="000000"/>
-              </a:solidFill>
-              <a:latin typeface="ＭＳ ゴシック" panose="020B0609070205080204" pitchFamily="49" charset="-128"/>
-              <a:ea typeface="ＭＳ ゴシック" panose="020B0609070205080204" pitchFamily="49" charset="-128"/>
-            </a:endParaRPr>
-          </a:p>
-          <a:p>
-            <a:pPr>
-              <a:lnSpc>
-                <a:spcPts val="1600"/>
-              </a:lnSpc>
-            </a:pPr>
-            <a:r>
-              <a:rPr lang="en-US" altLang="ja-JP" sz="1600" dirty="0" smtClean="0">
-                <a:solidFill>
-                  <a:srgbClr val="000000"/>
-                </a:solidFill>
-                <a:latin typeface="ＭＳ ゴシック" panose="020B0609070205080204" pitchFamily="49" charset="-128"/>
-                <a:ea typeface="ＭＳ ゴシック" panose="020B0609070205080204" pitchFamily="49" charset="-128"/>
-              </a:rPr>
-              <a:t>    </a:t>
-            </a:r>
-            <a:r>
-              <a:rPr lang="en-US" altLang="ja-JP" sz="1600" dirty="0" err="1" smtClean="0">
-                <a:solidFill>
-                  <a:srgbClr val="000000"/>
-                </a:solidFill>
-                <a:latin typeface="ＭＳ ゴシック" panose="020B0609070205080204" pitchFamily="49" charset="-128"/>
-                <a:ea typeface="ＭＳ ゴシック" panose="020B0609070205080204" pitchFamily="49" charset="-128"/>
-              </a:rPr>
-              <a:t>InitializeComponent</a:t>
-            </a:r>
-            <a:r>
-              <a:rPr lang="en-US" altLang="ja-JP" sz="1600" dirty="0">
-                <a:solidFill>
-                  <a:srgbClr val="000000"/>
-                </a:solidFill>
-                <a:latin typeface="ＭＳ ゴシック" panose="020B0609070205080204" pitchFamily="49" charset="-128"/>
-                <a:ea typeface="ＭＳ ゴシック" panose="020B0609070205080204" pitchFamily="49" charset="-128"/>
-              </a:rPr>
-              <a:t>();</a:t>
-            </a:r>
-          </a:p>
-          <a:p>
-            <a:pPr>
-              <a:lnSpc>
-                <a:spcPts val="1600"/>
-              </a:lnSpc>
-            </a:pPr>
-            <a:r>
-              <a:rPr lang="en-US" altLang="ja-JP" sz="1600" dirty="0" smtClean="0">
-                <a:solidFill>
-                  <a:srgbClr val="000000"/>
-                </a:solidFill>
-                <a:latin typeface="ＭＳ ゴシック" panose="020B0609070205080204" pitchFamily="49" charset="-128"/>
-                <a:ea typeface="ＭＳ ゴシック" panose="020B0609070205080204" pitchFamily="49" charset="-128"/>
-              </a:rPr>
-              <a:t>  }</a:t>
-            </a:r>
-            <a:endParaRPr lang="en-US" altLang="ja-JP" sz="1600" dirty="0">
-              <a:solidFill>
-                <a:srgbClr val="000000"/>
-              </a:solidFill>
-              <a:latin typeface="ＭＳ ゴシック" panose="020B0609070205080204" pitchFamily="49" charset="-128"/>
-              <a:ea typeface="ＭＳ ゴシック" panose="020B0609070205080204" pitchFamily="49" charset="-128"/>
-            </a:endParaRPr>
-          </a:p>
-          <a:p>
-            <a:pPr>
-              <a:lnSpc>
-                <a:spcPts val="1600"/>
-              </a:lnSpc>
-            </a:pPr>
-            <a:endParaRPr lang="ja-JP" altLang="en-US" sz="1600" dirty="0">
-              <a:solidFill>
-                <a:srgbClr val="000000"/>
-              </a:solidFill>
-              <a:latin typeface="ＭＳ ゴシック" panose="020B0609070205080204" pitchFamily="49" charset="-128"/>
-              <a:ea typeface="ＭＳ ゴシック" panose="020B0609070205080204" pitchFamily="49" charset="-128"/>
-            </a:endParaRPr>
-          </a:p>
-          <a:p>
-            <a:pPr>
-              <a:lnSpc>
-                <a:spcPts val="1600"/>
-              </a:lnSpc>
-            </a:pPr>
-            <a:r>
-              <a:rPr lang="en-US" altLang="ja-JP" sz="1600" dirty="0" smtClean="0">
-                <a:solidFill>
-                  <a:srgbClr val="0000FF"/>
-                </a:solidFill>
-                <a:latin typeface="ＭＳ ゴシック" panose="020B0609070205080204" pitchFamily="49" charset="-128"/>
-                <a:ea typeface="ＭＳ ゴシック" panose="020B0609070205080204" pitchFamily="49" charset="-128"/>
-              </a:rPr>
-              <a:t>private</a:t>
-            </a:r>
-            <a:r>
-              <a:rPr lang="en-US" altLang="ja-JP" sz="1600" dirty="0">
-                <a:solidFill>
-                  <a:srgbClr val="000000"/>
-                </a:solidFill>
-                <a:latin typeface="ＭＳ ゴシック" panose="020B0609070205080204" pitchFamily="49" charset="-128"/>
-                <a:ea typeface="ＭＳ ゴシック" panose="020B0609070205080204" pitchFamily="49" charset="-128"/>
-              </a:rPr>
-              <a:t>:</a:t>
-            </a:r>
-          </a:p>
-          <a:p>
-            <a:pPr>
-              <a:lnSpc>
-                <a:spcPts val="1600"/>
-              </a:lnSpc>
-            </a:pPr>
-            <a:r>
-              <a:rPr lang="en-US" altLang="ja-JP" sz="1600" dirty="0">
-                <a:solidFill>
-                  <a:srgbClr val="000000"/>
-                </a:solidFill>
-                <a:latin typeface="ＭＳ ゴシック" panose="020B0609070205080204" pitchFamily="49" charset="-128"/>
-                <a:ea typeface="ＭＳ ゴシック" panose="020B0609070205080204" pitchFamily="49" charset="-128"/>
-              </a:rPr>
-              <a:t>    </a:t>
-            </a:r>
-            <a:r>
-              <a:rPr lang="en-US" altLang="ja-JP" sz="1600" dirty="0">
-                <a:solidFill>
-                  <a:srgbClr val="0000FF"/>
-                </a:solidFill>
-                <a:latin typeface="ＭＳ ゴシック" panose="020B0609070205080204" pitchFamily="49" charset="-128"/>
-                <a:ea typeface="ＭＳ ゴシック" panose="020B0609070205080204" pitchFamily="49" charset="-128"/>
-              </a:rPr>
-              <a:t>static</a:t>
-            </a:r>
-            <a:r>
-              <a:rPr lang="en-US" altLang="ja-JP" sz="1600" dirty="0">
-                <a:solidFill>
-                  <a:srgbClr val="000000"/>
-                </a:solidFill>
-                <a:latin typeface="ＭＳ ゴシック" panose="020B0609070205080204" pitchFamily="49" charset="-128"/>
-                <a:ea typeface="ＭＳ ゴシック" panose="020B0609070205080204" pitchFamily="49" charset="-128"/>
-              </a:rPr>
-              <a:t> </a:t>
-            </a:r>
-            <a:r>
-              <a:rPr lang="en-US" altLang="ja-JP" sz="1600" dirty="0" err="1">
-                <a:solidFill>
-                  <a:srgbClr val="2B91AF"/>
-                </a:solidFill>
-                <a:latin typeface="ＭＳ ゴシック" panose="020B0609070205080204" pitchFamily="49" charset="-128"/>
-                <a:ea typeface="ＭＳ ゴシック" panose="020B0609070205080204" pitchFamily="49" charset="-128"/>
-              </a:rPr>
-              <a:t>MainForm</a:t>
-            </a:r>
-            <a:r>
-              <a:rPr lang="en-US" altLang="ja-JP" sz="1600" dirty="0">
-                <a:solidFill>
-                  <a:srgbClr val="000000"/>
-                </a:solidFill>
-                <a:latin typeface="ＭＳ ゴシック" panose="020B0609070205080204" pitchFamily="49" charset="-128"/>
-                <a:ea typeface="ＭＳ ゴシック" panose="020B0609070205080204" pitchFamily="49" charset="-128"/>
-              </a:rPr>
-              <a:t>^ </a:t>
-            </a:r>
-            <a:r>
-              <a:rPr lang="en-US" altLang="ja-JP" sz="1600" dirty="0" err="1">
-                <a:solidFill>
-                  <a:srgbClr val="000000"/>
-                </a:solidFill>
-                <a:latin typeface="ＭＳ ゴシック" panose="020B0609070205080204" pitchFamily="49" charset="-128"/>
-                <a:ea typeface="ＭＳ ゴシック" panose="020B0609070205080204" pitchFamily="49" charset="-128"/>
-              </a:rPr>
-              <a:t>m_singleton</a:t>
-            </a:r>
-            <a:r>
-              <a:rPr lang="en-US" altLang="ja-JP" sz="1600" dirty="0">
-                <a:solidFill>
-                  <a:srgbClr val="000000"/>
-                </a:solidFill>
-                <a:latin typeface="ＭＳ ゴシック" panose="020B0609070205080204" pitchFamily="49" charset="-128"/>
-                <a:ea typeface="ＭＳ ゴシック" panose="020B0609070205080204" pitchFamily="49" charset="-128"/>
-              </a:rPr>
-              <a:t>;</a:t>
-            </a:r>
-          </a:p>
-          <a:p>
-            <a:pPr>
-              <a:lnSpc>
-                <a:spcPts val="1600"/>
-              </a:lnSpc>
-            </a:pPr>
-            <a:endParaRPr lang="ja-JP" altLang="en-US" sz="1600" dirty="0">
-              <a:solidFill>
-                <a:srgbClr val="000000"/>
-              </a:solidFill>
-              <a:latin typeface="ＭＳ ゴシック" panose="020B0609070205080204" pitchFamily="49" charset="-128"/>
-              <a:ea typeface="ＭＳ ゴシック" panose="020B0609070205080204" pitchFamily="49" charset="-128"/>
-            </a:endParaRPr>
-          </a:p>
-          <a:p>
-            <a:pPr>
-              <a:lnSpc>
-                <a:spcPts val="1600"/>
-              </a:lnSpc>
-            </a:pPr>
-            <a:r>
-              <a:rPr lang="en-US" altLang="ja-JP" sz="1600" dirty="0" smtClean="0">
-                <a:solidFill>
-                  <a:srgbClr val="0000FF"/>
-                </a:solidFill>
-                <a:latin typeface="ＭＳ ゴシック" panose="020B0609070205080204" pitchFamily="49" charset="-128"/>
-                <a:ea typeface="ＭＳ ゴシック" panose="020B0609070205080204" pitchFamily="49" charset="-128"/>
-              </a:rPr>
-              <a:t>public</a:t>
-            </a:r>
-            <a:r>
-              <a:rPr lang="en-US" altLang="ja-JP" sz="1600" dirty="0">
-                <a:solidFill>
-                  <a:srgbClr val="000000"/>
-                </a:solidFill>
-                <a:latin typeface="ＭＳ ゴシック" panose="020B0609070205080204" pitchFamily="49" charset="-128"/>
-                <a:ea typeface="ＭＳ ゴシック" panose="020B0609070205080204" pitchFamily="49" charset="-128"/>
-              </a:rPr>
-              <a:t>:</a:t>
-            </a:r>
-          </a:p>
-          <a:p>
-            <a:pPr>
-              <a:lnSpc>
-                <a:spcPts val="1600"/>
-              </a:lnSpc>
-            </a:pPr>
-            <a:r>
-              <a:rPr lang="en-US" altLang="ja-JP" sz="1600" dirty="0">
-                <a:solidFill>
-                  <a:srgbClr val="000000"/>
-                </a:solidFill>
-                <a:latin typeface="ＭＳ ゴシック" panose="020B0609070205080204" pitchFamily="49" charset="-128"/>
-                <a:ea typeface="ＭＳ ゴシック" panose="020B0609070205080204" pitchFamily="49" charset="-128"/>
-              </a:rPr>
-              <a:t>    </a:t>
-            </a:r>
-            <a:r>
-              <a:rPr lang="en-US" altLang="ja-JP" sz="1600" dirty="0">
-                <a:solidFill>
-                  <a:srgbClr val="0000FF"/>
-                </a:solidFill>
-                <a:latin typeface="ＭＳ ゴシック" panose="020B0609070205080204" pitchFamily="49" charset="-128"/>
-                <a:ea typeface="ＭＳ ゴシック" panose="020B0609070205080204" pitchFamily="49" charset="-128"/>
-              </a:rPr>
-              <a:t>static</a:t>
-            </a:r>
-            <a:r>
-              <a:rPr lang="en-US" altLang="ja-JP" sz="1600" dirty="0">
-                <a:solidFill>
-                  <a:srgbClr val="000000"/>
-                </a:solidFill>
-                <a:latin typeface="ＭＳ ゴシック" panose="020B0609070205080204" pitchFamily="49" charset="-128"/>
-                <a:ea typeface="ＭＳ ゴシック" panose="020B0609070205080204" pitchFamily="49" charset="-128"/>
-              </a:rPr>
-              <a:t> </a:t>
-            </a:r>
-            <a:r>
-              <a:rPr lang="en-US" altLang="ja-JP" sz="1600" dirty="0" err="1">
-                <a:solidFill>
-                  <a:srgbClr val="2B91AF"/>
-                </a:solidFill>
-                <a:latin typeface="ＭＳ ゴシック" panose="020B0609070205080204" pitchFamily="49" charset="-128"/>
-                <a:ea typeface="ＭＳ ゴシック" panose="020B0609070205080204" pitchFamily="49" charset="-128"/>
-              </a:rPr>
-              <a:t>MainForm</a:t>
-            </a:r>
-            <a:r>
-              <a:rPr lang="en-US" altLang="ja-JP" sz="1600" dirty="0">
-                <a:solidFill>
-                  <a:srgbClr val="000000"/>
-                </a:solidFill>
-                <a:latin typeface="ＭＳ ゴシック" panose="020B0609070205080204" pitchFamily="49" charset="-128"/>
-                <a:ea typeface="ＭＳ ゴシック" panose="020B0609070205080204" pitchFamily="49" charset="-128"/>
-              </a:rPr>
-              <a:t>^ </a:t>
-            </a:r>
-            <a:r>
-              <a:rPr lang="en-US" altLang="ja-JP" sz="1600" dirty="0" err="1">
-                <a:solidFill>
-                  <a:srgbClr val="000000"/>
-                </a:solidFill>
-                <a:latin typeface="ＭＳ ゴシック" panose="020B0609070205080204" pitchFamily="49" charset="-128"/>
-                <a:ea typeface="ＭＳ ゴシック" panose="020B0609070205080204" pitchFamily="49" charset="-128"/>
-              </a:rPr>
-              <a:t>getInst</a:t>
-            </a:r>
-            <a:r>
-              <a:rPr lang="en-US" altLang="ja-JP" sz="1600" dirty="0">
-                <a:solidFill>
-                  <a:srgbClr val="000000"/>
-                </a:solidFill>
-                <a:latin typeface="ＭＳ ゴシック" panose="020B0609070205080204" pitchFamily="49" charset="-128"/>
-                <a:ea typeface="ＭＳ ゴシック" panose="020B0609070205080204" pitchFamily="49" charset="-128"/>
-              </a:rPr>
-              <a:t>()</a:t>
-            </a:r>
-          </a:p>
-          <a:p>
-            <a:pPr>
-              <a:lnSpc>
-                <a:spcPts val="1600"/>
-              </a:lnSpc>
-            </a:pPr>
-            <a:r>
-              <a:rPr lang="ja-JP" altLang="en-US" sz="1600" dirty="0">
-                <a:solidFill>
-                  <a:srgbClr val="000000"/>
-                </a:solidFill>
-                <a:latin typeface="ＭＳ ゴシック" panose="020B0609070205080204" pitchFamily="49" charset="-128"/>
-                <a:ea typeface="ＭＳ ゴシック" panose="020B0609070205080204" pitchFamily="49" charset="-128"/>
-              </a:rPr>
-              <a:t>    </a:t>
-            </a:r>
-            <a:r>
-              <a:rPr lang="en-US" altLang="ja-JP" sz="1600" dirty="0">
-                <a:solidFill>
-                  <a:srgbClr val="000000"/>
-                </a:solidFill>
-                <a:latin typeface="ＭＳ ゴシック" panose="020B0609070205080204" pitchFamily="49" charset="-128"/>
-                <a:ea typeface="ＭＳ ゴシック" panose="020B0609070205080204" pitchFamily="49" charset="-128"/>
-              </a:rPr>
-              <a:t>{</a:t>
-            </a:r>
-          </a:p>
-          <a:p>
-            <a:pPr>
-              <a:lnSpc>
-                <a:spcPts val="1600"/>
-              </a:lnSpc>
-            </a:pPr>
-            <a:r>
-              <a:rPr lang="en-US" altLang="ja-JP" sz="1600" dirty="0">
-                <a:solidFill>
-                  <a:srgbClr val="000000"/>
-                </a:solidFill>
-                <a:latin typeface="ＭＳ ゴシック" panose="020B0609070205080204" pitchFamily="49" charset="-128"/>
-                <a:ea typeface="ＭＳ ゴシック" panose="020B0609070205080204" pitchFamily="49" charset="-128"/>
-              </a:rPr>
-              <a:t>      </a:t>
-            </a:r>
-            <a:r>
-              <a:rPr lang="en-US" altLang="ja-JP" sz="1600" dirty="0">
-                <a:solidFill>
-                  <a:srgbClr val="0000FF"/>
-                </a:solidFill>
-                <a:latin typeface="ＭＳ ゴシック" panose="020B0609070205080204" pitchFamily="49" charset="-128"/>
-                <a:ea typeface="ＭＳ ゴシック" panose="020B0609070205080204" pitchFamily="49" charset="-128"/>
-              </a:rPr>
-              <a:t>if</a:t>
-            </a:r>
-            <a:r>
-              <a:rPr lang="en-US" altLang="ja-JP" sz="1600" dirty="0">
-                <a:solidFill>
-                  <a:srgbClr val="000000"/>
-                </a:solidFill>
-                <a:latin typeface="ＭＳ ゴシック" panose="020B0609070205080204" pitchFamily="49" charset="-128"/>
-                <a:ea typeface="ＭＳ ゴシック" panose="020B0609070205080204" pitchFamily="49" charset="-128"/>
-              </a:rPr>
-              <a:t> (</a:t>
-            </a:r>
-            <a:r>
-              <a:rPr lang="en-US" altLang="ja-JP" sz="1600" dirty="0" err="1">
-                <a:solidFill>
-                  <a:srgbClr val="000000"/>
-                </a:solidFill>
-                <a:latin typeface="ＭＳ ゴシック" panose="020B0609070205080204" pitchFamily="49" charset="-128"/>
-                <a:ea typeface="ＭＳ ゴシック" panose="020B0609070205080204" pitchFamily="49" charset="-128"/>
-              </a:rPr>
-              <a:t>m_singleton</a:t>
-            </a:r>
-            <a:r>
-              <a:rPr lang="en-US" altLang="ja-JP" sz="1600" dirty="0">
-                <a:solidFill>
-                  <a:srgbClr val="000000"/>
-                </a:solidFill>
-                <a:latin typeface="ＭＳ ゴシック" panose="020B0609070205080204" pitchFamily="49" charset="-128"/>
-                <a:ea typeface="ＭＳ ゴシック" panose="020B0609070205080204" pitchFamily="49" charset="-128"/>
-              </a:rPr>
-              <a:t> == </a:t>
-            </a:r>
-            <a:r>
-              <a:rPr lang="en-US" altLang="ja-JP" sz="1600" dirty="0" err="1">
-                <a:solidFill>
-                  <a:srgbClr val="0000FF"/>
-                </a:solidFill>
-                <a:latin typeface="ＭＳ ゴシック" panose="020B0609070205080204" pitchFamily="49" charset="-128"/>
-                <a:ea typeface="ＭＳ ゴシック" panose="020B0609070205080204" pitchFamily="49" charset="-128"/>
-              </a:rPr>
-              <a:t>nullptr</a:t>
-            </a:r>
-            <a:r>
-              <a:rPr lang="en-US" altLang="ja-JP" sz="1600" dirty="0">
-                <a:solidFill>
-                  <a:srgbClr val="000000"/>
-                </a:solidFill>
-                <a:latin typeface="ＭＳ ゴシック" panose="020B0609070205080204" pitchFamily="49" charset="-128"/>
-                <a:ea typeface="ＭＳ ゴシック" panose="020B0609070205080204" pitchFamily="49" charset="-128"/>
-              </a:rPr>
-              <a:t>) </a:t>
-            </a:r>
-            <a:r>
-              <a:rPr lang="en-US" altLang="ja-JP" sz="1600" dirty="0" err="1">
-                <a:solidFill>
-                  <a:srgbClr val="000000"/>
-                </a:solidFill>
-                <a:latin typeface="ＭＳ ゴシック" panose="020B0609070205080204" pitchFamily="49" charset="-128"/>
-                <a:ea typeface="ＭＳ ゴシック" panose="020B0609070205080204" pitchFamily="49" charset="-128"/>
-              </a:rPr>
-              <a:t>m_singleton</a:t>
-            </a:r>
-            <a:r>
-              <a:rPr lang="en-US" altLang="ja-JP" sz="1600" dirty="0">
-                <a:solidFill>
-                  <a:srgbClr val="000000"/>
-                </a:solidFill>
-                <a:latin typeface="ＭＳ ゴシック" panose="020B0609070205080204" pitchFamily="49" charset="-128"/>
-                <a:ea typeface="ＭＳ ゴシック" panose="020B0609070205080204" pitchFamily="49" charset="-128"/>
-              </a:rPr>
-              <a:t> = </a:t>
-            </a:r>
-            <a:r>
-              <a:rPr lang="en-US" altLang="ja-JP" sz="1600" dirty="0" err="1" smtClean="0">
-                <a:solidFill>
-                  <a:srgbClr val="0000FF"/>
-                </a:solidFill>
-                <a:latin typeface="ＭＳ ゴシック" panose="020B0609070205080204" pitchFamily="49" charset="-128"/>
-                <a:ea typeface="ＭＳ ゴシック" panose="020B0609070205080204" pitchFamily="49" charset="-128"/>
-              </a:rPr>
-              <a:t>gcnew</a:t>
-            </a:r>
-            <a:r>
-              <a:rPr lang="en-US" altLang="ja-JP" sz="1600" dirty="0" smtClean="0">
-                <a:solidFill>
-                  <a:srgbClr val="000000"/>
-                </a:solidFill>
-                <a:latin typeface="ＭＳ ゴシック" panose="020B0609070205080204" pitchFamily="49" charset="-128"/>
-                <a:ea typeface="ＭＳ ゴシック" panose="020B0609070205080204" pitchFamily="49" charset="-128"/>
-              </a:rPr>
-              <a:t> </a:t>
-            </a:r>
-            <a:r>
-              <a:rPr lang="en-US" altLang="ja-JP" sz="1600" dirty="0" err="1">
-                <a:solidFill>
-                  <a:srgbClr val="2B91AF"/>
-                </a:solidFill>
-                <a:latin typeface="ＭＳ ゴシック" panose="020B0609070205080204" pitchFamily="49" charset="-128"/>
-                <a:ea typeface="ＭＳ ゴシック" panose="020B0609070205080204" pitchFamily="49" charset="-128"/>
-              </a:rPr>
-              <a:t>MainForm</a:t>
-            </a:r>
-            <a:r>
-              <a:rPr lang="en-US" altLang="ja-JP" sz="1600" dirty="0">
-                <a:solidFill>
-                  <a:srgbClr val="000000"/>
-                </a:solidFill>
-                <a:latin typeface="ＭＳ ゴシック" panose="020B0609070205080204" pitchFamily="49" charset="-128"/>
-                <a:ea typeface="ＭＳ ゴシック" panose="020B0609070205080204" pitchFamily="49" charset="-128"/>
-              </a:rPr>
-              <a:t>();</a:t>
-            </a:r>
-          </a:p>
-          <a:p>
-            <a:pPr>
-              <a:lnSpc>
-                <a:spcPts val="1600"/>
-              </a:lnSpc>
-            </a:pPr>
-            <a:r>
-              <a:rPr lang="en-US" altLang="ja-JP" sz="1600" dirty="0">
-                <a:solidFill>
-                  <a:srgbClr val="000000"/>
-                </a:solidFill>
-                <a:latin typeface="ＭＳ ゴシック" panose="020B0609070205080204" pitchFamily="49" charset="-128"/>
-                <a:ea typeface="ＭＳ ゴシック" panose="020B0609070205080204" pitchFamily="49" charset="-128"/>
-              </a:rPr>
-              <a:t>      </a:t>
-            </a:r>
-            <a:r>
-              <a:rPr lang="en-US" altLang="ja-JP" sz="1600" dirty="0">
-                <a:solidFill>
-                  <a:srgbClr val="0000FF"/>
-                </a:solidFill>
-                <a:latin typeface="ＭＳ ゴシック" panose="020B0609070205080204" pitchFamily="49" charset="-128"/>
-                <a:ea typeface="ＭＳ ゴシック" panose="020B0609070205080204" pitchFamily="49" charset="-128"/>
-              </a:rPr>
-              <a:t>return</a:t>
-            </a:r>
-            <a:r>
-              <a:rPr lang="en-US" altLang="ja-JP" sz="1600" dirty="0">
-                <a:solidFill>
-                  <a:srgbClr val="000000"/>
-                </a:solidFill>
-                <a:latin typeface="ＭＳ ゴシック" panose="020B0609070205080204" pitchFamily="49" charset="-128"/>
-                <a:ea typeface="ＭＳ ゴシック" panose="020B0609070205080204" pitchFamily="49" charset="-128"/>
-              </a:rPr>
-              <a:t> </a:t>
-            </a:r>
-            <a:r>
-              <a:rPr lang="en-US" altLang="ja-JP" sz="1600" dirty="0" err="1">
-                <a:solidFill>
-                  <a:srgbClr val="000000"/>
-                </a:solidFill>
-                <a:latin typeface="ＭＳ ゴシック" panose="020B0609070205080204" pitchFamily="49" charset="-128"/>
-                <a:ea typeface="ＭＳ ゴシック" panose="020B0609070205080204" pitchFamily="49" charset="-128"/>
-              </a:rPr>
-              <a:t>m_singleton</a:t>
-            </a:r>
-            <a:r>
-              <a:rPr lang="en-US" altLang="ja-JP" sz="1600" dirty="0">
-                <a:solidFill>
-                  <a:srgbClr val="000000"/>
-                </a:solidFill>
-                <a:latin typeface="ＭＳ ゴシック" panose="020B0609070205080204" pitchFamily="49" charset="-128"/>
-                <a:ea typeface="ＭＳ ゴシック" panose="020B0609070205080204" pitchFamily="49" charset="-128"/>
-              </a:rPr>
-              <a:t>;</a:t>
-            </a:r>
-          </a:p>
-          <a:p>
-            <a:pPr>
-              <a:lnSpc>
-                <a:spcPts val="1600"/>
-              </a:lnSpc>
-            </a:pPr>
-            <a:r>
-              <a:rPr lang="ja-JP" altLang="en-US" sz="1600" dirty="0">
-                <a:solidFill>
-                  <a:srgbClr val="000000"/>
-                </a:solidFill>
-                <a:latin typeface="ＭＳ ゴシック" panose="020B0609070205080204" pitchFamily="49" charset="-128"/>
-                <a:ea typeface="ＭＳ ゴシック" panose="020B0609070205080204" pitchFamily="49" charset="-128"/>
-              </a:rPr>
-              <a:t>    </a:t>
-            </a:r>
-            <a:r>
-              <a:rPr lang="en-US" altLang="ja-JP" sz="1600" dirty="0">
-                <a:solidFill>
-                  <a:srgbClr val="000000"/>
-                </a:solidFill>
-                <a:latin typeface="ＭＳ ゴシック" panose="020B0609070205080204" pitchFamily="49" charset="-128"/>
-                <a:ea typeface="ＭＳ ゴシック" panose="020B0609070205080204" pitchFamily="49" charset="-128"/>
-              </a:rPr>
-              <a:t>}</a:t>
-            </a:r>
-          </a:p>
-        </p:txBody>
-      </p:sp>
-    </p:spTree>
-    <p:extLst>
-      <p:ext uri="{BB962C8B-B14F-4D97-AF65-F5344CB8AC3E}">
-        <p14:creationId xmlns:p14="http://schemas.microsoft.com/office/powerpoint/2010/main" val="3909447608"/>
-      </p:ext>
-    </p:extLst>
-  </p:cSld>
-  <p:clrMapOvr>
-    <a:masterClrMapping/>
-  </p:clrMapOvr>
+  <p:timing>
+    <p:tnLst>
+      <p:par>
+        <p:cTn id="1" dur="indefinite" restart="never" nodeType="tmRoot"/>
+      </p:par>
+    </p:tnLst>
+  </p:timing>
 </p:sld>
 </file>
 

--- a/プログラミングスタートアップ.pptx
+++ b/プログラミングスタートアップ.pptx
@@ -237,7 +237,7 @@
           <a:p>
             <a:fld id="{016100B0-BDD1-42AF-AA75-0D5E4C73D067}" type="datetimeFigureOut">
               <a:rPr kumimoji="1" lang="ja-JP" altLang="en-US" smtClean="0"/>
-              <a:t>2020/2/18</a:t>
+              <a:t>2020/2/19</a:t>
             </a:fld>
             <a:endParaRPr kumimoji="1" lang="ja-JP" altLang="en-US"/>
           </a:p>
@@ -1797,11 +1797,7 @@
             <a:pPr lvl="1"/>
             <a:r>
               <a:rPr lang="ja-JP" altLang="en-US" sz="2000" dirty="0" smtClean="0"/>
-              <a:t>インストール</a:t>
-            </a:r>
-            <a:r>
-              <a:rPr lang="ja-JP" altLang="en-US" sz="2000" dirty="0" smtClean="0"/>
-              <a:t>する</a:t>
+              <a:t>インストールする</a:t>
             </a:r>
             <a:endParaRPr lang="en-US" altLang="ja-JP" sz="2000" dirty="0" smtClean="0"/>
           </a:p>
@@ -1893,19 +1889,11 @@
           <a:p>
             <a:r>
               <a:rPr lang="en-US" altLang="ja-JP" sz="2400" dirty="0" smtClean="0"/>
-              <a:t>Visual Studio </a:t>
-            </a:r>
-            <a:r>
-              <a:rPr lang="en-US" altLang="ja-JP" sz="2400" dirty="0" smtClean="0"/>
-              <a:t>2017 (or 2019) </a:t>
+              <a:t>Visual Studio 2017 (or 2019) </a:t>
             </a:r>
             <a:r>
               <a:rPr lang="ja-JP" altLang="en-US" sz="2400" dirty="0" smtClean="0"/>
-              <a:t>の</a:t>
-            </a:r>
-            <a:r>
-              <a:rPr lang="ja-JP" altLang="en-US" sz="2400" dirty="0" smtClean="0"/>
-              <a:t>インストール</a:t>
+              <a:t>のインストール</a:t>
             </a:r>
             <a:endParaRPr lang="en-US" altLang="ja-JP" sz="2400" dirty="0" smtClean="0"/>
           </a:p>
@@ -2231,13 +2219,7 @@
               <a:rPr kumimoji="1" lang="ja-JP" altLang="en-US" sz="2000" dirty="0" smtClean="0">
                 <a:sym typeface="Wingdings" panose="05000000000000000000" pitchFamily="2" charset="2"/>
               </a:rPr>
-              <a:t>空のプロジェクトが生成</a:t>
-            </a:r>
-            <a:r>
-              <a:rPr kumimoji="1" lang="ja-JP" altLang="en-US" sz="2000" dirty="0" smtClean="0">
-                <a:sym typeface="Wingdings" panose="05000000000000000000" pitchFamily="2" charset="2"/>
-              </a:rPr>
-              <a:t>される</a:t>
+              <a:t>空のプロジェクトが生成される</a:t>
             </a:r>
             <a:endParaRPr kumimoji="1" lang="en-US" altLang="ja-JP" sz="2000" dirty="0" smtClean="0"/>
           </a:p>
@@ -2268,11 +2250,7 @@
             </a:r>
             <a:r>
               <a:rPr lang="ja-JP" altLang="en-US" sz="2000" dirty="0" smtClean="0"/>
-              <a:t>はコンソール</a:t>
-            </a:r>
-            <a:r>
-              <a:rPr lang="ja-JP" altLang="en-US" sz="2000" dirty="0" smtClean="0"/>
-              <a:t>が表示されるだけ</a:t>
+              <a:t>はコンソールが表示されるだけ</a:t>
             </a:r>
             <a:endParaRPr lang="en-US" altLang="ja-JP" sz="2000" dirty="0" smtClean="0"/>
           </a:p>
@@ -2548,11 +2526,7 @@
             </a:r>
             <a:r>
               <a:rPr lang="en-US" altLang="ja-JP" sz="2000" dirty="0" smtClean="0"/>
-              <a:t>R</a:t>
-            </a:r>
-            <a:r>
-              <a:rPr lang="en-US" altLang="ja-JP" sz="2000" dirty="0" smtClean="0"/>
-              <a:t>elease </a:t>
+              <a:t>Release </a:t>
             </a:r>
             <a:r>
               <a:rPr lang="ja-JP" altLang="en-US" sz="2000" dirty="0"/>
@@ -2627,11 +2601,7 @@
             </a:r>
             <a:r>
               <a:rPr lang="ja-JP" altLang="en-US" sz="1600" dirty="0" smtClean="0"/>
-              <a:t>から設定なしへ</a:t>
-            </a:r>
-            <a:r>
-              <a:rPr lang="ja-JP" altLang="en-US" sz="1600" dirty="0" smtClean="0"/>
-              <a:t>変更</a:t>
+              <a:t>から設定なしへ変更</a:t>
             </a:r>
             <a:endParaRPr lang="en-US" altLang="ja-JP" sz="1600" dirty="0" smtClean="0"/>
           </a:p>
@@ -2653,11 +2623,7 @@
             </a:r>
             <a:r>
               <a:rPr lang="ja-JP" altLang="en-US" sz="1600" dirty="0" smtClean="0"/>
-              <a:t>ファイルの設定などによく利用</a:t>
-            </a:r>
-            <a:r>
-              <a:rPr lang="ja-JP" altLang="en-US" sz="1600" dirty="0" smtClean="0"/>
-              <a:t>する</a:t>
+              <a:t>ファイルの設定などによく利用する</a:t>
             </a:r>
             <a:endParaRPr lang="en-US" altLang="ja-JP" sz="1600" dirty="0" smtClean="0"/>
           </a:p>
@@ -2990,13 +2956,7 @@
               <a:rPr lang="ja-JP" altLang="en-US" sz="1400" dirty="0" smtClean="0">
                 <a:sym typeface="Wingdings" panose="05000000000000000000" pitchFamily="2" charset="2"/>
               </a:rPr>
-              <a:t>フォームが生成され　右のような画面に</a:t>
-            </a:r>
-            <a:r>
-              <a:rPr lang="ja-JP" altLang="en-US" sz="1400" dirty="0" smtClean="0">
-                <a:sym typeface="Wingdings" panose="05000000000000000000" pitchFamily="2" charset="2"/>
-              </a:rPr>
-              <a:t>なる</a:t>
+              <a:t>フォームが生成され　右のような画面になる</a:t>
             </a:r>
             <a:endParaRPr lang="en-US" altLang="ja-JP" sz="1400" dirty="0" smtClean="0">
               <a:sym typeface="Wingdings" panose="05000000000000000000" pitchFamily="2" charset="2"/>
@@ -3131,11 +3091,7 @@
             </a:r>
             <a:r>
               <a:rPr lang="ja-JP" altLang="en-US" sz="1400" dirty="0" smtClean="0"/>
-              <a:t>コードの表示でソースを表示</a:t>
-            </a:r>
-            <a:r>
-              <a:rPr lang="ja-JP" altLang="en-US" sz="1400" dirty="0" smtClean="0"/>
-              <a:t>できる</a:t>
+              <a:t>コードの表示でソースを表示できる</a:t>
             </a:r>
             <a:endParaRPr lang="en-US" altLang="ja-JP" sz="1400" dirty="0" smtClean="0"/>
           </a:p>
@@ -3183,15 +3139,7 @@
             </a:pPr>
             <a:r>
               <a:rPr kumimoji="1" lang="ja-JP" altLang="en-US" sz="1200" dirty="0" smtClean="0"/>
-              <a:t>コード</a:t>
-            </a:r>
-            <a:r>
-              <a:rPr kumimoji="1" lang="ja-JP" altLang="en-US" sz="1200" dirty="0" smtClean="0"/>
-              <a:t>の情報からダイアログを生成し</a:t>
-            </a:r>
-            <a:r>
-              <a:rPr kumimoji="1" lang="ja-JP" altLang="en-US" sz="1200" dirty="0" smtClean="0"/>
-              <a:t>，</a:t>
+              <a:t>コードの情報からダイアログを生成し，</a:t>
             </a:r>
             <a:endParaRPr kumimoji="1" lang="en-US" altLang="ja-JP" sz="1200" dirty="0" smtClean="0"/>
           </a:p>
@@ -3203,11 +3151,7 @@
             </a:pPr>
             <a:r>
               <a:rPr kumimoji="1" lang="ja-JP" altLang="en-US" sz="1200" dirty="0" smtClean="0"/>
-              <a:t>ダイアログエディタ</a:t>
-            </a:r>
-            <a:r>
-              <a:rPr kumimoji="1" lang="ja-JP" altLang="en-US" sz="1200" dirty="0" smtClean="0"/>
-              <a:t>の編集内容をコードへ適用する</a:t>
+              <a:t>ダイアログエディタの編集内容をコードへ適用する</a:t>
             </a:r>
             <a:endParaRPr kumimoji="1" lang="en-US" altLang="ja-JP" sz="1200" dirty="0" smtClean="0"/>
           </a:p>
@@ -3685,11 +3629,7 @@
             </a:r>
             <a:r>
               <a:rPr kumimoji="1" lang="en-US" altLang="ja-JP" dirty="0" smtClean="0"/>
-              <a:t>(</a:t>
-            </a:r>
-            <a:r>
-              <a:rPr kumimoji="1" lang="en-US" altLang="ja-JP" dirty="0" smtClean="0"/>
-              <a:t>1/3)</a:t>
+              <a:t>(1/3)</a:t>
             </a:r>
             <a:endParaRPr kumimoji="1" lang="ja-JP" altLang="en-US" dirty="0"/>
           </a:p>
@@ -3912,17 +3852,7 @@
                 <a:latin typeface="+mj-ea"/>
                 <a:ea typeface="+mj-ea"/>
               </a:rPr>
-              <a:t>G</a:t>
-            </a:r>
-            <a:r>
-              <a:rPr lang="en-US" altLang="ja-JP" sz="2000" dirty="0" err="1" smtClean="0">
-                <a:solidFill>
-                  <a:srgbClr val="000000"/>
-                </a:solidFill>
-                <a:latin typeface="+mj-ea"/>
-                <a:ea typeface="+mj-ea"/>
-              </a:rPr>
-              <a:t>etInst</a:t>
+              <a:t>GetInst</a:t>
             </a:r>
             <a:r>
               <a:rPr lang="ja-JP" altLang="en-US" sz="2000" dirty="0">
@@ -4740,11 +4670,7 @@
             </a:r>
             <a:r>
               <a:rPr kumimoji="1" lang="en-US" altLang="ja-JP" dirty="0" smtClean="0"/>
-              <a:t>(</a:t>
-            </a:r>
-            <a:r>
-              <a:rPr kumimoji="1" lang="en-US" altLang="ja-JP" dirty="0" smtClean="0"/>
-              <a:t>2/3)</a:t>
+              <a:t>(2/3)</a:t>
             </a:r>
             <a:endParaRPr kumimoji="1" lang="ja-JP" altLang="en-US" dirty="0"/>
           </a:p>
@@ -5796,16 +5722,16 @@
               <a:t>イベントハンドラ</a:t>
             </a:r>
             <a:r>
-              <a:rPr kumimoji="1" lang="ja-JP" altLang="en-US" sz="1800" dirty="0">
+              <a:rPr kumimoji="1" lang="en-US" altLang="ja-JP" sz="1800" dirty="0" smtClean="0">
                 <a:sym typeface="Wingdings" panose="05000000000000000000" pitchFamily="2" charset="2"/>
               </a:rPr>
-              <a:t>二秒</a:t>
+              <a:t>2</a:t>
             </a:r>
             <a:r>
               <a:rPr kumimoji="1" lang="ja-JP" altLang="en-US" sz="1800" dirty="0" smtClean="0">
                 <a:sym typeface="Wingdings" panose="05000000000000000000" pitchFamily="2" charset="2"/>
               </a:rPr>
-              <a:t>が</a:t>
+              <a:t>行が</a:t>
             </a:r>
             <a:r>
               <a:rPr kumimoji="1" lang="ja-JP" altLang="en-US" sz="1800" dirty="0">
@@ -9496,17 +9422,7 @@
                 <a:latin typeface="ＭＳ ゴシック" panose="020B0609070205080204" pitchFamily="49" charset="-128"/>
                 <a:ea typeface="ＭＳ ゴシック" panose="020B0609070205080204" pitchFamily="49" charset="-128"/>
               </a:rPr>
-              <a:t>のコンストラクタに</a:t>
-            </a:r>
-            <a:r>
-              <a:rPr lang="ja-JP" altLang="en-US" sz="1200" dirty="0" smtClean="0">
-                <a:solidFill>
-                  <a:srgbClr val="000000"/>
-                </a:solidFill>
-                <a:latin typeface="ＭＳ ゴシック" panose="020B0609070205080204" pitchFamily="49" charset="-128"/>
-                <a:ea typeface="ＭＳ ゴシック" panose="020B0609070205080204" pitchFamily="49" charset="-128"/>
-              </a:rPr>
-              <a:t>以下を追加</a:t>
+              <a:t>のコンストラクタに以下を追加</a:t>
             </a:r>
             <a:endParaRPr lang="en-US" altLang="ja-JP" sz="1200" dirty="0" smtClean="0">
               <a:solidFill>
@@ -11033,11 +10949,7 @@
             </a:pPr>
             <a:r>
               <a:rPr kumimoji="1" lang="en-US" altLang="ja-JP" sz="1600" dirty="0" smtClean="0"/>
-              <a:t>Paint </a:t>
-            </a:r>
-            <a:r>
-              <a:rPr kumimoji="1" lang="en-US" altLang="ja-JP" sz="1600" dirty="0" smtClean="0"/>
-              <a:t>  : </a:t>
+              <a:t>Paint   : </a:t>
             </a:r>
             <a:r>
               <a:rPr kumimoji="1" lang="ja-JP" altLang="en-US" sz="1600" dirty="0" smtClean="0"/>
@@ -11079,7 +10991,6 @@
               <a:rPr kumimoji="1" lang="en-US" altLang="ja-JP" sz="1600" dirty="0" smtClean="0"/>
               <a:t> </a:t>
             </a:r>
-            <a:endParaRPr kumimoji="1" lang="en-US" altLang="ja-JP" sz="1600" dirty="0" smtClean="0"/>
           </a:p>
           <a:p>
             <a:pPr>
@@ -13724,13 +13635,7 @@
               <a:rPr lang="ja-JP" altLang="en-US" sz="1600" dirty="0" smtClean="0">
                 <a:sym typeface="Wingdings" panose="05000000000000000000" pitchFamily="2" charset="2"/>
               </a:rPr>
-              <a:t>へパス</a:t>
-            </a:r>
-            <a:r>
-              <a:rPr lang="ja-JP" altLang="en-US" sz="1600" dirty="0" smtClean="0">
-                <a:sym typeface="Wingdings" panose="05000000000000000000" pitchFamily="2" charset="2"/>
-              </a:rPr>
-              <a:t>を通す</a:t>
+              <a:t>へパスを通す</a:t>
             </a:r>
             <a:endParaRPr lang="en-US" altLang="ja-JP" sz="1600" dirty="0" smtClean="0">
               <a:sym typeface="Wingdings" panose="05000000000000000000" pitchFamily="2" charset="2"/>
@@ -15195,11 +15100,7 @@
             </a:pPr>
             <a:r>
               <a:rPr kumimoji="1" lang="ja-JP" altLang="en-US" sz="1600" dirty="0" smtClean="0"/>
-              <a:t>今回は井尻</a:t>
-            </a:r>
-            <a:r>
-              <a:rPr kumimoji="1" lang="ja-JP" altLang="en-US" sz="1600" dirty="0" smtClean="0"/>
-              <a:t>が</a:t>
+              <a:t>今回は井尻が</a:t>
             </a:r>
             <a:r>
               <a:rPr lang="ja-JP" altLang="en-US" sz="1600" dirty="0"/>
@@ -20048,11 +19949,7 @@
             </a:pPr>
             <a:r>
               <a:rPr lang="ja-JP" altLang="en-US" sz="2000" dirty="0" smtClean="0"/>
-              <a:t>通常ひとクラスは一つの役割のみを持たせる</a:t>
-            </a:r>
-            <a:r>
-              <a:rPr lang="ja-JP" altLang="en-US" sz="2000" dirty="0" smtClean="0"/>
-              <a:t>べき</a:t>
+              <a:t>通常ひとクラスは一つの役割のみを持たせるべき</a:t>
             </a:r>
             <a:endParaRPr lang="en-US" altLang="ja-JP" sz="2000" dirty="0" smtClean="0"/>
           </a:p>
@@ -20175,11 +20072,7 @@
             </a:r>
             <a:r>
               <a:rPr lang="ja-JP" altLang="en-US" sz="2000" dirty="0" smtClean="0"/>
-              <a:t>から離れてコーディングが</a:t>
-            </a:r>
-            <a:r>
-              <a:rPr lang="ja-JP" altLang="en-US" sz="2000" dirty="0" smtClean="0"/>
-              <a:t>出来る</a:t>
+              <a:t>から離れてコーディングが出来る</a:t>
             </a:r>
             <a:endParaRPr lang="en-US" altLang="ja-JP" sz="2000" dirty="0" smtClean="0"/>
           </a:p>
@@ -21991,11 +21884,7 @@
             </a:r>
             <a:r>
               <a:rPr lang="ja-JP" altLang="en-US" sz="2400" b="1" dirty="0" smtClean="0"/>
-              <a:t>に</a:t>
-            </a:r>
-            <a:r>
-              <a:rPr lang="ja-JP" altLang="en-US" sz="2400" b="1" dirty="0" smtClean="0"/>
-              <a:t>して説明する</a:t>
+              <a:t>にして説明する</a:t>
             </a:r>
             <a:endParaRPr lang="en-US" altLang="ja-JP" sz="2400" b="1" dirty="0" smtClean="0"/>
           </a:p>
@@ -24456,11 +24345,7 @@
           <a:p>
             <a:r>
               <a:rPr kumimoji="1" lang="ja-JP" altLang="en-US" sz="3200" dirty="0" smtClean="0"/>
-              <a:t>これから意識して</a:t>
-            </a:r>
-            <a:r>
-              <a:rPr kumimoji="1" lang="ja-JP" altLang="en-US" sz="3200" dirty="0" smtClean="0"/>
-              <a:t>実施してほしいこと </a:t>
+              <a:t>これから意識して実施してほしいこと </a:t>
             </a:r>
             <a:r>
               <a:rPr kumimoji="1" lang="en-US" altLang="ja-JP" sz="3200" dirty="0" smtClean="0"/>
@@ -24497,11 +24382,7 @@
             </a:pPr>
             <a:r>
               <a:rPr lang="ja-JP" altLang="en-US" b="1" dirty="0" smtClean="0"/>
-              <a:t>盲目的な</a:t>
-            </a:r>
-            <a:r>
-              <a:rPr lang="ja-JP" altLang="en-US" b="1" dirty="0" smtClean="0"/>
-              <a:t>コピペからの卒業</a:t>
+              <a:t>盲目的なコピペからの卒業</a:t>
             </a:r>
             <a:endParaRPr lang="en-US" altLang="ja-JP" b="1" dirty="0" smtClean="0"/>
           </a:p>
@@ -25200,11 +25081,7 @@
           <a:p>
             <a:r>
               <a:rPr kumimoji="1" lang="ja-JP" altLang="en-US" sz="3200" dirty="0" smtClean="0"/>
-              <a:t>これから意識して実施してほしい</a:t>
-            </a:r>
-            <a:r>
-              <a:rPr kumimoji="1" lang="ja-JP" altLang="en-US" sz="3200" dirty="0" smtClean="0"/>
-              <a:t>こと </a:t>
+              <a:t>これから意識して実施してほしいこと </a:t>
             </a:r>
             <a:r>
               <a:rPr lang="en-US" altLang="ja-JP" sz="3200" dirty="0"/>
@@ -25315,15 +25192,7 @@
             </a:r>
             <a:r>
               <a:rPr lang="ja-JP" altLang="en-US" sz="1600" dirty="0" smtClean="0"/>
-              <a:t>コピペしてきたらなんか</a:t>
-            </a:r>
-            <a:r>
-              <a:rPr lang="ja-JP" altLang="en-US" sz="1600" dirty="0" smtClean="0"/>
-              <a:t>動いた，エラー</a:t>
-            </a:r>
-            <a:r>
-              <a:rPr lang="ja-JP" altLang="en-US" sz="1600" dirty="0" smtClean="0"/>
-              <a:t>があるはずなのに動いている</a:t>
+              <a:t>コピペしてきたらなんか動いた，エラーがあるはずなのに動いている</a:t>
             </a:r>
             <a:endParaRPr lang="en-US" altLang="ja-JP" sz="1600" dirty="0"/>
           </a:p>
@@ -25463,11 +25332,7 @@
             </a:pPr>
             <a:r>
               <a:rPr lang="ja-JP" altLang="en-US" sz="1600" dirty="0" smtClean="0"/>
-              <a:t>コーディングスタイル</a:t>
-            </a:r>
-            <a:r>
-              <a:rPr lang="ja-JP" altLang="en-US" sz="1600" dirty="0" smtClean="0"/>
-              <a:t>，関数変数の命名規則，を，自分のコードの中で統一する</a:t>
+              <a:t>コーディングスタイル，関数変数の命名規則，を，自分のコードの中で統一する</a:t>
             </a:r>
             <a:endParaRPr lang="en-US" altLang="ja-JP" sz="1600" dirty="0" smtClean="0"/>
           </a:p>
@@ -26793,11 +26658,7 @@
           <a:p>
             <a:r>
               <a:rPr lang="ja-JP" altLang="en-US" dirty="0" smtClean="0"/>
-              <a:t>プロジェクトの</a:t>
-            </a:r>
-            <a:r>
-              <a:rPr lang="ja-JP" altLang="en-US" dirty="0" smtClean="0"/>
-              <a:t>作成（</a:t>
+              <a:t>プロジェクトの作成（</a:t>
             </a:r>
             <a:r>
               <a:rPr lang="en-US" altLang="ja-JP" dirty="0" smtClean="0"/>
